--- a/slides/Tag-3_1-Testing.pptx
+++ b/slides/Tag-3_1-Testing.pptx
@@ -12,7 +12,7 @@
     <p:handoutMasterId r:id="rId13"/>
   </p:handoutMasterIdLst>
   <p:sldIdLst>
-    <p:sldId id="288" r:id="rId3"/>
+    <p:sldId id="519" r:id="rId3"/>
     <p:sldId id="467" r:id="rId4"/>
     <p:sldId id="468" r:id="rId5"/>
     <p:sldId id="469" r:id="rId6"/>
@@ -182,10 +182,6 @@
 </p:presentation>
 </file>
 
-<file path=ppt/revisionInfo.xml><?xml version="1.0" encoding="utf-8"?>
-<p1510:revInfo xmlns:a="http://schemas.openxmlformats.org/drawingml/2006/main" xmlns:r="http://schemas.openxmlformats.org/officeDocument/2006/relationships" xmlns:p1510="http://schemas.microsoft.com/office/powerpoint/2015/10/main"/>
-</file>
-
 <file path=ppt/handoutMasters/handoutMaster1.xml><?xml version="1.0" encoding="utf-8"?>
 <p:handoutMaster xmlns:a="http://schemas.openxmlformats.org/drawingml/2006/main" xmlns:r="http://schemas.openxmlformats.org/officeDocument/2006/relationships" xmlns:p="http://schemas.openxmlformats.org/presentationml/2006/main">
   <p:cSld>
@@ -878,98 +874,6 @@
 </p:notesMaster>
 </file>
 
-<file path=ppt/notesSlides/notesSlide1.xml><?xml version="1.0" encoding="utf-8"?>
-<p:notes xmlns:a="http://schemas.openxmlformats.org/drawingml/2006/main" xmlns:r="http://schemas.openxmlformats.org/officeDocument/2006/relationships" xmlns:p="http://schemas.openxmlformats.org/presentationml/2006/main">
-  <p:cSld>
-    <p:spTree>
-      <p:nvGrpSpPr>
-        <p:cNvPr id="1" name=""/>
-        <p:cNvGrpSpPr/>
-        <p:nvPr/>
-      </p:nvGrpSpPr>
-      <p:grpSpPr>
-        <a:xfrm>
-          <a:off x="0" y="0"/>
-          <a:ext cx="0" cy="0"/>
-          <a:chOff x="0" y="0"/>
-          <a:chExt cx="0" cy="0"/>
-        </a:xfrm>
-      </p:grpSpPr>
-      <p:sp>
-        <p:nvSpPr>
-          <p:cNvPr id="2" name="Folienbildplatzhalter 1"/>
-          <p:cNvSpPr>
-            <a:spLocks noGrp="1" noRot="1" noChangeAspect="1"/>
-          </p:cNvSpPr>
-          <p:nvPr>
-            <p:ph type="sldImg"/>
-          </p:nvPr>
-        </p:nvSpPr>
-        <p:spPr/>
-      </p:sp>
-      <p:sp>
-        <p:nvSpPr>
-          <p:cNvPr id="3" name="Notizenplatzhalter 2"/>
-          <p:cNvSpPr>
-            <a:spLocks noGrp="1"/>
-          </p:cNvSpPr>
-          <p:nvPr>
-            <p:ph type="body" idx="1"/>
-          </p:nvPr>
-        </p:nvSpPr>
-        <p:spPr/>
-        <p:txBody>
-          <a:bodyPr>
-            <a:normAutofit/>
-          </a:bodyPr>
-          <a:lstStyle/>
-          <a:p>
-            <a:endParaRPr lang="de-DE"/>
-          </a:p>
-        </p:txBody>
-      </p:sp>
-      <p:sp>
-        <p:nvSpPr>
-          <p:cNvPr id="4" name="Foliennummernplatzhalter 3"/>
-          <p:cNvSpPr>
-            <a:spLocks noGrp="1"/>
-          </p:cNvSpPr>
-          <p:nvPr>
-            <p:ph type="sldNum" sz="quarter" idx="10"/>
-          </p:nvPr>
-        </p:nvSpPr>
-        <p:spPr/>
-        <p:txBody>
-          <a:bodyPr/>
-          <a:lstStyle/>
-          <a:p>
-            <a:pPr>
-              <a:defRPr/>
-            </a:pPr>
-            <a:fld id="{4598915F-EA62-4EB0-AFD7-AFB10A9BCAD2}" type="slidenum">
-              <a:rPr lang="de-DE" smtClean="0"/>
-              <a:pPr>
-                <a:defRPr/>
-              </a:pPr>
-              <a:t>1</a:t>
-            </a:fld>
-            <a:endParaRPr lang="de-DE" dirty="0"/>
-          </a:p>
-        </p:txBody>
-      </p:sp>
-    </p:spTree>
-    <p:extLst>
-      <p:ext uri="{BB962C8B-B14F-4D97-AF65-F5344CB8AC3E}">
-        <p14:creationId xmlns:p14="http://schemas.microsoft.com/office/powerpoint/2010/main" val="445921595"/>
-      </p:ext>
-    </p:extLst>
-  </p:cSld>
-  <p:clrMapOvr>
-    <a:masterClrMapping/>
-  </p:clrMapOvr>
-</p:notes>
-</file>
-
 <file path=ppt/slideLayouts/slideLayout1.xml><?xml version="1.0" encoding="utf-8"?>
 <p:sldLayout xmlns:a="http://schemas.openxmlformats.org/drawingml/2006/main" xmlns:r="http://schemas.openxmlformats.org/officeDocument/2006/relationships" xmlns:p="http://schemas.openxmlformats.org/presentationml/2006/main" type="title" preserve="1">
   <p:cSld name="Titelfolie">
@@ -6844,7 +6748,7 @@
               <a:pPr algn="ctr">
                 <a:defRPr/>
               </a:pPr>
-              <a:t>16.06.2017</a:t>
+              <a:t>14.03.2019</a:t>
             </a:fld>
             <a:endParaRPr lang="de-DE" sz="1000" dirty="0">
               <a:solidFill>
@@ -8481,124 +8385,85 @@
       </p:grpSpPr>
       <p:sp>
         <p:nvSpPr>
-          <p:cNvPr id="15362" name="Rectangle 2"/>
+          <p:cNvPr id="17410" name="Inhaltsplatzhalter 2"/>
+          <p:cNvSpPr>
+            <a:spLocks noGrp="1"/>
+          </p:cNvSpPr>
+          <p:nvPr>
+            <p:ph idx="1"/>
+          </p:nvPr>
+        </p:nvSpPr>
+        <p:spPr>
+          <a:xfrm>
+            <a:off x="303213" y="1341438"/>
+            <a:ext cx="8589962" cy="4824412"/>
+          </a:xfrm>
+        </p:spPr>
+        <p:txBody>
+          <a:bodyPr/>
+          <a:lstStyle/>
+          <a:p>
+            <a:pPr marL="0" indent="0" algn="ctr">
+              <a:buNone/>
+            </a:pPr>
+            <a:endParaRPr lang="de-DE" sz="4000" b="1" dirty="0"/>
+          </a:p>
+          <a:p>
+            <a:pPr marL="0" indent="0" algn="ctr">
+              <a:buNone/>
+            </a:pPr>
+            <a:endParaRPr lang="de-DE" sz="4000" b="1" dirty="0"/>
+          </a:p>
+          <a:p>
+            <a:pPr marL="0" indent="0" algn="ctr">
+              <a:buNone/>
+            </a:pPr>
+            <a:r>
+              <a:rPr lang="de-DE" sz="4000" b="1" dirty="0" err="1"/>
+              <a:t>Testing</a:t>
+            </a:r>
+            <a:endParaRPr lang="de-DE" sz="4000" b="1" dirty="0"/>
+          </a:p>
+          <a:p>
+            <a:pPr marL="0" indent="0" algn="ctr">
+              <a:buNone/>
+            </a:pPr>
+            <a:endParaRPr lang="de-DE" sz="4000" b="1" dirty="0">
+              <a:sym typeface="Wingdings" panose="05000000000000000000" pitchFamily="2" charset="2"/>
+            </a:endParaRPr>
+          </a:p>
+        </p:txBody>
+      </p:sp>
+      <p:sp>
+        <p:nvSpPr>
+          <p:cNvPr id="17411" name="Rectangle 1062"/>
           <p:cNvSpPr>
             <a:spLocks noGrp="1" noChangeArrowheads="1"/>
           </p:cNvSpPr>
           <p:nvPr>
-            <p:ph type="ctrTitle"/>
+            <p:ph type="title"/>
           </p:nvPr>
         </p:nvSpPr>
-        <p:spPr bwMode="auto">
+        <p:spPr>
           <a:xfrm>
-            <a:off x="468313" y="2562225"/>
-            <a:ext cx="5255815" cy="938213"/>
+            <a:off x="285750" y="142875"/>
+            <a:ext cx="5654675" cy="706438"/>
           </a:xfrm>
-          <a:noFill/>
-          <a:ln>
-            <a:miter lim="800000"/>
-            <a:headEnd/>
-            <a:tailEnd/>
-          </a:ln>
         </p:spPr>
         <p:txBody>
-          <a:bodyPr vert="horz" wrap="square" lIns="91440" tIns="45720" rIns="91440" bIns="45720" numCol="1" anchor="t" anchorCtr="0" compatLnSpc="1">
-            <a:prstTxWarp prst="textNoShape">
-              <a:avLst/>
-            </a:prstTxWarp>
-          </a:bodyPr>
+          <a:bodyPr/>
           <a:lstStyle/>
           <a:p>
-            <a:pPr algn="l" eaLnBrk="1" hangingPunct="1"/>
-            <a:r>
-              <a:rPr lang="de-DE" sz="3600" dirty="0" err="1"/>
-              <a:t>Testing</a:t>
-            </a:r>
-            <a:br>
-              <a:rPr lang="de-DE" sz="3600" dirty="0"/>
-            </a:br>
-            <a:r>
-              <a:rPr lang="de-DE" sz="3600" dirty="0"/>
-              <a:t>Apache </a:t>
-            </a:r>
-            <a:r>
-              <a:rPr lang="de-DE" sz="3600" dirty="0" err="1"/>
-              <a:t>Wicket</a:t>
-            </a:r>
-            <a:endParaRPr lang="de-DE" sz="3600" dirty="0"/>
+            <a:endParaRPr lang="de-DE" dirty="0"/>
           </a:p>
         </p:txBody>
       </p:sp>
-      <p:sp>
-        <p:nvSpPr>
-          <p:cNvPr id="15363" name="Rectangle 3"/>
-          <p:cNvSpPr>
-            <a:spLocks noGrp="1" noChangeArrowheads="1"/>
-          </p:cNvSpPr>
-          <p:nvPr>
-            <p:ph type="subTitle" idx="1"/>
-          </p:nvPr>
-        </p:nvSpPr>
-        <p:spPr bwMode="auto">
-          <a:xfrm>
-            <a:off x="468312" y="4462463"/>
-            <a:ext cx="2663528" cy="622300"/>
-          </a:xfrm>
-          <a:noFill/>
-          <a:ln>
-            <a:miter lim="800000"/>
-            <a:headEnd/>
-            <a:tailEnd/>
-          </a:ln>
-        </p:spPr>
-        <p:txBody>
-          <a:bodyPr vert="horz" wrap="square" lIns="91440" tIns="45720" rIns="91440" bIns="45720" numCol="1" anchor="t" anchorCtr="0" compatLnSpc="1">
-            <a:prstTxWarp prst="textNoShape">
-              <a:avLst/>
-            </a:prstTxWarp>
-          </a:bodyPr>
-          <a:lstStyle/>
-          <a:p>
-            <a:pPr algn="l" eaLnBrk="1" hangingPunct="1"/>
-            <a:r>
-              <a:rPr lang="de-DE" sz="1600" dirty="0"/>
-              <a:t>20.06. – 22.06.2017, </a:t>
-            </a:r>
-          </a:p>
-          <a:p>
-            <a:pPr algn="l" eaLnBrk="1" hangingPunct="1"/>
-            <a:r>
-              <a:rPr lang="de-DE" sz="1600" dirty="0"/>
-              <a:t>Daniel Krämer</a:t>
-            </a:r>
-          </a:p>
-        </p:txBody>
-      </p:sp>
-      <p:pic>
-        <p:nvPicPr>
-          <p:cNvPr id="4" name="Grafik 3" descr="logoGFU.jpg"/>
-          <p:cNvPicPr>
-            <a:picLocks noChangeAspect="1"/>
-          </p:cNvPicPr>
-          <p:nvPr/>
-        </p:nvPicPr>
-        <p:blipFill>
-          <a:blip r:embed="rId3" cstate="print"/>
-          <a:stretch>
-            <a:fillRect/>
-          </a:stretch>
-        </p:blipFill>
-        <p:spPr>
-          <a:xfrm>
-            <a:off x="435473" y="640199"/>
-            <a:ext cx="3324732" cy="717099"/>
-          </a:xfrm>
-          <a:prstGeom prst="rect">
-            <a:avLst/>
-          </a:prstGeom>
-        </p:spPr>
-      </p:pic>
     </p:spTree>
+    <p:extLst>
+      <p:ext uri="{BB962C8B-B14F-4D97-AF65-F5344CB8AC3E}">
+        <p14:creationId xmlns:p14="http://schemas.microsoft.com/office/powerpoint/2010/main" val="4293925282"/>
+      </p:ext>
+    </p:extLst>
   </p:cSld>
   <p:clrMapOvr>
     <a:masterClrMapping/>
@@ -9134,7 +8999,7 @@
                 <a:latin typeface="Consolas" panose="020B0609020204030204" pitchFamily="49" charset="0"/>
                 <a:cs typeface="Consolas" panose="020B0609020204030204" pitchFamily="49" charset="0"/>
               </a:rPr>
-              <a:t>Before</a:t>
+              <a:t>BeforeEach</a:t>
             </a:r>
             <a:br>
               <a:rPr lang="de-DE" altLang="de-DE" sz="1200" dirty="0">

--- a/slides/Tag-3_1-Testing.pptx
+++ b/slides/Tag-3_1-Testing.pptx
@@ -6748,7 +6748,7 @@
               <a:pPr algn="ctr">
                 <a:defRPr/>
               </a:pPr>
-              <a:t>14.03.2019</a:t>
+              <a:t>15.03.2019</a:t>
             </a:fld>
             <a:endParaRPr lang="de-DE" sz="1000" dirty="0">
               <a:solidFill>
@@ -8517,13 +8517,20 @@
             </a:r>
           </a:p>
           <a:p>
+            <a:pPr>
+              <a:buFont typeface="Arial" panose="020B0604020202020204" pitchFamily="34" charset="0"/>
+              <a:buChar char="•"/>
+            </a:pPr>
             <a:r>
               <a:rPr lang="de-DE" sz="2000" dirty="0"/>
               <a:t>Fokussierung des Frameworks auf Java</a:t>
             </a:r>
           </a:p>
           <a:p>
-            <a:pPr lvl="1"/>
+            <a:pPr lvl="1">
+              <a:buFont typeface="Arial" panose="020B0604020202020204" pitchFamily="34" charset="0"/>
+              <a:buChar char="•"/>
+            </a:pPr>
             <a:r>
               <a:rPr lang="de-DE" sz="1600" dirty="0" err="1"/>
               <a:t>JUnit</a:t>
@@ -8531,7 +8538,10 @@
             <a:endParaRPr lang="de-DE" sz="1600" dirty="0"/>
           </a:p>
           <a:p>
-            <a:pPr lvl="1"/>
+            <a:pPr lvl="1">
+              <a:buFont typeface="Arial" panose="020B0604020202020204" pitchFamily="34" charset="0"/>
+              <a:buChar char="•"/>
+            </a:pPr>
             <a:r>
               <a:rPr lang="de-DE" sz="1600" dirty="0" err="1"/>
               <a:t>TestNG</a:t>
@@ -8539,7 +8549,10 @@
             <a:endParaRPr lang="de-DE" sz="1600" dirty="0"/>
           </a:p>
           <a:p>
-            <a:pPr lvl="1"/>
+            <a:pPr lvl="1">
+              <a:buFont typeface="Arial" panose="020B0604020202020204" pitchFamily="34" charset="0"/>
+              <a:buChar char="•"/>
+            </a:pPr>
             <a:r>
               <a:rPr lang="de-DE" sz="1600" dirty="0" err="1"/>
               <a:t>Mockito</a:t>
@@ -8547,13 +8560,20 @@
             <a:endParaRPr lang="de-DE" sz="1600" dirty="0"/>
           </a:p>
           <a:p>
-            <a:pPr lvl="1"/>
+            <a:pPr lvl="1">
+              <a:buFont typeface="Arial" panose="020B0604020202020204" pitchFamily="34" charset="0"/>
+              <a:buChar char="•"/>
+            </a:pPr>
             <a:r>
               <a:rPr lang="de-DE" sz="1600" dirty="0"/>
               <a:t>…</a:t>
             </a:r>
           </a:p>
           <a:p>
+            <a:pPr>
+              <a:buFont typeface="Arial" panose="020B0604020202020204" pitchFamily="34" charset="0"/>
+              <a:buChar char="•"/>
+            </a:pPr>
             <a:r>
               <a:rPr lang="de-DE" sz="2000" dirty="0"/>
               <a:t>Unterstützung durch </a:t>
@@ -8565,7 +8585,10 @@
             <a:endParaRPr lang="de-DE" sz="2000" dirty="0"/>
           </a:p>
           <a:p>
-            <a:pPr lvl="1"/>
+            <a:pPr lvl="1">
+              <a:buFont typeface="Arial" panose="020B0604020202020204" pitchFamily="34" charset="0"/>
+              <a:buChar char="•"/>
+            </a:pPr>
             <a:r>
               <a:rPr lang="de-DE" sz="1600" dirty="0" err="1"/>
               <a:t>WicketTester</a:t>
@@ -8573,7 +8596,10 @@
             <a:endParaRPr lang="de-DE" sz="1600" dirty="0"/>
           </a:p>
           <a:p>
-            <a:pPr lvl="1"/>
+            <a:pPr lvl="1">
+              <a:buFont typeface="Arial" panose="020B0604020202020204" pitchFamily="34" charset="0"/>
+              <a:buChar char="•"/>
+            </a:pPr>
             <a:r>
               <a:rPr lang="de-DE" sz="1600" dirty="0" err="1"/>
               <a:t>FormTester</a:t>
@@ -8581,7 +8607,10 @@
             <a:endParaRPr lang="de-DE" sz="1600" dirty="0"/>
           </a:p>
           <a:p>
-            <a:pPr lvl="1"/>
+            <a:pPr lvl="1">
+              <a:buFont typeface="Arial" panose="020B0604020202020204" pitchFamily="34" charset="0"/>
+              <a:buChar char="•"/>
+            </a:pPr>
             <a:r>
               <a:rPr lang="de-DE" sz="1600" dirty="0" err="1"/>
               <a:t>TagTester</a:t>
@@ -8677,47 +8706,70 @@
             <a:endParaRPr lang="de-DE" sz="2000" b="1" dirty="0"/>
           </a:p>
           <a:p>
+            <a:pPr>
+              <a:buFont typeface="Arial" panose="020B0604020202020204" pitchFamily="34" charset="0"/>
+              <a:buChar char="•"/>
+            </a:pPr>
             <a:r>
               <a:rPr lang="de-DE" sz="2000" dirty="0"/>
               <a:t>Utility-Klasse zur Unterstützung von Tests</a:t>
             </a:r>
           </a:p>
           <a:p>
+            <a:pPr>
+              <a:buFont typeface="Arial" panose="020B0604020202020204" pitchFamily="34" charset="0"/>
+              <a:buChar char="•"/>
+            </a:pPr>
             <a:r>
               <a:rPr lang="de-DE" sz="2000" dirty="0"/>
               <a:t>Kommunikation mit dem Framework</a:t>
             </a:r>
           </a:p>
           <a:p>
-            <a:pPr lvl="1"/>
+            <a:pPr lvl="1">
+              <a:buFont typeface="Arial" panose="020B0604020202020204" pitchFamily="34" charset="0"/>
+              <a:buChar char="•"/>
+            </a:pPr>
             <a:r>
               <a:rPr lang="de-DE" sz="1600" dirty="0"/>
               <a:t>Rendern von Pages und Komponenten</a:t>
             </a:r>
           </a:p>
           <a:p>
-            <a:pPr lvl="1"/>
+            <a:pPr lvl="1">
+              <a:buFont typeface="Arial" panose="020B0604020202020204" pitchFamily="34" charset="0"/>
+              <a:buChar char="•"/>
+            </a:pPr>
             <a:r>
               <a:rPr lang="de-DE" sz="1600" dirty="0"/>
               <a:t>Prüfung des Status von Komponenten</a:t>
             </a:r>
           </a:p>
           <a:p>
-            <a:pPr lvl="1"/>
+            <a:pPr lvl="1">
+              <a:buFont typeface="Arial" panose="020B0604020202020204" pitchFamily="34" charset="0"/>
+              <a:buChar char="•"/>
+            </a:pPr>
             <a:r>
               <a:rPr lang="de-DE" sz="1600" dirty="0"/>
               <a:t>Isoliertes Testen von Komponenten</a:t>
             </a:r>
           </a:p>
           <a:p>
-            <a:pPr lvl="1"/>
+            <a:pPr lvl="1">
+              <a:buFont typeface="Arial" panose="020B0604020202020204" pitchFamily="34" charset="0"/>
+              <a:buChar char="•"/>
+            </a:pPr>
             <a:r>
               <a:rPr lang="de-DE" sz="1600" dirty="0"/>
               <a:t>Klicken auf Links</a:t>
             </a:r>
           </a:p>
           <a:p>
-            <a:pPr lvl="1"/>
+            <a:pPr lvl="1">
+              <a:buFont typeface="Arial" panose="020B0604020202020204" pitchFamily="34" charset="0"/>
+              <a:buChar char="•"/>
+            </a:pPr>
             <a:r>
               <a:rPr lang="de-DE" sz="1600" dirty="0"/>
               <a:t>…</a:t>
@@ -10175,18 +10227,30 @@
             <a:endParaRPr lang="de-DE" sz="2000" b="1" dirty="0"/>
           </a:p>
           <a:p>
+            <a:pPr>
+              <a:buFont typeface="Arial" panose="020B0604020202020204" pitchFamily="34" charset="0"/>
+              <a:buChar char="•"/>
+            </a:pPr>
             <a:r>
               <a:rPr lang="de-DE" sz="2000" dirty="0"/>
               <a:t>Testen von Formularen im Speziellen</a:t>
             </a:r>
           </a:p>
           <a:p>
+            <a:pPr>
+              <a:buFont typeface="Arial" panose="020B0604020202020204" pitchFamily="34" charset="0"/>
+              <a:buChar char="•"/>
+            </a:pPr>
             <a:r>
               <a:rPr lang="de-DE" sz="2000" dirty="0"/>
               <a:t>Überprüfung von Feedback Messages</a:t>
             </a:r>
           </a:p>
           <a:p>
+            <a:pPr>
+              <a:buFont typeface="Arial" panose="020B0604020202020204" pitchFamily="34" charset="0"/>
+              <a:buChar char="•"/>
+            </a:pPr>
             <a:r>
               <a:rPr lang="de-DE" sz="2000" dirty="0"/>
               <a:t>Erzeugung durch </a:t>
@@ -10944,18 +11008,30 @@
             <a:endParaRPr lang="de-DE" sz="2000" b="1" dirty="0"/>
           </a:p>
           <a:p>
+            <a:pPr>
+              <a:buFont typeface="Arial" panose="020B0604020202020204" pitchFamily="34" charset="0"/>
+              <a:buChar char="•"/>
+            </a:pPr>
             <a:r>
               <a:rPr lang="de-DE" sz="2000" dirty="0"/>
               <a:t>Testen von Formularen im Speziellen</a:t>
             </a:r>
           </a:p>
           <a:p>
+            <a:pPr>
+              <a:buFont typeface="Arial" panose="020B0604020202020204" pitchFamily="34" charset="0"/>
+              <a:buChar char="•"/>
+            </a:pPr>
             <a:r>
               <a:rPr lang="de-DE" sz="2000" dirty="0"/>
               <a:t>Überprüfung von Feedback Messages</a:t>
             </a:r>
           </a:p>
           <a:p>
+            <a:pPr>
+              <a:buFont typeface="Arial" panose="020B0604020202020204" pitchFamily="34" charset="0"/>
+              <a:buChar char="•"/>
+            </a:pPr>
             <a:r>
               <a:rPr lang="de-DE" sz="2000" dirty="0"/>
               <a:t>Erzeugung durch </a:t>
@@ -11604,12 +11680,20 @@
             <a:endParaRPr lang="de-DE" sz="2000" b="1" dirty="0"/>
           </a:p>
           <a:p>
+            <a:pPr>
+              <a:buFont typeface="Arial" panose="020B0604020202020204" pitchFamily="34" charset="0"/>
+              <a:buChar char="•"/>
+            </a:pPr>
             <a:r>
               <a:rPr lang="de-DE" sz="2000" dirty="0"/>
               <a:t>Feingranulare Überprüfung des gerenderten Markups</a:t>
             </a:r>
           </a:p>
           <a:p>
+            <a:pPr>
+              <a:buFont typeface="Arial" panose="020B0604020202020204" pitchFamily="34" charset="0"/>
+              <a:buChar char="•"/>
+            </a:pPr>
             <a:r>
               <a:rPr lang="de-DE" sz="2000" dirty="0"/>
               <a:t>Erstellung von </a:t>
@@ -11621,21 +11705,30 @@
             <a:endParaRPr lang="de-DE" sz="2000" dirty="0"/>
           </a:p>
           <a:p>
-            <a:pPr lvl="1"/>
+            <a:pPr lvl="1">
+              <a:buFont typeface="Arial" panose="020B0604020202020204" pitchFamily="34" charset="0"/>
+              <a:buChar char="•"/>
+            </a:pPr>
             <a:r>
               <a:rPr lang="de-DE" sz="1600" dirty="0"/>
               <a:t>Repräsentieren DOM-Elemente</a:t>
             </a:r>
           </a:p>
           <a:p>
-            <a:pPr lvl="1"/>
+            <a:pPr lvl="1">
+              <a:buFont typeface="Arial" panose="020B0604020202020204" pitchFamily="34" charset="0"/>
+              <a:buChar char="•"/>
+            </a:pPr>
             <a:r>
               <a:rPr lang="de-DE" sz="1600" dirty="0"/>
               <a:t>Statische Factory-Methoden</a:t>
             </a:r>
           </a:p>
           <a:p>
-            <a:pPr lvl="1"/>
+            <a:pPr lvl="1">
+              <a:buFont typeface="Arial" panose="020B0604020202020204" pitchFamily="34" charset="0"/>
+              <a:buChar char="•"/>
+            </a:pPr>
             <a:r>
               <a:rPr lang="de-DE" sz="1600" dirty="0"/>
               <a:t>Angabe von Selektionskriterien</a:t>
@@ -11730,6 +11823,10 @@
             <a:endParaRPr lang="de-DE" sz="2000" b="1" dirty="0"/>
           </a:p>
           <a:p>
+            <a:pPr>
+              <a:buFont typeface="Arial" panose="020B0604020202020204" pitchFamily="34" charset="0"/>
+              <a:buChar char="•"/>
+            </a:pPr>
             <a:r>
               <a:rPr lang="de-DE" sz="2000" dirty="0"/>
               <a:t>Erwartetes Markup</a:t>
@@ -12439,6 +12536,10 @@
             <a:endParaRPr lang="de-DE" sz="2000" b="1" dirty="0"/>
           </a:p>
           <a:p>
+            <a:pPr>
+              <a:buFont typeface="Arial" panose="020B0604020202020204" pitchFamily="34" charset="0"/>
+              <a:buChar char="•"/>
+            </a:pPr>
             <a:r>
               <a:rPr lang="de-DE" sz="2000" dirty="0"/>
               <a:t>Test</a:t>
@@ -12528,14 +12629,14 @@
               <a:t>homePageMarkupTest</a:t>
             </a:r>
             <a:r>
-              <a:rPr lang="de-DE" altLang="de-DE" sz="1200" dirty="0">
-                <a:solidFill>
-                  <a:srgbClr val="000000"/>
-                </a:solidFill>
-                <a:latin typeface="Consolas" panose="020B0609020204030204" pitchFamily="49" charset="0"/>
-                <a:cs typeface="Consolas" panose="020B0609020204030204" pitchFamily="49" charset="0"/>
-              </a:rPr>
-              <a:t>()</a:t>
+              <a:rPr lang="de-DE" altLang="de-DE" sz="1200">
+                <a:solidFill>
+                  <a:srgbClr val="000000"/>
+                </a:solidFill>
+                <a:latin typeface="Consolas" panose="020B0609020204030204" pitchFamily="49" charset="0"/>
+                <a:cs typeface="Consolas" panose="020B0609020204030204" pitchFamily="49" charset="0"/>
+              </a:rPr>
+              <a:t>(){</a:t>
             </a:r>
             <a:br>
               <a:rPr lang="de-DE" altLang="de-DE" sz="1200" dirty="0">
@@ -12554,7 +12655,86 @@
                 <a:latin typeface="Consolas" panose="020B0609020204030204" pitchFamily="49" charset="0"/>
                 <a:cs typeface="Consolas" panose="020B0609020204030204" pitchFamily="49" charset="0"/>
               </a:rPr>
-              <a:t>{</a:t>
+              <a:t>    </a:t>
+            </a:r>
+            <a:r>
+              <a:rPr lang="de-DE" altLang="de-DE" sz="1200" i="1" dirty="0">
+                <a:solidFill>
+                  <a:srgbClr val="808080"/>
+                </a:solidFill>
+                <a:latin typeface="Consolas" panose="020B0609020204030204" pitchFamily="49" charset="0"/>
+                <a:cs typeface="Consolas" panose="020B0609020204030204" pitchFamily="49" charset="0"/>
+              </a:rPr>
+              <a:t>// Rendern der Page</a:t>
+            </a:r>
+            <a:br>
+              <a:rPr lang="de-DE" altLang="de-DE" sz="1200" i="1" dirty="0">
+                <a:solidFill>
+                  <a:srgbClr val="808080"/>
+                </a:solidFill>
+                <a:latin typeface="Consolas" panose="020B0609020204030204" pitchFamily="49" charset="0"/>
+                <a:cs typeface="Consolas" panose="020B0609020204030204" pitchFamily="49" charset="0"/>
+              </a:rPr>
+            </a:br>
+            <a:r>
+              <a:rPr lang="de-DE" altLang="de-DE" sz="1200" i="1" dirty="0">
+                <a:solidFill>
+                  <a:srgbClr val="808080"/>
+                </a:solidFill>
+                <a:latin typeface="Consolas" panose="020B0609020204030204" pitchFamily="49" charset="0"/>
+                <a:cs typeface="Consolas" panose="020B0609020204030204" pitchFamily="49" charset="0"/>
+              </a:rPr>
+              <a:t>    </a:t>
+            </a:r>
+            <a:r>
+              <a:rPr lang="de-DE" altLang="de-DE" sz="1200" dirty="0" err="1">
+                <a:solidFill>
+                  <a:srgbClr val="000000"/>
+                </a:solidFill>
+                <a:latin typeface="Consolas" panose="020B0609020204030204" pitchFamily="49" charset="0"/>
+                <a:cs typeface="Consolas" panose="020B0609020204030204" pitchFamily="49" charset="0"/>
+              </a:rPr>
+              <a:t>tester.startPage</a:t>
+            </a:r>
+            <a:r>
+              <a:rPr lang="de-DE" altLang="de-DE" sz="1200" dirty="0">
+                <a:solidFill>
+                  <a:srgbClr val="000000"/>
+                </a:solidFill>
+                <a:latin typeface="Consolas" panose="020B0609020204030204" pitchFamily="49" charset="0"/>
+                <a:cs typeface="Consolas" panose="020B0609020204030204" pitchFamily="49" charset="0"/>
+              </a:rPr>
+              <a:t>(</a:t>
+            </a:r>
+            <a:r>
+              <a:rPr lang="de-DE" altLang="de-DE" sz="1200" dirty="0" err="1">
+                <a:solidFill>
+                  <a:srgbClr val="000000"/>
+                </a:solidFill>
+                <a:latin typeface="Consolas" panose="020B0609020204030204" pitchFamily="49" charset="0"/>
+                <a:cs typeface="Consolas" panose="020B0609020204030204" pitchFamily="49" charset="0"/>
+              </a:rPr>
+              <a:t>HomePage.</a:t>
+            </a:r>
+            <a:r>
+              <a:rPr lang="de-DE" altLang="de-DE" sz="1200" b="1" dirty="0" err="1">
+                <a:solidFill>
+                  <a:srgbClr val="000080"/>
+                </a:solidFill>
+                <a:latin typeface="Consolas" panose="020B0609020204030204" pitchFamily="49" charset="0"/>
+                <a:cs typeface="Consolas" panose="020B0609020204030204" pitchFamily="49" charset="0"/>
+              </a:rPr>
+              <a:t>class</a:t>
+            </a:r>
+            <a:r>
+              <a:rPr lang="de-DE" altLang="de-DE" sz="1200" dirty="0">
+                <a:solidFill>
+                  <a:srgbClr val="000000"/>
+                </a:solidFill>
+                <a:latin typeface="Consolas" panose="020B0609020204030204" pitchFamily="49" charset="0"/>
+                <a:cs typeface="Consolas" panose="020B0609020204030204" pitchFamily="49" charset="0"/>
+              </a:rPr>
+              <a:t>);</a:t>
             </a:r>
             <a:br>
               <a:rPr lang="de-DE" altLang="de-DE" sz="1200" dirty="0">
@@ -12583,7 +12763,7 @@
                 <a:latin typeface="Consolas" panose="020B0609020204030204" pitchFamily="49" charset="0"/>
                 <a:cs typeface="Consolas" panose="020B0609020204030204" pitchFamily="49" charset="0"/>
               </a:rPr>
-              <a:t>// Rendern der Page</a:t>
+              <a:t>// Extraktion des Markups</a:t>
             </a:r>
             <a:br>
               <a:rPr lang="de-DE" altLang="de-DE" sz="1200" i="1" dirty="0">
@@ -12605,6 +12785,16 @@
               <a:t>    </a:t>
             </a:r>
             <a:r>
+              <a:rPr lang="de-DE" altLang="de-DE" sz="1200" dirty="0">
+                <a:solidFill>
+                  <a:srgbClr val="000000"/>
+                </a:solidFill>
+                <a:latin typeface="Consolas" panose="020B0609020204030204" pitchFamily="49" charset="0"/>
+                <a:cs typeface="Consolas" panose="020B0609020204030204" pitchFamily="49" charset="0"/>
+              </a:rPr>
+              <a:t>String </a:t>
+            </a:r>
+            <a:r>
               <a:rPr lang="de-DE" altLang="de-DE" sz="1200" dirty="0" err="1">
                 <a:solidFill>
                   <a:srgbClr val="000000"/>
@@ -12612,7 +12802,7 @@
                 <a:latin typeface="Consolas" panose="020B0609020204030204" pitchFamily="49" charset="0"/>
                 <a:cs typeface="Consolas" panose="020B0609020204030204" pitchFamily="49" charset="0"/>
               </a:rPr>
-              <a:t>tester.startPage</a:t>
+              <a:t>responseTxt</a:t>
             </a:r>
             <a:r>
               <a:rPr lang="de-DE" altLang="de-DE" sz="1200" dirty="0">
@@ -12622,7 +12812,7 @@
                 <a:latin typeface="Consolas" panose="020B0609020204030204" pitchFamily="49" charset="0"/>
                 <a:cs typeface="Consolas" panose="020B0609020204030204" pitchFamily="49" charset="0"/>
               </a:rPr>
-              <a:t>(</a:t>
+              <a:t> = </a:t>
             </a:r>
             <a:r>
               <a:rPr lang="de-DE" altLang="de-DE" sz="1200" dirty="0" err="1">
@@ -12632,17 +12822,7 @@
                 <a:latin typeface="Consolas" panose="020B0609020204030204" pitchFamily="49" charset="0"/>
                 <a:cs typeface="Consolas" panose="020B0609020204030204" pitchFamily="49" charset="0"/>
               </a:rPr>
-              <a:t>HomePage.</a:t>
-            </a:r>
-            <a:r>
-              <a:rPr lang="de-DE" altLang="de-DE" sz="1200" b="1" dirty="0" err="1">
-                <a:solidFill>
-                  <a:srgbClr val="000080"/>
-                </a:solidFill>
-                <a:latin typeface="Consolas" panose="020B0609020204030204" pitchFamily="49" charset="0"/>
-                <a:cs typeface="Consolas" panose="020B0609020204030204" pitchFamily="49" charset="0"/>
-              </a:rPr>
-              <a:t>class</a:t>
+              <a:t>tester.getLastResponse</a:t>
             </a:r>
             <a:r>
               <a:rPr lang="de-DE" altLang="de-DE" sz="1200" dirty="0">
@@ -12652,7 +12832,27 @@
                 <a:latin typeface="Consolas" panose="020B0609020204030204" pitchFamily="49" charset="0"/>
                 <a:cs typeface="Consolas" panose="020B0609020204030204" pitchFamily="49" charset="0"/>
               </a:rPr>
-              <a:t>);</a:t>
+              <a:t>().</a:t>
+            </a:r>
+            <a:r>
+              <a:rPr lang="de-DE" altLang="de-DE" sz="1200" dirty="0" err="1">
+                <a:solidFill>
+                  <a:srgbClr val="000000"/>
+                </a:solidFill>
+                <a:latin typeface="Consolas" panose="020B0609020204030204" pitchFamily="49" charset="0"/>
+                <a:cs typeface="Consolas" panose="020B0609020204030204" pitchFamily="49" charset="0"/>
+              </a:rPr>
+              <a:t>getDocument</a:t>
+            </a:r>
+            <a:r>
+              <a:rPr lang="de-DE" altLang="de-DE" sz="1200" dirty="0">
+                <a:solidFill>
+                  <a:srgbClr val="000000"/>
+                </a:solidFill>
+                <a:latin typeface="Consolas" panose="020B0609020204030204" pitchFamily="49" charset="0"/>
+                <a:cs typeface="Consolas" panose="020B0609020204030204" pitchFamily="49" charset="0"/>
+              </a:rPr>
+              <a:t>();</a:t>
             </a:r>
             <a:br>
               <a:rPr lang="de-DE" altLang="de-DE" sz="1200" dirty="0">
@@ -12681,9 +12881,19 @@
                 <a:latin typeface="Consolas" panose="020B0609020204030204" pitchFamily="49" charset="0"/>
                 <a:cs typeface="Consolas" panose="020B0609020204030204" pitchFamily="49" charset="0"/>
               </a:rPr>
-              <a:t>// Extraktion des Markups</a:t>
-            </a:r>
-            <a:br>
+              <a:t>// </a:t>
+            </a:r>
+            <a:r>
+              <a:rPr lang="de-DE" altLang="de-DE" sz="1200" i="1" dirty="0" err="1">
+                <a:solidFill>
+                  <a:srgbClr val="808080"/>
+                </a:solidFill>
+                <a:latin typeface="Consolas" panose="020B0609020204030204" pitchFamily="49" charset="0"/>
+                <a:cs typeface="Consolas" panose="020B0609020204030204" pitchFamily="49" charset="0"/>
+              </a:rPr>
+              <a:t>TagTester</a:t>
+            </a:r>
+            <a:r>
               <a:rPr lang="de-DE" altLang="de-DE" sz="1200" i="1" dirty="0">
                 <a:solidFill>
                   <a:srgbClr val="808080"/>
@@ -12691,155 +12901,7 @@
                 <a:latin typeface="Consolas" panose="020B0609020204030204" pitchFamily="49" charset="0"/>
                 <a:cs typeface="Consolas" panose="020B0609020204030204" pitchFamily="49" charset="0"/>
               </a:rPr>
-            </a:br>
-            <a:r>
-              <a:rPr lang="de-DE" altLang="de-DE" sz="1200" i="1" dirty="0">
-                <a:solidFill>
-                  <a:srgbClr val="808080"/>
-                </a:solidFill>
-                <a:latin typeface="Consolas" panose="020B0609020204030204" pitchFamily="49" charset="0"/>
-                <a:cs typeface="Consolas" panose="020B0609020204030204" pitchFamily="49" charset="0"/>
-              </a:rPr>
-              <a:t>    </a:t>
-            </a:r>
-            <a:r>
-              <a:rPr lang="de-DE" altLang="de-DE" sz="1200" dirty="0">
-                <a:solidFill>
-                  <a:srgbClr val="000000"/>
-                </a:solidFill>
-                <a:latin typeface="Consolas" panose="020B0609020204030204" pitchFamily="49" charset="0"/>
-                <a:cs typeface="Consolas" panose="020B0609020204030204" pitchFamily="49" charset="0"/>
-              </a:rPr>
-              <a:t>String </a:t>
-            </a:r>
-            <a:r>
-              <a:rPr lang="de-DE" altLang="de-DE" sz="1200" dirty="0" err="1">
-                <a:solidFill>
-                  <a:srgbClr val="000000"/>
-                </a:solidFill>
-                <a:latin typeface="Consolas" panose="020B0609020204030204" pitchFamily="49" charset="0"/>
-                <a:cs typeface="Consolas" panose="020B0609020204030204" pitchFamily="49" charset="0"/>
-              </a:rPr>
-              <a:t>responseTxt</a:t>
-            </a:r>
-            <a:r>
-              <a:rPr lang="de-DE" altLang="de-DE" sz="1200" dirty="0">
-                <a:solidFill>
-                  <a:srgbClr val="000000"/>
-                </a:solidFill>
-                <a:latin typeface="Consolas" panose="020B0609020204030204" pitchFamily="49" charset="0"/>
-                <a:cs typeface="Consolas" panose="020B0609020204030204" pitchFamily="49" charset="0"/>
-              </a:rPr>
-              <a:t> = </a:t>
-            </a:r>
-            <a:r>
-              <a:rPr lang="de-DE" altLang="de-DE" sz="1200" dirty="0" err="1">
-                <a:solidFill>
-                  <a:srgbClr val="000000"/>
-                </a:solidFill>
-                <a:latin typeface="Consolas" panose="020B0609020204030204" pitchFamily="49" charset="0"/>
-                <a:cs typeface="Consolas" panose="020B0609020204030204" pitchFamily="49" charset="0"/>
-              </a:rPr>
-              <a:t>tester.getLastResponse</a:t>
-            </a:r>
-            <a:r>
-              <a:rPr lang="de-DE" altLang="de-DE" sz="1200" dirty="0">
-                <a:solidFill>
-                  <a:srgbClr val="000000"/>
-                </a:solidFill>
-                <a:latin typeface="Consolas" panose="020B0609020204030204" pitchFamily="49" charset="0"/>
-                <a:cs typeface="Consolas" panose="020B0609020204030204" pitchFamily="49" charset="0"/>
-              </a:rPr>
-              <a:t>().</a:t>
-            </a:r>
-            <a:r>
-              <a:rPr lang="de-DE" altLang="de-DE" sz="1200" dirty="0" err="1">
-                <a:solidFill>
-                  <a:srgbClr val="000000"/>
-                </a:solidFill>
-                <a:latin typeface="Consolas" panose="020B0609020204030204" pitchFamily="49" charset="0"/>
-                <a:cs typeface="Consolas" panose="020B0609020204030204" pitchFamily="49" charset="0"/>
-              </a:rPr>
-              <a:t>getDocument</a:t>
-            </a:r>
-            <a:r>
-              <a:rPr lang="de-DE" altLang="de-DE" sz="1200" dirty="0">
-                <a:solidFill>
-                  <a:srgbClr val="000000"/>
-                </a:solidFill>
-                <a:latin typeface="Consolas" panose="020B0609020204030204" pitchFamily="49" charset="0"/>
-                <a:cs typeface="Consolas" panose="020B0609020204030204" pitchFamily="49" charset="0"/>
-              </a:rPr>
-              <a:t>();</a:t>
-            </a:r>
-            <a:br>
-              <a:rPr lang="de-DE" altLang="de-DE" sz="1200" dirty="0">
-                <a:solidFill>
-                  <a:srgbClr val="000000"/>
-                </a:solidFill>
-                <a:latin typeface="Consolas" panose="020B0609020204030204" pitchFamily="49" charset="0"/>
-                <a:cs typeface="Consolas" panose="020B0609020204030204" pitchFamily="49" charset="0"/>
-              </a:rPr>
-            </a:br>
-            <a:r>
-              <a:rPr lang="de-DE" altLang="de-DE" sz="1200" dirty="0">
-                <a:solidFill>
-                  <a:srgbClr val="000000"/>
-                </a:solidFill>
-                <a:latin typeface="Consolas" panose="020B0609020204030204" pitchFamily="49" charset="0"/>
-                <a:cs typeface="Consolas" panose="020B0609020204030204" pitchFamily="49" charset="0"/>
-              </a:rPr>
-              <a:t>    </a:t>
-            </a:r>
-            <a:r>
-              <a:rPr lang="de-DE" altLang="de-DE" sz="1200" i="1" dirty="0">
-                <a:solidFill>
-                  <a:srgbClr val="808080"/>
-                </a:solidFill>
-                <a:latin typeface="Consolas" panose="020B0609020204030204" pitchFamily="49" charset="0"/>
-                <a:cs typeface="Consolas" panose="020B0609020204030204" pitchFamily="49" charset="0"/>
-              </a:rPr>
-              <a:t>// </a:t>
-            </a:r>
-            <a:r>
-              <a:rPr lang="de-DE" altLang="de-DE" sz="1200" i="1" dirty="0" err="1">
-                <a:solidFill>
-                  <a:srgbClr val="808080"/>
-                </a:solidFill>
-                <a:latin typeface="Consolas" panose="020B0609020204030204" pitchFamily="49" charset="0"/>
-                <a:cs typeface="Consolas" panose="020B0609020204030204" pitchFamily="49" charset="0"/>
-              </a:rPr>
-              <a:t>TagTester</a:t>
-            </a:r>
-            <a:r>
-              <a:rPr lang="de-DE" altLang="de-DE" sz="1200" i="1" dirty="0">
-                <a:solidFill>
-                  <a:srgbClr val="808080"/>
-                </a:solidFill>
-                <a:latin typeface="Consolas" panose="020B0609020204030204" pitchFamily="49" charset="0"/>
-                <a:cs typeface="Consolas" panose="020B0609020204030204" pitchFamily="49" charset="0"/>
-              </a:rPr>
-              <a:t> mit </a:t>
-            </a:r>
-            <a:r>
-              <a:rPr lang="de-DE" altLang="de-DE" sz="1200" i="1" dirty="0" err="1">
-                <a:solidFill>
-                  <a:srgbClr val="808080"/>
-                </a:solidFill>
-                <a:latin typeface="Consolas" panose="020B0609020204030204" pitchFamily="49" charset="0"/>
-                <a:cs typeface="Consolas" panose="020B0609020204030204" pitchFamily="49" charset="0"/>
-              </a:rPr>
-              <a:t>Attributselektor</a:t>
-            </a:r>
-            <a:r>
-              <a:rPr lang="de-DE" altLang="de-DE" sz="1200" i="1" dirty="0">
-                <a:solidFill>
-                  <a:srgbClr val="808080"/>
-                </a:solidFill>
-                <a:latin typeface="Consolas" panose="020B0609020204030204" pitchFamily="49" charset="0"/>
-                <a:cs typeface="Consolas" panose="020B0609020204030204" pitchFamily="49" charset="0"/>
-              </a:rPr>
-              <a:t> erstellen</a:t>
+              <a:t> mit Attributselektor erstellen</a:t>
             </a:r>
             <a:br>
               <a:rPr lang="de-DE" altLang="de-DE" sz="1200" dirty="0">

--- a/slides/Tag-3_1-Testing.pptx
+++ b/slides/Tag-3_1-Testing.pptx
@@ -6748,7 +6748,7 @@
               <a:pPr algn="ctr">
                 <a:defRPr/>
               </a:pPr>
-              <a:t>15.03.2019</a:t>
+              <a:t>28.02.2020</a:t>
             </a:fld>
             <a:endParaRPr lang="de-DE" sz="1000" dirty="0">
               <a:solidFill>
@@ -8935,7 +8935,7 @@
                 <a:latin typeface="Consolas" panose="020B0609020204030204" pitchFamily="49" charset="0"/>
                 <a:cs typeface="Consolas" panose="020B0609020204030204" pitchFamily="49" charset="0"/>
               </a:rPr>
-              <a:t>{</a:t>
+              <a:t> {</a:t>
             </a:r>
           </a:p>
           <a:p>
@@ -9130,7 +9130,7 @@
                 <a:latin typeface="Consolas" panose="020B0609020204030204" pitchFamily="49" charset="0"/>
                 <a:cs typeface="Consolas" panose="020B0609020204030204" pitchFamily="49" charset="0"/>
               </a:rPr>
-              <a:t>(){</a:t>
+              <a:t>() {</a:t>
             </a:r>
             <a:br>
               <a:rPr lang="de-DE" altLang="de-DE" sz="1200" dirty="0">
@@ -9375,7 +9375,7 @@
                 <a:latin typeface="Consolas" panose="020B0609020204030204" pitchFamily="49" charset="0"/>
                 <a:cs typeface="Consolas" panose="020B0609020204030204" pitchFamily="49" charset="0"/>
               </a:rPr>
-              <a:t>(){</a:t>
+              <a:t>() {</a:t>
             </a:r>
             <a:br>
               <a:rPr lang="de-DE" altLang="de-DE" sz="1200" dirty="0">
@@ -11222,7 +11222,27 @@
                 <a:latin typeface="Consolas" panose="020B0609020204030204" pitchFamily="49" charset="0"/>
                 <a:cs typeface="Consolas" panose="020B0609020204030204" pitchFamily="49" charset="0"/>
               </a:rPr>
-              <a:t>"GFU"</a:t>
+              <a:t>"</a:t>
+            </a:r>
+            <a:r>
+              <a:rPr lang="de-DE" altLang="de-DE" sz="1600" b="1" dirty="0" err="1">
+                <a:solidFill>
+                  <a:srgbClr val="008000"/>
+                </a:solidFill>
+                <a:latin typeface="Consolas" panose="020B0609020204030204" pitchFamily="49" charset="0"/>
+                <a:cs typeface="Consolas" panose="020B0609020204030204" pitchFamily="49" charset="0"/>
+              </a:rPr>
+              <a:t>anderScore</a:t>
+            </a:r>
+            <a:r>
+              <a:rPr lang="de-DE" altLang="de-DE" sz="1600" b="1" dirty="0">
+                <a:solidFill>
+                  <a:srgbClr val="008000"/>
+                </a:solidFill>
+                <a:latin typeface="Consolas" panose="020B0609020204030204" pitchFamily="49" charset="0"/>
+                <a:cs typeface="Consolas" panose="020B0609020204030204" pitchFamily="49" charset="0"/>
+              </a:rPr>
+              <a:t>"</a:t>
             </a:r>
             <a:r>
               <a:rPr lang="de-DE" altLang="de-DE" sz="1600" dirty="0">
@@ -11407,7 +11427,7 @@
                 <a:latin typeface="Consolas" panose="020B0609020204030204" pitchFamily="49" charset="0"/>
                 <a:cs typeface="Consolas" panose="020B0609020204030204" pitchFamily="49" charset="0"/>
               </a:rPr>
-              <a:t> (){</a:t>
+              <a:t> () {</a:t>
             </a:r>
             <a:br>
               <a:rPr lang="de-DE" altLang="de-DE" sz="1600" dirty="0">
@@ -12629,14 +12649,14 @@
               <a:t>homePageMarkupTest</a:t>
             </a:r>
             <a:r>
-              <a:rPr lang="de-DE" altLang="de-DE" sz="1200">
-                <a:solidFill>
-                  <a:srgbClr val="000000"/>
-                </a:solidFill>
-                <a:latin typeface="Consolas" panose="020B0609020204030204" pitchFamily="49" charset="0"/>
-                <a:cs typeface="Consolas" panose="020B0609020204030204" pitchFamily="49" charset="0"/>
-              </a:rPr>
-              <a:t>(){</a:t>
+              <a:rPr lang="de-DE" altLang="de-DE" sz="1200" dirty="0">
+                <a:solidFill>
+                  <a:srgbClr val="000000"/>
+                </a:solidFill>
+                <a:latin typeface="Consolas" panose="020B0609020204030204" pitchFamily="49" charset="0"/>
+                <a:cs typeface="Consolas" panose="020B0609020204030204" pitchFamily="49" charset="0"/>
+              </a:rPr>
+              <a:t>() {</a:t>
             </a:r>
             <a:br>
               <a:rPr lang="de-DE" altLang="de-DE" sz="1200" dirty="0">

--- a/slides/Tag-3_1-Testing.pptx
+++ b/slides/Tag-3_1-Testing.pptx
@@ -3546,14 +3546,20 @@
               <a:defRPr/>
             </a:pPr>
             <a:r>
-              <a:rPr lang="de-DE" sz="1000" dirty="0">
+              <a:rPr lang="de-DE" sz="1000" dirty="0" smtClean="0">
                 <a:solidFill>
                   <a:schemeClr val="bg1"/>
                 </a:solidFill>
                 <a:latin typeface="Arial" charset="0"/>
               </a:rPr>
-              <a:t>Daniel Krämer</a:t>
-            </a:r>
+              <a:t>Patrick Möbius</a:t>
+            </a:r>
+            <a:endParaRPr lang="de-DE" sz="1000" dirty="0">
+              <a:solidFill>
+                <a:schemeClr val="bg1"/>
+              </a:solidFill>
+              <a:latin typeface="Arial" charset="0"/>
+            </a:endParaRPr>
           </a:p>
           <a:p>
             <a:pPr defTabSz="762000">
@@ -6748,7 +6754,7 @@
               <a:pPr algn="ctr">
                 <a:defRPr/>
               </a:pPr>
-              <a:t>28.02.2020</a:t>
+              <a:t>14.05.2021</a:t>
             </a:fld>
             <a:endParaRPr lang="de-DE" sz="1000" dirty="0">
               <a:solidFill>
@@ -8946,6 +8952,16 @@
               <a:buClrTx/>
               <a:buNone/>
             </a:pPr>
+            <a:r>
+              <a:rPr lang="de-DE" altLang="de-DE" sz="1200" dirty="0">
+                <a:solidFill>
+                  <a:srgbClr val="000000"/>
+                </a:solidFill>
+                <a:latin typeface="Consolas" panose="020B0609020204030204" pitchFamily="49" charset="0"/>
+                <a:cs typeface="Consolas" panose="020B0609020204030204" pitchFamily="49" charset="0"/>
+              </a:rPr>
+              <a:t/>
+            </a:r>
             <a:br>
               <a:rPr lang="de-DE" altLang="de-DE" sz="1200" dirty="0">
                 <a:solidFill>
@@ -9024,6 +9040,16 @@
                 <a:cs typeface="Consolas" panose="020B0609020204030204" pitchFamily="49" charset="0"/>
               </a:rPr>
             </a:br>
+            <a:r>
+              <a:rPr lang="de-DE" altLang="de-DE" sz="1200" dirty="0">
+                <a:solidFill>
+                  <a:srgbClr val="000000"/>
+                </a:solidFill>
+                <a:latin typeface="Consolas" panose="020B0609020204030204" pitchFamily="49" charset="0"/>
+                <a:cs typeface="Consolas" panose="020B0609020204030204" pitchFamily="49" charset="0"/>
+              </a:rPr>
+              <a:t/>
+            </a:r>
             <a:br>
               <a:rPr lang="de-DE" altLang="de-DE" sz="1200" dirty="0">
                 <a:solidFill>
@@ -9052,6 +9078,16 @@
                 <a:cs typeface="Consolas" panose="020B0609020204030204" pitchFamily="49" charset="0"/>
               </a:rPr>
               <a:t>BeforeEach</a:t>
+            </a:r>
+            <a:r>
+              <a:rPr lang="de-DE" altLang="de-DE" sz="1200" dirty="0">
+                <a:solidFill>
+                  <a:srgbClr val="000000"/>
+                </a:solidFill>
+                <a:latin typeface="Consolas" panose="020B0609020204030204" pitchFamily="49" charset="0"/>
+                <a:cs typeface="Consolas" panose="020B0609020204030204" pitchFamily="49" charset="0"/>
+              </a:rPr>
+              <a:t/>
             </a:r>
             <a:br>
               <a:rPr lang="de-DE" altLang="de-DE" sz="1200" dirty="0">
@@ -9279,6 +9315,16 @@
               <a:buClrTx/>
               <a:buNone/>
             </a:pPr>
+            <a:r>
+              <a:rPr lang="de-DE" altLang="de-DE" sz="1200" dirty="0">
+                <a:solidFill>
+                  <a:srgbClr val="000000"/>
+                </a:solidFill>
+                <a:latin typeface="Consolas" panose="020B0609020204030204" pitchFamily="49" charset="0"/>
+                <a:cs typeface="Consolas" panose="020B0609020204030204" pitchFamily="49" charset="0"/>
+              </a:rPr>
+              <a:t/>
+            </a:r>
             <a:br>
               <a:rPr lang="de-DE" altLang="de-DE" sz="1200" dirty="0">
                 <a:solidFill>
@@ -10015,6 +10061,16 @@
                 <a:cs typeface="Consolas" panose="020B0609020204030204" pitchFamily="49" charset="0"/>
               </a:rPr>
               <a:t>DatePickers</a:t>
+            </a:r>
+            <a:r>
+              <a:rPr lang="de-DE" altLang="de-DE" sz="1200" i="1" dirty="0">
+                <a:solidFill>
+                  <a:srgbClr val="808080"/>
+                </a:solidFill>
+                <a:latin typeface="Consolas" panose="020B0609020204030204" pitchFamily="49" charset="0"/>
+                <a:cs typeface="Consolas" panose="020B0609020204030204" pitchFamily="49" charset="0"/>
+              </a:rPr>
+              <a:t/>
             </a:r>
             <a:br>
               <a:rPr lang="de-DE" altLang="de-DE" sz="1200" i="1" dirty="0">
@@ -10501,6 +10557,16 @@
               </a:rPr>
               <a:t> für einzelnes Formular erstellen</a:t>
             </a:r>
+            <a:r>
+              <a:rPr lang="de-DE" altLang="de-DE" sz="1600" dirty="0">
+                <a:solidFill>
+                  <a:srgbClr val="000000"/>
+                </a:solidFill>
+                <a:latin typeface="Consolas" panose="020B0609020204030204" pitchFamily="49" charset="0"/>
+                <a:cs typeface="Consolas" panose="020B0609020204030204" pitchFamily="49" charset="0"/>
+              </a:rPr>
+              <a:t/>
+            </a:r>
             <a:br>
               <a:rPr lang="de-DE" altLang="de-DE" sz="1600" dirty="0">
                 <a:solidFill>
@@ -11341,6 +11407,16 @@
                 <a:cs typeface="Consolas" panose="020B0609020204030204" pitchFamily="49" charset="0"/>
               </a:rPr>
             </a:br>
+            <a:r>
+              <a:rPr lang="de-DE" altLang="de-DE" sz="1600" dirty="0">
+                <a:solidFill>
+                  <a:srgbClr val="000000"/>
+                </a:solidFill>
+                <a:latin typeface="Consolas" panose="020B0609020204030204" pitchFamily="49" charset="0"/>
+                <a:cs typeface="Consolas" panose="020B0609020204030204" pitchFamily="49" charset="0"/>
+              </a:rPr>
+              <a:t/>
+            </a:r>
             <a:br>
               <a:rPr lang="de-DE" altLang="de-DE" sz="1600" dirty="0">
                 <a:solidFill>
@@ -11951,6 +12027,16 @@
                 <a:cs typeface="Consolas" panose="020B0609020204030204" pitchFamily="49" charset="0"/>
               </a:rPr>
             </a:br>
+            <a:r>
+              <a:rPr lang="de-DE" altLang="de-DE" sz="1600" dirty="0">
+                <a:solidFill>
+                  <a:srgbClr val="000000"/>
+                </a:solidFill>
+                <a:latin typeface="Consolas" panose="020B0609020204030204" pitchFamily="49" charset="0"/>
+                <a:cs typeface="Consolas" panose="020B0609020204030204" pitchFamily="49" charset="0"/>
+              </a:rPr>
+              <a:t/>
+            </a:r>
             <a:br>
               <a:rPr lang="de-DE" altLang="de-DE" sz="1600" dirty="0">
                 <a:solidFill>
@@ -12097,6 +12183,16 @@
                 <a:cs typeface="Consolas" panose="020B0609020204030204" pitchFamily="49" charset="0"/>
               </a:rPr>
             </a:br>
+            <a:r>
+              <a:rPr lang="de-DE" altLang="de-DE" sz="1600" dirty="0">
+                <a:solidFill>
+                  <a:srgbClr val="000000"/>
+                </a:solidFill>
+                <a:latin typeface="Consolas" panose="020B0609020204030204" pitchFamily="49" charset="0"/>
+                <a:cs typeface="Consolas" panose="020B0609020204030204" pitchFamily="49" charset="0"/>
+              </a:rPr>
+              <a:t/>
+            </a:r>
             <a:br>
               <a:rPr lang="de-DE" altLang="de-DE" sz="1600" dirty="0">
                 <a:solidFill>
@@ -12145,6 +12241,16 @@
                 <a:cs typeface="Consolas" panose="020B0609020204030204" pitchFamily="49" charset="0"/>
               </a:rPr>
             </a:br>
+            <a:r>
+              <a:rPr lang="de-DE" altLang="de-DE" sz="1600" dirty="0">
+                <a:solidFill>
+                  <a:srgbClr val="000000"/>
+                </a:solidFill>
+                <a:latin typeface="Consolas" panose="020B0609020204030204" pitchFamily="49" charset="0"/>
+                <a:cs typeface="Consolas" panose="020B0609020204030204" pitchFamily="49" charset="0"/>
+              </a:rPr>
+              <a:t/>
+            </a:r>
             <a:br>
               <a:rPr lang="de-DE" altLang="de-DE" sz="1600" dirty="0">
                 <a:solidFill>
@@ -12372,6 +12478,16 @@
                 <a:cs typeface="Consolas" panose="020B0609020204030204" pitchFamily="49" charset="0"/>
               </a:rPr>
             </a:br>
+            <a:r>
+              <a:rPr lang="de-DE" altLang="de-DE" sz="1600" dirty="0">
+                <a:solidFill>
+                  <a:srgbClr val="000000"/>
+                </a:solidFill>
+                <a:latin typeface="Consolas" panose="020B0609020204030204" pitchFamily="49" charset="0"/>
+                <a:cs typeface="Consolas" panose="020B0609020204030204" pitchFamily="49" charset="0"/>
+              </a:rPr>
+              <a:t/>
+            </a:r>
             <a:br>
               <a:rPr lang="de-DE" altLang="de-DE" sz="1600" dirty="0">
                 <a:solidFill>
@@ -12420,6 +12536,16 @@
                 <a:cs typeface="Consolas" panose="020B0609020204030204" pitchFamily="49" charset="0"/>
               </a:rPr>
             </a:br>
+            <a:r>
+              <a:rPr lang="de-DE" altLang="de-DE" sz="1600" dirty="0">
+                <a:solidFill>
+                  <a:srgbClr val="000000"/>
+                </a:solidFill>
+                <a:latin typeface="Consolas" panose="020B0609020204030204" pitchFamily="49" charset="0"/>
+                <a:cs typeface="Consolas" panose="020B0609020204030204" pitchFamily="49" charset="0"/>
+              </a:rPr>
+              <a:t/>
+            </a:r>
             <a:br>
               <a:rPr lang="de-DE" altLang="de-DE" sz="1600" dirty="0">
                 <a:solidFill>
@@ -12923,6 +13049,16 @@
               </a:rPr>
               <a:t> mit Attributselektor erstellen</a:t>
             </a:r>
+            <a:r>
+              <a:rPr lang="de-DE" altLang="de-DE" sz="1200" dirty="0">
+                <a:solidFill>
+                  <a:srgbClr val="000000"/>
+                </a:solidFill>
+                <a:latin typeface="Consolas" panose="020B0609020204030204" pitchFamily="49" charset="0"/>
+                <a:cs typeface="Consolas" panose="020B0609020204030204" pitchFamily="49" charset="0"/>
+              </a:rPr>
+              <a:t/>
+            </a:r>
             <a:br>
               <a:rPr lang="de-DE" altLang="de-DE" sz="1200" dirty="0">
                 <a:solidFill>
@@ -13147,6 +13283,16 @@
               </a:rPr>
               <a:t>// Überprüfung des ersten Elementes</a:t>
             </a:r>
+            <a:r>
+              <a:rPr lang="de-DE" altLang="de-DE" sz="1200" dirty="0">
+                <a:solidFill>
+                  <a:srgbClr val="000000"/>
+                </a:solidFill>
+                <a:latin typeface="Consolas" panose="020B0609020204030204" pitchFamily="49" charset="0"/>
+                <a:cs typeface="Consolas" panose="020B0609020204030204" pitchFamily="49" charset="0"/>
+              </a:rPr>
+              <a:t/>
+            </a:r>
             <a:br>
               <a:rPr lang="de-DE" altLang="de-DE" sz="1200" dirty="0">
                 <a:solidFill>
@@ -13320,6 +13466,16 @@
               </a:rPr>
               <a:t>    // Überprüfung beider Elemente</a:t>
             </a:r>
+            <a:r>
+              <a:rPr lang="de-DE" altLang="de-DE" sz="1200" dirty="0">
+                <a:solidFill>
+                  <a:srgbClr val="000000"/>
+                </a:solidFill>
+                <a:latin typeface="Consolas" panose="020B0609020204030204" pitchFamily="49" charset="0"/>
+                <a:cs typeface="Consolas" panose="020B0609020204030204" pitchFamily="49" charset="0"/>
+              </a:rPr>
+              <a:t/>
+            </a:r>
             <a:br>
               <a:rPr lang="de-DE" altLang="de-DE" sz="1200" dirty="0">
                 <a:solidFill>
@@ -13547,6 +13703,16 @@
                 <a:cs typeface="Consolas" panose="020B0609020204030204" pitchFamily="49" charset="0"/>
               </a:rPr>
             </a:br>
+            <a:r>
+              <a:rPr lang="de-DE" altLang="de-DE" sz="1200" dirty="0">
+                <a:solidFill>
+                  <a:srgbClr val="000000"/>
+                </a:solidFill>
+                <a:latin typeface="Consolas" panose="020B0609020204030204" pitchFamily="49" charset="0"/>
+                <a:cs typeface="Consolas" panose="020B0609020204030204" pitchFamily="49" charset="0"/>
+              </a:rPr>
+              <a:t/>
+            </a:r>
             <a:br>
               <a:rPr lang="de-DE" altLang="de-DE" sz="1200" dirty="0">
                 <a:solidFill>

--- a/slides/Tag-3_1-Testing.pptx
+++ b/slides/Tag-3_1-Testing.pptx
@@ -6,21 +6,22 @@
     <p:sldMasterId id="2147483649" r:id="rId2"/>
   </p:sldMasterIdLst>
   <p:notesMasterIdLst>
-    <p:notesMasterId r:id="rId12"/>
+    <p:notesMasterId r:id="rId13"/>
   </p:notesMasterIdLst>
   <p:handoutMasterIdLst>
-    <p:handoutMasterId r:id="rId13"/>
+    <p:handoutMasterId r:id="rId14"/>
   </p:handoutMasterIdLst>
   <p:sldIdLst>
-    <p:sldId id="519" r:id="rId3"/>
-    <p:sldId id="467" r:id="rId4"/>
-    <p:sldId id="468" r:id="rId5"/>
-    <p:sldId id="469" r:id="rId6"/>
-    <p:sldId id="470" r:id="rId7"/>
-    <p:sldId id="471" r:id="rId8"/>
-    <p:sldId id="472" r:id="rId9"/>
-    <p:sldId id="473" r:id="rId10"/>
-    <p:sldId id="474" r:id="rId11"/>
+    <p:sldId id="520" r:id="rId3"/>
+    <p:sldId id="519" r:id="rId4"/>
+    <p:sldId id="467" r:id="rId5"/>
+    <p:sldId id="468" r:id="rId6"/>
+    <p:sldId id="469" r:id="rId7"/>
+    <p:sldId id="470" r:id="rId8"/>
+    <p:sldId id="471" r:id="rId9"/>
+    <p:sldId id="472" r:id="rId10"/>
+    <p:sldId id="473" r:id="rId11"/>
+    <p:sldId id="474" r:id="rId12"/>
   </p:sldIdLst>
   <p:sldSz cx="9144000" cy="6858000" type="screen4x3"/>
   <p:notesSz cx="6784975" cy="9921875"/>
@@ -6754,7 +6755,7 @@
               <a:pPr algn="ctr">
                 <a:defRPr/>
               </a:pPr>
-              <a:t>14.05.2021</a:t>
+              <a:t>25.05.2021</a:t>
             </a:fld>
             <a:endParaRPr lang="de-DE" sz="1000" dirty="0">
               <a:solidFill>
@@ -8409,34 +8410,171 @@
           <a:bodyPr/>
           <a:lstStyle/>
           <a:p>
-            <a:pPr marL="0" indent="0" algn="ctr">
+            <a:pPr>
+              <a:buFont typeface="Arial" panose="020B0604020202020204" pitchFamily="34" charset="0"/>
+              <a:buChar char="•"/>
+            </a:pPr>
+            <a:r>
+              <a:rPr lang="de-DE" sz="1800" b="1" dirty="0"/>
+              <a:t>Tag 1 – Einführung</a:t>
+            </a:r>
+          </a:p>
+          <a:p>
+            <a:pPr lvl="1">
+              <a:buFont typeface="Arial" panose="020B0604020202020204" pitchFamily="34" charset="0"/>
+              <a:buChar char="•"/>
+            </a:pPr>
+            <a:r>
+              <a:rPr lang="de-DE" sz="1400" dirty="0"/>
+              <a:t>Installation</a:t>
+            </a:r>
+          </a:p>
+          <a:p>
+            <a:pPr lvl="1">
+              <a:buFont typeface="Arial" panose="020B0604020202020204" pitchFamily="34" charset="0"/>
+              <a:buChar char="•"/>
+            </a:pPr>
+            <a:r>
+              <a:rPr lang="de-DE" sz="1400" dirty="0"/>
+              <a:t>Erste Anwendung</a:t>
+            </a:r>
+          </a:p>
+          <a:p>
+            <a:pPr lvl="1">
+              <a:buFont typeface="Arial" panose="020B0604020202020204" pitchFamily="34" charset="0"/>
+              <a:buChar char="•"/>
+            </a:pPr>
+            <a:r>
+              <a:rPr lang="de-DE" sz="1400" dirty="0"/>
+              <a:t>Architektur</a:t>
+            </a:r>
+          </a:p>
+          <a:p>
+            <a:pPr lvl="1">
               <a:buNone/>
             </a:pPr>
-            <a:endParaRPr lang="de-DE" sz="4000" b="1" dirty="0"/>
-          </a:p>
-          <a:p>
-            <a:pPr marL="0" indent="0" algn="ctr">
+            <a:endParaRPr lang="de-DE" sz="1400" dirty="0"/>
+          </a:p>
+          <a:p>
+            <a:pPr>
+              <a:buFont typeface="Arial" panose="020B0604020202020204" pitchFamily="34" charset="0"/>
+              <a:buChar char="•"/>
+            </a:pPr>
+            <a:r>
+              <a:rPr lang="de-DE" sz="1800" b="1" dirty="0"/>
+              <a:t>Tag 2 – Entwicklung</a:t>
+            </a:r>
+          </a:p>
+          <a:p>
+            <a:pPr lvl="1">
+              <a:buFont typeface="Arial" panose="020B0604020202020204" pitchFamily="34" charset="0"/>
+              <a:buChar char="•"/>
+            </a:pPr>
+            <a:r>
+              <a:rPr lang="de-DE" sz="1400" dirty="0"/>
+              <a:t>Models</a:t>
+            </a:r>
+          </a:p>
+          <a:p>
+            <a:pPr lvl="1">
+              <a:buFont typeface="Arial" panose="020B0604020202020204" pitchFamily="34" charset="0"/>
+              <a:buChar char="•"/>
+            </a:pPr>
+            <a:r>
+              <a:rPr lang="de-DE" sz="1400" dirty="0"/>
+              <a:t>Darstellung</a:t>
+            </a:r>
+          </a:p>
+          <a:p>
+            <a:pPr lvl="1">
+              <a:buFont typeface="Arial" panose="020B0604020202020204" pitchFamily="34" charset="0"/>
+              <a:buChar char="•"/>
+            </a:pPr>
+            <a:r>
+              <a:rPr lang="de-DE" sz="1400" dirty="0"/>
+              <a:t>Formulare</a:t>
+            </a:r>
+          </a:p>
+          <a:p>
+            <a:pPr lvl="1">
+              <a:buFont typeface="Arial" panose="020B0604020202020204" pitchFamily="34" charset="0"/>
+              <a:buChar char="•"/>
+            </a:pPr>
+            <a:r>
+              <a:rPr lang="de-DE" sz="1400" dirty="0"/>
+              <a:t>Ajax</a:t>
+            </a:r>
+          </a:p>
+          <a:p>
+            <a:pPr lvl="1">
               <a:buNone/>
             </a:pPr>
-            <a:endParaRPr lang="de-DE" sz="4000" b="1" dirty="0"/>
-          </a:p>
-          <a:p>
-            <a:pPr marL="0" indent="0" algn="ctr">
-              <a:buNone/>
+            <a:endParaRPr lang="de-DE" sz="1400" dirty="0"/>
+          </a:p>
+          <a:p>
+            <a:pPr>
+              <a:buFont typeface="Arial" panose="020B0604020202020204" pitchFamily="34" charset="0"/>
+              <a:buChar char="•"/>
             </a:pPr>
             <a:r>
-              <a:rPr lang="de-DE" sz="4000" b="1" dirty="0" err="1"/>
-              <a:t>Testing</a:t>
-            </a:r>
-            <a:endParaRPr lang="de-DE" sz="4000" b="1" dirty="0"/>
-          </a:p>
-          <a:p>
-            <a:pPr marL="0" indent="0" algn="ctr">
-              <a:buNone/>
+              <a:rPr lang="de-DE" sz="1800" b="1" dirty="0"/>
+              <a:t>Tag 3 – Fortgeschrittene Themen</a:t>
+            </a:r>
+          </a:p>
+          <a:p>
+            <a:pPr lvl="1">
+              <a:buFont typeface="Arial" panose="020B0604020202020204" pitchFamily="34" charset="0"/>
+              <a:buChar char="•"/>
             </a:pPr>
-            <a:endParaRPr lang="de-DE" sz="4000" b="1" dirty="0">
-              <a:sym typeface="Wingdings" panose="05000000000000000000" pitchFamily="2" charset="2"/>
-            </a:endParaRPr>
+            <a:r>
+              <a:rPr lang="de-DE" sz="1400" u="sng" dirty="0"/>
+              <a:t>Tests</a:t>
+            </a:r>
+          </a:p>
+          <a:p>
+            <a:pPr lvl="1">
+              <a:buFont typeface="Arial" panose="020B0604020202020204" pitchFamily="34" charset="0"/>
+              <a:buChar char="•"/>
+            </a:pPr>
+            <a:r>
+              <a:rPr lang="de-DE" sz="1400" dirty="0"/>
+              <a:t>Security &amp; </a:t>
+            </a:r>
+            <a:r>
+              <a:rPr lang="de-DE" sz="1400" dirty="0" err="1"/>
+              <a:t>Deployment</a:t>
+            </a:r>
+            <a:endParaRPr lang="de-DE" sz="1400" dirty="0"/>
+          </a:p>
+          <a:p>
+            <a:pPr lvl="1">
+              <a:buFont typeface="Arial" panose="020B0604020202020204" pitchFamily="34" charset="0"/>
+              <a:buChar char="•"/>
+            </a:pPr>
+            <a:r>
+              <a:rPr lang="de-DE" sz="1400" dirty="0"/>
+              <a:t>Lokalisierung &amp; Internationalisierung</a:t>
+            </a:r>
+          </a:p>
+          <a:p>
+            <a:pPr lvl="1">
+              <a:buFont typeface="Arial" panose="020B0604020202020204" pitchFamily="34" charset="0"/>
+              <a:buChar char="•"/>
+            </a:pPr>
+            <a:r>
+              <a:rPr lang="de-DE" sz="1400" dirty="0"/>
+              <a:t>Performance</a:t>
+            </a:r>
+          </a:p>
+          <a:p>
+            <a:pPr lvl="1">
+              <a:buFont typeface="Arial" panose="020B0604020202020204" pitchFamily="34" charset="0"/>
+              <a:buChar char="•"/>
+            </a:pPr>
+            <a:r>
+              <a:rPr lang="de-DE" sz="1400" dirty="0"/>
+              <a:t>Best Practices</a:t>
+            </a:r>
           </a:p>
         </p:txBody>
       </p:sp>
@@ -8460,14 +8598,1277 @@
           <a:bodyPr/>
           <a:lstStyle/>
           <a:p>
-            <a:endParaRPr lang="de-DE" dirty="0"/>
+            <a:r>
+              <a:rPr lang="de-DE" dirty="0"/>
+              <a:t>Agenda</a:t>
+            </a:r>
+          </a:p>
+        </p:txBody>
+      </p:sp>
+      <p:pic>
+        <p:nvPicPr>
+          <p:cNvPr id="4" name="Grafik 3"/>
+          <p:cNvPicPr>
+            <a:picLocks noChangeAspect="1"/>
+          </p:cNvPicPr>
+          <p:nvPr/>
+        </p:nvPicPr>
+        <p:blipFill>
+          <a:blip r:embed="rId2">
+            <a:extLst>
+              <a:ext uri="{28A0092B-C50C-407E-A947-70E740481C1C}">
+                <a14:useLocalDpi xmlns:a14="http://schemas.microsoft.com/office/drawing/2010/main" val="0"/>
+              </a:ext>
+            </a:extLst>
+          </a:blip>
+          <a:stretch>
+            <a:fillRect/>
+          </a:stretch>
+        </p:blipFill>
+        <p:spPr>
+          <a:xfrm>
+            <a:off x="5868144" y="3140968"/>
+            <a:ext cx="2031746" cy="749206"/>
+          </a:xfrm>
+          <a:prstGeom prst="rect">
+            <a:avLst/>
+          </a:prstGeom>
+        </p:spPr>
+      </p:pic>
+    </p:spTree>
+    <p:extLst>
+      <p:ext uri="{BB962C8B-B14F-4D97-AF65-F5344CB8AC3E}">
+        <p14:creationId xmlns:p14="http://schemas.microsoft.com/office/powerpoint/2010/main" val="925077555"/>
+      </p:ext>
+    </p:extLst>
+  </p:cSld>
+  <p:clrMapOvr>
+    <a:masterClrMapping/>
+  </p:clrMapOvr>
+  <p:timing>
+    <p:tnLst>
+      <p:par>
+        <p:cTn id="1" dur="indefinite" restart="never" nodeType="tmRoot"/>
+      </p:par>
+    </p:tnLst>
+  </p:timing>
+</p:sld>
+</file>
+
+<file path=ppt/slides/slide10.xml><?xml version="1.0" encoding="utf-8"?>
+<p:sld xmlns:a="http://schemas.openxmlformats.org/drawingml/2006/main" xmlns:r="http://schemas.openxmlformats.org/officeDocument/2006/relationships" xmlns:p="http://schemas.openxmlformats.org/presentationml/2006/main">
+  <p:cSld>
+    <p:spTree>
+      <p:nvGrpSpPr>
+        <p:cNvPr id="1" name=""/>
+        <p:cNvGrpSpPr/>
+        <p:nvPr/>
+      </p:nvGrpSpPr>
+      <p:grpSpPr>
+        <a:xfrm>
+          <a:off x="0" y="0"/>
+          <a:ext cx="0" cy="0"/>
+          <a:chOff x="0" y="0"/>
+          <a:chExt cx="0" cy="0"/>
+        </a:xfrm>
+      </p:grpSpPr>
+      <p:sp>
+        <p:nvSpPr>
+          <p:cNvPr id="17410" name="Inhaltsplatzhalter 2"/>
+          <p:cNvSpPr>
+            <a:spLocks noGrp="1"/>
+          </p:cNvSpPr>
+          <p:nvPr>
+            <p:ph idx="1"/>
+          </p:nvPr>
+        </p:nvSpPr>
+        <p:spPr>
+          <a:xfrm>
+            <a:off x="303213" y="1341438"/>
+            <a:ext cx="8589962" cy="4824412"/>
+          </a:xfrm>
+        </p:spPr>
+        <p:txBody>
+          <a:bodyPr/>
+          <a:lstStyle/>
+          <a:p>
+            <a:pPr marL="0" indent="0">
+              <a:buNone/>
+            </a:pPr>
+            <a:r>
+              <a:rPr lang="de-DE" sz="2000" b="1" dirty="0" err="1"/>
+              <a:t>TagTester</a:t>
+            </a:r>
+            <a:endParaRPr lang="de-DE" sz="2000" b="1" dirty="0"/>
+          </a:p>
+          <a:p>
+            <a:pPr>
+              <a:buFont typeface="Arial" panose="020B0604020202020204" pitchFamily="34" charset="0"/>
+              <a:buChar char="•"/>
+            </a:pPr>
+            <a:r>
+              <a:rPr lang="de-DE" sz="2000" dirty="0"/>
+              <a:t>Test</a:t>
+            </a:r>
+          </a:p>
+          <a:p>
+            <a:pPr marL="0" indent="0">
+              <a:buNone/>
+            </a:pPr>
+            <a:endParaRPr lang="de-DE" sz="800" dirty="0"/>
+          </a:p>
+          <a:p>
+            <a:pPr marL="0" lvl="0" indent="0">
+              <a:spcBef>
+                <a:spcPct val="0"/>
+              </a:spcBef>
+              <a:buClrTx/>
+              <a:buNone/>
+            </a:pPr>
+            <a:r>
+              <a:rPr lang="de-DE" altLang="de-DE" sz="1200" dirty="0">
+                <a:solidFill>
+                  <a:srgbClr val="000000"/>
+                </a:solidFill>
+                <a:latin typeface="Consolas" panose="020B0609020204030204" pitchFamily="49" charset="0"/>
+                <a:cs typeface="Consolas" panose="020B0609020204030204" pitchFamily="49" charset="0"/>
+              </a:rPr>
+              <a:t>@Test</a:t>
+            </a:r>
+            <a:br>
+              <a:rPr lang="de-DE" altLang="de-DE" sz="1200" dirty="0">
+                <a:solidFill>
+                  <a:srgbClr val="000000"/>
+                </a:solidFill>
+                <a:latin typeface="Consolas" panose="020B0609020204030204" pitchFamily="49" charset="0"/>
+                <a:cs typeface="Consolas" panose="020B0609020204030204" pitchFamily="49" charset="0"/>
+              </a:rPr>
+            </a:br>
+            <a:r>
+              <a:rPr lang="de-DE" altLang="de-DE" sz="1200" b="1" dirty="0" err="1">
+                <a:solidFill>
+                  <a:srgbClr val="000080"/>
+                </a:solidFill>
+                <a:latin typeface="Consolas" panose="020B0609020204030204" pitchFamily="49" charset="0"/>
+                <a:cs typeface="Consolas" panose="020B0609020204030204" pitchFamily="49" charset="0"/>
+              </a:rPr>
+              <a:t>public</a:t>
+            </a:r>
+            <a:r>
+              <a:rPr lang="de-DE" altLang="de-DE" sz="1200" b="1" dirty="0">
+                <a:solidFill>
+                  <a:srgbClr val="000080"/>
+                </a:solidFill>
+                <a:latin typeface="Consolas" panose="020B0609020204030204" pitchFamily="49" charset="0"/>
+                <a:cs typeface="Consolas" panose="020B0609020204030204" pitchFamily="49" charset="0"/>
+              </a:rPr>
+              <a:t> </a:t>
+            </a:r>
+            <a:r>
+              <a:rPr lang="de-DE" altLang="de-DE" sz="1200" b="1" dirty="0" err="1">
+                <a:solidFill>
+                  <a:srgbClr val="000080"/>
+                </a:solidFill>
+                <a:latin typeface="Consolas" panose="020B0609020204030204" pitchFamily="49" charset="0"/>
+                <a:cs typeface="Consolas" panose="020B0609020204030204" pitchFamily="49" charset="0"/>
+              </a:rPr>
+              <a:t>void</a:t>
+            </a:r>
+            <a:r>
+              <a:rPr lang="de-DE" altLang="de-DE" sz="1200" b="1" dirty="0">
+                <a:solidFill>
+                  <a:srgbClr val="000080"/>
+                </a:solidFill>
+                <a:latin typeface="Consolas" panose="020B0609020204030204" pitchFamily="49" charset="0"/>
+                <a:cs typeface="Consolas" panose="020B0609020204030204" pitchFamily="49" charset="0"/>
+              </a:rPr>
+              <a:t> </a:t>
+            </a:r>
+            <a:r>
+              <a:rPr lang="de-DE" altLang="de-DE" sz="1200" dirty="0" err="1">
+                <a:solidFill>
+                  <a:srgbClr val="000000"/>
+                </a:solidFill>
+                <a:latin typeface="Consolas" panose="020B0609020204030204" pitchFamily="49" charset="0"/>
+                <a:cs typeface="Consolas" panose="020B0609020204030204" pitchFamily="49" charset="0"/>
+              </a:rPr>
+              <a:t>homePageMarkupTest</a:t>
+            </a:r>
+            <a:r>
+              <a:rPr lang="de-DE" altLang="de-DE" sz="1200" dirty="0">
+                <a:solidFill>
+                  <a:srgbClr val="000000"/>
+                </a:solidFill>
+                <a:latin typeface="Consolas" panose="020B0609020204030204" pitchFamily="49" charset="0"/>
+                <a:cs typeface="Consolas" panose="020B0609020204030204" pitchFamily="49" charset="0"/>
+              </a:rPr>
+              <a:t>() {</a:t>
+            </a:r>
+            <a:br>
+              <a:rPr lang="de-DE" altLang="de-DE" sz="1200" dirty="0">
+                <a:solidFill>
+                  <a:srgbClr val="000000"/>
+                </a:solidFill>
+                <a:latin typeface="Consolas" panose="020B0609020204030204" pitchFamily="49" charset="0"/>
+                <a:cs typeface="Consolas" panose="020B0609020204030204" pitchFamily="49" charset="0"/>
+              </a:rPr>
+            </a:br>
+            <a:r>
+              <a:rPr lang="de-DE" altLang="de-DE" sz="1200" dirty="0">
+                <a:solidFill>
+                  <a:srgbClr val="000000"/>
+                </a:solidFill>
+                <a:latin typeface="Consolas" panose="020B0609020204030204" pitchFamily="49" charset="0"/>
+                <a:cs typeface="Consolas" panose="020B0609020204030204" pitchFamily="49" charset="0"/>
+              </a:rPr>
+              <a:t>    </a:t>
+            </a:r>
+            <a:r>
+              <a:rPr lang="de-DE" altLang="de-DE" sz="1200" i="1" dirty="0">
+                <a:solidFill>
+                  <a:srgbClr val="808080"/>
+                </a:solidFill>
+                <a:latin typeface="Consolas" panose="020B0609020204030204" pitchFamily="49" charset="0"/>
+                <a:cs typeface="Consolas" panose="020B0609020204030204" pitchFamily="49" charset="0"/>
+              </a:rPr>
+              <a:t>// Rendern der Page</a:t>
+            </a:r>
+            <a:br>
+              <a:rPr lang="de-DE" altLang="de-DE" sz="1200" i="1" dirty="0">
+                <a:solidFill>
+                  <a:srgbClr val="808080"/>
+                </a:solidFill>
+                <a:latin typeface="Consolas" panose="020B0609020204030204" pitchFamily="49" charset="0"/>
+                <a:cs typeface="Consolas" panose="020B0609020204030204" pitchFamily="49" charset="0"/>
+              </a:rPr>
+            </a:br>
+            <a:r>
+              <a:rPr lang="de-DE" altLang="de-DE" sz="1200" i="1" dirty="0">
+                <a:solidFill>
+                  <a:srgbClr val="808080"/>
+                </a:solidFill>
+                <a:latin typeface="Consolas" panose="020B0609020204030204" pitchFamily="49" charset="0"/>
+                <a:cs typeface="Consolas" panose="020B0609020204030204" pitchFamily="49" charset="0"/>
+              </a:rPr>
+              <a:t>    </a:t>
+            </a:r>
+            <a:r>
+              <a:rPr lang="de-DE" altLang="de-DE" sz="1200" dirty="0" err="1">
+                <a:solidFill>
+                  <a:srgbClr val="000000"/>
+                </a:solidFill>
+                <a:latin typeface="Consolas" panose="020B0609020204030204" pitchFamily="49" charset="0"/>
+                <a:cs typeface="Consolas" panose="020B0609020204030204" pitchFamily="49" charset="0"/>
+              </a:rPr>
+              <a:t>tester.startPage</a:t>
+            </a:r>
+            <a:r>
+              <a:rPr lang="de-DE" altLang="de-DE" sz="1200" dirty="0">
+                <a:solidFill>
+                  <a:srgbClr val="000000"/>
+                </a:solidFill>
+                <a:latin typeface="Consolas" panose="020B0609020204030204" pitchFamily="49" charset="0"/>
+                <a:cs typeface="Consolas" panose="020B0609020204030204" pitchFamily="49" charset="0"/>
+              </a:rPr>
+              <a:t>(</a:t>
+            </a:r>
+            <a:r>
+              <a:rPr lang="de-DE" altLang="de-DE" sz="1200" dirty="0" err="1">
+                <a:solidFill>
+                  <a:srgbClr val="000000"/>
+                </a:solidFill>
+                <a:latin typeface="Consolas" panose="020B0609020204030204" pitchFamily="49" charset="0"/>
+                <a:cs typeface="Consolas" panose="020B0609020204030204" pitchFamily="49" charset="0"/>
+              </a:rPr>
+              <a:t>HomePage.</a:t>
+            </a:r>
+            <a:r>
+              <a:rPr lang="de-DE" altLang="de-DE" sz="1200" b="1" dirty="0" err="1">
+                <a:solidFill>
+                  <a:srgbClr val="000080"/>
+                </a:solidFill>
+                <a:latin typeface="Consolas" panose="020B0609020204030204" pitchFamily="49" charset="0"/>
+                <a:cs typeface="Consolas" panose="020B0609020204030204" pitchFamily="49" charset="0"/>
+              </a:rPr>
+              <a:t>class</a:t>
+            </a:r>
+            <a:r>
+              <a:rPr lang="de-DE" altLang="de-DE" sz="1200" dirty="0">
+                <a:solidFill>
+                  <a:srgbClr val="000000"/>
+                </a:solidFill>
+                <a:latin typeface="Consolas" panose="020B0609020204030204" pitchFamily="49" charset="0"/>
+                <a:cs typeface="Consolas" panose="020B0609020204030204" pitchFamily="49" charset="0"/>
+              </a:rPr>
+              <a:t>);</a:t>
+            </a:r>
+            <a:br>
+              <a:rPr lang="de-DE" altLang="de-DE" sz="1200" dirty="0">
+                <a:solidFill>
+                  <a:srgbClr val="000000"/>
+                </a:solidFill>
+                <a:latin typeface="Consolas" panose="020B0609020204030204" pitchFamily="49" charset="0"/>
+                <a:cs typeface="Consolas" panose="020B0609020204030204" pitchFamily="49" charset="0"/>
+              </a:rPr>
+            </a:br>
+            <a:r>
+              <a:rPr lang="de-DE" altLang="de-DE" sz="1200" dirty="0">
+                <a:solidFill>
+                  <a:srgbClr val="000000"/>
+                </a:solidFill>
+                <a:latin typeface="Consolas" panose="020B0609020204030204" pitchFamily="49" charset="0"/>
+                <a:cs typeface="Consolas" panose="020B0609020204030204" pitchFamily="49" charset="0"/>
+              </a:rPr>
+              <a:t>    </a:t>
+            </a:r>
+            <a:r>
+              <a:rPr lang="de-DE" altLang="de-DE" sz="1200" i="1" dirty="0">
+                <a:solidFill>
+                  <a:srgbClr val="808080"/>
+                </a:solidFill>
+                <a:latin typeface="Consolas" panose="020B0609020204030204" pitchFamily="49" charset="0"/>
+                <a:cs typeface="Consolas" panose="020B0609020204030204" pitchFamily="49" charset="0"/>
+              </a:rPr>
+              <a:t>// Extraktion des Markups</a:t>
+            </a:r>
+            <a:br>
+              <a:rPr lang="de-DE" altLang="de-DE" sz="1200" i="1" dirty="0">
+                <a:solidFill>
+                  <a:srgbClr val="808080"/>
+                </a:solidFill>
+                <a:latin typeface="Consolas" panose="020B0609020204030204" pitchFamily="49" charset="0"/>
+                <a:cs typeface="Consolas" panose="020B0609020204030204" pitchFamily="49" charset="0"/>
+              </a:rPr>
+            </a:br>
+            <a:r>
+              <a:rPr lang="de-DE" altLang="de-DE" sz="1200" i="1" dirty="0">
+                <a:solidFill>
+                  <a:srgbClr val="808080"/>
+                </a:solidFill>
+                <a:latin typeface="Consolas" panose="020B0609020204030204" pitchFamily="49" charset="0"/>
+                <a:cs typeface="Consolas" panose="020B0609020204030204" pitchFamily="49" charset="0"/>
+              </a:rPr>
+              <a:t>    </a:t>
+            </a:r>
+            <a:r>
+              <a:rPr lang="de-DE" altLang="de-DE" sz="1200" dirty="0">
+                <a:solidFill>
+                  <a:srgbClr val="000000"/>
+                </a:solidFill>
+                <a:latin typeface="Consolas" panose="020B0609020204030204" pitchFamily="49" charset="0"/>
+                <a:cs typeface="Consolas" panose="020B0609020204030204" pitchFamily="49" charset="0"/>
+              </a:rPr>
+              <a:t>String </a:t>
+            </a:r>
+            <a:r>
+              <a:rPr lang="de-DE" altLang="de-DE" sz="1200" dirty="0" err="1">
+                <a:solidFill>
+                  <a:srgbClr val="000000"/>
+                </a:solidFill>
+                <a:latin typeface="Consolas" panose="020B0609020204030204" pitchFamily="49" charset="0"/>
+                <a:cs typeface="Consolas" panose="020B0609020204030204" pitchFamily="49" charset="0"/>
+              </a:rPr>
+              <a:t>responseTxt</a:t>
+            </a:r>
+            <a:r>
+              <a:rPr lang="de-DE" altLang="de-DE" sz="1200" dirty="0">
+                <a:solidFill>
+                  <a:srgbClr val="000000"/>
+                </a:solidFill>
+                <a:latin typeface="Consolas" panose="020B0609020204030204" pitchFamily="49" charset="0"/>
+                <a:cs typeface="Consolas" panose="020B0609020204030204" pitchFamily="49" charset="0"/>
+              </a:rPr>
+              <a:t> = </a:t>
+            </a:r>
+            <a:r>
+              <a:rPr lang="de-DE" altLang="de-DE" sz="1200" dirty="0" err="1">
+                <a:solidFill>
+                  <a:srgbClr val="000000"/>
+                </a:solidFill>
+                <a:latin typeface="Consolas" panose="020B0609020204030204" pitchFamily="49" charset="0"/>
+                <a:cs typeface="Consolas" panose="020B0609020204030204" pitchFamily="49" charset="0"/>
+              </a:rPr>
+              <a:t>tester.getLastResponse</a:t>
+            </a:r>
+            <a:r>
+              <a:rPr lang="de-DE" altLang="de-DE" sz="1200" dirty="0">
+                <a:solidFill>
+                  <a:srgbClr val="000000"/>
+                </a:solidFill>
+                <a:latin typeface="Consolas" panose="020B0609020204030204" pitchFamily="49" charset="0"/>
+                <a:cs typeface="Consolas" panose="020B0609020204030204" pitchFamily="49" charset="0"/>
+              </a:rPr>
+              <a:t>().</a:t>
+            </a:r>
+            <a:r>
+              <a:rPr lang="de-DE" altLang="de-DE" sz="1200" dirty="0" err="1">
+                <a:solidFill>
+                  <a:srgbClr val="000000"/>
+                </a:solidFill>
+                <a:latin typeface="Consolas" panose="020B0609020204030204" pitchFamily="49" charset="0"/>
+                <a:cs typeface="Consolas" panose="020B0609020204030204" pitchFamily="49" charset="0"/>
+              </a:rPr>
+              <a:t>getDocument</a:t>
+            </a:r>
+            <a:r>
+              <a:rPr lang="de-DE" altLang="de-DE" sz="1200" dirty="0">
+                <a:solidFill>
+                  <a:srgbClr val="000000"/>
+                </a:solidFill>
+                <a:latin typeface="Consolas" panose="020B0609020204030204" pitchFamily="49" charset="0"/>
+                <a:cs typeface="Consolas" panose="020B0609020204030204" pitchFamily="49" charset="0"/>
+              </a:rPr>
+              <a:t>();</a:t>
+            </a:r>
+            <a:br>
+              <a:rPr lang="de-DE" altLang="de-DE" sz="1200" dirty="0">
+                <a:solidFill>
+                  <a:srgbClr val="000000"/>
+                </a:solidFill>
+                <a:latin typeface="Consolas" panose="020B0609020204030204" pitchFamily="49" charset="0"/>
+                <a:cs typeface="Consolas" panose="020B0609020204030204" pitchFamily="49" charset="0"/>
+              </a:rPr>
+            </a:br>
+            <a:r>
+              <a:rPr lang="de-DE" altLang="de-DE" sz="1200" dirty="0">
+                <a:solidFill>
+                  <a:srgbClr val="000000"/>
+                </a:solidFill>
+                <a:latin typeface="Consolas" panose="020B0609020204030204" pitchFamily="49" charset="0"/>
+                <a:cs typeface="Consolas" panose="020B0609020204030204" pitchFamily="49" charset="0"/>
+              </a:rPr>
+              <a:t>    </a:t>
+            </a:r>
+            <a:r>
+              <a:rPr lang="de-DE" altLang="de-DE" sz="1200" i="1" dirty="0">
+                <a:solidFill>
+                  <a:srgbClr val="808080"/>
+                </a:solidFill>
+                <a:latin typeface="Consolas" panose="020B0609020204030204" pitchFamily="49" charset="0"/>
+                <a:cs typeface="Consolas" panose="020B0609020204030204" pitchFamily="49" charset="0"/>
+              </a:rPr>
+              <a:t>// </a:t>
+            </a:r>
+            <a:r>
+              <a:rPr lang="de-DE" altLang="de-DE" sz="1200" i="1" dirty="0" err="1">
+                <a:solidFill>
+                  <a:srgbClr val="808080"/>
+                </a:solidFill>
+                <a:latin typeface="Consolas" panose="020B0609020204030204" pitchFamily="49" charset="0"/>
+                <a:cs typeface="Consolas" panose="020B0609020204030204" pitchFamily="49" charset="0"/>
+              </a:rPr>
+              <a:t>TagTester</a:t>
+            </a:r>
+            <a:r>
+              <a:rPr lang="de-DE" altLang="de-DE" sz="1200" i="1" dirty="0">
+                <a:solidFill>
+                  <a:srgbClr val="808080"/>
+                </a:solidFill>
+                <a:latin typeface="Consolas" panose="020B0609020204030204" pitchFamily="49" charset="0"/>
+                <a:cs typeface="Consolas" panose="020B0609020204030204" pitchFamily="49" charset="0"/>
+              </a:rPr>
+              <a:t> mit Attributselektor erstellen</a:t>
+            </a:r>
+            <a:r>
+              <a:rPr lang="de-DE" altLang="de-DE" sz="1200" dirty="0">
+                <a:solidFill>
+                  <a:srgbClr val="000000"/>
+                </a:solidFill>
+                <a:latin typeface="Consolas" panose="020B0609020204030204" pitchFamily="49" charset="0"/>
+                <a:cs typeface="Consolas" panose="020B0609020204030204" pitchFamily="49" charset="0"/>
+              </a:rPr>
+              <a:t/>
+            </a:r>
+            <a:br>
+              <a:rPr lang="de-DE" altLang="de-DE" sz="1200" dirty="0">
+                <a:solidFill>
+                  <a:srgbClr val="000000"/>
+                </a:solidFill>
+                <a:latin typeface="Consolas" panose="020B0609020204030204" pitchFamily="49" charset="0"/>
+                <a:cs typeface="Consolas" panose="020B0609020204030204" pitchFamily="49" charset="0"/>
+              </a:rPr>
+            </a:br>
+            <a:r>
+              <a:rPr lang="de-DE" altLang="de-DE" sz="1200" dirty="0">
+                <a:solidFill>
+                  <a:srgbClr val="000000"/>
+                </a:solidFill>
+                <a:latin typeface="Consolas" panose="020B0609020204030204" pitchFamily="49" charset="0"/>
+                <a:cs typeface="Consolas" panose="020B0609020204030204" pitchFamily="49" charset="0"/>
+              </a:rPr>
+              <a:t>    </a:t>
+            </a:r>
+            <a:r>
+              <a:rPr lang="de-DE" altLang="de-DE" sz="1200" dirty="0" err="1">
+                <a:solidFill>
+                  <a:srgbClr val="000000"/>
+                </a:solidFill>
+                <a:latin typeface="Consolas" panose="020B0609020204030204" pitchFamily="49" charset="0"/>
+                <a:cs typeface="Consolas" panose="020B0609020204030204" pitchFamily="49" charset="0"/>
+              </a:rPr>
+              <a:t>TagTester</a:t>
+            </a:r>
+            <a:r>
+              <a:rPr lang="de-DE" altLang="de-DE" sz="1200" dirty="0">
+                <a:solidFill>
+                  <a:srgbClr val="000000"/>
+                </a:solidFill>
+                <a:latin typeface="Consolas" panose="020B0609020204030204" pitchFamily="49" charset="0"/>
+                <a:cs typeface="Consolas" panose="020B0609020204030204" pitchFamily="49" charset="0"/>
+              </a:rPr>
+              <a:t> </a:t>
+            </a:r>
+            <a:r>
+              <a:rPr lang="de-DE" altLang="de-DE" sz="1200" dirty="0" err="1">
+                <a:solidFill>
+                  <a:srgbClr val="000000"/>
+                </a:solidFill>
+                <a:latin typeface="Consolas" panose="020B0609020204030204" pitchFamily="49" charset="0"/>
+                <a:cs typeface="Consolas" panose="020B0609020204030204" pitchFamily="49" charset="0"/>
+              </a:rPr>
+              <a:t>tagTester</a:t>
+            </a:r>
+            <a:r>
+              <a:rPr lang="de-DE" altLang="de-DE" sz="1200" dirty="0">
+                <a:solidFill>
+                  <a:srgbClr val="000000"/>
+                </a:solidFill>
+                <a:latin typeface="Consolas" panose="020B0609020204030204" pitchFamily="49" charset="0"/>
+                <a:cs typeface="Consolas" panose="020B0609020204030204" pitchFamily="49" charset="0"/>
+              </a:rPr>
+              <a:t> = </a:t>
+            </a:r>
+            <a:r>
+              <a:rPr lang="de-DE" altLang="de-DE" sz="1200" dirty="0" err="1">
+                <a:solidFill>
+                  <a:srgbClr val="000000"/>
+                </a:solidFill>
+                <a:latin typeface="Consolas" panose="020B0609020204030204" pitchFamily="49" charset="0"/>
+                <a:cs typeface="Consolas" panose="020B0609020204030204" pitchFamily="49" charset="0"/>
+              </a:rPr>
+              <a:t>TagTester.createTagByAttribute</a:t>
+            </a:r>
+            <a:r>
+              <a:rPr lang="de-DE" altLang="de-DE" sz="1200" dirty="0">
+                <a:solidFill>
+                  <a:srgbClr val="000000"/>
+                </a:solidFill>
+                <a:latin typeface="Consolas" panose="020B0609020204030204" pitchFamily="49" charset="0"/>
+                <a:cs typeface="Consolas" panose="020B0609020204030204" pitchFamily="49" charset="0"/>
+              </a:rPr>
+              <a:t>(</a:t>
+            </a:r>
+            <a:r>
+              <a:rPr lang="de-DE" altLang="de-DE" sz="1200" dirty="0" err="1">
+                <a:solidFill>
+                  <a:srgbClr val="000000"/>
+                </a:solidFill>
+                <a:latin typeface="Consolas" panose="020B0609020204030204" pitchFamily="49" charset="0"/>
+                <a:cs typeface="Consolas" panose="020B0609020204030204" pitchFamily="49" charset="0"/>
+              </a:rPr>
+              <a:t>responseTxt</a:t>
+            </a:r>
+            <a:r>
+              <a:rPr lang="de-DE" altLang="de-DE" sz="1200" dirty="0">
+                <a:solidFill>
+                  <a:srgbClr val="000000"/>
+                </a:solidFill>
+                <a:latin typeface="Consolas" panose="020B0609020204030204" pitchFamily="49" charset="0"/>
+                <a:cs typeface="Consolas" panose="020B0609020204030204" pitchFamily="49" charset="0"/>
+              </a:rPr>
+              <a:t>, </a:t>
+            </a:r>
+            <a:r>
+              <a:rPr lang="de-DE" altLang="de-DE" sz="1200" b="1" dirty="0">
+                <a:solidFill>
+                  <a:srgbClr val="008000"/>
+                </a:solidFill>
+                <a:latin typeface="Consolas" panose="020B0609020204030204" pitchFamily="49" charset="0"/>
+                <a:cs typeface="Consolas" panose="020B0609020204030204" pitchFamily="49" charset="0"/>
+              </a:rPr>
+              <a:t>"</a:t>
+            </a:r>
+            <a:r>
+              <a:rPr lang="de-DE" altLang="de-DE" sz="1200" b="1" dirty="0" err="1">
+                <a:solidFill>
+                  <a:srgbClr val="008000"/>
+                </a:solidFill>
+                <a:latin typeface="Consolas" panose="020B0609020204030204" pitchFamily="49" charset="0"/>
+                <a:cs typeface="Consolas" panose="020B0609020204030204" pitchFamily="49" charset="0"/>
+              </a:rPr>
+              <a:t>class</a:t>
+            </a:r>
+            <a:r>
+              <a:rPr lang="de-DE" altLang="de-DE" sz="1200" b="1" dirty="0">
+                <a:solidFill>
+                  <a:srgbClr val="008000"/>
+                </a:solidFill>
+                <a:latin typeface="Consolas" panose="020B0609020204030204" pitchFamily="49" charset="0"/>
+                <a:cs typeface="Consolas" panose="020B0609020204030204" pitchFamily="49" charset="0"/>
+              </a:rPr>
+              <a:t>"</a:t>
+            </a:r>
+            <a:r>
+              <a:rPr lang="de-DE" altLang="de-DE" sz="1200" dirty="0">
+                <a:solidFill>
+                  <a:srgbClr val="000000"/>
+                </a:solidFill>
+                <a:latin typeface="Consolas" panose="020B0609020204030204" pitchFamily="49" charset="0"/>
+                <a:cs typeface="Consolas" panose="020B0609020204030204" pitchFamily="49" charset="0"/>
+              </a:rPr>
+              <a:t>, </a:t>
+            </a:r>
+            <a:r>
+              <a:rPr lang="de-DE" altLang="de-DE" sz="1200" b="1" dirty="0">
+                <a:solidFill>
+                  <a:srgbClr val="008000"/>
+                </a:solidFill>
+                <a:latin typeface="Consolas" panose="020B0609020204030204" pitchFamily="49" charset="0"/>
+                <a:cs typeface="Consolas" panose="020B0609020204030204" pitchFamily="49" charset="0"/>
+              </a:rPr>
+              <a:t>"</a:t>
+            </a:r>
+            <a:r>
+              <a:rPr lang="de-DE" altLang="de-DE" sz="1200" b="1" dirty="0" err="1">
+                <a:solidFill>
+                  <a:srgbClr val="008000"/>
+                </a:solidFill>
+                <a:latin typeface="Consolas" panose="020B0609020204030204" pitchFamily="49" charset="0"/>
+                <a:cs typeface="Consolas" panose="020B0609020204030204" pitchFamily="49" charset="0"/>
+              </a:rPr>
+              <a:t>myClass</a:t>
+            </a:r>
+            <a:r>
+              <a:rPr lang="de-DE" altLang="de-DE" sz="1200" b="1" dirty="0">
+                <a:solidFill>
+                  <a:srgbClr val="008000"/>
+                </a:solidFill>
+                <a:latin typeface="Consolas" panose="020B0609020204030204" pitchFamily="49" charset="0"/>
+                <a:cs typeface="Consolas" panose="020B0609020204030204" pitchFamily="49" charset="0"/>
+              </a:rPr>
+              <a:t>"</a:t>
+            </a:r>
+            <a:r>
+              <a:rPr lang="de-DE" altLang="de-DE" sz="1200" dirty="0">
+                <a:solidFill>
+                  <a:srgbClr val="000000"/>
+                </a:solidFill>
+                <a:latin typeface="Consolas" panose="020B0609020204030204" pitchFamily="49" charset="0"/>
+                <a:cs typeface="Consolas" panose="020B0609020204030204" pitchFamily="49" charset="0"/>
+              </a:rPr>
+              <a:t>);</a:t>
+            </a:r>
+            <a:br>
+              <a:rPr lang="de-DE" altLang="de-DE" sz="1200" dirty="0">
+                <a:solidFill>
+                  <a:srgbClr val="000000"/>
+                </a:solidFill>
+                <a:latin typeface="Consolas" panose="020B0609020204030204" pitchFamily="49" charset="0"/>
+                <a:cs typeface="Consolas" panose="020B0609020204030204" pitchFamily="49" charset="0"/>
+              </a:rPr>
+            </a:br>
+            <a:endParaRPr lang="de-DE" altLang="de-DE" sz="1200" dirty="0">
+              <a:solidFill>
+                <a:srgbClr val="000000"/>
+              </a:solidFill>
+              <a:latin typeface="Consolas" panose="020B0609020204030204" pitchFamily="49" charset="0"/>
+              <a:cs typeface="Consolas" panose="020B0609020204030204" pitchFamily="49" charset="0"/>
+            </a:endParaRPr>
+          </a:p>
+          <a:p>
+            <a:pPr marL="0" lvl="0" indent="0">
+              <a:spcBef>
+                <a:spcPct val="0"/>
+              </a:spcBef>
+              <a:buClrTx/>
+              <a:buNone/>
+            </a:pPr>
+            <a:r>
+              <a:rPr lang="de-DE" altLang="de-DE" sz="1200" dirty="0">
+                <a:solidFill>
+                  <a:srgbClr val="000000"/>
+                </a:solidFill>
+                <a:latin typeface="Consolas" panose="020B0609020204030204" pitchFamily="49" charset="0"/>
+                <a:cs typeface="Consolas" panose="020B0609020204030204" pitchFamily="49" charset="0"/>
+              </a:rPr>
+              <a:t>    </a:t>
+            </a:r>
+            <a:r>
+              <a:rPr lang="de-DE" altLang="de-DE" sz="1200" i="1" dirty="0">
+                <a:solidFill>
+                  <a:srgbClr val="808080"/>
+                </a:solidFill>
+                <a:latin typeface="Consolas" panose="020B0609020204030204" pitchFamily="49" charset="0"/>
+                <a:cs typeface="Consolas" panose="020B0609020204030204" pitchFamily="49" charset="0"/>
+              </a:rPr>
+              <a:t>// Überprüfung des ersten Elementes</a:t>
+            </a:r>
+            <a:r>
+              <a:rPr lang="de-DE" altLang="de-DE" sz="1200" dirty="0">
+                <a:solidFill>
+                  <a:srgbClr val="000000"/>
+                </a:solidFill>
+                <a:latin typeface="Consolas" panose="020B0609020204030204" pitchFamily="49" charset="0"/>
+                <a:cs typeface="Consolas" panose="020B0609020204030204" pitchFamily="49" charset="0"/>
+              </a:rPr>
+              <a:t/>
+            </a:r>
+            <a:br>
+              <a:rPr lang="de-DE" altLang="de-DE" sz="1200" dirty="0">
+                <a:solidFill>
+                  <a:srgbClr val="000000"/>
+                </a:solidFill>
+                <a:latin typeface="Consolas" panose="020B0609020204030204" pitchFamily="49" charset="0"/>
+                <a:cs typeface="Consolas" panose="020B0609020204030204" pitchFamily="49" charset="0"/>
+              </a:rPr>
+            </a:br>
+            <a:r>
+              <a:rPr lang="de-DE" altLang="de-DE" sz="1200" dirty="0">
+                <a:solidFill>
+                  <a:srgbClr val="000000"/>
+                </a:solidFill>
+                <a:latin typeface="Consolas" panose="020B0609020204030204" pitchFamily="49" charset="0"/>
+                <a:cs typeface="Consolas" panose="020B0609020204030204" pitchFamily="49" charset="0"/>
+              </a:rPr>
+              <a:t>    </a:t>
+            </a:r>
+            <a:r>
+              <a:rPr lang="de-DE" altLang="de-DE" sz="1200" dirty="0" err="1">
+                <a:solidFill>
+                  <a:srgbClr val="000000"/>
+                </a:solidFill>
+                <a:latin typeface="Consolas" panose="020B0609020204030204" pitchFamily="49" charset="0"/>
+                <a:cs typeface="Consolas" panose="020B0609020204030204" pitchFamily="49" charset="0"/>
+              </a:rPr>
+              <a:t>assertNotNull</a:t>
+            </a:r>
+            <a:r>
+              <a:rPr lang="de-DE" altLang="de-DE" sz="1200" dirty="0">
+                <a:solidFill>
+                  <a:srgbClr val="000000"/>
+                </a:solidFill>
+                <a:latin typeface="Consolas" panose="020B0609020204030204" pitchFamily="49" charset="0"/>
+                <a:cs typeface="Consolas" panose="020B0609020204030204" pitchFamily="49" charset="0"/>
+              </a:rPr>
+              <a:t>(</a:t>
+            </a:r>
+            <a:r>
+              <a:rPr lang="de-DE" altLang="de-DE" sz="1200" dirty="0" err="1">
+                <a:solidFill>
+                  <a:srgbClr val="000000"/>
+                </a:solidFill>
+                <a:latin typeface="Consolas" panose="020B0609020204030204" pitchFamily="49" charset="0"/>
+                <a:cs typeface="Consolas" panose="020B0609020204030204" pitchFamily="49" charset="0"/>
+              </a:rPr>
+              <a:t>tagTester</a:t>
+            </a:r>
+            <a:r>
+              <a:rPr lang="de-DE" altLang="de-DE" sz="1200" dirty="0">
+                <a:solidFill>
+                  <a:srgbClr val="000000"/>
+                </a:solidFill>
+                <a:latin typeface="Consolas" panose="020B0609020204030204" pitchFamily="49" charset="0"/>
+                <a:cs typeface="Consolas" panose="020B0609020204030204" pitchFamily="49" charset="0"/>
+              </a:rPr>
+              <a:t>);</a:t>
+            </a:r>
+            <a:br>
+              <a:rPr lang="de-DE" altLang="de-DE" sz="1200" dirty="0">
+                <a:solidFill>
+                  <a:srgbClr val="000000"/>
+                </a:solidFill>
+                <a:latin typeface="Consolas" panose="020B0609020204030204" pitchFamily="49" charset="0"/>
+                <a:cs typeface="Consolas" panose="020B0609020204030204" pitchFamily="49" charset="0"/>
+              </a:rPr>
+            </a:br>
+            <a:r>
+              <a:rPr lang="de-DE" altLang="de-DE" sz="1200" dirty="0">
+                <a:solidFill>
+                  <a:srgbClr val="000000"/>
+                </a:solidFill>
+                <a:latin typeface="Consolas" panose="020B0609020204030204" pitchFamily="49" charset="0"/>
+                <a:cs typeface="Consolas" panose="020B0609020204030204" pitchFamily="49" charset="0"/>
+              </a:rPr>
+              <a:t>    </a:t>
+            </a:r>
+            <a:r>
+              <a:rPr lang="de-DE" altLang="de-DE" sz="1200" dirty="0" err="1">
+                <a:solidFill>
+                  <a:srgbClr val="000000"/>
+                </a:solidFill>
+                <a:latin typeface="Consolas" panose="020B0609020204030204" pitchFamily="49" charset="0"/>
+                <a:cs typeface="Consolas" panose="020B0609020204030204" pitchFamily="49" charset="0"/>
+              </a:rPr>
+              <a:t>assertEquals</a:t>
+            </a:r>
+            <a:r>
+              <a:rPr lang="de-DE" altLang="de-DE" sz="1200" dirty="0">
+                <a:solidFill>
+                  <a:srgbClr val="000000"/>
+                </a:solidFill>
+                <a:latin typeface="Consolas" panose="020B0609020204030204" pitchFamily="49" charset="0"/>
+                <a:cs typeface="Consolas" panose="020B0609020204030204" pitchFamily="49" charset="0"/>
+              </a:rPr>
+              <a:t>(</a:t>
+            </a:r>
+            <a:r>
+              <a:rPr lang="de-DE" altLang="de-DE" sz="1200" b="1" dirty="0">
+                <a:solidFill>
+                  <a:srgbClr val="008000"/>
+                </a:solidFill>
+                <a:latin typeface="Consolas" panose="020B0609020204030204" pitchFamily="49" charset="0"/>
+                <a:cs typeface="Consolas" panose="020B0609020204030204" pitchFamily="49" charset="0"/>
+              </a:rPr>
+              <a:t>"span"</a:t>
+            </a:r>
+            <a:r>
+              <a:rPr lang="de-DE" altLang="de-DE" sz="1200" dirty="0">
+                <a:solidFill>
+                  <a:srgbClr val="000000"/>
+                </a:solidFill>
+                <a:latin typeface="Consolas" panose="020B0609020204030204" pitchFamily="49" charset="0"/>
+                <a:cs typeface="Consolas" panose="020B0609020204030204" pitchFamily="49" charset="0"/>
+              </a:rPr>
+              <a:t>, </a:t>
+            </a:r>
+            <a:r>
+              <a:rPr lang="de-DE" altLang="de-DE" sz="1200" dirty="0" err="1">
+                <a:solidFill>
+                  <a:srgbClr val="000000"/>
+                </a:solidFill>
+                <a:latin typeface="Consolas" panose="020B0609020204030204" pitchFamily="49" charset="0"/>
+                <a:cs typeface="Consolas" panose="020B0609020204030204" pitchFamily="49" charset="0"/>
+              </a:rPr>
+              <a:t>tagTester.getName</a:t>
+            </a:r>
+            <a:r>
+              <a:rPr lang="de-DE" altLang="de-DE" sz="1200" dirty="0">
+                <a:solidFill>
+                  <a:srgbClr val="000000"/>
+                </a:solidFill>
+                <a:latin typeface="Consolas" panose="020B0609020204030204" pitchFamily="49" charset="0"/>
+                <a:cs typeface="Consolas" panose="020B0609020204030204" pitchFamily="49" charset="0"/>
+              </a:rPr>
+              <a:t>());</a:t>
+            </a:r>
+            <a:br>
+              <a:rPr lang="de-DE" altLang="de-DE" sz="1200" dirty="0">
+                <a:solidFill>
+                  <a:srgbClr val="000000"/>
+                </a:solidFill>
+                <a:latin typeface="Consolas" panose="020B0609020204030204" pitchFamily="49" charset="0"/>
+                <a:cs typeface="Consolas" panose="020B0609020204030204" pitchFamily="49" charset="0"/>
+              </a:rPr>
+            </a:br>
+            <a:endParaRPr lang="de-DE" altLang="de-DE" sz="1200" dirty="0">
+              <a:solidFill>
+                <a:srgbClr val="000000"/>
+              </a:solidFill>
+              <a:latin typeface="Consolas" panose="020B0609020204030204" pitchFamily="49" charset="0"/>
+              <a:cs typeface="Consolas" panose="020B0609020204030204" pitchFamily="49" charset="0"/>
+            </a:endParaRPr>
+          </a:p>
+          <a:p>
+            <a:pPr marL="0" lvl="0" indent="0">
+              <a:spcBef>
+                <a:spcPct val="0"/>
+              </a:spcBef>
+              <a:buClrTx/>
+              <a:buNone/>
+            </a:pPr>
+            <a:r>
+              <a:rPr lang="de-DE" altLang="de-DE" sz="1200" i="1" dirty="0">
+                <a:solidFill>
+                  <a:srgbClr val="808080"/>
+                </a:solidFill>
+                <a:latin typeface="Consolas" panose="020B0609020204030204" pitchFamily="49" charset="0"/>
+                <a:cs typeface="Consolas" panose="020B0609020204030204" pitchFamily="49" charset="0"/>
+              </a:rPr>
+              <a:t>    // Überprüfung beider Elemente</a:t>
+            </a:r>
+            <a:r>
+              <a:rPr lang="de-DE" altLang="de-DE" sz="1200" dirty="0">
+                <a:solidFill>
+                  <a:srgbClr val="000000"/>
+                </a:solidFill>
+                <a:latin typeface="Consolas" panose="020B0609020204030204" pitchFamily="49" charset="0"/>
+                <a:cs typeface="Consolas" panose="020B0609020204030204" pitchFamily="49" charset="0"/>
+              </a:rPr>
+              <a:t/>
+            </a:r>
+            <a:br>
+              <a:rPr lang="de-DE" altLang="de-DE" sz="1200" dirty="0">
+                <a:solidFill>
+                  <a:srgbClr val="000000"/>
+                </a:solidFill>
+                <a:latin typeface="Consolas" panose="020B0609020204030204" pitchFamily="49" charset="0"/>
+                <a:cs typeface="Consolas" panose="020B0609020204030204" pitchFamily="49" charset="0"/>
+              </a:rPr>
+            </a:br>
+            <a:r>
+              <a:rPr lang="de-DE" altLang="de-DE" sz="1200" dirty="0">
+                <a:solidFill>
+                  <a:srgbClr val="000000"/>
+                </a:solidFill>
+                <a:latin typeface="Consolas" panose="020B0609020204030204" pitchFamily="49" charset="0"/>
+                <a:cs typeface="Consolas" panose="020B0609020204030204" pitchFamily="49" charset="0"/>
+              </a:rPr>
+              <a:t>    List&lt;</a:t>
+            </a:r>
+            <a:r>
+              <a:rPr lang="de-DE" altLang="de-DE" sz="1200" dirty="0" err="1">
+                <a:solidFill>
+                  <a:srgbClr val="000000"/>
+                </a:solidFill>
+                <a:latin typeface="Consolas" panose="020B0609020204030204" pitchFamily="49" charset="0"/>
+                <a:cs typeface="Consolas" panose="020B0609020204030204" pitchFamily="49" charset="0"/>
+              </a:rPr>
+              <a:t>TagTester</a:t>
+            </a:r>
+            <a:r>
+              <a:rPr lang="de-DE" altLang="de-DE" sz="1200" dirty="0">
+                <a:solidFill>
+                  <a:srgbClr val="000000"/>
+                </a:solidFill>
+                <a:latin typeface="Consolas" panose="020B0609020204030204" pitchFamily="49" charset="0"/>
+                <a:cs typeface="Consolas" panose="020B0609020204030204" pitchFamily="49" charset="0"/>
+              </a:rPr>
+              <a:t>&gt; </a:t>
+            </a:r>
+            <a:r>
+              <a:rPr lang="de-DE" altLang="de-DE" sz="1200" dirty="0" err="1">
+                <a:solidFill>
+                  <a:srgbClr val="000000"/>
+                </a:solidFill>
+                <a:latin typeface="Consolas" panose="020B0609020204030204" pitchFamily="49" charset="0"/>
+                <a:cs typeface="Consolas" panose="020B0609020204030204" pitchFamily="49" charset="0"/>
+              </a:rPr>
+              <a:t>tagTesterList</a:t>
+            </a:r>
+            <a:r>
+              <a:rPr lang="de-DE" altLang="de-DE" sz="1200" dirty="0">
+                <a:solidFill>
+                  <a:srgbClr val="000000"/>
+                </a:solidFill>
+                <a:latin typeface="Consolas" panose="020B0609020204030204" pitchFamily="49" charset="0"/>
+                <a:cs typeface="Consolas" panose="020B0609020204030204" pitchFamily="49" charset="0"/>
+              </a:rPr>
+              <a:t> = </a:t>
+            </a:r>
+            <a:r>
+              <a:rPr lang="de-DE" altLang="de-DE" sz="1200" dirty="0" err="1">
+                <a:solidFill>
+                  <a:srgbClr val="000000"/>
+                </a:solidFill>
+                <a:latin typeface="Consolas" panose="020B0609020204030204" pitchFamily="49" charset="0"/>
+                <a:cs typeface="Consolas" panose="020B0609020204030204" pitchFamily="49" charset="0"/>
+              </a:rPr>
+              <a:t>TagTester.createTagsByAttribute</a:t>
+            </a:r>
+            <a:r>
+              <a:rPr lang="de-DE" altLang="de-DE" sz="1200" dirty="0">
+                <a:solidFill>
+                  <a:srgbClr val="000000"/>
+                </a:solidFill>
+                <a:latin typeface="Consolas" panose="020B0609020204030204" pitchFamily="49" charset="0"/>
+                <a:cs typeface="Consolas" panose="020B0609020204030204" pitchFamily="49" charset="0"/>
+              </a:rPr>
+              <a:t>(</a:t>
+            </a:r>
+            <a:r>
+              <a:rPr lang="de-DE" altLang="de-DE" sz="1200" dirty="0" err="1">
+                <a:solidFill>
+                  <a:srgbClr val="000000"/>
+                </a:solidFill>
+                <a:latin typeface="Consolas" panose="020B0609020204030204" pitchFamily="49" charset="0"/>
+                <a:cs typeface="Consolas" panose="020B0609020204030204" pitchFamily="49" charset="0"/>
+              </a:rPr>
+              <a:t>responseTxt</a:t>
+            </a:r>
+            <a:r>
+              <a:rPr lang="de-DE" altLang="de-DE" sz="1200" dirty="0">
+                <a:solidFill>
+                  <a:srgbClr val="000000"/>
+                </a:solidFill>
+                <a:latin typeface="Consolas" panose="020B0609020204030204" pitchFamily="49" charset="0"/>
+                <a:cs typeface="Consolas" panose="020B0609020204030204" pitchFamily="49" charset="0"/>
+              </a:rPr>
+              <a:t>,</a:t>
+            </a:r>
+            <a:br>
+              <a:rPr lang="de-DE" altLang="de-DE" sz="1200" dirty="0">
+                <a:solidFill>
+                  <a:srgbClr val="000000"/>
+                </a:solidFill>
+                <a:latin typeface="Consolas" panose="020B0609020204030204" pitchFamily="49" charset="0"/>
+                <a:cs typeface="Consolas" panose="020B0609020204030204" pitchFamily="49" charset="0"/>
+              </a:rPr>
+            </a:br>
+            <a:r>
+              <a:rPr lang="de-DE" altLang="de-DE" sz="1200" dirty="0">
+                <a:solidFill>
+                  <a:srgbClr val="000000"/>
+                </a:solidFill>
+                <a:latin typeface="Consolas" panose="020B0609020204030204" pitchFamily="49" charset="0"/>
+                <a:cs typeface="Consolas" panose="020B0609020204030204" pitchFamily="49" charset="0"/>
+              </a:rPr>
+              <a:t>            </a:t>
+            </a:r>
+            <a:r>
+              <a:rPr lang="de-DE" altLang="de-DE" sz="1200" b="1" dirty="0">
+                <a:solidFill>
+                  <a:srgbClr val="008000"/>
+                </a:solidFill>
+                <a:latin typeface="Consolas" panose="020B0609020204030204" pitchFamily="49" charset="0"/>
+                <a:cs typeface="Consolas" panose="020B0609020204030204" pitchFamily="49" charset="0"/>
+              </a:rPr>
+              <a:t>"</a:t>
+            </a:r>
+            <a:r>
+              <a:rPr lang="de-DE" altLang="de-DE" sz="1200" b="1" dirty="0" err="1">
+                <a:solidFill>
+                  <a:srgbClr val="008000"/>
+                </a:solidFill>
+                <a:latin typeface="Consolas" panose="020B0609020204030204" pitchFamily="49" charset="0"/>
+                <a:cs typeface="Consolas" panose="020B0609020204030204" pitchFamily="49" charset="0"/>
+              </a:rPr>
+              <a:t>class</a:t>
+            </a:r>
+            <a:r>
+              <a:rPr lang="de-DE" altLang="de-DE" sz="1200" b="1" dirty="0">
+                <a:solidFill>
+                  <a:srgbClr val="008000"/>
+                </a:solidFill>
+                <a:latin typeface="Consolas" panose="020B0609020204030204" pitchFamily="49" charset="0"/>
+                <a:cs typeface="Consolas" panose="020B0609020204030204" pitchFamily="49" charset="0"/>
+              </a:rPr>
+              <a:t>"</a:t>
+            </a:r>
+            <a:r>
+              <a:rPr lang="de-DE" altLang="de-DE" sz="1200" dirty="0">
+                <a:solidFill>
+                  <a:srgbClr val="000000"/>
+                </a:solidFill>
+                <a:latin typeface="Consolas" panose="020B0609020204030204" pitchFamily="49" charset="0"/>
+                <a:cs typeface="Consolas" panose="020B0609020204030204" pitchFamily="49" charset="0"/>
+              </a:rPr>
+              <a:t>, </a:t>
+            </a:r>
+            <a:r>
+              <a:rPr lang="de-DE" altLang="de-DE" sz="1200" b="1" dirty="0">
+                <a:solidFill>
+                  <a:srgbClr val="008000"/>
+                </a:solidFill>
+                <a:latin typeface="Consolas" panose="020B0609020204030204" pitchFamily="49" charset="0"/>
+                <a:cs typeface="Consolas" panose="020B0609020204030204" pitchFamily="49" charset="0"/>
+              </a:rPr>
+              <a:t>"</a:t>
+            </a:r>
+            <a:r>
+              <a:rPr lang="de-DE" altLang="de-DE" sz="1200" b="1" dirty="0" err="1">
+                <a:solidFill>
+                  <a:srgbClr val="008000"/>
+                </a:solidFill>
+                <a:latin typeface="Consolas" panose="020B0609020204030204" pitchFamily="49" charset="0"/>
+                <a:cs typeface="Consolas" panose="020B0609020204030204" pitchFamily="49" charset="0"/>
+              </a:rPr>
+              <a:t>myClass</a:t>
+            </a:r>
+            <a:r>
+              <a:rPr lang="de-DE" altLang="de-DE" sz="1200" b="1" dirty="0">
+                <a:solidFill>
+                  <a:srgbClr val="008000"/>
+                </a:solidFill>
+                <a:latin typeface="Consolas" panose="020B0609020204030204" pitchFamily="49" charset="0"/>
+                <a:cs typeface="Consolas" panose="020B0609020204030204" pitchFamily="49" charset="0"/>
+              </a:rPr>
+              <a:t>"</a:t>
+            </a:r>
+            <a:r>
+              <a:rPr lang="de-DE" altLang="de-DE" sz="1200" dirty="0">
+                <a:solidFill>
+                  <a:srgbClr val="000000"/>
+                </a:solidFill>
+                <a:latin typeface="Consolas" panose="020B0609020204030204" pitchFamily="49" charset="0"/>
+                <a:cs typeface="Consolas" panose="020B0609020204030204" pitchFamily="49" charset="0"/>
+              </a:rPr>
+              <a:t>, </a:t>
+            </a:r>
+            <a:r>
+              <a:rPr lang="de-DE" altLang="de-DE" sz="1200" b="1" dirty="0" err="1">
+                <a:solidFill>
+                  <a:srgbClr val="000080"/>
+                </a:solidFill>
+                <a:latin typeface="Consolas" panose="020B0609020204030204" pitchFamily="49" charset="0"/>
+                <a:cs typeface="Consolas" panose="020B0609020204030204" pitchFamily="49" charset="0"/>
+              </a:rPr>
+              <a:t>false</a:t>
+            </a:r>
+            <a:r>
+              <a:rPr lang="de-DE" altLang="de-DE" sz="1200" dirty="0">
+                <a:solidFill>
+                  <a:srgbClr val="000000"/>
+                </a:solidFill>
+                <a:latin typeface="Consolas" panose="020B0609020204030204" pitchFamily="49" charset="0"/>
+                <a:cs typeface="Consolas" panose="020B0609020204030204" pitchFamily="49" charset="0"/>
+              </a:rPr>
+              <a:t>);</a:t>
+            </a:r>
+            <a:br>
+              <a:rPr lang="de-DE" altLang="de-DE" sz="1200" dirty="0">
+                <a:solidFill>
+                  <a:srgbClr val="000000"/>
+                </a:solidFill>
+                <a:latin typeface="Consolas" panose="020B0609020204030204" pitchFamily="49" charset="0"/>
+                <a:cs typeface="Consolas" panose="020B0609020204030204" pitchFamily="49" charset="0"/>
+              </a:rPr>
+            </a:br>
+            <a:r>
+              <a:rPr lang="de-DE" altLang="de-DE" sz="1200" dirty="0">
+                <a:solidFill>
+                  <a:srgbClr val="000000"/>
+                </a:solidFill>
+                <a:latin typeface="Consolas" panose="020B0609020204030204" pitchFamily="49" charset="0"/>
+                <a:cs typeface="Consolas" panose="020B0609020204030204" pitchFamily="49" charset="0"/>
+              </a:rPr>
+              <a:t/>
+            </a:r>
+            <a:br>
+              <a:rPr lang="de-DE" altLang="de-DE" sz="1200" dirty="0">
+                <a:solidFill>
+                  <a:srgbClr val="000000"/>
+                </a:solidFill>
+                <a:latin typeface="Consolas" panose="020B0609020204030204" pitchFamily="49" charset="0"/>
+                <a:cs typeface="Consolas" panose="020B0609020204030204" pitchFamily="49" charset="0"/>
+              </a:rPr>
+            </a:br>
+            <a:r>
+              <a:rPr lang="de-DE" altLang="de-DE" sz="1200" dirty="0">
+                <a:solidFill>
+                  <a:srgbClr val="000000"/>
+                </a:solidFill>
+                <a:latin typeface="Consolas" panose="020B0609020204030204" pitchFamily="49" charset="0"/>
+                <a:cs typeface="Consolas" panose="020B0609020204030204" pitchFamily="49" charset="0"/>
+              </a:rPr>
+              <a:t>    </a:t>
+            </a:r>
+            <a:r>
+              <a:rPr lang="de-DE" altLang="de-DE" sz="1200" dirty="0" err="1">
+                <a:solidFill>
+                  <a:srgbClr val="000000"/>
+                </a:solidFill>
+                <a:latin typeface="Consolas" panose="020B0609020204030204" pitchFamily="49" charset="0"/>
+                <a:cs typeface="Consolas" panose="020B0609020204030204" pitchFamily="49" charset="0"/>
+              </a:rPr>
+              <a:t>assertEquals</a:t>
+            </a:r>
+            <a:r>
+              <a:rPr lang="de-DE" altLang="de-DE" sz="1200" dirty="0">
+                <a:solidFill>
+                  <a:srgbClr val="000000"/>
+                </a:solidFill>
+                <a:latin typeface="Consolas" panose="020B0609020204030204" pitchFamily="49" charset="0"/>
+                <a:cs typeface="Consolas" panose="020B0609020204030204" pitchFamily="49" charset="0"/>
+              </a:rPr>
+              <a:t>(</a:t>
+            </a:r>
+            <a:r>
+              <a:rPr lang="de-DE" altLang="de-DE" sz="1200" dirty="0">
+                <a:solidFill>
+                  <a:srgbClr val="0000FF"/>
+                </a:solidFill>
+                <a:latin typeface="Consolas" panose="020B0609020204030204" pitchFamily="49" charset="0"/>
+                <a:cs typeface="Consolas" panose="020B0609020204030204" pitchFamily="49" charset="0"/>
+              </a:rPr>
+              <a:t>2</a:t>
+            </a:r>
+            <a:r>
+              <a:rPr lang="de-DE" altLang="de-DE" sz="1200" dirty="0">
+                <a:solidFill>
+                  <a:srgbClr val="000000"/>
+                </a:solidFill>
+                <a:latin typeface="Consolas" panose="020B0609020204030204" pitchFamily="49" charset="0"/>
+                <a:cs typeface="Consolas" panose="020B0609020204030204" pitchFamily="49" charset="0"/>
+              </a:rPr>
+              <a:t>, </a:t>
+            </a:r>
+            <a:r>
+              <a:rPr lang="de-DE" altLang="de-DE" sz="1200" dirty="0" err="1">
+                <a:solidFill>
+                  <a:srgbClr val="000000"/>
+                </a:solidFill>
+                <a:latin typeface="Consolas" panose="020B0609020204030204" pitchFamily="49" charset="0"/>
+                <a:cs typeface="Consolas" panose="020B0609020204030204" pitchFamily="49" charset="0"/>
+              </a:rPr>
+              <a:t>tagTesterList.size</a:t>
+            </a:r>
+            <a:r>
+              <a:rPr lang="de-DE" altLang="de-DE" sz="1200" dirty="0">
+                <a:solidFill>
+                  <a:srgbClr val="000000"/>
+                </a:solidFill>
+                <a:latin typeface="Consolas" panose="020B0609020204030204" pitchFamily="49" charset="0"/>
+                <a:cs typeface="Consolas" panose="020B0609020204030204" pitchFamily="49" charset="0"/>
+              </a:rPr>
+              <a:t>());</a:t>
+            </a:r>
+            <a:br>
+              <a:rPr lang="de-DE" altLang="de-DE" sz="1200" dirty="0">
+                <a:solidFill>
+                  <a:srgbClr val="000000"/>
+                </a:solidFill>
+                <a:latin typeface="Consolas" panose="020B0609020204030204" pitchFamily="49" charset="0"/>
+                <a:cs typeface="Consolas" panose="020B0609020204030204" pitchFamily="49" charset="0"/>
+              </a:rPr>
+            </a:br>
+            <a:r>
+              <a:rPr lang="de-DE" altLang="de-DE" sz="1200" dirty="0">
+                <a:solidFill>
+                  <a:srgbClr val="000000"/>
+                </a:solidFill>
+                <a:latin typeface="Consolas" panose="020B0609020204030204" pitchFamily="49" charset="0"/>
+                <a:cs typeface="Consolas" panose="020B0609020204030204" pitchFamily="49" charset="0"/>
+              </a:rPr>
+              <a:t>}</a:t>
+            </a:r>
+            <a:endParaRPr lang="de-DE" altLang="de-DE" sz="1200" dirty="0">
+              <a:latin typeface="Consolas" panose="020B0609020204030204" pitchFamily="49" charset="0"/>
+              <a:cs typeface="Consolas" panose="020B0609020204030204" pitchFamily="49" charset="0"/>
+            </a:endParaRPr>
+          </a:p>
+        </p:txBody>
+      </p:sp>
+      <p:sp>
+        <p:nvSpPr>
+          <p:cNvPr id="17411" name="Rectangle 1062"/>
+          <p:cNvSpPr>
+            <a:spLocks noGrp="1" noChangeArrowheads="1"/>
+          </p:cNvSpPr>
+          <p:nvPr>
+            <p:ph type="title"/>
+          </p:nvPr>
+        </p:nvSpPr>
+        <p:spPr>
+          <a:xfrm>
+            <a:off x="285750" y="142875"/>
+            <a:ext cx="5654675" cy="706438"/>
+          </a:xfrm>
+        </p:spPr>
+        <p:txBody>
+          <a:bodyPr/>
+          <a:lstStyle/>
+          <a:p>
+            <a:r>
+              <a:rPr lang="de-DE" dirty="0"/>
+              <a:t>Tests</a:t>
+            </a:r>
           </a:p>
         </p:txBody>
       </p:sp>
     </p:spTree>
     <p:extLst>
       <p:ext uri="{BB962C8B-B14F-4D97-AF65-F5344CB8AC3E}">
-        <p14:creationId xmlns:p14="http://schemas.microsoft.com/office/powerpoint/2010/main" val="4293925282"/>
+        <p14:creationId xmlns:p14="http://schemas.microsoft.com/office/powerpoint/2010/main" val="2401336250"/>
       </p:ext>
     </p:extLst>
   </p:cSld>
@@ -8514,114 +9915,34 @@
           <a:bodyPr/>
           <a:lstStyle/>
           <a:p>
-            <a:pPr marL="0" indent="0">
+            <a:pPr marL="0" indent="0" algn="ctr">
               <a:buNone/>
             </a:pPr>
-            <a:r>
-              <a:rPr lang="de-DE" sz="2000" b="1" dirty="0"/>
-              <a:t>Allgemeines</a:t>
-            </a:r>
-          </a:p>
-          <a:p>
-            <a:pPr>
-              <a:buFont typeface="Arial" panose="020B0604020202020204" pitchFamily="34" charset="0"/>
-              <a:buChar char="•"/>
+            <a:endParaRPr lang="de-DE" sz="4000" b="1" dirty="0"/>
+          </a:p>
+          <a:p>
+            <a:pPr marL="0" indent="0" algn="ctr">
+              <a:buNone/>
             </a:pPr>
-            <a:r>
-              <a:rPr lang="de-DE" sz="2000" dirty="0"/>
-              <a:t>Fokussierung des Frameworks auf Java</a:t>
-            </a:r>
-          </a:p>
-          <a:p>
-            <a:pPr lvl="1">
-              <a:buFont typeface="Arial" panose="020B0604020202020204" pitchFamily="34" charset="0"/>
-              <a:buChar char="•"/>
+            <a:endParaRPr lang="de-DE" sz="4000" b="1" dirty="0"/>
+          </a:p>
+          <a:p>
+            <a:pPr marL="0" indent="0" algn="ctr">
+              <a:buNone/>
             </a:pPr>
             <a:r>
-              <a:rPr lang="de-DE" sz="1600" dirty="0" err="1"/>
-              <a:t>JUnit</a:t>
-            </a:r>
-            <a:endParaRPr lang="de-DE" sz="1600" dirty="0"/>
-          </a:p>
-          <a:p>
-            <a:pPr lvl="1">
-              <a:buFont typeface="Arial" panose="020B0604020202020204" pitchFamily="34" charset="0"/>
-              <a:buChar char="•"/>
+              <a:rPr lang="de-DE" sz="4000" b="1" dirty="0" err="1"/>
+              <a:t>Testing</a:t>
+            </a:r>
+            <a:endParaRPr lang="de-DE" sz="4000" b="1" dirty="0"/>
+          </a:p>
+          <a:p>
+            <a:pPr marL="0" indent="0" algn="ctr">
+              <a:buNone/>
             </a:pPr>
-            <a:r>
-              <a:rPr lang="de-DE" sz="1600" dirty="0" err="1"/>
-              <a:t>TestNG</a:t>
-            </a:r>
-            <a:endParaRPr lang="de-DE" sz="1600" dirty="0"/>
-          </a:p>
-          <a:p>
-            <a:pPr lvl="1">
-              <a:buFont typeface="Arial" panose="020B0604020202020204" pitchFamily="34" charset="0"/>
-              <a:buChar char="•"/>
-            </a:pPr>
-            <a:r>
-              <a:rPr lang="de-DE" sz="1600" dirty="0" err="1"/>
-              <a:t>Mockito</a:t>
-            </a:r>
-            <a:endParaRPr lang="de-DE" sz="1600" dirty="0"/>
-          </a:p>
-          <a:p>
-            <a:pPr lvl="1">
-              <a:buFont typeface="Arial" panose="020B0604020202020204" pitchFamily="34" charset="0"/>
-              <a:buChar char="•"/>
-            </a:pPr>
-            <a:r>
-              <a:rPr lang="de-DE" sz="1600" dirty="0"/>
-              <a:t>…</a:t>
-            </a:r>
-          </a:p>
-          <a:p>
-            <a:pPr>
-              <a:buFont typeface="Arial" panose="020B0604020202020204" pitchFamily="34" charset="0"/>
-              <a:buChar char="•"/>
-            </a:pPr>
-            <a:r>
-              <a:rPr lang="de-DE" sz="2000" dirty="0"/>
-              <a:t>Unterstützung durch </a:t>
-            </a:r>
-            <a:r>
-              <a:rPr lang="de-DE" sz="2000" dirty="0" err="1"/>
-              <a:t>Wicket</a:t>
-            </a:r>
-            <a:endParaRPr lang="de-DE" sz="2000" dirty="0"/>
-          </a:p>
-          <a:p>
-            <a:pPr lvl="1">
-              <a:buFont typeface="Arial" panose="020B0604020202020204" pitchFamily="34" charset="0"/>
-              <a:buChar char="•"/>
-            </a:pPr>
-            <a:r>
-              <a:rPr lang="de-DE" sz="1600" dirty="0" err="1"/>
-              <a:t>WicketTester</a:t>
-            </a:r>
-            <a:endParaRPr lang="de-DE" sz="1600" dirty="0"/>
-          </a:p>
-          <a:p>
-            <a:pPr lvl="1">
-              <a:buFont typeface="Arial" panose="020B0604020202020204" pitchFamily="34" charset="0"/>
-              <a:buChar char="•"/>
-            </a:pPr>
-            <a:r>
-              <a:rPr lang="de-DE" sz="1600" dirty="0" err="1"/>
-              <a:t>FormTester</a:t>
-            </a:r>
-            <a:endParaRPr lang="de-DE" sz="1600" dirty="0"/>
-          </a:p>
-          <a:p>
-            <a:pPr lvl="1">
-              <a:buFont typeface="Arial" panose="020B0604020202020204" pitchFamily="34" charset="0"/>
-              <a:buChar char="•"/>
-            </a:pPr>
-            <a:r>
-              <a:rPr lang="de-DE" sz="1600" dirty="0" err="1"/>
-              <a:t>TagTester</a:t>
-            </a:r>
-            <a:endParaRPr lang="de-DE" sz="1600" dirty="0"/>
+            <a:endParaRPr lang="de-DE" sz="4000" b="1" dirty="0">
+              <a:sym typeface="Wingdings" panose="05000000000000000000" pitchFamily="2" charset="2"/>
+            </a:endParaRPr>
           </a:p>
         </p:txBody>
       </p:sp>
@@ -8645,17 +9966,14 @@
           <a:bodyPr/>
           <a:lstStyle/>
           <a:p>
-            <a:r>
-              <a:rPr lang="de-DE" dirty="0"/>
-              <a:t>Tests</a:t>
-            </a:r>
+            <a:endParaRPr lang="de-DE" dirty="0"/>
           </a:p>
         </p:txBody>
       </p:sp>
     </p:spTree>
     <p:extLst>
       <p:ext uri="{BB962C8B-B14F-4D97-AF65-F5344CB8AC3E}">
-        <p14:creationId xmlns:p14="http://schemas.microsoft.com/office/powerpoint/2010/main" val="1336654094"/>
+        <p14:creationId xmlns:p14="http://schemas.microsoft.com/office/powerpoint/2010/main" val="4293925282"/>
       </p:ext>
     </p:extLst>
   </p:cSld>
@@ -8706,10 +10024,9 @@
               <a:buNone/>
             </a:pPr>
             <a:r>
-              <a:rPr lang="de-DE" sz="2000" b="1" dirty="0" err="1"/>
-              <a:t>WicketTester</a:t>
-            </a:r>
-            <a:endParaRPr lang="de-DE" sz="2000" b="1" dirty="0"/>
+              <a:rPr lang="de-DE" sz="2000" b="1" dirty="0"/>
+              <a:t>Allgemeines</a:t>
+            </a:r>
           </a:p>
           <a:p>
             <a:pPr>
@@ -8718,7 +10035,50 @@
             </a:pPr>
             <a:r>
               <a:rPr lang="de-DE" sz="2000" dirty="0"/>
-              <a:t>Utility-Klasse zur Unterstützung von Tests</a:t>
+              <a:t>Fokussierung des Frameworks auf Java</a:t>
+            </a:r>
+          </a:p>
+          <a:p>
+            <a:pPr lvl="1">
+              <a:buFont typeface="Arial" panose="020B0604020202020204" pitchFamily="34" charset="0"/>
+              <a:buChar char="•"/>
+            </a:pPr>
+            <a:r>
+              <a:rPr lang="de-DE" sz="1600" dirty="0" err="1"/>
+              <a:t>JUnit</a:t>
+            </a:r>
+            <a:endParaRPr lang="de-DE" sz="1600" dirty="0"/>
+          </a:p>
+          <a:p>
+            <a:pPr lvl="1">
+              <a:buFont typeface="Arial" panose="020B0604020202020204" pitchFamily="34" charset="0"/>
+              <a:buChar char="•"/>
+            </a:pPr>
+            <a:r>
+              <a:rPr lang="de-DE" sz="1600" dirty="0" err="1"/>
+              <a:t>TestNG</a:t>
+            </a:r>
+            <a:endParaRPr lang="de-DE" sz="1600" dirty="0"/>
+          </a:p>
+          <a:p>
+            <a:pPr lvl="1">
+              <a:buFont typeface="Arial" panose="020B0604020202020204" pitchFamily="34" charset="0"/>
+              <a:buChar char="•"/>
+            </a:pPr>
+            <a:r>
+              <a:rPr lang="de-DE" sz="1600" dirty="0" err="1"/>
+              <a:t>Mockito</a:t>
+            </a:r>
+            <a:endParaRPr lang="de-DE" sz="1600" dirty="0"/>
+          </a:p>
+          <a:p>
+            <a:pPr lvl="1">
+              <a:buFont typeface="Arial" panose="020B0604020202020204" pitchFamily="34" charset="0"/>
+              <a:buChar char="•"/>
+            </a:pPr>
+            <a:r>
+              <a:rPr lang="de-DE" sz="1600" dirty="0"/>
+              <a:t>…</a:t>
             </a:r>
           </a:p>
           <a:p>
@@ -8728,8 +10088,13 @@
             </a:pPr>
             <a:r>
               <a:rPr lang="de-DE" sz="2000" dirty="0"/>
-              <a:t>Kommunikation mit dem Framework</a:t>
-            </a:r>
+              <a:t>Unterstützung durch </a:t>
+            </a:r>
+            <a:r>
+              <a:rPr lang="de-DE" sz="2000" dirty="0" err="1"/>
+              <a:t>Wicket</a:t>
+            </a:r>
+            <a:endParaRPr lang="de-DE" sz="2000" dirty="0"/>
           </a:p>
           <a:p>
             <a:pPr lvl="1">
@@ -8737,9 +10102,10 @@
               <a:buChar char="•"/>
             </a:pPr>
             <a:r>
-              <a:rPr lang="de-DE" sz="1600" dirty="0"/>
-              <a:t>Rendern von Pages und Komponenten</a:t>
-            </a:r>
+              <a:rPr lang="de-DE" sz="1600" dirty="0" err="1"/>
+              <a:t>WicketTester</a:t>
+            </a:r>
+            <a:endParaRPr lang="de-DE" sz="1600" dirty="0"/>
           </a:p>
           <a:p>
             <a:pPr lvl="1">
@@ -8747,9 +10113,10 @@
               <a:buChar char="•"/>
             </a:pPr>
             <a:r>
-              <a:rPr lang="de-DE" sz="1600" dirty="0"/>
-              <a:t>Prüfung des Status von Komponenten</a:t>
-            </a:r>
+              <a:rPr lang="de-DE" sz="1600" dirty="0" err="1"/>
+              <a:t>FormTester</a:t>
+            </a:r>
+            <a:endParaRPr lang="de-DE" sz="1600" dirty="0"/>
           </a:p>
           <a:p>
             <a:pPr lvl="1">
@@ -8757,29 +10124,10 @@
               <a:buChar char="•"/>
             </a:pPr>
             <a:r>
-              <a:rPr lang="de-DE" sz="1600" dirty="0"/>
-              <a:t>Isoliertes Testen von Komponenten</a:t>
-            </a:r>
-          </a:p>
-          <a:p>
-            <a:pPr lvl="1">
-              <a:buFont typeface="Arial" panose="020B0604020202020204" pitchFamily="34" charset="0"/>
-              <a:buChar char="•"/>
-            </a:pPr>
-            <a:r>
-              <a:rPr lang="de-DE" sz="1600" dirty="0"/>
-              <a:t>Klicken auf Links</a:t>
-            </a:r>
-          </a:p>
-          <a:p>
-            <a:pPr lvl="1">
-              <a:buFont typeface="Arial" panose="020B0604020202020204" pitchFamily="34" charset="0"/>
-              <a:buChar char="•"/>
-            </a:pPr>
-            <a:r>
-              <a:rPr lang="de-DE" sz="1600" dirty="0"/>
-              <a:t>…</a:t>
-            </a:r>
+              <a:rPr lang="de-DE" sz="1600" dirty="0" err="1"/>
+              <a:t>TagTester</a:t>
+            </a:r>
+            <a:endParaRPr lang="de-DE" sz="1600" dirty="0"/>
           </a:p>
         </p:txBody>
       </p:sp>
@@ -8813,7 +10161,7 @@
     </p:spTree>
     <p:extLst>
       <p:ext uri="{BB962C8B-B14F-4D97-AF65-F5344CB8AC3E}">
-        <p14:creationId xmlns:p14="http://schemas.microsoft.com/office/powerpoint/2010/main" val="1583970463"/>
+        <p14:creationId xmlns:p14="http://schemas.microsoft.com/office/powerpoint/2010/main" val="1336654094"/>
       </p:ext>
     </p:extLst>
   </p:cSld>
@@ -8870,1329 +10218,74 @@
             <a:endParaRPr lang="de-DE" sz="2000" b="1" dirty="0"/>
           </a:p>
           <a:p>
-            <a:pPr marL="0" indent="0">
-              <a:buNone/>
+            <a:pPr>
+              <a:buFont typeface="Arial" panose="020B0604020202020204" pitchFamily="34" charset="0"/>
+              <a:buChar char="•"/>
             </a:pPr>
-            <a:endParaRPr lang="de-DE" sz="800" b="1" dirty="0"/>
-          </a:p>
-          <a:p>
-            <a:pPr marL="0" lvl="0" indent="0">
-              <a:spcBef>
-                <a:spcPct val="0"/>
-              </a:spcBef>
-              <a:buClrTx/>
-              <a:buNone/>
+            <a:r>
+              <a:rPr lang="de-DE" sz="2000" dirty="0"/>
+              <a:t>Utility-Klasse zur Unterstützung von Tests</a:t>
+            </a:r>
+          </a:p>
+          <a:p>
+            <a:pPr>
+              <a:buFont typeface="Arial" panose="020B0604020202020204" pitchFamily="34" charset="0"/>
+              <a:buChar char="•"/>
             </a:pPr>
             <a:r>
-              <a:rPr lang="de-DE" altLang="de-DE" sz="1200" b="1" dirty="0" err="1">
-                <a:solidFill>
-                  <a:srgbClr val="000080"/>
-                </a:solidFill>
-                <a:latin typeface="Consolas" panose="020B0609020204030204" pitchFamily="49" charset="0"/>
-                <a:cs typeface="Consolas" panose="020B0609020204030204" pitchFamily="49" charset="0"/>
-              </a:rPr>
-              <a:t>public</a:t>
-            </a:r>
-            <a:r>
-              <a:rPr lang="de-DE" altLang="de-DE" sz="1200" b="1" dirty="0">
-                <a:solidFill>
-                  <a:srgbClr val="000080"/>
-                </a:solidFill>
-                <a:latin typeface="Consolas" panose="020B0609020204030204" pitchFamily="49" charset="0"/>
-                <a:cs typeface="Consolas" panose="020B0609020204030204" pitchFamily="49" charset="0"/>
-              </a:rPr>
-              <a:t> </a:t>
-            </a:r>
-            <a:r>
-              <a:rPr lang="de-DE" altLang="de-DE" sz="1200" b="1" dirty="0" err="1">
-                <a:solidFill>
-                  <a:srgbClr val="000080"/>
-                </a:solidFill>
-                <a:latin typeface="Consolas" panose="020B0609020204030204" pitchFamily="49" charset="0"/>
-                <a:cs typeface="Consolas" panose="020B0609020204030204" pitchFamily="49" charset="0"/>
-              </a:rPr>
-              <a:t>class</a:t>
-            </a:r>
-            <a:r>
-              <a:rPr lang="de-DE" altLang="de-DE" sz="1200" b="1" dirty="0">
-                <a:solidFill>
-                  <a:srgbClr val="000080"/>
-                </a:solidFill>
-                <a:latin typeface="Consolas" panose="020B0609020204030204" pitchFamily="49" charset="0"/>
-                <a:cs typeface="Consolas" panose="020B0609020204030204" pitchFamily="49" charset="0"/>
-              </a:rPr>
-              <a:t> </a:t>
-            </a:r>
-            <a:r>
-              <a:rPr lang="de-DE" altLang="de-DE" sz="1200" dirty="0" err="1">
-                <a:solidFill>
-                  <a:srgbClr val="000000"/>
-                </a:solidFill>
-                <a:latin typeface="Consolas" panose="020B0609020204030204" pitchFamily="49" charset="0"/>
-                <a:cs typeface="Consolas" panose="020B0609020204030204" pitchFamily="49" charset="0"/>
-              </a:rPr>
-              <a:t>TestHomePage</a:t>
-            </a:r>
-            <a:r>
-              <a:rPr lang="de-DE" altLang="de-DE" sz="1200" dirty="0">
-                <a:solidFill>
-                  <a:srgbClr val="000000"/>
-                </a:solidFill>
-                <a:latin typeface="Consolas" panose="020B0609020204030204" pitchFamily="49" charset="0"/>
-                <a:cs typeface="Consolas" panose="020B0609020204030204" pitchFamily="49" charset="0"/>
-              </a:rPr>
-              <a:t> {</a:t>
-            </a:r>
-          </a:p>
-          <a:p>
-            <a:pPr marL="0" lvl="0" indent="0">
-              <a:spcBef>
-                <a:spcPct val="0"/>
-              </a:spcBef>
-              <a:buClrTx/>
-              <a:buNone/>
+              <a:rPr lang="de-DE" sz="2000" dirty="0"/>
+              <a:t>Kommunikation mit dem Framework</a:t>
+            </a:r>
+          </a:p>
+          <a:p>
+            <a:pPr lvl="1">
+              <a:buFont typeface="Arial" panose="020B0604020202020204" pitchFamily="34" charset="0"/>
+              <a:buChar char="•"/>
             </a:pPr>
             <a:r>
-              <a:rPr lang="de-DE" altLang="de-DE" sz="1200" dirty="0">
-                <a:solidFill>
-                  <a:srgbClr val="000000"/>
-                </a:solidFill>
-                <a:latin typeface="Consolas" panose="020B0609020204030204" pitchFamily="49" charset="0"/>
-                <a:cs typeface="Consolas" panose="020B0609020204030204" pitchFamily="49" charset="0"/>
-              </a:rPr>
-              <a:t/>
-            </a:r>
-            <a:br>
-              <a:rPr lang="de-DE" altLang="de-DE" sz="1200" dirty="0">
-                <a:solidFill>
-                  <a:srgbClr val="000000"/>
-                </a:solidFill>
-                <a:latin typeface="Consolas" panose="020B0609020204030204" pitchFamily="49" charset="0"/>
-                <a:cs typeface="Consolas" panose="020B0609020204030204" pitchFamily="49" charset="0"/>
-              </a:rPr>
-            </a:br>
-            <a:r>
-              <a:rPr lang="de-DE" altLang="de-DE" sz="1200" dirty="0">
-                <a:solidFill>
-                  <a:srgbClr val="000000"/>
-                </a:solidFill>
-                <a:latin typeface="Consolas" panose="020B0609020204030204" pitchFamily="49" charset="0"/>
-                <a:cs typeface="Consolas" panose="020B0609020204030204" pitchFamily="49" charset="0"/>
-              </a:rPr>
-              <a:t>    </a:t>
-            </a:r>
-            <a:r>
-              <a:rPr lang="de-DE" altLang="de-DE" sz="1200" b="1" dirty="0">
-                <a:solidFill>
-                  <a:srgbClr val="000080"/>
-                </a:solidFill>
-                <a:latin typeface="Consolas" panose="020B0609020204030204" pitchFamily="49" charset="0"/>
-                <a:cs typeface="Consolas" panose="020B0609020204030204" pitchFamily="49" charset="0"/>
-              </a:rPr>
-              <a:t>private </a:t>
-            </a:r>
-            <a:r>
-              <a:rPr lang="de-DE" altLang="de-DE" sz="1200" dirty="0" err="1">
-                <a:solidFill>
-                  <a:srgbClr val="000000"/>
-                </a:solidFill>
-                <a:latin typeface="Consolas" panose="020B0609020204030204" pitchFamily="49" charset="0"/>
-                <a:cs typeface="Consolas" panose="020B0609020204030204" pitchFamily="49" charset="0"/>
-              </a:rPr>
-              <a:t>WicketTester</a:t>
-            </a:r>
-            <a:r>
-              <a:rPr lang="de-DE" altLang="de-DE" sz="1200" dirty="0">
-                <a:solidFill>
-                  <a:srgbClr val="000000"/>
-                </a:solidFill>
-                <a:latin typeface="Consolas" panose="020B0609020204030204" pitchFamily="49" charset="0"/>
-                <a:cs typeface="Consolas" panose="020B0609020204030204" pitchFamily="49" charset="0"/>
-              </a:rPr>
-              <a:t> </a:t>
-            </a:r>
-            <a:r>
-              <a:rPr lang="de-DE" altLang="de-DE" sz="1200" dirty="0" err="1">
-                <a:solidFill>
-                  <a:srgbClr val="000000"/>
-                </a:solidFill>
-                <a:latin typeface="Consolas" panose="020B0609020204030204" pitchFamily="49" charset="0"/>
-                <a:cs typeface="Consolas" panose="020B0609020204030204" pitchFamily="49" charset="0"/>
-              </a:rPr>
-              <a:t>tester</a:t>
-            </a:r>
-            <a:r>
-              <a:rPr lang="de-DE" altLang="de-DE" sz="1200" dirty="0">
-                <a:solidFill>
-                  <a:srgbClr val="000000"/>
-                </a:solidFill>
-                <a:latin typeface="Consolas" panose="020B0609020204030204" pitchFamily="49" charset="0"/>
-                <a:cs typeface="Consolas" panose="020B0609020204030204" pitchFamily="49" charset="0"/>
-              </a:rPr>
-              <a:t>;</a:t>
-            </a:r>
-            <a:br>
-              <a:rPr lang="de-DE" altLang="de-DE" sz="1200" dirty="0">
-                <a:solidFill>
-                  <a:srgbClr val="000000"/>
-                </a:solidFill>
-                <a:latin typeface="Consolas" panose="020B0609020204030204" pitchFamily="49" charset="0"/>
-                <a:cs typeface="Consolas" panose="020B0609020204030204" pitchFamily="49" charset="0"/>
-              </a:rPr>
-            </a:br>
-            <a:r>
-              <a:rPr lang="de-DE" altLang="de-DE" sz="1200" dirty="0">
-                <a:solidFill>
-                  <a:srgbClr val="000000"/>
-                </a:solidFill>
-                <a:latin typeface="Consolas" panose="020B0609020204030204" pitchFamily="49" charset="0"/>
-                <a:cs typeface="Consolas" panose="020B0609020204030204" pitchFamily="49" charset="0"/>
-              </a:rPr>
-              <a:t/>
-            </a:r>
-            <a:br>
-              <a:rPr lang="de-DE" altLang="de-DE" sz="1200" dirty="0">
-                <a:solidFill>
-                  <a:srgbClr val="000000"/>
-                </a:solidFill>
-                <a:latin typeface="Consolas" panose="020B0609020204030204" pitchFamily="49" charset="0"/>
-                <a:cs typeface="Consolas" panose="020B0609020204030204" pitchFamily="49" charset="0"/>
-              </a:rPr>
-            </a:br>
-            <a:r>
-              <a:rPr lang="de-DE" altLang="de-DE" sz="1200" dirty="0">
-                <a:solidFill>
-                  <a:srgbClr val="000000"/>
-                </a:solidFill>
-                <a:latin typeface="Consolas" panose="020B0609020204030204" pitchFamily="49" charset="0"/>
-                <a:cs typeface="Consolas" panose="020B0609020204030204" pitchFamily="49" charset="0"/>
-              </a:rPr>
-              <a:t>    @</a:t>
-            </a:r>
-            <a:r>
-              <a:rPr lang="de-DE" altLang="de-DE" sz="1200" dirty="0" err="1">
-                <a:solidFill>
-                  <a:srgbClr val="000000"/>
-                </a:solidFill>
-                <a:latin typeface="Consolas" panose="020B0609020204030204" pitchFamily="49" charset="0"/>
-                <a:cs typeface="Consolas" panose="020B0609020204030204" pitchFamily="49" charset="0"/>
-              </a:rPr>
-              <a:t>BeforeEach</a:t>
-            </a:r>
-            <a:r>
-              <a:rPr lang="de-DE" altLang="de-DE" sz="1200" dirty="0">
-                <a:solidFill>
-                  <a:srgbClr val="000000"/>
-                </a:solidFill>
-                <a:latin typeface="Consolas" panose="020B0609020204030204" pitchFamily="49" charset="0"/>
-                <a:cs typeface="Consolas" panose="020B0609020204030204" pitchFamily="49" charset="0"/>
-              </a:rPr>
-              <a:t/>
-            </a:r>
-            <a:br>
-              <a:rPr lang="de-DE" altLang="de-DE" sz="1200" dirty="0">
-                <a:solidFill>
-                  <a:srgbClr val="000000"/>
-                </a:solidFill>
-                <a:latin typeface="Consolas" panose="020B0609020204030204" pitchFamily="49" charset="0"/>
-                <a:cs typeface="Consolas" panose="020B0609020204030204" pitchFamily="49" charset="0"/>
-              </a:rPr>
-            </a:br>
-            <a:r>
-              <a:rPr lang="de-DE" altLang="de-DE" sz="1200" dirty="0">
-                <a:solidFill>
-                  <a:srgbClr val="000000"/>
-                </a:solidFill>
-                <a:latin typeface="Consolas" panose="020B0609020204030204" pitchFamily="49" charset="0"/>
-                <a:cs typeface="Consolas" panose="020B0609020204030204" pitchFamily="49" charset="0"/>
-              </a:rPr>
-              <a:t>    </a:t>
-            </a:r>
-            <a:r>
-              <a:rPr lang="de-DE" altLang="de-DE" sz="1200" b="1" dirty="0" err="1">
-                <a:solidFill>
-                  <a:srgbClr val="000080"/>
-                </a:solidFill>
-                <a:latin typeface="Consolas" panose="020B0609020204030204" pitchFamily="49" charset="0"/>
-                <a:cs typeface="Consolas" panose="020B0609020204030204" pitchFamily="49" charset="0"/>
-              </a:rPr>
-              <a:t>public</a:t>
-            </a:r>
-            <a:r>
-              <a:rPr lang="de-DE" altLang="de-DE" sz="1200" b="1" dirty="0">
-                <a:solidFill>
-                  <a:srgbClr val="000080"/>
-                </a:solidFill>
-                <a:latin typeface="Consolas" panose="020B0609020204030204" pitchFamily="49" charset="0"/>
-                <a:cs typeface="Consolas" panose="020B0609020204030204" pitchFamily="49" charset="0"/>
-              </a:rPr>
-              <a:t> </a:t>
-            </a:r>
-            <a:r>
-              <a:rPr lang="de-DE" altLang="de-DE" sz="1200" b="1" dirty="0" err="1">
-                <a:solidFill>
-                  <a:srgbClr val="000080"/>
-                </a:solidFill>
-                <a:latin typeface="Consolas" panose="020B0609020204030204" pitchFamily="49" charset="0"/>
-                <a:cs typeface="Consolas" panose="020B0609020204030204" pitchFamily="49" charset="0"/>
-              </a:rPr>
-              <a:t>void</a:t>
-            </a:r>
-            <a:r>
-              <a:rPr lang="de-DE" altLang="de-DE" sz="1200" b="1" dirty="0">
-                <a:solidFill>
-                  <a:srgbClr val="000080"/>
-                </a:solidFill>
-                <a:latin typeface="Consolas" panose="020B0609020204030204" pitchFamily="49" charset="0"/>
-                <a:cs typeface="Consolas" panose="020B0609020204030204" pitchFamily="49" charset="0"/>
-              </a:rPr>
-              <a:t> </a:t>
-            </a:r>
-            <a:r>
-              <a:rPr lang="de-DE" altLang="de-DE" sz="1200" dirty="0" err="1">
-                <a:solidFill>
-                  <a:srgbClr val="000000"/>
-                </a:solidFill>
-                <a:latin typeface="Consolas" panose="020B0609020204030204" pitchFamily="49" charset="0"/>
-                <a:cs typeface="Consolas" panose="020B0609020204030204" pitchFamily="49" charset="0"/>
-              </a:rPr>
-              <a:t>setUp</a:t>
-            </a:r>
-            <a:r>
-              <a:rPr lang="de-DE" altLang="de-DE" sz="1200" dirty="0">
-                <a:solidFill>
-                  <a:srgbClr val="000000"/>
-                </a:solidFill>
-                <a:latin typeface="Consolas" panose="020B0609020204030204" pitchFamily="49" charset="0"/>
-                <a:cs typeface="Consolas" panose="020B0609020204030204" pitchFamily="49" charset="0"/>
-              </a:rPr>
-              <a:t>() {</a:t>
-            </a:r>
-            <a:br>
-              <a:rPr lang="de-DE" altLang="de-DE" sz="1200" dirty="0">
-                <a:solidFill>
-                  <a:srgbClr val="000000"/>
-                </a:solidFill>
-                <a:latin typeface="Consolas" panose="020B0609020204030204" pitchFamily="49" charset="0"/>
-                <a:cs typeface="Consolas" panose="020B0609020204030204" pitchFamily="49" charset="0"/>
-              </a:rPr>
-            </a:br>
-            <a:r>
-              <a:rPr lang="de-DE" altLang="de-DE" sz="1200" dirty="0">
-                <a:solidFill>
-                  <a:srgbClr val="000000"/>
-                </a:solidFill>
-                <a:latin typeface="Consolas" panose="020B0609020204030204" pitchFamily="49" charset="0"/>
-                <a:cs typeface="Consolas" panose="020B0609020204030204" pitchFamily="49" charset="0"/>
-              </a:rPr>
-              <a:t>        </a:t>
-            </a:r>
-            <a:r>
-              <a:rPr lang="de-DE" altLang="de-DE" sz="1200" dirty="0" err="1">
-                <a:solidFill>
-                  <a:srgbClr val="000000"/>
-                </a:solidFill>
-                <a:latin typeface="Consolas" panose="020B0609020204030204" pitchFamily="49" charset="0"/>
-                <a:cs typeface="Consolas" panose="020B0609020204030204" pitchFamily="49" charset="0"/>
-              </a:rPr>
-              <a:t>tester</a:t>
-            </a:r>
-            <a:r>
-              <a:rPr lang="de-DE" altLang="de-DE" sz="1200" dirty="0">
-                <a:solidFill>
-                  <a:srgbClr val="000000"/>
-                </a:solidFill>
-                <a:latin typeface="Consolas" panose="020B0609020204030204" pitchFamily="49" charset="0"/>
-                <a:cs typeface="Consolas" panose="020B0609020204030204" pitchFamily="49" charset="0"/>
-              </a:rPr>
-              <a:t> = </a:t>
-            </a:r>
-            <a:r>
-              <a:rPr lang="de-DE" altLang="de-DE" sz="1200" b="1" dirty="0" err="1">
-                <a:solidFill>
-                  <a:srgbClr val="000080"/>
-                </a:solidFill>
-                <a:latin typeface="Consolas" panose="020B0609020204030204" pitchFamily="49" charset="0"/>
-                <a:cs typeface="Consolas" panose="020B0609020204030204" pitchFamily="49" charset="0"/>
-              </a:rPr>
-              <a:t>new</a:t>
-            </a:r>
-            <a:r>
-              <a:rPr lang="de-DE" altLang="de-DE" sz="1200" b="1" dirty="0">
-                <a:solidFill>
-                  <a:srgbClr val="000080"/>
-                </a:solidFill>
-                <a:latin typeface="Consolas" panose="020B0609020204030204" pitchFamily="49" charset="0"/>
-                <a:cs typeface="Consolas" panose="020B0609020204030204" pitchFamily="49" charset="0"/>
-              </a:rPr>
-              <a:t> </a:t>
-            </a:r>
-            <a:r>
-              <a:rPr lang="de-DE" altLang="de-DE" sz="1200" dirty="0" err="1">
-                <a:solidFill>
-                  <a:srgbClr val="000000"/>
-                </a:solidFill>
-                <a:latin typeface="Consolas" panose="020B0609020204030204" pitchFamily="49" charset="0"/>
-                <a:cs typeface="Consolas" panose="020B0609020204030204" pitchFamily="49" charset="0"/>
-              </a:rPr>
-              <a:t>WicketTester</a:t>
-            </a:r>
-            <a:r>
-              <a:rPr lang="de-DE" altLang="de-DE" sz="1200" dirty="0">
-                <a:solidFill>
-                  <a:srgbClr val="000000"/>
-                </a:solidFill>
-                <a:latin typeface="Consolas" panose="020B0609020204030204" pitchFamily="49" charset="0"/>
-                <a:cs typeface="Consolas" panose="020B0609020204030204" pitchFamily="49" charset="0"/>
-              </a:rPr>
-              <a:t>(</a:t>
-            </a:r>
-            <a:r>
-              <a:rPr lang="de-DE" altLang="de-DE" sz="1200" b="1" dirty="0" err="1">
-                <a:solidFill>
-                  <a:srgbClr val="000080"/>
-                </a:solidFill>
-                <a:latin typeface="Consolas" panose="020B0609020204030204" pitchFamily="49" charset="0"/>
-                <a:cs typeface="Consolas" panose="020B0609020204030204" pitchFamily="49" charset="0"/>
-              </a:rPr>
-              <a:t>new</a:t>
-            </a:r>
-            <a:r>
-              <a:rPr lang="de-DE" altLang="de-DE" sz="1200" b="1" dirty="0">
-                <a:solidFill>
-                  <a:srgbClr val="000080"/>
-                </a:solidFill>
-                <a:latin typeface="Consolas" panose="020B0609020204030204" pitchFamily="49" charset="0"/>
-                <a:cs typeface="Consolas" panose="020B0609020204030204" pitchFamily="49" charset="0"/>
-              </a:rPr>
-              <a:t> </a:t>
-            </a:r>
-            <a:r>
-              <a:rPr lang="de-DE" altLang="de-DE" sz="1200" dirty="0" err="1">
-                <a:solidFill>
-                  <a:srgbClr val="000000"/>
-                </a:solidFill>
-                <a:latin typeface="Consolas" panose="020B0609020204030204" pitchFamily="49" charset="0"/>
-                <a:cs typeface="Consolas" panose="020B0609020204030204" pitchFamily="49" charset="0"/>
-              </a:rPr>
-              <a:t>WicketApplication</a:t>
-            </a:r>
-            <a:r>
-              <a:rPr lang="de-DE" altLang="de-DE" sz="1200" dirty="0">
-                <a:solidFill>
-                  <a:srgbClr val="000000"/>
-                </a:solidFill>
-                <a:latin typeface="Consolas" panose="020B0609020204030204" pitchFamily="49" charset="0"/>
-                <a:cs typeface="Consolas" panose="020B0609020204030204" pitchFamily="49" charset="0"/>
-              </a:rPr>
-              <a:t>());</a:t>
-            </a:r>
-            <a:br>
-              <a:rPr lang="de-DE" altLang="de-DE" sz="1200" dirty="0">
-                <a:solidFill>
-                  <a:srgbClr val="000000"/>
-                </a:solidFill>
-                <a:latin typeface="Consolas" panose="020B0609020204030204" pitchFamily="49" charset="0"/>
-                <a:cs typeface="Consolas" panose="020B0609020204030204" pitchFamily="49" charset="0"/>
-              </a:rPr>
-            </a:br>
-            <a:r>
-              <a:rPr lang="de-DE" altLang="de-DE" sz="1200" dirty="0">
-                <a:solidFill>
-                  <a:srgbClr val="000000"/>
-                </a:solidFill>
-                <a:latin typeface="Consolas" panose="020B0609020204030204" pitchFamily="49" charset="0"/>
-                <a:cs typeface="Consolas" panose="020B0609020204030204" pitchFamily="49" charset="0"/>
-              </a:rPr>
-              <a:t>    }</a:t>
-            </a:r>
-          </a:p>
-          <a:p>
-            <a:pPr marL="0" lvl="0" indent="0">
-              <a:spcBef>
-                <a:spcPct val="0"/>
-              </a:spcBef>
-              <a:buClrTx/>
-              <a:buNone/>
+              <a:rPr lang="de-DE" sz="1600" dirty="0"/>
+              <a:t>Rendern von Pages und Komponenten</a:t>
+            </a:r>
+          </a:p>
+          <a:p>
+            <a:pPr lvl="1">
+              <a:buFont typeface="Arial" panose="020B0604020202020204" pitchFamily="34" charset="0"/>
+              <a:buChar char="•"/>
             </a:pPr>
             <a:r>
-              <a:rPr lang="de-DE" altLang="de-DE" sz="1200" dirty="0">
-                <a:solidFill>
-                  <a:srgbClr val="000000"/>
-                </a:solidFill>
-                <a:latin typeface="Consolas" panose="020B0609020204030204" pitchFamily="49" charset="0"/>
-                <a:cs typeface="Consolas" panose="020B0609020204030204" pitchFamily="49" charset="0"/>
-              </a:rPr>
-              <a:t/>
-            </a:r>
-            <a:br>
-              <a:rPr lang="de-DE" altLang="de-DE" sz="1200" dirty="0">
-                <a:solidFill>
-                  <a:srgbClr val="000000"/>
-                </a:solidFill>
-                <a:latin typeface="Consolas" panose="020B0609020204030204" pitchFamily="49" charset="0"/>
-                <a:cs typeface="Consolas" panose="020B0609020204030204" pitchFamily="49" charset="0"/>
-              </a:rPr>
-            </a:br>
-            <a:r>
-              <a:rPr lang="de-DE" altLang="de-DE" sz="1200" dirty="0">
-                <a:solidFill>
-                  <a:srgbClr val="000000"/>
-                </a:solidFill>
-                <a:latin typeface="Consolas" panose="020B0609020204030204" pitchFamily="49" charset="0"/>
-                <a:cs typeface="Consolas" panose="020B0609020204030204" pitchFamily="49" charset="0"/>
-              </a:rPr>
-              <a:t>    @Test</a:t>
-            </a:r>
-            <a:br>
-              <a:rPr lang="de-DE" altLang="de-DE" sz="1200" dirty="0">
-                <a:solidFill>
-                  <a:srgbClr val="000000"/>
-                </a:solidFill>
-                <a:latin typeface="Consolas" panose="020B0609020204030204" pitchFamily="49" charset="0"/>
-                <a:cs typeface="Consolas" panose="020B0609020204030204" pitchFamily="49" charset="0"/>
-              </a:rPr>
-            </a:br>
-            <a:r>
-              <a:rPr lang="de-DE" altLang="de-DE" sz="1200" dirty="0">
-                <a:solidFill>
-                  <a:srgbClr val="000000"/>
-                </a:solidFill>
-                <a:latin typeface="Consolas" panose="020B0609020204030204" pitchFamily="49" charset="0"/>
-                <a:cs typeface="Consolas" panose="020B0609020204030204" pitchFamily="49" charset="0"/>
-              </a:rPr>
-              <a:t>    </a:t>
-            </a:r>
-            <a:r>
-              <a:rPr lang="de-DE" altLang="de-DE" sz="1200" b="1" dirty="0" err="1">
-                <a:solidFill>
-                  <a:srgbClr val="000080"/>
-                </a:solidFill>
-                <a:latin typeface="Consolas" panose="020B0609020204030204" pitchFamily="49" charset="0"/>
-                <a:cs typeface="Consolas" panose="020B0609020204030204" pitchFamily="49" charset="0"/>
-              </a:rPr>
-              <a:t>public</a:t>
-            </a:r>
-            <a:r>
-              <a:rPr lang="de-DE" altLang="de-DE" sz="1200" b="1" dirty="0">
-                <a:solidFill>
-                  <a:srgbClr val="000080"/>
-                </a:solidFill>
-                <a:latin typeface="Consolas" panose="020B0609020204030204" pitchFamily="49" charset="0"/>
-                <a:cs typeface="Consolas" panose="020B0609020204030204" pitchFamily="49" charset="0"/>
-              </a:rPr>
-              <a:t> </a:t>
-            </a:r>
-            <a:r>
-              <a:rPr lang="de-DE" altLang="de-DE" sz="1200" b="1" dirty="0" err="1">
-                <a:solidFill>
-                  <a:srgbClr val="000080"/>
-                </a:solidFill>
-                <a:latin typeface="Consolas" panose="020B0609020204030204" pitchFamily="49" charset="0"/>
-                <a:cs typeface="Consolas" panose="020B0609020204030204" pitchFamily="49" charset="0"/>
-              </a:rPr>
-              <a:t>void</a:t>
-            </a:r>
-            <a:r>
-              <a:rPr lang="de-DE" altLang="de-DE" sz="1200" b="1" dirty="0">
-                <a:solidFill>
-                  <a:srgbClr val="000080"/>
-                </a:solidFill>
-                <a:latin typeface="Consolas" panose="020B0609020204030204" pitchFamily="49" charset="0"/>
-                <a:cs typeface="Consolas" panose="020B0609020204030204" pitchFamily="49" charset="0"/>
-              </a:rPr>
-              <a:t> </a:t>
-            </a:r>
-            <a:r>
-              <a:rPr lang="de-DE" altLang="de-DE" sz="1200" dirty="0" err="1">
-                <a:solidFill>
-                  <a:srgbClr val="000000"/>
-                </a:solidFill>
-                <a:latin typeface="Consolas" panose="020B0609020204030204" pitchFamily="49" charset="0"/>
-                <a:cs typeface="Consolas" panose="020B0609020204030204" pitchFamily="49" charset="0"/>
-              </a:rPr>
-              <a:t>testComponents</a:t>
-            </a:r>
-            <a:r>
-              <a:rPr lang="de-DE" altLang="de-DE" sz="1200" dirty="0">
-                <a:solidFill>
-                  <a:srgbClr val="000000"/>
-                </a:solidFill>
-                <a:latin typeface="Consolas" panose="020B0609020204030204" pitchFamily="49" charset="0"/>
-                <a:cs typeface="Consolas" panose="020B0609020204030204" pitchFamily="49" charset="0"/>
-              </a:rPr>
-              <a:t>() {</a:t>
-            </a:r>
-            <a:br>
-              <a:rPr lang="de-DE" altLang="de-DE" sz="1200" dirty="0">
-                <a:solidFill>
-                  <a:srgbClr val="000000"/>
-                </a:solidFill>
-                <a:latin typeface="Consolas" panose="020B0609020204030204" pitchFamily="49" charset="0"/>
-                <a:cs typeface="Consolas" panose="020B0609020204030204" pitchFamily="49" charset="0"/>
-              </a:rPr>
-            </a:br>
-            <a:r>
-              <a:rPr lang="de-DE" altLang="de-DE" sz="1200" dirty="0">
-                <a:solidFill>
-                  <a:srgbClr val="000000"/>
-                </a:solidFill>
-                <a:latin typeface="Consolas" panose="020B0609020204030204" pitchFamily="49" charset="0"/>
-                <a:cs typeface="Consolas" panose="020B0609020204030204" pitchFamily="49" charset="0"/>
-              </a:rPr>
-              <a:t>        </a:t>
-            </a:r>
-            <a:r>
-              <a:rPr lang="de-DE" altLang="de-DE" sz="1200" i="1" dirty="0">
-                <a:solidFill>
-                  <a:srgbClr val="808080"/>
-                </a:solidFill>
-                <a:latin typeface="Consolas" panose="020B0609020204030204" pitchFamily="49" charset="0"/>
-                <a:cs typeface="Consolas" panose="020B0609020204030204" pitchFamily="49" charset="0"/>
-              </a:rPr>
-              <a:t>// Rendern der Homepage</a:t>
-            </a:r>
-            <a:br>
-              <a:rPr lang="de-DE" altLang="de-DE" sz="1200" i="1" dirty="0">
-                <a:solidFill>
-                  <a:srgbClr val="808080"/>
-                </a:solidFill>
-                <a:latin typeface="Consolas" panose="020B0609020204030204" pitchFamily="49" charset="0"/>
-                <a:cs typeface="Consolas" panose="020B0609020204030204" pitchFamily="49" charset="0"/>
-              </a:rPr>
-            </a:br>
-            <a:r>
-              <a:rPr lang="de-DE" altLang="de-DE" sz="1200" i="1" dirty="0">
-                <a:solidFill>
-                  <a:srgbClr val="808080"/>
-                </a:solidFill>
-                <a:latin typeface="Consolas" panose="020B0609020204030204" pitchFamily="49" charset="0"/>
-                <a:cs typeface="Consolas" panose="020B0609020204030204" pitchFamily="49" charset="0"/>
-              </a:rPr>
-              <a:t>        </a:t>
-            </a:r>
-            <a:r>
-              <a:rPr lang="de-DE" altLang="de-DE" sz="1200" dirty="0" err="1">
-                <a:solidFill>
-                  <a:srgbClr val="000000"/>
-                </a:solidFill>
-                <a:latin typeface="Consolas" panose="020B0609020204030204" pitchFamily="49" charset="0"/>
-                <a:cs typeface="Consolas" panose="020B0609020204030204" pitchFamily="49" charset="0"/>
-              </a:rPr>
-              <a:t>tester.startPage</a:t>
-            </a:r>
-            <a:r>
-              <a:rPr lang="de-DE" altLang="de-DE" sz="1200" dirty="0">
-                <a:solidFill>
-                  <a:srgbClr val="000000"/>
-                </a:solidFill>
-                <a:latin typeface="Consolas" panose="020B0609020204030204" pitchFamily="49" charset="0"/>
-                <a:cs typeface="Consolas" panose="020B0609020204030204" pitchFamily="49" charset="0"/>
-              </a:rPr>
-              <a:t>(</a:t>
-            </a:r>
-            <a:r>
-              <a:rPr lang="de-DE" altLang="de-DE" sz="1200" dirty="0" err="1">
-                <a:solidFill>
-                  <a:srgbClr val="000000"/>
-                </a:solidFill>
-                <a:latin typeface="Consolas" panose="020B0609020204030204" pitchFamily="49" charset="0"/>
-                <a:cs typeface="Consolas" panose="020B0609020204030204" pitchFamily="49" charset="0"/>
-              </a:rPr>
-              <a:t>HomePage.</a:t>
-            </a:r>
-            <a:r>
-              <a:rPr lang="de-DE" altLang="de-DE" sz="1200" b="1" dirty="0" err="1">
-                <a:solidFill>
-                  <a:srgbClr val="000080"/>
-                </a:solidFill>
-                <a:latin typeface="Consolas" panose="020B0609020204030204" pitchFamily="49" charset="0"/>
-                <a:cs typeface="Consolas" panose="020B0609020204030204" pitchFamily="49" charset="0"/>
-              </a:rPr>
-              <a:t>class</a:t>
-            </a:r>
-            <a:r>
-              <a:rPr lang="de-DE" altLang="de-DE" sz="1200" dirty="0">
-                <a:solidFill>
-                  <a:srgbClr val="000000"/>
-                </a:solidFill>
-                <a:latin typeface="Consolas" panose="020B0609020204030204" pitchFamily="49" charset="0"/>
-                <a:cs typeface="Consolas" panose="020B0609020204030204" pitchFamily="49" charset="0"/>
-              </a:rPr>
-              <a:t>);</a:t>
-            </a:r>
-            <a:br>
-              <a:rPr lang="de-DE" altLang="de-DE" sz="1200" dirty="0">
-                <a:solidFill>
-                  <a:srgbClr val="000000"/>
-                </a:solidFill>
-                <a:latin typeface="Consolas" panose="020B0609020204030204" pitchFamily="49" charset="0"/>
-                <a:cs typeface="Consolas" panose="020B0609020204030204" pitchFamily="49" charset="0"/>
-              </a:rPr>
-            </a:br>
-            <a:r>
-              <a:rPr lang="de-DE" altLang="de-DE" sz="1200" dirty="0">
-                <a:solidFill>
-                  <a:srgbClr val="000000"/>
-                </a:solidFill>
-                <a:latin typeface="Consolas" panose="020B0609020204030204" pitchFamily="49" charset="0"/>
-                <a:cs typeface="Consolas" panose="020B0609020204030204" pitchFamily="49" charset="0"/>
-              </a:rPr>
-              <a:t>        </a:t>
-            </a:r>
-            <a:r>
-              <a:rPr lang="de-DE" altLang="de-DE" sz="1200" i="1" dirty="0">
-                <a:solidFill>
-                  <a:srgbClr val="808080"/>
-                </a:solidFill>
-                <a:latin typeface="Consolas" panose="020B0609020204030204" pitchFamily="49" charset="0"/>
-                <a:cs typeface="Consolas" panose="020B0609020204030204" pitchFamily="49" charset="0"/>
-              </a:rPr>
-              <a:t>// Rendering der Homepage überprüfen</a:t>
-            </a:r>
-            <a:br>
-              <a:rPr lang="de-DE" altLang="de-DE" sz="1200" i="1" dirty="0">
-                <a:solidFill>
-                  <a:srgbClr val="808080"/>
-                </a:solidFill>
-                <a:latin typeface="Consolas" panose="020B0609020204030204" pitchFamily="49" charset="0"/>
-                <a:cs typeface="Consolas" panose="020B0609020204030204" pitchFamily="49" charset="0"/>
-              </a:rPr>
-            </a:br>
-            <a:r>
-              <a:rPr lang="de-DE" altLang="de-DE" sz="1200" i="1" dirty="0">
-                <a:solidFill>
-                  <a:srgbClr val="808080"/>
-                </a:solidFill>
-                <a:latin typeface="Consolas" panose="020B0609020204030204" pitchFamily="49" charset="0"/>
-                <a:cs typeface="Consolas" panose="020B0609020204030204" pitchFamily="49" charset="0"/>
-              </a:rPr>
-              <a:t>        </a:t>
-            </a:r>
-            <a:r>
-              <a:rPr lang="de-DE" altLang="de-DE" sz="1200" dirty="0" err="1">
-                <a:solidFill>
-                  <a:srgbClr val="000000"/>
-                </a:solidFill>
-                <a:latin typeface="Consolas" panose="020B0609020204030204" pitchFamily="49" charset="0"/>
-                <a:cs typeface="Consolas" panose="020B0609020204030204" pitchFamily="49" charset="0"/>
-              </a:rPr>
-              <a:t>tester.assertRenderedPage</a:t>
-            </a:r>
-            <a:r>
-              <a:rPr lang="de-DE" altLang="de-DE" sz="1200" dirty="0">
-                <a:solidFill>
-                  <a:srgbClr val="000000"/>
-                </a:solidFill>
-                <a:latin typeface="Consolas" panose="020B0609020204030204" pitchFamily="49" charset="0"/>
-                <a:cs typeface="Consolas" panose="020B0609020204030204" pitchFamily="49" charset="0"/>
-              </a:rPr>
-              <a:t>(</a:t>
-            </a:r>
-            <a:r>
-              <a:rPr lang="de-DE" altLang="de-DE" sz="1200" dirty="0" err="1">
-                <a:solidFill>
-                  <a:srgbClr val="000000"/>
-                </a:solidFill>
-                <a:latin typeface="Consolas" panose="020B0609020204030204" pitchFamily="49" charset="0"/>
-                <a:cs typeface="Consolas" panose="020B0609020204030204" pitchFamily="49" charset="0"/>
-              </a:rPr>
-              <a:t>HomePage.</a:t>
-            </a:r>
-            <a:r>
-              <a:rPr lang="de-DE" altLang="de-DE" sz="1200" b="1" dirty="0" err="1">
-                <a:solidFill>
-                  <a:srgbClr val="000080"/>
-                </a:solidFill>
-                <a:latin typeface="Consolas" panose="020B0609020204030204" pitchFamily="49" charset="0"/>
-                <a:cs typeface="Consolas" panose="020B0609020204030204" pitchFamily="49" charset="0"/>
-              </a:rPr>
-              <a:t>class</a:t>
-            </a:r>
-            <a:r>
-              <a:rPr lang="de-DE" altLang="de-DE" sz="1200" dirty="0">
-                <a:solidFill>
-                  <a:srgbClr val="000000"/>
-                </a:solidFill>
-                <a:latin typeface="Consolas" panose="020B0609020204030204" pitchFamily="49" charset="0"/>
-                <a:cs typeface="Consolas" panose="020B0609020204030204" pitchFamily="49" charset="0"/>
-              </a:rPr>
-              <a:t>);</a:t>
-            </a:r>
-            <a:br>
-              <a:rPr lang="de-DE" altLang="de-DE" sz="1200" dirty="0">
-                <a:solidFill>
-                  <a:srgbClr val="000000"/>
-                </a:solidFill>
-                <a:latin typeface="Consolas" panose="020B0609020204030204" pitchFamily="49" charset="0"/>
-                <a:cs typeface="Consolas" panose="020B0609020204030204" pitchFamily="49" charset="0"/>
-              </a:rPr>
-            </a:br>
-            <a:r>
-              <a:rPr lang="de-DE" altLang="de-DE" sz="1200" dirty="0">
-                <a:solidFill>
-                  <a:srgbClr val="000000"/>
-                </a:solidFill>
-                <a:latin typeface="Consolas" panose="020B0609020204030204" pitchFamily="49" charset="0"/>
-                <a:cs typeface="Consolas" panose="020B0609020204030204" pitchFamily="49" charset="0"/>
-              </a:rPr>
-              <a:t>        </a:t>
-            </a:r>
-            <a:r>
-              <a:rPr lang="de-DE" altLang="de-DE" sz="1200" i="1" dirty="0">
-                <a:solidFill>
-                  <a:srgbClr val="808080"/>
-                </a:solidFill>
-                <a:latin typeface="Consolas" panose="020B0609020204030204" pitchFamily="49" charset="0"/>
-                <a:cs typeface="Consolas" panose="020B0609020204030204" pitchFamily="49" charset="0"/>
-              </a:rPr>
-              <a:t>// Überprüfung auf Vorhandensein von Label</a:t>
-            </a:r>
-            <a:br>
-              <a:rPr lang="de-DE" altLang="de-DE" sz="1200" i="1" dirty="0">
-                <a:solidFill>
-                  <a:srgbClr val="808080"/>
-                </a:solidFill>
-                <a:latin typeface="Consolas" panose="020B0609020204030204" pitchFamily="49" charset="0"/>
-                <a:cs typeface="Consolas" panose="020B0609020204030204" pitchFamily="49" charset="0"/>
-              </a:rPr>
-            </a:br>
-            <a:r>
-              <a:rPr lang="de-DE" altLang="de-DE" sz="1200" i="1" dirty="0">
-                <a:solidFill>
-                  <a:srgbClr val="808080"/>
-                </a:solidFill>
-                <a:latin typeface="Consolas" panose="020B0609020204030204" pitchFamily="49" charset="0"/>
-                <a:cs typeface="Consolas" panose="020B0609020204030204" pitchFamily="49" charset="0"/>
-              </a:rPr>
-              <a:t>        </a:t>
-            </a:r>
-            <a:r>
-              <a:rPr lang="de-DE" altLang="de-DE" sz="1200" dirty="0" err="1">
-                <a:solidFill>
-                  <a:srgbClr val="000000"/>
-                </a:solidFill>
-                <a:latin typeface="Consolas" panose="020B0609020204030204" pitchFamily="49" charset="0"/>
-                <a:cs typeface="Consolas" panose="020B0609020204030204" pitchFamily="49" charset="0"/>
-              </a:rPr>
-              <a:t>tester.assertLabel</a:t>
-            </a:r>
-            <a:r>
-              <a:rPr lang="de-DE" altLang="de-DE" sz="1200" dirty="0">
-                <a:solidFill>
-                  <a:srgbClr val="000000"/>
-                </a:solidFill>
-                <a:latin typeface="Consolas" panose="020B0609020204030204" pitchFamily="49" charset="0"/>
-                <a:cs typeface="Consolas" panose="020B0609020204030204" pitchFamily="49" charset="0"/>
-              </a:rPr>
-              <a:t>(</a:t>
-            </a:r>
-            <a:r>
-              <a:rPr lang="de-DE" altLang="de-DE" sz="1200" b="1" dirty="0">
-                <a:solidFill>
-                  <a:srgbClr val="008000"/>
-                </a:solidFill>
-                <a:latin typeface="Consolas" panose="020B0609020204030204" pitchFamily="49" charset="0"/>
-                <a:cs typeface="Consolas" panose="020B0609020204030204" pitchFamily="49" charset="0"/>
-              </a:rPr>
-              <a:t>"</a:t>
-            </a:r>
-            <a:r>
-              <a:rPr lang="de-DE" altLang="de-DE" sz="1200" b="1" dirty="0" err="1">
-                <a:solidFill>
-                  <a:srgbClr val="008000"/>
-                </a:solidFill>
-                <a:latin typeface="Consolas" panose="020B0609020204030204" pitchFamily="49" charset="0"/>
-                <a:cs typeface="Consolas" panose="020B0609020204030204" pitchFamily="49" charset="0"/>
-              </a:rPr>
-              <a:t>label</a:t>
-            </a:r>
-            <a:r>
-              <a:rPr lang="de-DE" altLang="de-DE" sz="1200" b="1" dirty="0">
-                <a:solidFill>
-                  <a:srgbClr val="008000"/>
-                </a:solidFill>
-                <a:latin typeface="Consolas" panose="020B0609020204030204" pitchFamily="49" charset="0"/>
-                <a:cs typeface="Consolas" panose="020B0609020204030204" pitchFamily="49" charset="0"/>
-              </a:rPr>
-              <a:t>"</a:t>
-            </a:r>
-            <a:r>
-              <a:rPr lang="de-DE" altLang="de-DE" sz="1200" dirty="0">
-                <a:solidFill>
-                  <a:srgbClr val="000000"/>
-                </a:solidFill>
-                <a:latin typeface="Consolas" panose="020B0609020204030204" pitchFamily="49" charset="0"/>
-                <a:cs typeface="Consolas" panose="020B0609020204030204" pitchFamily="49" charset="0"/>
-              </a:rPr>
-              <a:t>, </a:t>
-            </a:r>
-            <a:r>
-              <a:rPr lang="de-DE" altLang="de-DE" sz="1200" b="1" dirty="0">
-                <a:solidFill>
-                  <a:srgbClr val="008000"/>
-                </a:solidFill>
-                <a:latin typeface="Consolas" panose="020B0609020204030204" pitchFamily="49" charset="0"/>
-                <a:cs typeface="Consolas" panose="020B0609020204030204" pitchFamily="49" charset="0"/>
-              </a:rPr>
-              <a:t>"First </a:t>
-            </a:r>
-            <a:r>
-              <a:rPr lang="de-DE" altLang="de-DE" sz="1200" b="1" dirty="0" err="1">
-                <a:solidFill>
-                  <a:srgbClr val="008000"/>
-                </a:solidFill>
-                <a:latin typeface="Consolas" panose="020B0609020204030204" pitchFamily="49" charset="0"/>
-                <a:cs typeface="Consolas" panose="020B0609020204030204" pitchFamily="49" charset="0"/>
-              </a:rPr>
-              <a:t>label</a:t>
-            </a:r>
-            <a:r>
-              <a:rPr lang="de-DE" altLang="de-DE" sz="1200" b="1" dirty="0">
-                <a:solidFill>
-                  <a:srgbClr val="008000"/>
-                </a:solidFill>
-                <a:latin typeface="Consolas" panose="020B0609020204030204" pitchFamily="49" charset="0"/>
-                <a:cs typeface="Consolas" panose="020B0609020204030204" pitchFamily="49" charset="0"/>
-              </a:rPr>
-              <a:t>"</a:t>
-            </a:r>
-            <a:r>
-              <a:rPr lang="de-DE" altLang="de-DE" sz="1200" dirty="0">
-                <a:solidFill>
-                  <a:srgbClr val="000000"/>
-                </a:solidFill>
-                <a:latin typeface="Consolas" panose="020B0609020204030204" pitchFamily="49" charset="0"/>
-                <a:cs typeface="Consolas" panose="020B0609020204030204" pitchFamily="49" charset="0"/>
-              </a:rPr>
-              <a:t>);</a:t>
-            </a:r>
-            <a:br>
-              <a:rPr lang="de-DE" altLang="de-DE" sz="1200" dirty="0">
-                <a:solidFill>
-                  <a:srgbClr val="000000"/>
-                </a:solidFill>
-                <a:latin typeface="Consolas" panose="020B0609020204030204" pitchFamily="49" charset="0"/>
-                <a:cs typeface="Consolas" panose="020B0609020204030204" pitchFamily="49" charset="0"/>
-              </a:rPr>
-            </a:br>
-            <a:r>
-              <a:rPr lang="de-DE" altLang="de-DE" sz="1200" dirty="0">
-                <a:solidFill>
-                  <a:srgbClr val="000000"/>
-                </a:solidFill>
-                <a:latin typeface="Consolas" panose="020B0609020204030204" pitchFamily="49" charset="0"/>
-                <a:cs typeface="Consolas" panose="020B0609020204030204" pitchFamily="49" charset="0"/>
-              </a:rPr>
-              <a:t>        </a:t>
-            </a:r>
-            <a:r>
-              <a:rPr lang="de-DE" altLang="de-DE" sz="1200" i="1" dirty="0">
-                <a:solidFill>
-                  <a:srgbClr val="808080"/>
-                </a:solidFill>
-                <a:latin typeface="Consolas" panose="020B0609020204030204" pitchFamily="49" charset="0"/>
-                <a:cs typeface="Consolas" panose="020B0609020204030204" pitchFamily="49" charset="0"/>
-              </a:rPr>
-              <a:t>// Klick auf Link simulieren</a:t>
-            </a:r>
-            <a:br>
-              <a:rPr lang="de-DE" altLang="de-DE" sz="1200" i="1" dirty="0">
-                <a:solidFill>
-                  <a:srgbClr val="808080"/>
-                </a:solidFill>
-                <a:latin typeface="Consolas" panose="020B0609020204030204" pitchFamily="49" charset="0"/>
-                <a:cs typeface="Consolas" panose="020B0609020204030204" pitchFamily="49" charset="0"/>
-              </a:rPr>
-            </a:br>
-            <a:r>
-              <a:rPr lang="de-DE" altLang="de-DE" sz="1200" i="1" dirty="0">
-                <a:solidFill>
-                  <a:srgbClr val="808080"/>
-                </a:solidFill>
-                <a:latin typeface="Consolas" panose="020B0609020204030204" pitchFamily="49" charset="0"/>
-                <a:cs typeface="Consolas" panose="020B0609020204030204" pitchFamily="49" charset="0"/>
-              </a:rPr>
-              <a:t>        </a:t>
-            </a:r>
-            <a:r>
-              <a:rPr lang="de-DE" altLang="de-DE" sz="1200" dirty="0" err="1">
-                <a:solidFill>
-                  <a:srgbClr val="000000"/>
-                </a:solidFill>
-                <a:latin typeface="Consolas" panose="020B0609020204030204" pitchFamily="49" charset="0"/>
-                <a:cs typeface="Consolas" panose="020B0609020204030204" pitchFamily="49" charset="0"/>
-              </a:rPr>
-              <a:t>tester.clickLink</a:t>
-            </a:r>
-            <a:r>
-              <a:rPr lang="de-DE" altLang="de-DE" sz="1200" dirty="0">
-                <a:solidFill>
-                  <a:srgbClr val="000000"/>
-                </a:solidFill>
-                <a:latin typeface="Consolas" panose="020B0609020204030204" pitchFamily="49" charset="0"/>
-                <a:cs typeface="Consolas" panose="020B0609020204030204" pitchFamily="49" charset="0"/>
-              </a:rPr>
-              <a:t>(</a:t>
-            </a:r>
-            <a:r>
-              <a:rPr lang="de-DE" altLang="de-DE" sz="1200" b="1" dirty="0">
-                <a:solidFill>
-                  <a:srgbClr val="008000"/>
-                </a:solidFill>
-                <a:latin typeface="Consolas" panose="020B0609020204030204" pitchFamily="49" charset="0"/>
-                <a:cs typeface="Consolas" panose="020B0609020204030204" pitchFamily="49" charset="0"/>
-              </a:rPr>
-              <a:t>"</a:t>
-            </a:r>
-            <a:r>
-              <a:rPr lang="de-DE" altLang="de-DE" sz="1200" b="1" dirty="0" err="1">
-                <a:solidFill>
-                  <a:srgbClr val="008000"/>
-                </a:solidFill>
-                <a:latin typeface="Consolas" panose="020B0609020204030204" pitchFamily="49" charset="0"/>
-                <a:cs typeface="Consolas" panose="020B0609020204030204" pitchFamily="49" charset="0"/>
-              </a:rPr>
-              <a:t>reload</a:t>
-            </a:r>
-            <a:r>
-              <a:rPr lang="de-DE" altLang="de-DE" sz="1200" b="1" dirty="0">
-                <a:solidFill>
-                  <a:srgbClr val="008000"/>
-                </a:solidFill>
-                <a:latin typeface="Consolas" panose="020B0609020204030204" pitchFamily="49" charset="0"/>
-                <a:cs typeface="Consolas" panose="020B0609020204030204" pitchFamily="49" charset="0"/>
-              </a:rPr>
-              <a:t>"</a:t>
-            </a:r>
-            <a:r>
-              <a:rPr lang="de-DE" altLang="de-DE" sz="1200" dirty="0">
-                <a:solidFill>
-                  <a:srgbClr val="000000"/>
-                </a:solidFill>
-                <a:latin typeface="Consolas" panose="020B0609020204030204" pitchFamily="49" charset="0"/>
-                <a:cs typeface="Consolas" panose="020B0609020204030204" pitchFamily="49" charset="0"/>
-              </a:rPr>
-              <a:t>);</a:t>
-            </a:r>
-            <a:br>
-              <a:rPr lang="de-DE" altLang="de-DE" sz="1200" dirty="0">
-                <a:solidFill>
-                  <a:srgbClr val="000000"/>
-                </a:solidFill>
-                <a:latin typeface="Consolas" panose="020B0609020204030204" pitchFamily="49" charset="0"/>
-                <a:cs typeface="Consolas" panose="020B0609020204030204" pitchFamily="49" charset="0"/>
-              </a:rPr>
-            </a:br>
-            <a:r>
-              <a:rPr lang="de-DE" altLang="de-DE" sz="1200" dirty="0">
-                <a:solidFill>
-                  <a:srgbClr val="000000"/>
-                </a:solidFill>
-                <a:latin typeface="Consolas" panose="020B0609020204030204" pitchFamily="49" charset="0"/>
-                <a:cs typeface="Consolas" panose="020B0609020204030204" pitchFamily="49" charset="0"/>
-              </a:rPr>
-              <a:t>        </a:t>
-            </a:r>
-            <a:r>
-              <a:rPr lang="de-DE" altLang="de-DE" sz="1200" i="1" dirty="0">
-                <a:solidFill>
-                  <a:srgbClr val="808080"/>
-                </a:solidFill>
-                <a:latin typeface="Consolas" panose="020B0609020204030204" pitchFamily="49" charset="0"/>
-                <a:cs typeface="Consolas" panose="020B0609020204030204" pitchFamily="49" charset="0"/>
-              </a:rPr>
-              <a:t>// Überprüfung von Vorhandensein von Label</a:t>
-            </a:r>
-            <a:br>
-              <a:rPr lang="de-DE" altLang="de-DE" sz="1200" i="1" dirty="0">
-                <a:solidFill>
-                  <a:srgbClr val="808080"/>
-                </a:solidFill>
-                <a:latin typeface="Consolas" panose="020B0609020204030204" pitchFamily="49" charset="0"/>
-                <a:cs typeface="Consolas" panose="020B0609020204030204" pitchFamily="49" charset="0"/>
-              </a:rPr>
-            </a:br>
-            <a:r>
-              <a:rPr lang="de-DE" altLang="de-DE" sz="1200" i="1" dirty="0">
-                <a:solidFill>
-                  <a:srgbClr val="808080"/>
-                </a:solidFill>
-                <a:latin typeface="Consolas" panose="020B0609020204030204" pitchFamily="49" charset="0"/>
-                <a:cs typeface="Consolas" panose="020B0609020204030204" pitchFamily="49" charset="0"/>
-              </a:rPr>
-              <a:t>        </a:t>
-            </a:r>
-            <a:r>
-              <a:rPr lang="de-DE" altLang="de-DE" sz="1200" dirty="0" err="1">
-                <a:solidFill>
-                  <a:srgbClr val="000000"/>
-                </a:solidFill>
-                <a:latin typeface="Consolas" panose="020B0609020204030204" pitchFamily="49" charset="0"/>
-                <a:cs typeface="Consolas" panose="020B0609020204030204" pitchFamily="49" charset="0"/>
-              </a:rPr>
-              <a:t>tester.assertLabel</a:t>
-            </a:r>
-            <a:r>
-              <a:rPr lang="de-DE" altLang="de-DE" sz="1200" dirty="0">
-                <a:solidFill>
-                  <a:srgbClr val="000000"/>
-                </a:solidFill>
-                <a:latin typeface="Consolas" panose="020B0609020204030204" pitchFamily="49" charset="0"/>
-                <a:cs typeface="Consolas" panose="020B0609020204030204" pitchFamily="49" charset="0"/>
-              </a:rPr>
-              <a:t>(</a:t>
-            </a:r>
-            <a:r>
-              <a:rPr lang="de-DE" altLang="de-DE" sz="1200" b="1" dirty="0">
-                <a:solidFill>
-                  <a:srgbClr val="008000"/>
-                </a:solidFill>
-                <a:latin typeface="Consolas" panose="020B0609020204030204" pitchFamily="49" charset="0"/>
-                <a:cs typeface="Consolas" panose="020B0609020204030204" pitchFamily="49" charset="0"/>
-              </a:rPr>
-              <a:t>"</a:t>
-            </a:r>
-            <a:r>
-              <a:rPr lang="de-DE" altLang="de-DE" sz="1200" b="1" dirty="0" err="1">
-                <a:solidFill>
-                  <a:srgbClr val="008000"/>
-                </a:solidFill>
-                <a:latin typeface="Consolas" panose="020B0609020204030204" pitchFamily="49" charset="0"/>
-                <a:cs typeface="Consolas" panose="020B0609020204030204" pitchFamily="49" charset="0"/>
-              </a:rPr>
-              <a:t>label</a:t>
-            </a:r>
-            <a:r>
-              <a:rPr lang="de-DE" altLang="de-DE" sz="1200" b="1" dirty="0">
-                <a:solidFill>
-                  <a:srgbClr val="008000"/>
-                </a:solidFill>
-                <a:latin typeface="Consolas" panose="020B0609020204030204" pitchFamily="49" charset="0"/>
-                <a:cs typeface="Consolas" panose="020B0609020204030204" pitchFamily="49" charset="0"/>
-              </a:rPr>
-              <a:t>"</a:t>
-            </a:r>
-            <a:r>
-              <a:rPr lang="de-DE" altLang="de-DE" sz="1200" dirty="0">
-                <a:solidFill>
-                  <a:srgbClr val="000000"/>
-                </a:solidFill>
-                <a:latin typeface="Consolas" panose="020B0609020204030204" pitchFamily="49" charset="0"/>
-                <a:cs typeface="Consolas" panose="020B0609020204030204" pitchFamily="49" charset="0"/>
-              </a:rPr>
-              <a:t>, </a:t>
-            </a:r>
-            <a:r>
-              <a:rPr lang="de-DE" altLang="de-DE" sz="1200" b="1" dirty="0">
-                <a:solidFill>
-                  <a:srgbClr val="008000"/>
-                </a:solidFill>
-                <a:latin typeface="Consolas" panose="020B0609020204030204" pitchFamily="49" charset="0"/>
-                <a:cs typeface="Consolas" panose="020B0609020204030204" pitchFamily="49" charset="0"/>
-              </a:rPr>
-              <a:t>"Second </a:t>
-            </a:r>
-            <a:r>
-              <a:rPr lang="de-DE" altLang="de-DE" sz="1200" b="1" dirty="0" err="1">
-                <a:solidFill>
-                  <a:srgbClr val="008000"/>
-                </a:solidFill>
-                <a:latin typeface="Consolas" panose="020B0609020204030204" pitchFamily="49" charset="0"/>
-                <a:cs typeface="Consolas" panose="020B0609020204030204" pitchFamily="49" charset="0"/>
-              </a:rPr>
-              <a:t>label</a:t>
-            </a:r>
-            <a:r>
-              <a:rPr lang="de-DE" altLang="de-DE" sz="1200" b="1" dirty="0">
-                <a:solidFill>
-                  <a:srgbClr val="008000"/>
-                </a:solidFill>
-                <a:latin typeface="Consolas" panose="020B0609020204030204" pitchFamily="49" charset="0"/>
-                <a:cs typeface="Consolas" panose="020B0609020204030204" pitchFamily="49" charset="0"/>
-              </a:rPr>
-              <a:t>"</a:t>
-            </a:r>
-            <a:r>
-              <a:rPr lang="de-DE" altLang="de-DE" sz="1200" dirty="0">
-                <a:solidFill>
-                  <a:srgbClr val="000000"/>
-                </a:solidFill>
-                <a:latin typeface="Consolas" panose="020B0609020204030204" pitchFamily="49" charset="0"/>
-                <a:cs typeface="Consolas" panose="020B0609020204030204" pitchFamily="49" charset="0"/>
-              </a:rPr>
-              <a:t>);</a:t>
-            </a:r>
-            <a:br>
-              <a:rPr lang="de-DE" altLang="de-DE" sz="1200" dirty="0">
-                <a:solidFill>
-                  <a:srgbClr val="000000"/>
-                </a:solidFill>
-                <a:latin typeface="Consolas" panose="020B0609020204030204" pitchFamily="49" charset="0"/>
-                <a:cs typeface="Consolas" panose="020B0609020204030204" pitchFamily="49" charset="0"/>
-              </a:rPr>
-            </a:br>
-            <a:r>
-              <a:rPr lang="de-DE" altLang="de-DE" sz="1200" dirty="0">
-                <a:solidFill>
-                  <a:srgbClr val="000000"/>
-                </a:solidFill>
-                <a:latin typeface="Consolas" panose="020B0609020204030204" pitchFamily="49" charset="0"/>
-                <a:cs typeface="Consolas" panose="020B0609020204030204" pitchFamily="49" charset="0"/>
-              </a:rPr>
-              <a:t>        </a:t>
-            </a:r>
-            <a:r>
-              <a:rPr lang="de-DE" altLang="de-DE" sz="1200" i="1" dirty="0">
-                <a:solidFill>
-                  <a:srgbClr val="808080"/>
-                </a:solidFill>
-                <a:latin typeface="Consolas" panose="020B0609020204030204" pitchFamily="49" charset="0"/>
-                <a:cs typeface="Consolas" panose="020B0609020204030204" pitchFamily="49" charset="0"/>
-              </a:rPr>
-              <a:t>// Überprüfung der Aktivierung eines </a:t>
-            </a:r>
-            <a:r>
-              <a:rPr lang="de-DE" altLang="de-DE" sz="1200" i="1" dirty="0" err="1">
-                <a:solidFill>
-                  <a:srgbClr val="808080"/>
-                </a:solidFill>
-                <a:latin typeface="Consolas" panose="020B0609020204030204" pitchFamily="49" charset="0"/>
-                <a:cs typeface="Consolas" panose="020B0609020204030204" pitchFamily="49" charset="0"/>
-              </a:rPr>
-              <a:t>DatePickers</a:t>
-            </a:r>
-            <a:r>
-              <a:rPr lang="de-DE" altLang="de-DE" sz="1200" i="1" dirty="0">
-                <a:solidFill>
-                  <a:srgbClr val="808080"/>
-                </a:solidFill>
-                <a:latin typeface="Consolas" panose="020B0609020204030204" pitchFamily="49" charset="0"/>
-                <a:cs typeface="Consolas" panose="020B0609020204030204" pitchFamily="49" charset="0"/>
-              </a:rPr>
-              <a:t/>
-            </a:r>
-            <a:br>
-              <a:rPr lang="de-DE" altLang="de-DE" sz="1200" i="1" dirty="0">
-                <a:solidFill>
-                  <a:srgbClr val="808080"/>
-                </a:solidFill>
-                <a:latin typeface="Consolas" panose="020B0609020204030204" pitchFamily="49" charset="0"/>
-                <a:cs typeface="Consolas" panose="020B0609020204030204" pitchFamily="49" charset="0"/>
-              </a:rPr>
-            </a:br>
-            <a:r>
-              <a:rPr lang="de-DE" altLang="de-DE" sz="1200" i="1" dirty="0">
-                <a:solidFill>
-                  <a:srgbClr val="808080"/>
-                </a:solidFill>
-                <a:latin typeface="Consolas" panose="020B0609020204030204" pitchFamily="49" charset="0"/>
-                <a:cs typeface="Consolas" panose="020B0609020204030204" pitchFamily="49" charset="0"/>
-              </a:rPr>
-              <a:t>        </a:t>
-            </a:r>
-            <a:r>
-              <a:rPr lang="de-DE" altLang="de-DE" sz="1200" dirty="0" err="1">
-                <a:solidFill>
-                  <a:srgbClr val="000000"/>
-                </a:solidFill>
-                <a:latin typeface="Consolas" panose="020B0609020204030204" pitchFamily="49" charset="0"/>
-                <a:cs typeface="Consolas" panose="020B0609020204030204" pitchFamily="49" charset="0"/>
-              </a:rPr>
-              <a:t>tester.assertEnabled</a:t>
-            </a:r>
-            <a:r>
-              <a:rPr lang="de-DE" altLang="de-DE" sz="1200" dirty="0">
-                <a:solidFill>
-                  <a:srgbClr val="000000"/>
-                </a:solidFill>
-                <a:latin typeface="Consolas" panose="020B0609020204030204" pitchFamily="49" charset="0"/>
-                <a:cs typeface="Consolas" panose="020B0609020204030204" pitchFamily="49" charset="0"/>
-              </a:rPr>
-              <a:t>(</a:t>
-            </a:r>
-            <a:r>
-              <a:rPr lang="de-DE" altLang="de-DE" sz="1200" b="1" dirty="0">
-                <a:solidFill>
-                  <a:srgbClr val="008000"/>
-                </a:solidFill>
-                <a:latin typeface="Consolas" panose="020B0609020204030204" pitchFamily="49" charset="0"/>
-                <a:cs typeface="Consolas" panose="020B0609020204030204" pitchFamily="49" charset="0"/>
-              </a:rPr>
-              <a:t>"</a:t>
-            </a:r>
-            <a:r>
-              <a:rPr lang="de-DE" altLang="de-DE" sz="1200" b="1" dirty="0" err="1">
-                <a:solidFill>
-                  <a:srgbClr val="008000"/>
-                </a:solidFill>
-                <a:latin typeface="Consolas" panose="020B0609020204030204" pitchFamily="49" charset="0"/>
-                <a:cs typeface="Consolas" panose="020B0609020204030204" pitchFamily="49" charset="0"/>
-              </a:rPr>
-              <a:t>form:datepicker</a:t>
-            </a:r>
-            <a:r>
-              <a:rPr lang="de-DE" altLang="de-DE" sz="1200" b="1" dirty="0">
-                <a:solidFill>
-                  <a:srgbClr val="008000"/>
-                </a:solidFill>
-                <a:latin typeface="Consolas" panose="020B0609020204030204" pitchFamily="49" charset="0"/>
-                <a:cs typeface="Consolas" panose="020B0609020204030204" pitchFamily="49" charset="0"/>
-              </a:rPr>
-              <a:t>"</a:t>
-            </a:r>
-            <a:r>
-              <a:rPr lang="de-DE" altLang="de-DE" sz="1200" dirty="0">
-                <a:solidFill>
-                  <a:srgbClr val="000000"/>
-                </a:solidFill>
-                <a:latin typeface="Consolas" panose="020B0609020204030204" pitchFamily="49" charset="0"/>
-                <a:cs typeface="Consolas" panose="020B0609020204030204" pitchFamily="49" charset="0"/>
-              </a:rPr>
-              <a:t>);</a:t>
-            </a:r>
-            <a:br>
-              <a:rPr lang="de-DE" altLang="de-DE" sz="1200" dirty="0">
-                <a:solidFill>
-                  <a:srgbClr val="000000"/>
-                </a:solidFill>
-                <a:latin typeface="Consolas" panose="020B0609020204030204" pitchFamily="49" charset="0"/>
-                <a:cs typeface="Consolas" panose="020B0609020204030204" pitchFamily="49" charset="0"/>
-              </a:rPr>
-            </a:br>
-            <a:r>
-              <a:rPr lang="de-DE" altLang="de-DE" sz="1200" dirty="0">
-                <a:solidFill>
-                  <a:srgbClr val="000000"/>
-                </a:solidFill>
-                <a:latin typeface="Consolas" panose="020B0609020204030204" pitchFamily="49" charset="0"/>
-                <a:cs typeface="Consolas" panose="020B0609020204030204" pitchFamily="49" charset="0"/>
-              </a:rPr>
-              <a:t>    }</a:t>
-            </a:r>
-            <a:br>
-              <a:rPr lang="de-DE" altLang="de-DE" sz="1200" dirty="0">
-                <a:solidFill>
-                  <a:srgbClr val="000000"/>
-                </a:solidFill>
-                <a:latin typeface="Consolas" panose="020B0609020204030204" pitchFamily="49" charset="0"/>
-                <a:cs typeface="Consolas" panose="020B0609020204030204" pitchFamily="49" charset="0"/>
-              </a:rPr>
-            </a:br>
-            <a:r>
-              <a:rPr lang="de-DE" altLang="de-DE" sz="1200" dirty="0">
-                <a:solidFill>
-                  <a:srgbClr val="000000"/>
-                </a:solidFill>
-                <a:latin typeface="Consolas" panose="020B0609020204030204" pitchFamily="49" charset="0"/>
-                <a:cs typeface="Consolas" panose="020B0609020204030204" pitchFamily="49" charset="0"/>
-              </a:rPr>
-              <a:t>}</a:t>
-            </a:r>
-            <a:endParaRPr lang="de-DE" altLang="de-DE" sz="1200" dirty="0">
-              <a:latin typeface="Consolas" panose="020B0609020204030204" pitchFamily="49" charset="0"/>
-              <a:cs typeface="Consolas" panose="020B0609020204030204" pitchFamily="49" charset="0"/>
-            </a:endParaRPr>
+              <a:rPr lang="de-DE" sz="1600" dirty="0"/>
+              <a:t>Prüfung des Status von Komponenten</a:t>
+            </a:r>
+          </a:p>
+          <a:p>
+            <a:pPr lvl="1">
+              <a:buFont typeface="Arial" panose="020B0604020202020204" pitchFamily="34" charset="0"/>
+              <a:buChar char="•"/>
+            </a:pPr>
+            <a:r>
+              <a:rPr lang="de-DE" sz="1600" dirty="0"/>
+              <a:t>Isoliertes Testen von Komponenten</a:t>
+            </a:r>
+          </a:p>
+          <a:p>
+            <a:pPr lvl="1">
+              <a:buFont typeface="Arial" panose="020B0604020202020204" pitchFamily="34" charset="0"/>
+              <a:buChar char="•"/>
+            </a:pPr>
+            <a:r>
+              <a:rPr lang="de-DE" sz="1600" dirty="0"/>
+              <a:t>Klicken auf Links</a:t>
+            </a:r>
+          </a:p>
+          <a:p>
+            <a:pPr lvl="1">
+              <a:buFont typeface="Arial" panose="020B0604020202020204" pitchFamily="34" charset="0"/>
+              <a:buChar char="•"/>
+            </a:pPr>
+            <a:r>
+              <a:rPr lang="de-DE" sz="1600" dirty="0"/>
+              <a:t>…</a:t>
+            </a:r>
           </a:p>
         </p:txBody>
       </p:sp>
@@ -10226,7 +10319,7 @@
     </p:spTree>
     <p:extLst>
       <p:ext uri="{BB962C8B-B14F-4D97-AF65-F5344CB8AC3E}">
-        <p14:creationId xmlns:p14="http://schemas.microsoft.com/office/powerpoint/2010/main" val="551934435"/>
+        <p14:creationId xmlns:p14="http://schemas.microsoft.com/office/powerpoint/2010/main" val="1583970463"/>
       </p:ext>
     </p:extLst>
   </p:cSld>
@@ -10278,289 +10371,1207 @@
             </a:pPr>
             <a:r>
               <a:rPr lang="de-DE" sz="2000" b="1" dirty="0" err="1"/>
-              <a:t>FormTester</a:t>
+              <a:t>WicketTester</a:t>
             </a:r>
             <a:endParaRPr lang="de-DE" sz="2000" b="1" dirty="0"/>
           </a:p>
           <a:p>
-            <a:pPr>
-              <a:buFont typeface="Arial" panose="020B0604020202020204" pitchFamily="34" charset="0"/>
-              <a:buChar char="•"/>
-            </a:pPr>
-            <a:r>
-              <a:rPr lang="de-DE" sz="2000" dirty="0"/>
-              <a:t>Testen von Formularen im Speziellen</a:t>
-            </a:r>
-          </a:p>
-          <a:p>
-            <a:pPr>
-              <a:buFont typeface="Arial" panose="020B0604020202020204" pitchFamily="34" charset="0"/>
-              <a:buChar char="•"/>
-            </a:pPr>
-            <a:r>
-              <a:rPr lang="de-DE" sz="2000" dirty="0"/>
-              <a:t>Überprüfung von Feedback Messages</a:t>
-            </a:r>
-          </a:p>
-          <a:p>
-            <a:pPr>
-              <a:buFont typeface="Arial" panose="020B0604020202020204" pitchFamily="34" charset="0"/>
-              <a:buChar char="•"/>
-            </a:pPr>
-            <a:r>
-              <a:rPr lang="de-DE" sz="2000" dirty="0"/>
-              <a:t>Erzeugung durch </a:t>
-            </a:r>
-            <a:r>
-              <a:rPr lang="de-DE" sz="2000" dirty="0" err="1"/>
-              <a:t>WicketTester</a:t>
-            </a:r>
-            <a:endParaRPr lang="de-DE" sz="2000" dirty="0"/>
-          </a:p>
-          <a:p>
-            <a:endParaRPr lang="de-DE" sz="2000" dirty="0"/>
-          </a:p>
-          <a:p>
-            <a:pPr marL="0" lvl="0" indent="0">
+            <a:pPr marL="0" indent="0">
               <a:buNone/>
             </a:pPr>
-            <a:r>
-              <a:rPr lang="de-DE" altLang="de-DE" sz="1600" b="1" dirty="0" err="1">
-                <a:solidFill>
-                  <a:srgbClr val="000080"/>
-                </a:solidFill>
-                <a:latin typeface="Consolas" panose="020B0609020204030204" pitchFamily="49" charset="0"/>
-                <a:cs typeface="Consolas" panose="020B0609020204030204" pitchFamily="49" charset="0"/>
-              </a:rPr>
-              <a:t>protected</a:t>
-            </a:r>
-            <a:r>
-              <a:rPr lang="de-DE" altLang="de-DE" sz="1600" b="1" dirty="0">
-                <a:solidFill>
-                  <a:srgbClr val="000080"/>
-                </a:solidFill>
-                <a:latin typeface="Consolas" panose="020B0609020204030204" pitchFamily="49" charset="0"/>
-                <a:cs typeface="Consolas" panose="020B0609020204030204" pitchFamily="49" charset="0"/>
-              </a:rPr>
-              <a:t> </a:t>
-            </a:r>
-            <a:r>
-              <a:rPr lang="de-DE" altLang="de-DE" sz="1600" b="1" dirty="0" err="1">
-                <a:solidFill>
-                  <a:srgbClr val="000080"/>
-                </a:solidFill>
-                <a:latin typeface="Consolas" panose="020B0609020204030204" pitchFamily="49" charset="0"/>
-                <a:cs typeface="Consolas" panose="020B0609020204030204" pitchFamily="49" charset="0"/>
-              </a:rPr>
-              <a:t>void</a:t>
-            </a:r>
-            <a:r>
-              <a:rPr lang="de-DE" altLang="de-DE" sz="1600" b="1" dirty="0">
-                <a:solidFill>
-                  <a:srgbClr val="000080"/>
-                </a:solidFill>
-                <a:latin typeface="Consolas" panose="020B0609020204030204" pitchFamily="49" charset="0"/>
-                <a:cs typeface="Consolas" panose="020B0609020204030204" pitchFamily="49" charset="0"/>
-              </a:rPr>
-              <a:t> </a:t>
-            </a:r>
-            <a:r>
-              <a:rPr lang="de-DE" altLang="de-DE" sz="1600" dirty="0" err="1">
-                <a:solidFill>
-                  <a:srgbClr val="000000"/>
-                </a:solidFill>
-                <a:latin typeface="Consolas" panose="020B0609020204030204" pitchFamily="49" charset="0"/>
-                <a:cs typeface="Consolas" panose="020B0609020204030204" pitchFamily="49" charset="0"/>
-              </a:rPr>
-              <a:t>insertUsernamePassword</a:t>
-            </a:r>
-            <a:r>
-              <a:rPr lang="de-DE" altLang="de-DE" sz="1600" dirty="0">
-                <a:solidFill>
-                  <a:srgbClr val="000000"/>
-                </a:solidFill>
-                <a:latin typeface="Consolas" panose="020B0609020204030204" pitchFamily="49" charset="0"/>
-                <a:cs typeface="Consolas" panose="020B0609020204030204" pitchFamily="49" charset="0"/>
-              </a:rPr>
-              <a:t>(String </a:t>
-            </a:r>
-            <a:r>
-              <a:rPr lang="de-DE" altLang="de-DE" sz="1600" dirty="0" err="1">
-                <a:solidFill>
-                  <a:srgbClr val="000000"/>
-                </a:solidFill>
-                <a:latin typeface="Consolas" panose="020B0609020204030204" pitchFamily="49" charset="0"/>
-                <a:cs typeface="Consolas" panose="020B0609020204030204" pitchFamily="49" charset="0"/>
-              </a:rPr>
-              <a:t>username</a:t>
-            </a:r>
-            <a:r>
-              <a:rPr lang="de-DE" altLang="de-DE" sz="1600" dirty="0">
-                <a:solidFill>
-                  <a:srgbClr val="000000"/>
-                </a:solidFill>
-                <a:latin typeface="Consolas" panose="020B0609020204030204" pitchFamily="49" charset="0"/>
-                <a:cs typeface="Consolas" panose="020B0609020204030204" pitchFamily="49" charset="0"/>
-              </a:rPr>
-              <a:t>, String </a:t>
-            </a:r>
-            <a:r>
-              <a:rPr lang="de-DE" altLang="de-DE" sz="1600" dirty="0" err="1">
-                <a:solidFill>
-                  <a:srgbClr val="000000"/>
-                </a:solidFill>
-                <a:latin typeface="Consolas" panose="020B0609020204030204" pitchFamily="49" charset="0"/>
-                <a:cs typeface="Consolas" panose="020B0609020204030204" pitchFamily="49" charset="0"/>
-              </a:rPr>
-              <a:t>password</a:t>
-            </a:r>
-            <a:r>
-              <a:rPr lang="de-DE" altLang="de-DE" sz="1600" dirty="0">
-                <a:solidFill>
-                  <a:srgbClr val="000000"/>
-                </a:solidFill>
-                <a:latin typeface="Consolas" panose="020B0609020204030204" pitchFamily="49" charset="0"/>
-                <a:cs typeface="Consolas" panose="020B0609020204030204" pitchFamily="49" charset="0"/>
-              </a:rPr>
-              <a:t>) {</a:t>
-            </a:r>
-            <a:br>
-              <a:rPr lang="de-DE" altLang="de-DE" sz="1600" dirty="0">
-                <a:solidFill>
-                  <a:srgbClr val="000000"/>
-                </a:solidFill>
-                <a:latin typeface="Consolas" panose="020B0609020204030204" pitchFamily="49" charset="0"/>
-                <a:cs typeface="Consolas" panose="020B0609020204030204" pitchFamily="49" charset="0"/>
-              </a:rPr>
-            </a:br>
-            <a:r>
-              <a:rPr lang="de-DE" altLang="de-DE" sz="1600" dirty="0">
-                <a:solidFill>
-                  <a:srgbClr val="000000"/>
-                </a:solidFill>
-                <a:latin typeface="Consolas" panose="020B0609020204030204" pitchFamily="49" charset="0"/>
-                <a:cs typeface="Consolas" panose="020B0609020204030204" pitchFamily="49" charset="0"/>
-              </a:rPr>
-              <a:t>    </a:t>
-            </a:r>
-            <a:r>
-              <a:rPr lang="de-DE" altLang="de-DE" sz="1600" i="1" dirty="0">
-                <a:solidFill>
-                  <a:srgbClr val="808080"/>
-                </a:solidFill>
-                <a:latin typeface="Consolas" panose="020B0609020204030204" pitchFamily="49" charset="0"/>
-                <a:cs typeface="Consolas" panose="020B0609020204030204" pitchFamily="49" charset="0"/>
-              </a:rPr>
-              <a:t>// Rendern der Homepage</a:t>
-            </a:r>
-            <a:br>
-              <a:rPr lang="de-DE" altLang="de-DE" sz="1600" i="1" dirty="0">
-                <a:solidFill>
-                  <a:srgbClr val="808080"/>
-                </a:solidFill>
-                <a:latin typeface="Consolas" panose="020B0609020204030204" pitchFamily="49" charset="0"/>
-                <a:cs typeface="Consolas" panose="020B0609020204030204" pitchFamily="49" charset="0"/>
-              </a:rPr>
-            </a:br>
-            <a:r>
-              <a:rPr lang="de-DE" altLang="de-DE" sz="1600" i="1" dirty="0">
-                <a:solidFill>
-                  <a:srgbClr val="808080"/>
-                </a:solidFill>
-                <a:latin typeface="Consolas" panose="020B0609020204030204" pitchFamily="49" charset="0"/>
-                <a:cs typeface="Consolas" panose="020B0609020204030204" pitchFamily="49" charset="0"/>
-              </a:rPr>
-              <a:t>    </a:t>
-            </a:r>
-            <a:r>
-              <a:rPr lang="de-DE" altLang="de-DE" sz="1600" dirty="0" err="1">
-                <a:solidFill>
-                  <a:srgbClr val="000000"/>
-                </a:solidFill>
-                <a:latin typeface="Consolas" panose="020B0609020204030204" pitchFamily="49" charset="0"/>
-                <a:cs typeface="Consolas" panose="020B0609020204030204" pitchFamily="49" charset="0"/>
-              </a:rPr>
-              <a:t>tester.startPage</a:t>
-            </a:r>
-            <a:r>
-              <a:rPr lang="de-DE" altLang="de-DE" sz="1600" dirty="0">
-                <a:solidFill>
-                  <a:srgbClr val="000000"/>
-                </a:solidFill>
-                <a:latin typeface="Consolas" panose="020B0609020204030204" pitchFamily="49" charset="0"/>
-                <a:cs typeface="Consolas" panose="020B0609020204030204" pitchFamily="49" charset="0"/>
-              </a:rPr>
-              <a:t>(</a:t>
-            </a:r>
-            <a:r>
-              <a:rPr lang="de-DE" altLang="de-DE" sz="1600" dirty="0" err="1">
-                <a:solidFill>
-                  <a:srgbClr val="000000"/>
-                </a:solidFill>
-                <a:latin typeface="Consolas" panose="020B0609020204030204" pitchFamily="49" charset="0"/>
-                <a:cs typeface="Consolas" panose="020B0609020204030204" pitchFamily="49" charset="0"/>
-              </a:rPr>
-              <a:t>HomePage.</a:t>
-            </a:r>
-            <a:r>
-              <a:rPr lang="de-DE" altLang="de-DE" sz="1600" b="1" dirty="0" err="1">
-                <a:solidFill>
-                  <a:srgbClr val="000080"/>
-                </a:solidFill>
-                <a:latin typeface="Consolas" panose="020B0609020204030204" pitchFamily="49" charset="0"/>
-                <a:cs typeface="Consolas" panose="020B0609020204030204" pitchFamily="49" charset="0"/>
-              </a:rPr>
-              <a:t>class</a:t>
-            </a:r>
-            <a:r>
-              <a:rPr lang="de-DE" altLang="de-DE" sz="1600" dirty="0">
-                <a:solidFill>
-                  <a:srgbClr val="000000"/>
-                </a:solidFill>
-                <a:latin typeface="Consolas" panose="020B0609020204030204" pitchFamily="49" charset="0"/>
-                <a:cs typeface="Consolas" panose="020B0609020204030204" pitchFamily="49" charset="0"/>
-              </a:rPr>
-              <a:t>);</a:t>
-            </a:r>
+            <a:endParaRPr lang="de-DE" sz="800" b="1" dirty="0"/>
           </a:p>
           <a:p>
             <a:pPr marL="0" lvl="0" indent="0">
+              <a:spcBef>
+                <a:spcPct val="0"/>
+              </a:spcBef>
+              <a:buClrTx/>
               <a:buNone/>
             </a:pPr>
             <a:r>
-              <a:rPr lang="de-DE" altLang="de-DE" sz="1600" i="1" dirty="0">
+              <a:rPr lang="de-DE" altLang="de-DE" sz="1200" b="1" dirty="0" err="1">
+                <a:solidFill>
+                  <a:srgbClr val="000080"/>
+                </a:solidFill>
+                <a:latin typeface="Consolas" panose="020B0609020204030204" pitchFamily="49" charset="0"/>
+                <a:cs typeface="Consolas" panose="020B0609020204030204" pitchFamily="49" charset="0"/>
+              </a:rPr>
+              <a:t>public</a:t>
+            </a:r>
+            <a:r>
+              <a:rPr lang="de-DE" altLang="de-DE" sz="1200" b="1" dirty="0">
+                <a:solidFill>
+                  <a:srgbClr val="000080"/>
+                </a:solidFill>
+                <a:latin typeface="Consolas" panose="020B0609020204030204" pitchFamily="49" charset="0"/>
+                <a:cs typeface="Consolas" panose="020B0609020204030204" pitchFamily="49" charset="0"/>
+              </a:rPr>
+              <a:t> </a:t>
+            </a:r>
+            <a:r>
+              <a:rPr lang="de-DE" altLang="de-DE" sz="1200" b="1" dirty="0" err="1">
+                <a:solidFill>
+                  <a:srgbClr val="000080"/>
+                </a:solidFill>
+                <a:latin typeface="Consolas" panose="020B0609020204030204" pitchFamily="49" charset="0"/>
+                <a:cs typeface="Consolas" panose="020B0609020204030204" pitchFamily="49" charset="0"/>
+              </a:rPr>
+              <a:t>class</a:t>
+            </a:r>
+            <a:r>
+              <a:rPr lang="de-DE" altLang="de-DE" sz="1200" b="1" dirty="0">
+                <a:solidFill>
+                  <a:srgbClr val="000080"/>
+                </a:solidFill>
+                <a:latin typeface="Consolas" panose="020B0609020204030204" pitchFamily="49" charset="0"/>
+                <a:cs typeface="Consolas" panose="020B0609020204030204" pitchFamily="49" charset="0"/>
+              </a:rPr>
+              <a:t> </a:t>
+            </a:r>
+            <a:r>
+              <a:rPr lang="de-DE" altLang="de-DE" sz="1200" dirty="0" err="1">
+                <a:solidFill>
+                  <a:srgbClr val="000000"/>
+                </a:solidFill>
+                <a:latin typeface="Consolas" panose="020B0609020204030204" pitchFamily="49" charset="0"/>
+                <a:cs typeface="Consolas" panose="020B0609020204030204" pitchFamily="49" charset="0"/>
+              </a:rPr>
+              <a:t>TestHomePage</a:t>
+            </a:r>
+            <a:r>
+              <a:rPr lang="de-DE" altLang="de-DE" sz="1200" dirty="0">
+                <a:solidFill>
+                  <a:srgbClr val="000000"/>
+                </a:solidFill>
+                <a:latin typeface="Consolas" panose="020B0609020204030204" pitchFamily="49" charset="0"/>
+                <a:cs typeface="Consolas" panose="020B0609020204030204" pitchFamily="49" charset="0"/>
+              </a:rPr>
+              <a:t> {</a:t>
+            </a:r>
+          </a:p>
+          <a:p>
+            <a:pPr marL="0" lvl="0" indent="0">
+              <a:spcBef>
+                <a:spcPct val="0"/>
+              </a:spcBef>
+              <a:buClrTx/>
+              <a:buNone/>
+            </a:pPr>
+            <a:r>
+              <a:rPr lang="de-DE" altLang="de-DE" sz="1200" dirty="0">
+                <a:solidFill>
+                  <a:srgbClr val="000000"/>
+                </a:solidFill>
+                <a:latin typeface="Consolas" panose="020B0609020204030204" pitchFamily="49" charset="0"/>
+                <a:cs typeface="Consolas" panose="020B0609020204030204" pitchFamily="49" charset="0"/>
+              </a:rPr>
+              <a:t/>
+            </a:r>
+            <a:br>
+              <a:rPr lang="de-DE" altLang="de-DE" sz="1200" dirty="0">
+                <a:solidFill>
+                  <a:srgbClr val="000000"/>
+                </a:solidFill>
+                <a:latin typeface="Consolas" panose="020B0609020204030204" pitchFamily="49" charset="0"/>
+                <a:cs typeface="Consolas" panose="020B0609020204030204" pitchFamily="49" charset="0"/>
+              </a:rPr>
+            </a:br>
+            <a:r>
+              <a:rPr lang="de-DE" altLang="de-DE" sz="1200" dirty="0">
+                <a:solidFill>
+                  <a:srgbClr val="000000"/>
+                </a:solidFill>
+                <a:latin typeface="Consolas" panose="020B0609020204030204" pitchFamily="49" charset="0"/>
+                <a:cs typeface="Consolas" panose="020B0609020204030204" pitchFamily="49" charset="0"/>
+              </a:rPr>
+              <a:t>    </a:t>
+            </a:r>
+            <a:r>
+              <a:rPr lang="de-DE" altLang="de-DE" sz="1200" b="1" dirty="0">
+                <a:solidFill>
+                  <a:srgbClr val="000080"/>
+                </a:solidFill>
+                <a:latin typeface="Consolas" panose="020B0609020204030204" pitchFamily="49" charset="0"/>
+                <a:cs typeface="Consolas" panose="020B0609020204030204" pitchFamily="49" charset="0"/>
+              </a:rPr>
+              <a:t>private </a:t>
+            </a:r>
+            <a:r>
+              <a:rPr lang="de-DE" altLang="de-DE" sz="1200" dirty="0" err="1">
+                <a:solidFill>
+                  <a:srgbClr val="000000"/>
+                </a:solidFill>
+                <a:latin typeface="Consolas" panose="020B0609020204030204" pitchFamily="49" charset="0"/>
+                <a:cs typeface="Consolas" panose="020B0609020204030204" pitchFamily="49" charset="0"/>
+              </a:rPr>
+              <a:t>WicketTester</a:t>
+            </a:r>
+            <a:r>
+              <a:rPr lang="de-DE" altLang="de-DE" sz="1200" dirty="0">
+                <a:solidFill>
+                  <a:srgbClr val="000000"/>
+                </a:solidFill>
+                <a:latin typeface="Consolas" panose="020B0609020204030204" pitchFamily="49" charset="0"/>
+                <a:cs typeface="Consolas" panose="020B0609020204030204" pitchFamily="49" charset="0"/>
+              </a:rPr>
+              <a:t> </a:t>
+            </a:r>
+            <a:r>
+              <a:rPr lang="de-DE" altLang="de-DE" sz="1200" dirty="0" err="1">
+                <a:solidFill>
+                  <a:srgbClr val="000000"/>
+                </a:solidFill>
+                <a:latin typeface="Consolas" panose="020B0609020204030204" pitchFamily="49" charset="0"/>
+                <a:cs typeface="Consolas" panose="020B0609020204030204" pitchFamily="49" charset="0"/>
+              </a:rPr>
+              <a:t>tester</a:t>
+            </a:r>
+            <a:r>
+              <a:rPr lang="de-DE" altLang="de-DE" sz="1200" dirty="0">
+                <a:solidFill>
+                  <a:srgbClr val="000000"/>
+                </a:solidFill>
+                <a:latin typeface="Consolas" panose="020B0609020204030204" pitchFamily="49" charset="0"/>
+                <a:cs typeface="Consolas" panose="020B0609020204030204" pitchFamily="49" charset="0"/>
+              </a:rPr>
+              <a:t>;</a:t>
+            </a:r>
+            <a:br>
+              <a:rPr lang="de-DE" altLang="de-DE" sz="1200" dirty="0">
+                <a:solidFill>
+                  <a:srgbClr val="000000"/>
+                </a:solidFill>
+                <a:latin typeface="Consolas" panose="020B0609020204030204" pitchFamily="49" charset="0"/>
+                <a:cs typeface="Consolas" panose="020B0609020204030204" pitchFamily="49" charset="0"/>
+              </a:rPr>
+            </a:br>
+            <a:r>
+              <a:rPr lang="de-DE" altLang="de-DE" sz="1200" dirty="0">
+                <a:solidFill>
+                  <a:srgbClr val="000000"/>
+                </a:solidFill>
+                <a:latin typeface="Consolas" panose="020B0609020204030204" pitchFamily="49" charset="0"/>
+                <a:cs typeface="Consolas" panose="020B0609020204030204" pitchFamily="49" charset="0"/>
+              </a:rPr>
+              <a:t/>
+            </a:r>
+            <a:br>
+              <a:rPr lang="de-DE" altLang="de-DE" sz="1200" dirty="0">
+                <a:solidFill>
+                  <a:srgbClr val="000000"/>
+                </a:solidFill>
+                <a:latin typeface="Consolas" panose="020B0609020204030204" pitchFamily="49" charset="0"/>
+                <a:cs typeface="Consolas" panose="020B0609020204030204" pitchFamily="49" charset="0"/>
+              </a:rPr>
+            </a:br>
+            <a:r>
+              <a:rPr lang="de-DE" altLang="de-DE" sz="1200" dirty="0">
+                <a:solidFill>
+                  <a:srgbClr val="000000"/>
+                </a:solidFill>
+                <a:latin typeface="Consolas" panose="020B0609020204030204" pitchFamily="49" charset="0"/>
+                <a:cs typeface="Consolas" panose="020B0609020204030204" pitchFamily="49" charset="0"/>
+              </a:rPr>
+              <a:t>    @</a:t>
+            </a:r>
+            <a:r>
+              <a:rPr lang="de-DE" altLang="de-DE" sz="1200" dirty="0" err="1">
+                <a:solidFill>
+                  <a:srgbClr val="000000"/>
+                </a:solidFill>
+                <a:latin typeface="Consolas" panose="020B0609020204030204" pitchFamily="49" charset="0"/>
+                <a:cs typeface="Consolas" panose="020B0609020204030204" pitchFamily="49" charset="0"/>
+              </a:rPr>
+              <a:t>BeforeEach</a:t>
+            </a:r>
+            <a:r>
+              <a:rPr lang="de-DE" altLang="de-DE" sz="1200" dirty="0">
+                <a:solidFill>
+                  <a:srgbClr val="000000"/>
+                </a:solidFill>
+                <a:latin typeface="Consolas" panose="020B0609020204030204" pitchFamily="49" charset="0"/>
+                <a:cs typeface="Consolas" panose="020B0609020204030204" pitchFamily="49" charset="0"/>
+              </a:rPr>
+              <a:t/>
+            </a:r>
+            <a:br>
+              <a:rPr lang="de-DE" altLang="de-DE" sz="1200" dirty="0">
+                <a:solidFill>
+                  <a:srgbClr val="000000"/>
+                </a:solidFill>
+                <a:latin typeface="Consolas" panose="020B0609020204030204" pitchFamily="49" charset="0"/>
+                <a:cs typeface="Consolas" panose="020B0609020204030204" pitchFamily="49" charset="0"/>
+              </a:rPr>
+            </a:br>
+            <a:r>
+              <a:rPr lang="de-DE" altLang="de-DE" sz="1200" dirty="0">
+                <a:solidFill>
+                  <a:srgbClr val="000000"/>
+                </a:solidFill>
+                <a:latin typeface="Consolas" panose="020B0609020204030204" pitchFamily="49" charset="0"/>
+                <a:cs typeface="Consolas" panose="020B0609020204030204" pitchFamily="49" charset="0"/>
+              </a:rPr>
+              <a:t>    </a:t>
+            </a:r>
+            <a:r>
+              <a:rPr lang="de-DE" altLang="de-DE" sz="1200" b="1" dirty="0" err="1">
+                <a:solidFill>
+                  <a:srgbClr val="000080"/>
+                </a:solidFill>
+                <a:latin typeface="Consolas" panose="020B0609020204030204" pitchFamily="49" charset="0"/>
+                <a:cs typeface="Consolas" panose="020B0609020204030204" pitchFamily="49" charset="0"/>
+              </a:rPr>
+              <a:t>public</a:t>
+            </a:r>
+            <a:r>
+              <a:rPr lang="de-DE" altLang="de-DE" sz="1200" b="1" dirty="0">
+                <a:solidFill>
+                  <a:srgbClr val="000080"/>
+                </a:solidFill>
+                <a:latin typeface="Consolas" panose="020B0609020204030204" pitchFamily="49" charset="0"/>
+                <a:cs typeface="Consolas" panose="020B0609020204030204" pitchFamily="49" charset="0"/>
+              </a:rPr>
+              <a:t> </a:t>
+            </a:r>
+            <a:r>
+              <a:rPr lang="de-DE" altLang="de-DE" sz="1200" b="1" dirty="0" err="1">
+                <a:solidFill>
+                  <a:srgbClr val="000080"/>
+                </a:solidFill>
+                <a:latin typeface="Consolas" panose="020B0609020204030204" pitchFamily="49" charset="0"/>
+                <a:cs typeface="Consolas" panose="020B0609020204030204" pitchFamily="49" charset="0"/>
+              </a:rPr>
+              <a:t>void</a:t>
+            </a:r>
+            <a:r>
+              <a:rPr lang="de-DE" altLang="de-DE" sz="1200" b="1" dirty="0">
+                <a:solidFill>
+                  <a:srgbClr val="000080"/>
+                </a:solidFill>
+                <a:latin typeface="Consolas" panose="020B0609020204030204" pitchFamily="49" charset="0"/>
+                <a:cs typeface="Consolas" panose="020B0609020204030204" pitchFamily="49" charset="0"/>
+              </a:rPr>
+              <a:t> </a:t>
+            </a:r>
+            <a:r>
+              <a:rPr lang="de-DE" altLang="de-DE" sz="1200" dirty="0" err="1">
+                <a:solidFill>
+                  <a:srgbClr val="000000"/>
+                </a:solidFill>
+                <a:latin typeface="Consolas" panose="020B0609020204030204" pitchFamily="49" charset="0"/>
+                <a:cs typeface="Consolas" panose="020B0609020204030204" pitchFamily="49" charset="0"/>
+              </a:rPr>
+              <a:t>setUp</a:t>
+            </a:r>
+            <a:r>
+              <a:rPr lang="de-DE" altLang="de-DE" sz="1200" dirty="0">
+                <a:solidFill>
+                  <a:srgbClr val="000000"/>
+                </a:solidFill>
+                <a:latin typeface="Consolas" panose="020B0609020204030204" pitchFamily="49" charset="0"/>
+                <a:cs typeface="Consolas" panose="020B0609020204030204" pitchFamily="49" charset="0"/>
+              </a:rPr>
+              <a:t>() {</a:t>
+            </a:r>
+            <a:br>
+              <a:rPr lang="de-DE" altLang="de-DE" sz="1200" dirty="0">
+                <a:solidFill>
+                  <a:srgbClr val="000000"/>
+                </a:solidFill>
+                <a:latin typeface="Consolas" panose="020B0609020204030204" pitchFamily="49" charset="0"/>
+                <a:cs typeface="Consolas" panose="020B0609020204030204" pitchFamily="49" charset="0"/>
+              </a:rPr>
+            </a:br>
+            <a:r>
+              <a:rPr lang="de-DE" altLang="de-DE" sz="1200" dirty="0">
+                <a:solidFill>
+                  <a:srgbClr val="000000"/>
+                </a:solidFill>
+                <a:latin typeface="Consolas" panose="020B0609020204030204" pitchFamily="49" charset="0"/>
+                <a:cs typeface="Consolas" panose="020B0609020204030204" pitchFamily="49" charset="0"/>
+              </a:rPr>
+              <a:t>        </a:t>
+            </a:r>
+            <a:r>
+              <a:rPr lang="de-DE" altLang="de-DE" sz="1200" dirty="0" err="1">
+                <a:solidFill>
+                  <a:srgbClr val="000000"/>
+                </a:solidFill>
+                <a:latin typeface="Consolas" panose="020B0609020204030204" pitchFamily="49" charset="0"/>
+                <a:cs typeface="Consolas" panose="020B0609020204030204" pitchFamily="49" charset="0"/>
+              </a:rPr>
+              <a:t>tester</a:t>
+            </a:r>
+            <a:r>
+              <a:rPr lang="de-DE" altLang="de-DE" sz="1200" dirty="0">
+                <a:solidFill>
+                  <a:srgbClr val="000000"/>
+                </a:solidFill>
+                <a:latin typeface="Consolas" panose="020B0609020204030204" pitchFamily="49" charset="0"/>
+                <a:cs typeface="Consolas" panose="020B0609020204030204" pitchFamily="49" charset="0"/>
+              </a:rPr>
+              <a:t> = </a:t>
+            </a:r>
+            <a:r>
+              <a:rPr lang="de-DE" altLang="de-DE" sz="1200" b="1" dirty="0" err="1">
+                <a:solidFill>
+                  <a:srgbClr val="000080"/>
+                </a:solidFill>
+                <a:latin typeface="Consolas" panose="020B0609020204030204" pitchFamily="49" charset="0"/>
+                <a:cs typeface="Consolas" panose="020B0609020204030204" pitchFamily="49" charset="0"/>
+              </a:rPr>
+              <a:t>new</a:t>
+            </a:r>
+            <a:r>
+              <a:rPr lang="de-DE" altLang="de-DE" sz="1200" b="1" dirty="0">
+                <a:solidFill>
+                  <a:srgbClr val="000080"/>
+                </a:solidFill>
+                <a:latin typeface="Consolas" panose="020B0609020204030204" pitchFamily="49" charset="0"/>
+                <a:cs typeface="Consolas" panose="020B0609020204030204" pitchFamily="49" charset="0"/>
+              </a:rPr>
+              <a:t> </a:t>
+            </a:r>
+            <a:r>
+              <a:rPr lang="de-DE" altLang="de-DE" sz="1200" dirty="0" err="1">
+                <a:solidFill>
+                  <a:srgbClr val="000000"/>
+                </a:solidFill>
+                <a:latin typeface="Consolas" panose="020B0609020204030204" pitchFamily="49" charset="0"/>
+                <a:cs typeface="Consolas" panose="020B0609020204030204" pitchFamily="49" charset="0"/>
+              </a:rPr>
+              <a:t>WicketTester</a:t>
+            </a:r>
+            <a:r>
+              <a:rPr lang="de-DE" altLang="de-DE" sz="1200" dirty="0">
+                <a:solidFill>
+                  <a:srgbClr val="000000"/>
+                </a:solidFill>
+                <a:latin typeface="Consolas" panose="020B0609020204030204" pitchFamily="49" charset="0"/>
+                <a:cs typeface="Consolas" panose="020B0609020204030204" pitchFamily="49" charset="0"/>
+              </a:rPr>
+              <a:t>(</a:t>
+            </a:r>
+            <a:r>
+              <a:rPr lang="de-DE" altLang="de-DE" sz="1200" b="1" dirty="0" err="1">
+                <a:solidFill>
+                  <a:srgbClr val="000080"/>
+                </a:solidFill>
+                <a:latin typeface="Consolas" panose="020B0609020204030204" pitchFamily="49" charset="0"/>
+                <a:cs typeface="Consolas" panose="020B0609020204030204" pitchFamily="49" charset="0"/>
+              </a:rPr>
+              <a:t>new</a:t>
+            </a:r>
+            <a:r>
+              <a:rPr lang="de-DE" altLang="de-DE" sz="1200" b="1" dirty="0">
+                <a:solidFill>
+                  <a:srgbClr val="000080"/>
+                </a:solidFill>
+                <a:latin typeface="Consolas" panose="020B0609020204030204" pitchFamily="49" charset="0"/>
+                <a:cs typeface="Consolas" panose="020B0609020204030204" pitchFamily="49" charset="0"/>
+              </a:rPr>
+              <a:t> </a:t>
+            </a:r>
+            <a:r>
+              <a:rPr lang="de-DE" altLang="de-DE" sz="1200" dirty="0" err="1">
+                <a:solidFill>
+                  <a:srgbClr val="000000"/>
+                </a:solidFill>
+                <a:latin typeface="Consolas" panose="020B0609020204030204" pitchFamily="49" charset="0"/>
+                <a:cs typeface="Consolas" panose="020B0609020204030204" pitchFamily="49" charset="0"/>
+              </a:rPr>
+              <a:t>WicketApplication</a:t>
+            </a:r>
+            <a:r>
+              <a:rPr lang="de-DE" altLang="de-DE" sz="1200" dirty="0">
+                <a:solidFill>
+                  <a:srgbClr val="000000"/>
+                </a:solidFill>
+                <a:latin typeface="Consolas" panose="020B0609020204030204" pitchFamily="49" charset="0"/>
+                <a:cs typeface="Consolas" panose="020B0609020204030204" pitchFamily="49" charset="0"/>
+              </a:rPr>
+              <a:t>());</a:t>
+            </a:r>
+            <a:br>
+              <a:rPr lang="de-DE" altLang="de-DE" sz="1200" dirty="0">
+                <a:solidFill>
+                  <a:srgbClr val="000000"/>
+                </a:solidFill>
+                <a:latin typeface="Consolas" panose="020B0609020204030204" pitchFamily="49" charset="0"/>
+                <a:cs typeface="Consolas" panose="020B0609020204030204" pitchFamily="49" charset="0"/>
+              </a:rPr>
+            </a:br>
+            <a:r>
+              <a:rPr lang="de-DE" altLang="de-DE" sz="1200" dirty="0">
+                <a:solidFill>
+                  <a:srgbClr val="000000"/>
+                </a:solidFill>
+                <a:latin typeface="Consolas" panose="020B0609020204030204" pitchFamily="49" charset="0"/>
+                <a:cs typeface="Consolas" panose="020B0609020204030204" pitchFamily="49" charset="0"/>
+              </a:rPr>
+              <a:t>    }</a:t>
+            </a:r>
+          </a:p>
+          <a:p>
+            <a:pPr marL="0" lvl="0" indent="0">
+              <a:spcBef>
+                <a:spcPct val="0"/>
+              </a:spcBef>
+              <a:buClrTx/>
+              <a:buNone/>
+            </a:pPr>
+            <a:r>
+              <a:rPr lang="de-DE" altLang="de-DE" sz="1200" dirty="0">
+                <a:solidFill>
+                  <a:srgbClr val="000000"/>
+                </a:solidFill>
+                <a:latin typeface="Consolas" panose="020B0609020204030204" pitchFamily="49" charset="0"/>
+                <a:cs typeface="Consolas" panose="020B0609020204030204" pitchFamily="49" charset="0"/>
+              </a:rPr>
+              <a:t/>
+            </a:r>
+            <a:br>
+              <a:rPr lang="de-DE" altLang="de-DE" sz="1200" dirty="0">
+                <a:solidFill>
+                  <a:srgbClr val="000000"/>
+                </a:solidFill>
+                <a:latin typeface="Consolas" panose="020B0609020204030204" pitchFamily="49" charset="0"/>
+                <a:cs typeface="Consolas" panose="020B0609020204030204" pitchFamily="49" charset="0"/>
+              </a:rPr>
+            </a:br>
+            <a:r>
+              <a:rPr lang="de-DE" altLang="de-DE" sz="1200" dirty="0">
+                <a:solidFill>
+                  <a:srgbClr val="000000"/>
+                </a:solidFill>
+                <a:latin typeface="Consolas" panose="020B0609020204030204" pitchFamily="49" charset="0"/>
+                <a:cs typeface="Consolas" panose="020B0609020204030204" pitchFamily="49" charset="0"/>
+              </a:rPr>
+              <a:t>    @Test</a:t>
+            </a:r>
+            <a:br>
+              <a:rPr lang="de-DE" altLang="de-DE" sz="1200" dirty="0">
+                <a:solidFill>
+                  <a:srgbClr val="000000"/>
+                </a:solidFill>
+                <a:latin typeface="Consolas" panose="020B0609020204030204" pitchFamily="49" charset="0"/>
+                <a:cs typeface="Consolas" panose="020B0609020204030204" pitchFamily="49" charset="0"/>
+              </a:rPr>
+            </a:br>
+            <a:r>
+              <a:rPr lang="de-DE" altLang="de-DE" sz="1200" dirty="0">
+                <a:solidFill>
+                  <a:srgbClr val="000000"/>
+                </a:solidFill>
+                <a:latin typeface="Consolas" panose="020B0609020204030204" pitchFamily="49" charset="0"/>
+                <a:cs typeface="Consolas" panose="020B0609020204030204" pitchFamily="49" charset="0"/>
+              </a:rPr>
+              <a:t>    </a:t>
+            </a:r>
+            <a:r>
+              <a:rPr lang="de-DE" altLang="de-DE" sz="1200" b="1" dirty="0" err="1">
+                <a:solidFill>
+                  <a:srgbClr val="000080"/>
+                </a:solidFill>
+                <a:latin typeface="Consolas" panose="020B0609020204030204" pitchFamily="49" charset="0"/>
+                <a:cs typeface="Consolas" panose="020B0609020204030204" pitchFamily="49" charset="0"/>
+              </a:rPr>
+              <a:t>public</a:t>
+            </a:r>
+            <a:r>
+              <a:rPr lang="de-DE" altLang="de-DE" sz="1200" b="1" dirty="0">
+                <a:solidFill>
+                  <a:srgbClr val="000080"/>
+                </a:solidFill>
+                <a:latin typeface="Consolas" panose="020B0609020204030204" pitchFamily="49" charset="0"/>
+                <a:cs typeface="Consolas" panose="020B0609020204030204" pitchFamily="49" charset="0"/>
+              </a:rPr>
+              <a:t> </a:t>
+            </a:r>
+            <a:r>
+              <a:rPr lang="de-DE" altLang="de-DE" sz="1200" b="1" dirty="0" err="1">
+                <a:solidFill>
+                  <a:srgbClr val="000080"/>
+                </a:solidFill>
+                <a:latin typeface="Consolas" panose="020B0609020204030204" pitchFamily="49" charset="0"/>
+                <a:cs typeface="Consolas" panose="020B0609020204030204" pitchFamily="49" charset="0"/>
+              </a:rPr>
+              <a:t>void</a:t>
+            </a:r>
+            <a:r>
+              <a:rPr lang="de-DE" altLang="de-DE" sz="1200" b="1" dirty="0">
+                <a:solidFill>
+                  <a:srgbClr val="000080"/>
+                </a:solidFill>
+                <a:latin typeface="Consolas" panose="020B0609020204030204" pitchFamily="49" charset="0"/>
+                <a:cs typeface="Consolas" panose="020B0609020204030204" pitchFamily="49" charset="0"/>
+              </a:rPr>
+              <a:t> </a:t>
+            </a:r>
+            <a:r>
+              <a:rPr lang="de-DE" altLang="de-DE" sz="1200" dirty="0" err="1">
+                <a:solidFill>
+                  <a:srgbClr val="000000"/>
+                </a:solidFill>
+                <a:latin typeface="Consolas" panose="020B0609020204030204" pitchFamily="49" charset="0"/>
+                <a:cs typeface="Consolas" panose="020B0609020204030204" pitchFamily="49" charset="0"/>
+              </a:rPr>
+              <a:t>testComponents</a:t>
+            </a:r>
+            <a:r>
+              <a:rPr lang="de-DE" altLang="de-DE" sz="1200" dirty="0">
+                <a:solidFill>
+                  <a:srgbClr val="000000"/>
+                </a:solidFill>
+                <a:latin typeface="Consolas" panose="020B0609020204030204" pitchFamily="49" charset="0"/>
+                <a:cs typeface="Consolas" panose="020B0609020204030204" pitchFamily="49" charset="0"/>
+              </a:rPr>
+              <a:t>() {</a:t>
+            </a:r>
+            <a:br>
+              <a:rPr lang="de-DE" altLang="de-DE" sz="1200" dirty="0">
+                <a:solidFill>
+                  <a:srgbClr val="000000"/>
+                </a:solidFill>
+                <a:latin typeface="Consolas" panose="020B0609020204030204" pitchFamily="49" charset="0"/>
+                <a:cs typeface="Consolas" panose="020B0609020204030204" pitchFamily="49" charset="0"/>
+              </a:rPr>
+            </a:br>
+            <a:r>
+              <a:rPr lang="de-DE" altLang="de-DE" sz="1200" dirty="0">
+                <a:solidFill>
+                  <a:srgbClr val="000000"/>
+                </a:solidFill>
+                <a:latin typeface="Consolas" panose="020B0609020204030204" pitchFamily="49" charset="0"/>
+                <a:cs typeface="Consolas" panose="020B0609020204030204" pitchFamily="49" charset="0"/>
+              </a:rPr>
+              <a:t>        </a:t>
+            </a:r>
+            <a:r>
+              <a:rPr lang="de-DE" altLang="de-DE" sz="1200" i="1" dirty="0">
                 <a:solidFill>
                   <a:srgbClr val="808080"/>
                 </a:solidFill>
                 <a:latin typeface="Consolas" panose="020B0609020204030204" pitchFamily="49" charset="0"/>
                 <a:cs typeface="Consolas" panose="020B0609020204030204" pitchFamily="49" charset="0"/>
               </a:rPr>
-              <a:t>    // </a:t>
-            </a:r>
-            <a:r>
-              <a:rPr lang="de-DE" altLang="de-DE" sz="1600" i="1" dirty="0" err="1">
+              <a:t>// Rendern der Homepage</a:t>
+            </a:r>
+            <a:br>
+              <a:rPr lang="de-DE" altLang="de-DE" sz="1200" i="1" dirty="0">
                 <a:solidFill>
                   <a:srgbClr val="808080"/>
                 </a:solidFill>
                 <a:latin typeface="Consolas" panose="020B0609020204030204" pitchFamily="49" charset="0"/>
                 <a:cs typeface="Consolas" panose="020B0609020204030204" pitchFamily="49" charset="0"/>
               </a:rPr>
-              <a:t>FormTester</a:t>
-            </a:r>
-            <a:r>
-              <a:rPr lang="de-DE" altLang="de-DE" sz="1600" i="1" dirty="0">
+            </a:br>
+            <a:r>
+              <a:rPr lang="de-DE" altLang="de-DE" sz="1200" i="1" dirty="0">
                 <a:solidFill>
                   <a:srgbClr val="808080"/>
                 </a:solidFill>
                 <a:latin typeface="Consolas" panose="020B0609020204030204" pitchFamily="49" charset="0"/>
                 <a:cs typeface="Consolas" panose="020B0609020204030204" pitchFamily="49" charset="0"/>
               </a:rPr>
-              <a:t> für einzelnes Formular erstellen</a:t>
-            </a:r>
-            <a:r>
-              <a:rPr lang="de-DE" altLang="de-DE" sz="1600" dirty="0">
-                <a:solidFill>
-                  <a:srgbClr val="000000"/>
+              <a:t>        </a:t>
+            </a:r>
+            <a:r>
+              <a:rPr lang="de-DE" altLang="de-DE" sz="1200" dirty="0" err="1">
+                <a:solidFill>
+                  <a:srgbClr val="000000"/>
+                </a:solidFill>
+                <a:latin typeface="Consolas" panose="020B0609020204030204" pitchFamily="49" charset="0"/>
+                <a:cs typeface="Consolas" panose="020B0609020204030204" pitchFamily="49" charset="0"/>
+              </a:rPr>
+              <a:t>tester.startPage</a:t>
+            </a:r>
+            <a:r>
+              <a:rPr lang="de-DE" altLang="de-DE" sz="1200" dirty="0">
+                <a:solidFill>
+                  <a:srgbClr val="000000"/>
+                </a:solidFill>
+                <a:latin typeface="Consolas" panose="020B0609020204030204" pitchFamily="49" charset="0"/>
+                <a:cs typeface="Consolas" panose="020B0609020204030204" pitchFamily="49" charset="0"/>
+              </a:rPr>
+              <a:t>(</a:t>
+            </a:r>
+            <a:r>
+              <a:rPr lang="de-DE" altLang="de-DE" sz="1200" dirty="0" err="1">
+                <a:solidFill>
+                  <a:srgbClr val="000000"/>
+                </a:solidFill>
+                <a:latin typeface="Consolas" panose="020B0609020204030204" pitchFamily="49" charset="0"/>
+                <a:cs typeface="Consolas" panose="020B0609020204030204" pitchFamily="49" charset="0"/>
+              </a:rPr>
+              <a:t>HomePage.</a:t>
+            </a:r>
+            <a:r>
+              <a:rPr lang="de-DE" altLang="de-DE" sz="1200" b="1" dirty="0" err="1">
+                <a:solidFill>
+                  <a:srgbClr val="000080"/>
+                </a:solidFill>
+                <a:latin typeface="Consolas" panose="020B0609020204030204" pitchFamily="49" charset="0"/>
+                <a:cs typeface="Consolas" panose="020B0609020204030204" pitchFamily="49" charset="0"/>
+              </a:rPr>
+              <a:t>class</a:t>
+            </a:r>
+            <a:r>
+              <a:rPr lang="de-DE" altLang="de-DE" sz="1200" dirty="0">
+                <a:solidFill>
+                  <a:srgbClr val="000000"/>
+                </a:solidFill>
+                <a:latin typeface="Consolas" panose="020B0609020204030204" pitchFamily="49" charset="0"/>
+                <a:cs typeface="Consolas" panose="020B0609020204030204" pitchFamily="49" charset="0"/>
+              </a:rPr>
+              <a:t>);</a:t>
+            </a:r>
+            <a:br>
+              <a:rPr lang="de-DE" altLang="de-DE" sz="1200" dirty="0">
+                <a:solidFill>
+                  <a:srgbClr val="000000"/>
+                </a:solidFill>
+                <a:latin typeface="Consolas" panose="020B0609020204030204" pitchFamily="49" charset="0"/>
+                <a:cs typeface="Consolas" panose="020B0609020204030204" pitchFamily="49" charset="0"/>
+              </a:rPr>
+            </a:br>
+            <a:r>
+              <a:rPr lang="de-DE" altLang="de-DE" sz="1200" dirty="0">
+                <a:solidFill>
+                  <a:srgbClr val="000000"/>
+                </a:solidFill>
+                <a:latin typeface="Consolas" panose="020B0609020204030204" pitchFamily="49" charset="0"/>
+                <a:cs typeface="Consolas" panose="020B0609020204030204" pitchFamily="49" charset="0"/>
+              </a:rPr>
+              <a:t>        </a:t>
+            </a:r>
+            <a:r>
+              <a:rPr lang="de-DE" altLang="de-DE" sz="1200" i="1" dirty="0">
+                <a:solidFill>
+                  <a:srgbClr val="808080"/>
+                </a:solidFill>
+                <a:latin typeface="Consolas" panose="020B0609020204030204" pitchFamily="49" charset="0"/>
+                <a:cs typeface="Consolas" panose="020B0609020204030204" pitchFamily="49" charset="0"/>
+              </a:rPr>
+              <a:t>// Rendering der Homepage überprüfen</a:t>
+            </a:r>
+            <a:br>
+              <a:rPr lang="de-DE" altLang="de-DE" sz="1200" i="1" dirty="0">
+                <a:solidFill>
+                  <a:srgbClr val="808080"/>
+                </a:solidFill>
+                <a:latin typeface="Consolas" panose="020B0609020204030204" pitchFamily="49" charset="0"/>
+                <a:cs typeface="Consolas" panose="020B0609020204030204" pitchFamily="49" charset="0"/>
+              </a:rPr>
+            </a:br>
+            <a:r>
+              <a:rPr lang="de-DE" altLang="de-DE" sz="1200" i="1" dirty="0">
+                <a:solidFill>
+                  <a:srgbClr val="808080"/>
+                </a:solidFill>
+                <a:latin typeface="Consolas" panose="020B0609020204030204" pitchFamily="49" charset="0"/>
+                <a:cs typeface="Consolas" panose="020B0609020204030204" pitchFamily="49" charset="0"/>
+              </a:rPr>
+              <a:t>        </a:t>
+            </a:r>
+            <a:r>
+              <a:rPr lang="de-DE" altLang="de-DE" sz="1200" dirty="0" err="1">
+                <a:solidFill>
+                  <a:srgbClr val="000000"/>
+                </a:solidFill>
+                <a:latin typeface="Consolas" panose="020B0609020204030204" pitchFamily="49" charset="0"/>
+                <a:cs typeface="Consolas" panose="020B0609020204030204" pitchFamily="49" charset="0"/>
+              </a:rPr>
+              <a:t>tester.assertRenderedPage</a:t>
+            </a:r>
+            <a:r>
+              <a:rPr lang="de-DE" altLang="de-DE" sz="1200" dirty="0">
+                <a:solidFill>
+                  <a:srgbClr val="000000"/>
+                </a:solidFill>
+                <a:latin typeface="Consolas" panose="020B0609020204030204" pitchFamily="49" charset="0"/>
+                <a:cs typeface="Consolas" panose="020B0609020204030204" pitchFamily="49" charset="0"/>
+              </a:rPr>
+              <a:t>(</a:t>
+            </a:r>
+            <a:r>
+              <a:rPr lang="de-DE" altLang="de-DE" sz="1200" dirty="0" err="1">
+                <a:solidFill>
+                  <a:srgbClr val="000000"/>
+                </a:solidFill>
+                <a:latin typeface="Consolas" panose="020B0609020204030204" pitchFamily="49" charset="0"/>
+                <a:cs typeface="Consolas" panose="020B0609020204030204" pitchFamily="49" charset="0"/>
+              </a:rPr>
+              <a:t>HomePage.</a:t>
+            </a:r>
+            <a:r>
+              <a:rPr lang="de-DE" altLang="de-DE" sz="1200" b="1" dirty="0" err="1">
+                <a:solidFill>
+                  <a:srgbClr val="000080"/>
+                </a:solidFill>
+                <a:latin typeface="Consolas" panose="020B0609020204030204" pitchFamily="49" charset="0"/>
+                <a:cs typeface="Consolas" panose="020B0609020204030204" pitchFamily="49" charset="0"/>
+              </a:rPr>
+              <a:t>class</a:t>
+            </a:r>
+            <a:r>
+              <a:rPr lang="de-DE" altLang="de-DE" sz="1200" dirty="0">
+                <a:solidFill>
+                  <a:srgbClr val="000000"/>
+                </a:solidFill>
+                <a:latin typeface="Consolas" panose="020B0609020204030204" pitchFamily="49" charset="0"/>
+                <a:cs typeface="Consolas" panose="020B0609020204030204" pitchFamily="49" charset="0"/>
+              </a:rPr>
+              <a:t>);</a:t>
+            </a:r>
+            <a:br>
+              <a:rPr lang="de-DE" altLang="de-DE" sz="1200" dirty="0">
+                <a:solidFill>
+                  <a:srgbClr val="000000"/>
+                </a:solidFill>
+                <a:latin typeface="Consolas" panose="020B0609020204030204" pitchFamily="49" charset="0"/>
+                <a:cs typeface="Consolas" panose="020B0609020204030204" pitchFamily="49" charset="0"/>
+              </a:rPr>
+            </a:br>
+            <a:r>
+              <a:rPr lang="de-DE" altLang="de-DE" sz="1200" dirty="0">
+                <a:solidFill>
+                  <a:srgbClr val="000000"/>
+                </a:solidFill>
+                <a:latin typeface="Consolas" panose="020B0609020204030204" pitchFamily="49" charset="0"/>
+                <a:cs typeface="Consolas" panose="020B0609020204030204" pitchFamily="49" charset="0"/>
+              </a:rPr>
+              <a:t>        </a:t>
+            </a:r>
+            <a:r>
+              <a:rPr lang="de-DE" altLang="de-DE" sz="1200" i="1" dirty="0">
+                <a:solidFill>
+                  <a:srgbClr val="808080"/>
+                </a:solidFill>
+                <a:latin typeface="Consolas" panose="020B0609020204030204" pitchFamily="49" charset="0"/>
+                <a:cs typeface="Consolas" panose="020B0609020204030204" pitchFamily="49" charset="0"/>
+              </a:rPr>
+              <a:t>// Überprüfung auf Vorhandensein von Label</a:t>
+            </a:r>
+            <a:br>
+              <a:rPr lang="de-DE" altLang="de-DE" sz="1200" i="1" dirty="0">
+                <a:solidFill>
+                  <a:srgbClr val="808080"/>
+                </a:solidFill>
+                <a:latin typeface="Consolas" panose="020B0609020204030204" pitchFamily="49" charset="0"/>
+                <a:cs typeface="Consolas" panose="020B0609020204030204" pitchFamily="49" charset="0"/>
+              </a:rPr>
+            </a:br>
+            <a:r>
+              <a:rPr lang="de-DE" altLang="de-DE" sz="1200" i="1" dirty="0">
+                <a:solidFill>
+                  <a:srgbClr val="808080"/>
+                </a:solidFill>
+                <a:latin typeface="Consolas" panose="020B0609020204030204" pitchFamily="49" charset="0"/>
+                <a:cs typeface="Consolas" panose="020B0609020204030204" pitchFamily="49" charset="0"/>
+              </a:rPr>
+              <a:t>        </a:t>
+            </a:r>
+            <a:r>
+              <a:rPr lang="de-DE" altLang="de-DE" sz="1200" dirty="0" err="1">
+                <a:solidFill>
+                  <a:srgbClr val="000000"/>
+                </a:solidFill>
+                <a:latin typeface="Consolas" panose="020B0609020204030204" pitchFamily="49" charset="0"/>
+                <a:cs typeface="Consolas" panose="020B0609020204030204" pitchFamily="49" charset="0"/>
+              </a:rPr>
+              <a:t>tester.assertLabel</a:t>
+            </a:r>
+            <a:r>
+              <a:rPr lang="de-DE" altLang="de-DE" sz="1200" dirty="0">
+                <a:solidFill>
+                  <a:srgbClr val="000000"/>
+                </a:solidFill>
+                <a:latin typeface="Consolas" panose="020B0609020204030204" pitchFamily="49" charset="0"/>
+                <a:cs typeface="Consolas" panose="020B0609020204030204" pitchFamily="49" charset="0"/>
+              </a:rPr>
+              <a:t>(</a:t>
+            </a:r>
+            <a:r>
+              <a:rPr lang="de-DE" altLang="de-DE" sz="1200" b="1" dirty="0">
+                <a:solidFill>
+                  <a:srgbClr val="008000"/>
+                </a:solidFill>
+                <a:latin typeface="Consolas" panose="020B0609020204030204" pitchFamily="49" charset="0"/>
+                <a:cs typeface="Consolas" panose="020B0609020204030204" pitchFamily="49" charset="0"/>
+              </a:rPr>
+              <a:t>"</a:t>
+            </a:r>
+            <a:r>
+              <a:rPr lang="de-DE" altLang="de-DE" sz="1200" b="1" dirty="0" err="1">
+                <a:solidFill>
+                  <a:srgbClr val="008000"/>
+                </a:solidFill>
+                <a:latin typeface="Consolas" panose="020B0609020204030204" pitchFamily="49" charset="0"/>
+                <a:cs typeface="Consolas" panose="020B0609020204030204" pitchFamily="49" charset="0"/>
+              </a:rPr>
+              <a:t>label</a:t>
+            </a:r>
+            <a:r>
+              <a:rPr lang="de-DE" altLang="de-DE" sz="1200" b="1" dirty="0">
+                <a:solidFill>
+                  <a:srgbClr val="008000"/>
+                </a:solidFill>
+                <a:latin typeface="Consolas" panose="020B0609020204030204" pitchFamily="49" charset="0"/>
+                <a:cs typeface="Consolas" panose="020B0609020204030204" pitchFamily="49" charset="0"/>
+              </a:rPr>
+              <a:t>"</a:t>
+            </a:r>
+            <a:r>
+              <a:rPr lang="de-DE" altLang="de-DE" sz="1200" dirty="0">
+                <a:solidFill>
+                  <a:srgbClr val="000000"/>
+                </a:solidFill>
+                <a:latin typeface="Consolas" panose="020B0609020204030204" pitchFamily="49" charset="0"/>
+                <a:cs typeface="Consolas" panose="020B0609020204030204" pitchFamily="49" charset="0"/>
+              </a:rPr>
+              <a:t>, </a:t>
+            </a:r>
+            <a:r>
+              <a:rPr lang="de-DE" altLang="de-DE" sz="1200" b="1" dirty="0">
+                <a:solidFill>
+                  <a:srgbClr val="008000"/>
+                </a:solidFill>
+                <a:latin typeface="Consolas" panose="020B0609020204030204" pitchFamily="49" charset="0"/>
+                <a:cs typeface="Consolas" panose="020B0609020204030204" pitchFamily="49" charset="0"/>
+              </a:rPr>
+              <a:t>"First </a:t>
+            </a:r>
+            <a:r>
+              <a:rPr lang="de-DE" altLang="de-DE" sz="1200" b="1" dirty="0" err="1">
+                <a:solidFill>
+                  <a:srgbClr val="008000"/>
+                </a:solidFill>
+                <a:latin typeface="Consolas" panose="020B0609020204030204" pitchFamily="49" charset="0"/>
+                <a:cs typeface="Consolas" panose="020B0609020204030204" pitchFamily="49" charset="0"/>
+              </a:rPr>
+              <a:t>label</a:t>
+            </a:r>
+            <a:r>
+              <a:rPr lang="de-DE" altLang="de-DE" sz="1200" b="1" dirty="0">
+                <a:solidFill>
+                  <a:srgbClr val="008000"/>
+                </a:solidFill>
+                <a:latin typeface="Consolas" panose="020B0609020204030204" pitchFamily="49" charset="0"/>
+                <a:cs typeface="Consolas" panose="020B0609020204030204" pitchFamily="49" charset="0"/>
+              </a:rPr>
+              <a:t>"</a:t>
+            </a:r>
+            <a:r>
+              <a:rPr lang="de-DE" altLang="de-DE" sz="1200" dirty="0">
+                <a:solidFill>
+                  <a:srgbClr val="000000"/>
+                </a:solidFill>
+                <a:latin typeface="Consolas" panose="020B0609020204030204" pitchFamily="49" charset="0"/>
+                <a:cs typeface="Consolas" panose="020B0609020204030204" pitchFamily="49" charset="0"/>
+              </a:rPr>
+              <a:t>);</a:t>
+            </a:r>
+            <a:br>
+              <a:rPr lang="de-DE" altLang="de-DE" sz="1200" dirty="0">
+                <a:solidFill>
+                  <a:srgbClr val="000000"/>
+                </a:solidFill>
+                <a:latin typeface="Consolas" panose="020B0609020204030204" pitchFamily="49" charset="0"/>
+                <a:cs typeface="Consolas" panose="020B0609020204030204" pitchFamily="49" charset="0"/>
+              </a:rPr>
+            </a:br>
+            <a:r>
+              <a:rPr lang="de-DE" altLang="de-DE" sz="1200" dirty="0">
+                <a:solidFill>
+                  <a:srgbClr val="000000"/>
+                </a:solidFill>
+                <a:latin typeface="Consolas" panose="020B0609020204030204" pitchFamily="49" charset="0"/>
+                <a:cs typeface="Consolas" panose="020B0609020204030204" pitchFamily="49" charset="0"/>
+              </a:rPr>
+              <a:t>        </a:t>
+            </a:r>
+            <a:r>
+              <a:rPr lang="de-DE" altLang="de-DE" sz="1200" i="1" dirty="0">
+                <a:solidFill>
+                  <a:srgbClr val="808080"/>
+                </a:solidFill>
+                <a:latin typeface="Consolas" panose="020B0609020204030204" pitchFamily="49" charset="0"/>
+                <a:cs typeface="Consolas" panose="020B0609020204030204" pitchFamily="49" charset="0"/>
+              </a:rPr>
+              <a:t>// Klick auf Link simulieren</a:t>
+            </a:r>
+            <a:br>
+              <a:rPr lang="de-DE" altLang="de-DE" sz="1200" i="1" dirty="0">
+                <a:solidFill>
+                  <a:srgbClr val="808080"/>
+                </a:solidFill>
+                <a:latin typeface="Consolas" panose="020B0609020204030204" pitchFamily="49" charset="0"/>
+                <a:cs typeface="Consolas" panose="020B0609020204030204" pitchFamily="49" charset="0"/>
+              </a:rPr>
+            </a:br>
+            <a:r>
+              <a:rPr lang="de-DE" altLang="de-DE" sz="1200" i="1" dirty="0">
+                <a:solidFill>
+                  <a:srgbClr val="808080"/>
+                </a:solidFill>
+                <a:latin typeface="Consolas" panose="020B0609020204030204" pitchFamily="49" charset="0"/>
+                <a:cs typeface="Consolas" panose="020B0609020204030204" pitchFamily="49" charset="0"/>
+              </a:rPr>
+              <a:t>        </a:t>
+            </a:r>
+            <a:r>
+              <a:rPr lang="de-DE" altLang="de-DE" sz="1200" dirty="0" err="1">
+                <a:solidFill>
+                  <a:srgbClr val="000000"/>
+                </a:solidFill>
+                <a:latin typeface="Consolas" panose="020B0609020204030204" pitchFamily="49" charset="0"/>
+                <a:cs typeface="Consolas" panose="020B0609020204030204" pitchFamily="49" charset="0"/>
+              </a:rPr>
+              <a:t>tester.clickLink</a:t>
+            </a:r>
+            <a:r>
+              <a:rPr lang="de-DE" altLang="de-DE" sz="1200" dirty="0">
+                <a:solidFill>
+                  <a:srgbClr val="000000"/>
+                </a:solidFill>
+                <a:latin typeface="Consolas" panose="020B0609020204030204" pitchFamily="49" charset="0"/>
+                <a:cs typeface="Consolas" panose="020B0609020204030204" pitchFamily="49" charset="0"/>
+              </a:rPr>
+              <a:t>(</a:t>
+            </a:r>
+            <a:r>
+              <a:rPr lang="de-DE" altLang="de-DE" sz="1200" b="1" dirty="0">
+                <a:solidFill>
+                  <a:srgbClr val="008000"/>
+                </a:solidFill>
+                <a:latin typeface="Consolas" panose="020B0609020204030204" pitchFamily="49" charset="0"/>
+                <a:cs typeface="Consolas" panose="020B0609020204030204" pitchFamily="49" charset="0"/>
+              </a:rPr>
+              <a:t>"</a:t>
+            </a:r>
+            <a:r>
+              <a:rPr lang="de-DE" altLang="de-DE" sz="1200" b="1" dirty="0" err="1">
+                <a:solidFill>
+                  <a:srgbClr val="008000"/>
+                </a:solidFill>
+                <a:latin typeface="Consolas" panose="020B0609020204030204" pitchFamily="49" charset="0"/>
+                <a:cs typeface="Consolas" panose="020B0609020204030204" pitchFamily="49" charset="0"/>
+              </a:rPr>
+              <a:t>reload</a:t>
+            </a:r>
+            <a:r>
+              <a:rPr lang="de-DE" altLang="de-DE" sz="1200" b="1" dirty="0">
+                <a:solidFill>
+                  <a:srgbClr val="008000"/>
+                </a:solidFill>
+                <a:latin typeface="Consolas" panose="020B0609020204030204" pitchFamily="49" charset="0"/>
+                <a:cs typeface="Consolas" panose="020B0609020204030204" pitchFamily="49" charset="0"/>
+              </a:rPr>
+              <a:t>"</a:t>
+            </a:r>
+            <a:r>
+              <a:rPr lang="de-DE" altLang="de-DE" sz="1200" dirty="0">
+                <a:solidFill>
+                  <a:srgbClr val="000000"/>
+                </a:solidFill>
+                <a:latin typeface="Consolas" panose="020B0609020204030204" pitchFamily="49" charset="0"/>
+                <a:cs typeface="Consolas" panose="020B0609020204030204" pitchFamily="49" charset="0"/>
+              </a:rPr>
+              <a:t>);</a:t>
+            </a:r>
+            <a:br>
+              <a:rPr lang="de-DE" altLang="de-DE" sz="1200" dirty="0">
+                <a:solidFill>
+                  <a:srgbClr val="000000"/>
+                </a:solidFill>
+                <a:latin typeface="Consolas" panose="020B0609020204030204" pitchFamily="49" charset="0"/>
+                <a:cs typeface="Consolas" panose="020B0609020204030204" pitchFamily="49" charset="0"/>
+              </a:rPr>
+            </a:br>
+            <a:r>
+              <a:rPr lang="de-DE" altLang="de-DE" sz="1200" dirty="0">
+                <a:solidFill>
+                  <a:srgbClr val="000000"/>
+                </a:solidFill>
+                <a:latin typeface="Consolas" panose="020B0609020204030204" pitchFamily="49" charset="0"/>
+                <a:cs typeface="Consolas" panose="020B0609020204030204" pitchFamily="49" charset="0"/>
+              </a:rPr>
+              <a:t>        </a:t>
+            </a:r>
+            <a:r>
+              <a:rPr lang="de-DE" altLang="de-DE" sz="1200" i="1" dirty="0">
+                <a:solidFill>
+                  <a:srgbClr val="808080"/>
+                </a:solidFill>
+                <a:latin typeface="Consolas" panose="020B0609020204030204" pitchFamily="49" charset="0"/>
+                <a:cs typeface="Consolas" panose="020B0609020204030204" pitchFamily="49" charset="0"/>
+              </a:rPr>
+              <a:t>// Überprüfung von Vorhandensein von Label</a:t>
+            </a:r>
+            <a:br>
+              <a:rPr lang="de-DE" altLang="de-DE" sz="1200" i="1" dirty="0">
+                <a:solidFill>
+                  <a:srgbClr val="808080"/>
+                </a:solidFill>
+                <a:latin typeface="Consolas" panose="020B0609020204030204" pitchFamily="49" charset="0"/>
+                <a:cs typeface="Consolas" panose="020B0609020204030204" pitchFamily="49" charset="0"/>
+              </a:rPr>
+            </a:br>
+            <a:r>
+              <a:rPr lang="de-DE" altLang="de-DE" sz="1200" i="1" dirty="0">
+                <a:solidFill>
+                  <a:srgbClr val="808080"/>
+                </a:solidFill>
+                <a:latin typeface="Consolas" panose="020B0609020204030204" pitchFamily="49" charset="0"/>
+                <a:cs typeface="Consolas" panose="020B0609020204030204" pitchFamily="49" charset="0"/>
+              </a:rPr>
+              <a:t>        </a:t>
+            </a:r>
+            <a:r>
+              <a:rPr lang="de-DE" altLang="de-DE" sz="1200" dirty="0" err="1">
+                <a:solidFill>
+                  <a:srgbClr val="000000"/>
+                </a:solidFill>
+                <a:latin typeface="Consolas" panose="020B0609020204030204" pitchFamily="49" charset="0"/>
+                <a:cs typeface="Consolas" panose="020B0609020204030204" pitchFamily="49" charset="0"/>
+              </a:rPr>
+              <a:t>tester.assertLabel</a:t>
+            </a:r>
+            <a:r>
+              <a:rPr lang="de-DE" altLang="de-DE" sz="1200" dirty="0">
+                <a:solidFill>
+                  <a:srgbClr val="000000"/>
+                </a:solidFill>
+                <a:latin typeface="Consolas" panose="020B0609020204030204" pitchFamily="49" charset="0"/>
+                <a:cs typeface="Consolas" panose="020B0609020204030204" pitchFamily="49" charset="0"/>
+              </a:rPr>
+              <a:t>(</a:t>
+            </a:r>
+            <a:r>
+              <a:rPr lang="de-DE" altLang="de-DE" sz="1200" b="1" dirty="0">
+                <a:solidFill>
+                  <a:srgbClr val="008000"/>
+                </a:solidFill>
+                <a:latin typeface="Consolas" panose="020B0609020204030204" pitchFamily="49" charset="0"/>
+                <a:cs typeface="Consolas" panose="020B0609020204030204" pitchFamily="49" charset="0"/>
+              </a:rPr>
+              <a:t>"</a:t>
+            </a:r>
+            <a:r>
+              <a:rPr lang="de-DE" altLang="de-DE" sz="1200" b="1" dirty="0" err="1">
+                <a:solidFill>
+                  <a:srgbClr val="008000"/>
+                </a:solidFill>
+                <a:latin typeface="Consolas" panose="020B0609020204030204" pitchFamily="49" charset="0"/>
+                <a:cs typeface="Consolas" panose="020B0609020204030204" pitchFamily="49" charset="0"/>
+              </a:rPr>
+              <a:t>label</a:t>
+            </a:r>
+            <a:r>
+              <a:rPr lang="de-DE" altLang="de-DE" sz="1200" b="1" dirty="0">
+                <a:solidFill>
+                  <a:srgbClr val="008000"/>
+                </a:solidFill>
+                <a:latin typeface="Consolas" panose="020B0609020204030204" pitchFamily="49" charset="0"/>
+                <a:cs typeface="Consolas" panose="020B0609020204030204" pitchFamily="49" charset="0"/>
+              </a:rPr>
+              <a:t>"</a:t>
+            </a:r>
+            <a:r>
+              <a:rPr lang="de-DE" altLang="de-DE" sz="1200" dirty="0">
+                <a:solidFill>
+                  <a:srgbClr val="000000"/>
+                </a:solidFill>
+                <a:latin typeface="Consolas" panose="020B0609020204030204" pitchFamily="49" charset="0"/>
+                <a:cs typeface="Consolas" panose="020B0609020204030204" pitchFamily="49" charset="0"/>
+              </a:rPr>
+              <a:t>, </a:t>
+            </a:r>
+            <a:r>
+              <a:rPr lang="de-DE" altLang="de-DE" sz="1200" b="1" dirty="0">
+                <a:solidFill>
+                  <a:srgbClr val="008000"/>
+                </a:solidFill>
+                <a:latin typeface="Consolas" panose="020B0609020204030204" pitchFamily="49" charset="0"/>
+                <a:cs typeface="Consolas" panose="020B0609020204030204" pitchFamily="49" charset="0"/>
+              </a:rPr>
+              <a:t>"Second </a:t>
+            </a:r>
+            <a:r>
+              <a:rPr lang="de-DE" altLang="de-DE" sz="1200" b="1" dirty="0" err="1">
+                <a:solidFill>
+                  <a:srgbClr val="008000"/>
+                </a:solidFill>
+                <a:latin typeface="Consolas" panose="020B0609020204030204" pitchFamily="49" charset="0"/>
+                <a:cs typeface="Consolas" panose="020B0609020204030204" pitchFamily="49" charset="0"/>
+              </a:rPr>
+              <a:t>label</a:t>
+            </a:r>
+            <a:r>
+              <a:rPr lang="de-DE" altLang="de-DE" sz="1200" b="1" dirty="0">
+                <a:solidFill>
+                  <a:srgbClr val="008000"/>
+                </a:solidFill>
+                <a:latin typeface="Consolas" panose="020B0609020204030204" pitchFamily="49" charset="0"/>
+                <a:cs typeface="Consolas" panose="020B0609020204030204" pitchFamily="49" charset="0"/>
+              </a:rPr>
+              <a:t>"</a:t>
+            </a:r>
+            <a:r>
+              <a:rPr lang="de-DE" altLang="de-DE" sz="1200" dirty="0">
+                <a:solidFill>
+                  <a:srgbClr val="000000"/>
+                </a:solidFill>
+                <a:latin typeface="Consolas" panose="020B0609020204030204" pitchFamily="49" charset="0"/>
+                <a:cs typeface="Consolas" panose="020B0609020204030204" pitchFamily="49" charset="0"/>
+              </a:rPr>
+              <a:t>);</a:t>
+            </a:r>
+            <a:br>
+              <a:rPr lang="de-DE" altLang="de-DE" sz="1200" dirty="0">
+                <a:solidFill>
+                  <a:srgbClr val="000000"/>
+                </a:solidFill>
+                <a:latin typeface="Consolas" panose="020B0609020204030204" pitchFamily="49" charset="0"/>
+                <a:cs typeface="Consolas" panose="020B0609020204030204" pitchFamily="49" charset="0"/>
+              </a:rPr>
+            </a:br>
+            <a:r>
+              <a:rPr lang="de-DE" altLang="de-DE" sz="1200" dirty="0">
+                <a:solidFill>
+                  <a:srgbClr val="000000"/>
+                </a:solidFill>
+                <a:latin typeface="Consolas" panose="020B0609020204030204" pitchFamily="49" charset="0"/>
+                <a:cs typeface="Consolas" panose="020B0609020204030204" pitchFamily="49" charset="0"/>
+              </a:rPr>
+              <a:t>        </a:t>
+            </a:r>
+            <a:r>
+              <a:rPr lang="de-DE" altLang="de-DE" sz="1200" i="1" dirty="0">
+                <a:solidFill>
+                  <a:srgbClr val="808080"/>
+                </a:solidFill>
+                <a:latin typeface="Consolas" panose="020B0609020204030204" pitchFamily="49" charset="0"/>
+                <a:cs typeface="Consolas" panose="020B0609020204030204" pitchFamily="49" charset="0"/>
+              </a:rPr>
+              <a:t>// Überprüfung der Aktivierung eines </a:t>
+            </a:r>
+            <a:r>
+              <a:rPr lang="de-DE" altLang="de-DE" sz="1200" i="1" dirty="0" err="1">
+                <a:solidFill>
+                  <a:srgbClr val="808080"/>
+                </a:solidFill>
+                <a:latin typeface="Consolas" panose="020B0609020204030204" pitchFamily="49" charset="0"/>
+                <a:cs typeface="Consolas" panose="020B0609020204030204" pitchFamily="49" charset="0"/>
+              </a:rPr>
+              <a:t>DatePickers</a:t>
+            </a:r>
+            <a:r>
+              <a:rPr lang="de-DE" altLang="de-DE" sz="1200" i="1" dirty="0">
+                <a:solidFill>
+                  <a:srgbClr val="808080"/>
                 </a:solidFill>
                 <a:latin typeface="Consolas" panose="020B0609020204030204" pitchFamily="49" charset="0"/>
                 <a:cs typeface="Consolas" panose="020B0609020204030204" pitchFamily="49" charset="0"/>
@@ -10568,76 +11579,36 @@
               <a:t/>
             </a:r>
             <a:br>
-              <a:rPr lang="de-DE" altLang="de-DE" sz="1600" dirty="0">
-                <a:solidFill>
-                  <a:srgbClr val="000000"/>
+              <a:rPr lang="de-DE" altLang="de-DE" sz="1200" i="1" dirty="0">
+                <a:solidFill>
+                  <a:srgbClr val="808080"/>
                 </a:solidFill>
                 <a:latin typeface="Consolas" panose="020B0609020204030204" pitchFamily="49" charset="0"/>
                 <a:cs typeface="Consolas" panose="020B0609020204030204" pitchFamily="49" charset="0"/>
               </a:rPr>
             </a:br>
             <a:r>
-              <a:rPr lang="de-DE" altLang="de-DE" sz="1600" dirty="0">
-                <a:solidFill>
-                  <a:srgbClr val="000000"/>
-                </a:solidFill>
-                <a:latin typeface="Consolas" panose="020B0609020204030204" pitchFamily="49" charset="0"/>
-                <a:cs typeface="Consolas" panose="020B0609020204030204" pitchFamily="49" charset="0"/>
-              </a:rPr>
-              <a:t>    </a:t>
-            </a:r>
-            <a:r>
-              <a:rPr lang="de-DE" altLang="de-DE" sz="1600" dirty="0" err="1">
-                <a:solidFill>
-                  <a:srgbClr val="000000"/>
-                </a:solidFill>
-                <a:latin typeface="Consolas" panose="020B0609020204030204" pitchFamily="49" charset="0"/>
-                <a:cs typeface="Consolas" panose="020B0609020204030204" pitchFamily="49" charset="0"/>
-              </a:rPr>
-              <a:t>FormTester</a:t>
-            </a:r>
-            <a:r>
-              <a:rPr lang="de-DE" altLang="de-DE" sz="1600" dirty="0">
-                <a:solidFill>
-                  <a:srgbClr val="000000"/>
-                </a:solidFill>
-                <a:latin typeface="Consolas" panose="020B0609020204030204" pitchFamily="49" charset="0"/>
-                <a:cs typeface="Consolas" panose="020B0609020204030204" pitchFamily="49" charset="0"/>
-              </a:rPr>
-              <a:t> </a:t>
-            </a:r>
-            <a:r>
-              <a:rPr lang="de-DE" altLang="de-DE" sz="1600" dirty="0" err="1">
-                <a:solidFill>
-                  <a:srgbClr val="000000"/>
-                </a:solidFill>
-                <a:latin typeface="Consolas" panose="020B0609020204030204" pitchFamily="49" charset="0"/>
-                <a:cs typeface="Consolas" panose="020B0609020204030204" pitchFamily="49" charset="0"/>
-              </a:rPr>
-              <a:t>formTester</a:t>
-            </a:r>
-            <a:r>
-              <a:rPr lang="de-DE" altLang="de-DE" sz="1600" dirty="0">
-                <a:solidFill>
-                  <a:srgbClr val="000000"/>
-                </a:solidFill>
-                <a:latin typeface="Consolas" panose="020B0609020204030204" pitchFamily="49" charset="0"/>
-                <a:cs typeface="Consolas" panose="020B0609020204030204" pitchFamily="49" charset="0"/>
-              </a:rPr>
-              <a:t> = </a:t>
-            </a:r>
-            <a:r>
-              <a:rPr lang="de-DE" altLang="de-DE" sz="1600" dirty="0" err="1">
-                <a:solidFill>
-                  <a:srgbClr val="000000"/>
-                </a:solidFill>
-                <a:latin typeface="Consolas" panose="020B0609020204030204" pitchFamily="49" charset="0"/>
-                <a:cs typeface="Consolas" panose="020B0609020204030204" pitchFamily="49" charset="0"/>
-              </a:rPr>
-              <a:t>tester.newFormTester</a:t>
-            </a:r>
-            <a:r>
-              <a:rPr lang="de-DE" altLang="de-DE" sz="1600" dirty="0">
+              <a:rPr lang="de-DE" altLang="de-DE" sz="1200" i="1" dirty="0">
+                <a:solidFill>
+                  <a:srgbClr val="808080"/>
+                </a:solidFill>
+                <a:latin typeface="Consolas" panose="020B0609020204030204" pitchFamily="49" charset="0"/>
+                <a:cs typeface="Consolas" panose="020B0609020204030204" pitchFamily="49" charset="0"/>
+              </a:rPr>
+              <a:t>        </a:t>
+            </a:r>
+            <a:r>
+              <a:rPr lang="de-DE" altLang="de-DE" sz="1200" dirty="0" err="1">
+                <a:solidFill>
+                  <a:srgbClr val="000000"/>
+                </a:solidFill>
+                <a:latin typeface="Consolas" panose="020B0609020204030204" pitchFamily="49" charset="0"/>
+                <a:cs typeface="Consolas" panose="020B0609020204030204" pitchFamily="49" charset="0"/>
+              </a:rPr>
+              <a:t>tester.assertEnabled</a:t>
+            </a:r>
+            <a:r>
+              <a:rPr lang="de-DE" altLang="de-DE" sz="1200" dirty="0">
                 <a:solidFill>
                   <a:srgbClr val="000000"/>
                 </a:solidFill>
@@ -10647,17 +11618,37 @@
               <a:t>(</a:t>
             </a:r>
             <a:r>
-              <a:rPr lang="de-DE" altLang="de-DE" sz="1600" b="1" dirty="0">
+              <a:rPr lang="de-DE" altLang="de-DE" sz="1200" b="1" dirty="0">
                 <a:solidFill>
                   <a:srgbClr val="008000"/>
                 </a:solidFill>
                 <a:latin typeface="Consolas" panose="020B0609020204030204" pitchFamily="49" charset="0"/>
                 <a:cs typeface="Consolas" panose="020B0609020204030204" pitchFamily="49" charset="0"/>
               </a:rPr>
-              <a:t>"form"</a:t>
-            </a:r>
-            <a:r>
-              <a:rPr lang="de-DE" altLang="de-DE" sz="1600" dirty="0">
+              <a:t>"</a:t>
+            </a:r>
+            <a:r>
+              <a:rPr lang="de-DE" altLang="de-DE" sz="1200" b="1" dirty="0" err="1">
+                <a:solidFill>
+                  <a:srgbClr val="008000"/>
+                </a:solidFill>
+                <a:latin typeface="Consolas" panose="020B0609020204030204" pitchFamily="49" charset="0"/>
+                <a:cs typeface="Consolas" panose="020B0609020204030204" pitchFamily="49" charset="0"/>
+              </a:rPr>
+              <a:t>form:datepicker</a:t>
+            </a:r>
+            <a:r>
+              <a:rPr lang="de-DE" altLang="de-DE" sz="1200" b="1" dirty="0">
+                <a:solidFill>
+                  <a:srgbClr val="008000"/>
+                </a:solidFill>
+                <a:latin typeface="Consolas" panose="020B0609020204030204" pitchFamily="49" charset="0"/>
+                <a:cs typeface="Consolas" panose="020B0609020204030204" pitchFamily="49" charset="0"/>
+              </a:rPr>
+              <a:t>"</a:t>
+            </a:r>
+            <a:r>
+              <a:rPr lang="de-DE" altLang="de-DE" sz="1200" dirty="0">
                 <a:solidFill>
                   <a:srgbClr val="000000"/>
                 </a:solidFill>
@@ -10667,7 +11658,7 @@
               <a:t>);</a:t>
             </a:r>
             <a:br>
-              <a:rPr lang="de-DE" altLang="de-DE" sz="1600" dirty="0">
+              <a:rPr lang="de-DE" altLang="de-DE" sz="1200" dirty="0">
                 <a:solidFill>
                   <a:srgbClr val="000000"/>
                 </a:solidFill>
@@ -10676,302 +11667,26 @@
               </a:rPr>
             </a:br>
             <a:r>
-              <a:rPr lang="de-DE" altLang="de-DE" sz="1600" dirty="0">
-                <a:solidFill>
-                  <a:srgbClr val="000000"/>
-                </a:solidFill>
-                <a:latin typeface="Consolas" panose="020B0609020204030204" pitchFamily="49" charset="0"/>
-                <a:cs typeface="Consolas" panose="020B0609020204030204" pitchFamily="49" charset="0"/>
-              </a:rPr>
-              <a:t>    </a:t>
-            </a:r>
-            <a:r>
-              <a:rPr lang="de-DE" altLang="de-DE" sz="1600" i="1" dirty="0">
-                <a:solidFill>
-                  <a:srgbClr val="808080"/>
-                </a:solidFill>
-                <a:latin typeface="Consolas" panose="020B0609020204030204" pitchFamily="49" charset="0"/>
-                <a:cs typeface="Consolas" panose="020B0609020204030204" pitchFamily="49" charset="0"/>
-              </a:rPr>
-              <a:t>// Eingabewerte setzen</a:t>
+              <a:rPr lang="de-DE" altLang="de-DE" sz="1200" dirty="0">
+                <a:solidFill>
+                  <a:srgbClr val="000000"/>
+                </a:solidFill>
+                <a:latin typeface="Consolas" panose="020B0609020204030204" pitchFamily="49" charset="0"/>
+                <a:cs typeface="Consolas" panose="020B0609020204030204" pitchFamily="49" charset="0"/>
+              </a:rPr>
+              <a:t>    }</a:t>
             </a:r>
             <a:br>
-              <a:rPr lang="de-DE" altLang="de-DE" sz="1600" i="1" dirty="0">
-                <a:solidFill>
-                  <a:srgbClr val="808080"/>
+              <a:rPr lang="de-DE" altLang="de-DE" sz="1200" dirty="0">
+                <a:solidFill>
+                  <a:srgbClr val="000000"/>
                 </a:solidFill>
                 <a:latin typeface="Consolas" panose="020B0609020204030204" pitchFamily="49" charset="0"/>
                 <a:cs typeface="Consolas" panose="020B0609020204030204" pitchFamily="49" charset="0"/>
               </a:rPr>
             </a:br>
             <a:r>
-              <a:rPr lang="de-DE" altLang="de-DE" sz="1600" i="1" dirty="0">
-                <a:solidFill>
-                  <a:srgbClr val="808080"/>
-                </a:solidFill>
-                <a:latin typeface="Consolas" panose="020B0609020204030204" pitchFamily="49" charset="0"/>
-                <a:cs typeface="Consolas" panose="020B0609020204030204" pitchFamily="49" charset="0"/>
-              </a:rPr>
-              <a:t>    </a:t>
-            </a:r>
-            <a:r>
-              <a:rPr lang="de-DE" altLang="de-DE" sz="1600" dirty="0" err="1">
-                <a:solidFill>
-                  <a:srgbClr val="000000"/>
-                </a:solidFill>
-                <a:latin typeface="Consolas" panose="020B0609020204030204" pitchFamily="49" charset="0"/>
-                <a:cs typeface="Consolas" panose="020B0609020204030204" pitchFamily="49" charset="0"/>
-              </a:rPr>
-              <a:t>formTester.setValue</a:t>
-            </a:r>
-            <a:r>
-              <a:rPr lang="de-DE" altLang="de-DE" sz="1600" dirty="0">
-                <a:solidFill>
-                  <a:srgbClr val="000000"/>
-                </a:solidFill>
-                <a:latin typeface="Consolas" panose="020B0609020204030204" pitchFamily="49" charset="0"/>
-                <a:cs typeface="Consolas" panose="020B0609020204030204" pitchFamily="49" charset="0"/>
-              </a:rPr>
-              <a:t>(</a:t>
-            </a:r>
-            <a:r>
-              <a:rPr lang="de-DE" altLang="de-DE" sz="1600" b="1" dirty="0">
-                <a:solidFill>
-                  <a:srgbClr val="008000"/>
-                </a:solidFill>
-                <a:latin typeface="Consolas" panose="020B0609020204030204" pitchFamily="49" charset="0"/>
-                <a:cs typeface="Consolas" panose="020B0609020204030204" pitchFamily="49" charset="0"/>
-              </a:rPr>
-              <a:t>"</a:t>
-            </a:r>
-            <a:r>
-              <a:rPr lang="de-DE" altLang="de-DE" sz="1600" b="1" dirty="0" err="1">
-                <a:solidFill>
-                  <a:srgbClr val="008000"/>
-                </a:solidFill>
-                <a:latin typeface="Consolas" panose="020B0609020204030204" pitchFamily="49" charset="0"/>
-                <a:cs typeface="Consolas" panose="020B0609020204030204" pitchFamily="49" charset="0"/>
-              </a:rPr>
-              <a:t>username</a:t>
-            </a:r>
-            <a:r>
-              <a:rPr lang="de-DE" altLang="de-DE" sz="1600" b="1" dirty="0">
-                <a:solidFill>
-                  <a:srgbClr val="008000"/>
-                </a:solidFill>
-                <a:latin typeface="Consolas" panose="020B0609020204030204" pitchFamily="49" charset="0"/>
-                <a:cs typeface="Consolas" panose="020B0609020204030204" pitchFamily="49" charset="0"/>
-              </a:rPr>
-              <a:t>"</a:t>
-            </a:r>
-            <a:r>
-              <a:rPr lang="de-DE" altLang="de-DE" sz="1600" dirty="0">
-                <a:solidFill>
-                  <a:srgbClr val="000000"/>
-                </a:solidFill>
-                <a:latin typeface="Consolas" panose="020B0609020204030204" pitchFamily="49" charset="0"/>
-                <a:cs typeface="Consolas" panose="020B0609020204030204" pitchFamily="49" charset="0"/>
-              </a:rPr>
-              <a:t>, </a:t>
-            </a:r>
-            <a:r>
-              <a:rPr lang="de-DE" altLang="de-DE" sz="1600" dirty="0" err="1">
-                <a:solidFill>
-                  <a:srgbClr val="000000"/>
-                </a:solidFill>
-                <a:latin typeface="Consolas" panose="020B0609020204030204" pitchFamily="49" charset="0"/>
-                <a:cs typeface="Consolas" panose="020B0609020204030204" pitchFamily="49" charset="0"/>
-              </a:rPr>
-              <a:t>username</a:t>
-            </a:r>
-            <a:r>
-              <a:rPr lang="de-DE" altLang="de-DE" sz="1600" dirty="0">
-                <a:solidFill>
-                  <a:srgbClr val="000000"/>
-                </a:solidFill>
-                <a:latin typeface="Consolas" panose="020B0609020204030204" pitchFamily="49" charset="0"/>
-                <a:cs typeface="Consolas" panose="020B0609020204030204" pitchFamily="49" charset="0"/>
-              </a:rPr>
-              <a:t>);</a:t>
-            </a:r>
-            <a:br>
-              <a:rPr lang="de-DE" altLang="de-DE" sz="1600" dirty="0">
-                <a:solidFill>
-                  <a:srgbClr val="000000"/>
-                </a:solidFill>
-                <a:latin typeface="Consolas" panose="020B0609020204030204" pitchFamily="49" charset="0"/>
-                <a:cs typeface="Consolas" panose="020B0609020204030204" pitchFamily="49" charset="0"/>
-              </a:rPr>
-            </a:br>
-            <a:r>
-              <a:rPr lang="de-DE" altLang="de-DE" sz="1600" dirty="0">
-                <a:solidFill>
-                  <a:srgbClr val="000000"/>
-                </a:solidFill>
-                <a:latin typeface="Consolas" panose="020B0609020204030204" pitchFamily="49" charset="0"/>
-                <a:cs typeface="Consolas" panose="020B0609020204030204" pitchFamily="49" charset="0"/>
-              </a:rPr>
-              <a:t>    </a:t>
-            </a:r>
-            <a:r>
-              <a:rPr lang="de-DE" altLang="de-DE" sz="1600" dirty="0" err="1">
-                <a:solidFill>
-                  <a:srgbClr val="000000"/>
-                </a:solidFill>
-                <a:latin typeface="Consolas" panose="020B0609020204030204" pitchFamily="49" charset="0"/>
-                <a:cs typeface="Consolas" panose="020B0609020204030204" pitchFamily="49" charset="0"/>
-              </a:rPr>
-              <a:t>formTester.setValue</a:t>
-            </a:r>
-            <a:r>
-              <a:rPr lang="de-DE" altLang="de-DE" sz="1600" dirty="0">
-                <a:solidFill>
-                  <a:srgbClr val="000000"/>
-                </a:solidFill>
-                <a:latin typeface="Consolas" panose="020B0609020204030204" pitchFamily="49" charset="0"/>
-                <a:cs typeface="Consolas" panose="020B0609020204030204" pitchFamily="49" charset="0"/>
-              </a:rPr>
-              <a:t>(</a:t>
-            </a:r>
-            <a:r>
-              <a:rPr lang="de-DE" altLang="de-DE" sz="1600" b="1" dirty="0">
-                <a:solidFill>
-                  <a:srgbClr val="008000"/>
-                </a:solidFill>
-                <a:latin typeface="Consolas" panose="020B0609020204030204" pitchFamily="49" charset="0"/>
-                <a:cs typeface="Consolas" panose="020B0609020204030204" pitchFamily="49" charset="0"/>
-              </a:rPr>
-              <a:t>"</a:t>
-            </a:r>
-            <a:r>
-              <a:rPr lang="de-DE" altLang="de-DE" sz="1600" b="1" dirty="0" err="1">
-                <a:solidFill>
-                  <a:srgbClr val="008000"/>
-                </a:solidFill>
-                <a:latin typeface="Consolas" panose="020B0609020204030204" pitchFamily="49" charset="0"/>
-                <a:cs typeface="Consolas" panose="020B0609020204030204" pitchFamily="49" charset="0"/>
-              </a:rPr>
-              <a:t>password</a:t>
-            </a:r>
-            <a:r>
-              <a:rPr lang="de-DE" altLang="de-DE" sz="1600" b="1" dirty="0">
-                <a:solidFill>
-                  <a:srgbClr val="008000"/>
-                </a:solidFill>
-                <a:latin typeface="Consolas" panose="020B0609020204030204" pitchFamily="49" charset="0"/>
-                <a:cs typeface="Consolas" panose="020B0609020204030204" pitchFamily="49" charset="0"/>
-              </a:rPr>
-              <a:t>"</a:t>
-            </a:r>
-            <a:r>
-              <a:rPr lang="de-DE" altLang="de-DE" sz="1600" dirty="0">
-                <a:solidFill>
-                  <a:srgbClr val="000000"/>
-                </a:solidFill>
-                <a:latin typeface="Consolas" panose="020B0609020204030204" pitchFamily="49" charset="0"/>
-                <a:cs typeface="Consolas" panose="020B0609020204030204" pitchFamily="49" charset="0"/>
-              </a:rPr>
-              <a:t>, </a:t>
-            </a:r>
-            <a:r>
-              <a:rPr lang="de-DE" altLang="de-DE" sz="1600" dirty="0" err="1">
-                <a:solidFill>
-                  <a:srgbClr val="000000"/>
-                </a:solidFill>
-                <a:latin typeface="Consolas" panose="020B0609020204030204" pitchFamily="49" charset="0"/>
-                <a:cs typeface="Consolas" panose="020B0609020204030204" pitchFamily="49" charset="0"/>
-              </a:rPr>
-              <a:t>password</a:t>
-            </a:r>
-            <a:r>
-              <a:rPr lang="de-DE" altLang="de-DE" sz="1600" dirty="0">
-                <a:solidFill>
-                  <a:srgbClr val="000000"/>
-                </a:solidFill>
-                <a:latin typeface="Consolas" panose="020B0609020204030204" pitchFamily="49" charset="0"/>
-                <a:cs typeface="Consolas" panose="020B0609020204030204" pitchFamily="49" charset="0"/>
-              </a:rPr>
-              <a:t>);</a:t>
-            </a:r>
-            <a:br>
-              <a:rPr lang="de-DE" altLang="de-DE" sz="1600" dirty="0">
-                <a:solidFill>
-                  <a:srgbClr val="000000"/>
-                </a:solidFill>
-                <a:latin typeface="Consolas" panose="020B0609020204030204" pitchFamily="49" charset="0"/>
-                <a:cs typeface="Consolas" panose="020B0609020204030204" pitchFamily="49" charset="0"/>
-              </a:rPr>
-            </a:br>
-            <a:r>
-              <a:rPr lang="de-DE" altLang="de-DE" sz="1600" dirty="0">
-                <a:solidFill>
-                  <a:srgbClr val="000000"/>
-                </a:solidFill>
-                <a:latin typeface="Consolas" panose="020B0609020204030204" pitchFamily="49" charset="0"/>
-                <a:cs typeface="Consolas" panose="020B0609020204030204" pitchFamily="49" charset="0"/>
-              </a:rPr>
-              <a:t>    </a:t>
-            </a:r>
-            <a:r>
-              <a:rPr lang="de-DE" altLang="de-DE" sz="1600" i="1" dirty="0">
-                <a:solidFill>
-                  <a:srgbClr val="808080"/>
-                </a:solidFill>
-                <a:latin typeface="Consolas" panose="020B0609020204030204" pitchFamily="49" charset="0"/>
-                <a:cs typeface="Consolas" panose="020B0609020204030204" pitchFamily="49" charset="0"/>
-              </a:rPr>
-              <a:t>// Formular abschicken</a:t>
-            </a:r>
-            <a:br>
-              <a:rPr lang="de-DE" altLang="de-DE" sz="1600" i="1" dirty="0">
-                <a:solidFill>
-                  <a:srgbClr val="808080"/>
-                </a:solidFill>
-                <a:latin typeface="Consolas" panose="020B0609020204030204" pitchFamily="49" charset="0"/>
-                <a:cs typeface="Consolas" panose="020B0609020204030204" pitchFamily="49" charset="0"/>
-              </a:rPr>
-            </a:br>
-            <a:r>
-              <a:rPr lang="de-DE" altLang="de-DE" sz="1600" i="1" dirty="0">
-                <a:solidFill>
-                  <a:srgbClr val="808080"/>
-                </a:solidFill>
-                <a:latin typeface="Consolas" panose="020B0609020204030204" pitchFamily="49" charset="0"/>
-                <a:cs typeface="Consolas" panose="020B0609020204030204" pitchFamily="49" charset="0"/>
-              </a:rPr>
-              <a:t>    </a:t>
-            </a:r>
-            <a:r>
-              <a:rPr lang="de-DE" altLang="de-DE" sz="1600" dirty="0" err="1">
-                <a:solidFill>
-                  <a:srgbClr val="000000"/>
-                </a:solidFill>
-                <a:latin typeface="Consolas" panose="020B0609020204030204" pitchFamily="49" charset="0"/>
-                <a:cs typeface="Consolas" panose="020B0609020204030204" pitchFamily="49" charset="0"/>
-              </a:rPr>
-              <a:t>formTester.submit</a:t>
-            </a:r>
-            <a:r>
-              <a:rPr lang="de-DE" altLang="de-DE" sz="1600" dirty="0">
-                <a:solidFill>
-                  <a:srgbClr val="000000"/>
-                </a:solidFill>
-                <a:latin typeface="Consolas" panose="020B0609020204030204" pitchFamily="49" charset="0"/>
-                <a:cs typeface="Consolas" panose="020B0609020204030204" pitchFamily="49" charset="0"/>
-              </a:rPr>
-              <a:t>();</a:t>
-            </a:r>
-            <a:br>
-              <a:rPr lang="de-DE" altLang="de-DE" sz="1600" dirty="0">
-                <a:solidFill>
-                  <a:srgbClr val="000000"/>
-                </a:solidFill>
-                <a:latin typeface="Consolas" panose="020B0609020204030204" pitchFamily="49" charset="0"/>
-                <a:cs typeface="Consolas" panose="020B0609020204030204" pitchFamily="49" charset="0"/>
-              </a:rPr>
-            </a:br>
-            <a:r>
-              <a:rPr lang="de-DE" altLang="de-DE" sz="1600" dirty="0">
+              <a:rPr lang="de-DE" altLang="de-DE" sz="1200" dirty="0">
                 <a:solidFill>
                   <a:srgbClr val="000000"/>
                 </a:solidFill>
@@ -10980,7 +11695,7 @@
               </a:rPr>
               <a:t>}</a:t>
             </a:r>
-            <a:endParaRPr lang="de-DE" altLang="de-DE" sz="1600" dirty="0">
+            <a:endParaRPr lang="de-DE" altLang="de-DE" sz="1200" dirty="0">
               <a:latin typeface="Consolas" panose="020B0609020204030204" pitchFamily="49" charset="0"/>
               <a:cs typeface="Consolas" panose="020B0609020204030204" pitchFamily="49" charset="0"/>
             </a:endParaRPr>
@@ -11017,7 +11732,7 @@
     </p:spTree>
     <p:extLst>
       <p:ext uri="{BB962C8B-B14F-4D97-AF65-F5344CB8AC3E}">
-        <p14:creationId xmlns:p14="http://schemas.microsoft.com/office/powerpoint/2010/main" val="2450163056"/>
+        <p14:creationId xmlns:p14="http://schemas.microsoft.com/office/powerpoint/2010/main" val="551934435"/>
       </p:ext>
     </p:extLst>
   </p:cSld>
@@ -11109,20 +11824,246 @@
             <a:endParaRPr lang="de-DE" sz="2000" dirty="0"/>
           </a:p>
           <a:p>
-            <a:pPr marL="0" indent="0">
+            <a:endParaRPr lang="de-DE" sz="2000" dirty="0"/>
+          </a:p>
+          <a:p>
+            <a:pPr marL="0" lvl="0" indent="0">
               <a:buNone/>
             </a:pPr>
-            <a:endParaRPr lang="de-DE" sz="2000" dirty="0"/>
+            <a:r>
+              <a:rPr lang="de-DE" altLang="de-DE" sz="1600" b="1" dirty="0" err="1">
+                <a:solidFill>
+                  <a:srgbClr val="000080"/>
+                </a:solidFill>
+                <a:latin typeface="Consolas" panose="020B0609020204030204" pitchFamily="49" charset="0"/>
+                <a:cs typeface="Consolas" panose="020B0609020204030204" pitchFamily="49" charset="0"/>
+              </a:rPr>
+              <a:t>protected</a:t>
+            </a:r>
+            <a:r>
+              <a:rPr lang="de-DE" altLang="de-DE" sz="1600" b="1" dirty="0">
+                <a:solidFill>
+                  <a:srgbClr val="000080"/>
+                </a:solidFill>
+                <a:latin typeface="Consolas" panose="020B0609020204030204" pitchFamily="49" charset="0"/>
+                <a:cs typeface="Consolas" panose="020B0609020204030204" pitchFamily="49" charset="0"/>
+              </a:rPr>
+              <a:t> </a:t>
+            </a:r>
+            <a:r>
+              <a:rPr lang="de-DE" altLang="de-DE" sz="1600" b="1" dirty="0" err="1">
+                <a:solidFill>
+                  <a:srgbClr val="000080"/>
+                </a:solidFill>
+                <a:latin typeface="Consolas" panose="020B0609020204030204" pitchFamily="49" charset="0"/>
+                <a:cs typeface="Consolas" panose="020B0609020204030204" pitchFamily="49" charset="0"/>
+              </a:rPr>
+              <a:t>void</a:t>
+            </a:r>
+            <a:r>
+              <a:rPr lang="de-DE" altLang="de-DE" sz="1600" b="1" dirty="0">
+                <a:solidFill>
+                  <a:srgbClr val="000080"/>
+                </a:solidFill>
+                <a:latin typeface="Consolas" panose="020B0609020204030204" pitchFamily="49" charset="0"/>
+                <a:cs typeface="Consolas" panose="020B0609020204030204" pitchFamily="49" charset="0"/>
+              </a:rPr>
+              <a:t> </a:t>
+            </a:r>
+            <a:r>
+              <a:rPr lang="de-DE" altLang="de-DE" sz="1600" dirty="0" err="1">
+                <a:solidFill>
+                  <a:srgbClr val="000000"/>
+                </a:solidFill>
+                <a:latin typeface="Consolas" panose="020B0609020204030204" pitchFamily="49" charset="0"/>
+                <a:cs typeface="Consolas" panose="020B0609020204030204" pitchFamily="49" charset="0"/>
+              </a:rPr>
+              <a:t>insertUsernamePassword</a:t>
+            </a:r>
+            <a:r>
+              <a:rPr lang="de-DE" altLang="de-DE" sz="1600" dirty="0">
+                <a:solidFill>
+                  <a:srgbClr val="000000"/>
+                </a:solidFill>
+                <a:latin typeface="Consolas" panose="020B0609020204030204" pitchFamily="49" charset="0"/>
+                <a:cs typeface="Consolas" panose="020B0609020204030204" pitchFamily="49" charset="0"/>
+              </a:rPr>
+              <a:t>(String </a:t>
+            </a:r>
+            <a:r>
+              <a:rPr lang="de-DE" altLang="de-DE" sz="1600" dirty="0" err="1">
+                <a:solidFill>
+                  <a:srgbClr val="000000"/>
+                </a:solidFill>
+                <a:latin typeface="Consolas" panose="020B0609020204030204" pitchFamily="49" charset="0"/>
+                <a:cs typeface="Consolas" panose="020B0609020204030204" pitchFamily="49" charset="0"/>
+              </a:rPr>
+              <a:t>username</a:t>
+            </a:r>
+            <a:r>
+              <a:rPr lang="de-DE" altLang="de-DE" sz="1600" dirty="0">
+                <a:solidFill>
+                  <a:srgbClr val="000000"/>
+                </a:solidFill>
+                <a:latin typeface="Consolas" panose="020B0609020204030204" pitchFamily="49" charset="0"/>
+                <a:cs typeface="Consolas" panose="020B0609020204030204" pitchFamily="49" charset="0"/>
+              </a:rPr>
+              <a:t>, String </a:t>
+            </a:r>
+            <a:r>
+              <a:rPr lang="de-DE" altLang="de-DE" sz="1600" dirty="0" err="1">
+                <a:solidFill>
+                  <a:srgbClr val="000000"/>
+                </a:solidFill>
+                <a:latin typeface="Consolas" panose="020B0609020204030204" pitchFamily="49" charset="0"/>
+                <a:cs typeface="Consolas" panose="020B0609020204030204" pitchFamily="49" charset="0"/>
+              </a:rPr>
+              <a:t>password</a:t>
+            </a:r>
+            <a:r>
+              <a:rPr lang="de-DE" altLang="de-DE" sz="1600" dirty="0">
+                <a:solidFill>
+                  <a:srgbClr val="000000"/>
+                </a:solidFill>
+                <a:latin typeface="Consolas" panose="020B0609020204030204" pitchFamily="49" charset="0"/>
+                <a:cs typeface="Consolas" panose="020B0609020204030204" pitchFamily="49" charset="0"/>
+              </a:rPr>
+              <a:t>) {</a:t>
+            </a:r>
+            <a:br>
+              <a:rPr lang="de-DE" altLang="de-DE" sz="1600" dirty="0">
+                <a:solidFill>
+                  <a:srgbClr val="000000"/>
+                </a:solidFill>
+                <a:latin typeface="Consolas" panose="020B0609020204030204" pitchFamily="49" charset="0"/>
+                <a:cs typeface="Consolas" panose="020B0609020204030204" pitchFamily="49" charset="0"/>
+              </a:rPr>
+            </a:br>
+            <a:r>
+              <a:rPr lang="de-DE" altLang="de-DE" sz="1600" dirty="0">
+                <a:solidFill>
+                  <a:srgbClr val="000000"/>
+                </a:solidFill>
+                <a:latin typeface="Consolas" panose="020B0609020204030204" pitchFamily="49" charset="0"/>
+                <a:cs typeface="Consolas" panose="020B0609020204030204" pitchFamily="49" charset="0"/>
+              </a:rPr>
+              <a:t>    </a:t>
+            </a:r>
+            <a:r>
+              <a:rPr lang="de-DE" altLang="de-DE" sz="1600" i="1" dirty="0">
+                <a:solidFill>
+                  <a:srgbClr val="808080"/>
+                </a:solidFill>
+                <a:latin typeface="Consolas" panose="020B0609020204030204" pitchFamily="49" charset="0"/>
+                <a:cs typeface="Consolas" panose="020B0609020204030204" pitchFamily="49" charset="0"/>
+              </a:rPr>
+              <a:t>// Rendern der Homepage</a:t>
+            </a:r>
+            <a:br>
+              <a:rPr lang="de-DE" altLang="de-DE" sz="1600" i="1" dirty="0">
+                <a:solidFill>
+                  <a:srgbClr val="808080"/>
+                </a:solidFill>
+                <a:latin typeface="Consolas" panose="020B0609020204030204" pitchFamily="49" charset="0"/>
+                <a:cs typeface="Consolas" panose="020B0609020204030204" pitchFamily="49" charset="0"/>
+              </a:rPr>
+            </a:br>
+            <a:r>
+              <a:rPr lang="de-DE" altLang="de-DE" sz="1600" i="1" dirty="0">
+                <a:solidFill>
+                  <a:srgbClr val="808080"/>
+                </a:solidFill>
+                <a:latin typeface="Consolas" panose="020B0609020204030204" pitchFamily="49" charset="0"/>
+                <a:cs typeface="Consolas" panose="020B0609020204030204" pitchFamily="49" charset="0"/>
+              </a:rPr>
+              <a:t>    </a:t>
+            </a:r>
+            <a:r>
+              <a:rPr lang="de-DE" altLang="de-DE" sz="1600" dirty="0" err="1">
+                <a:solidFill>
+                  <a:srgbClr val="000000"/>
+                </a:solidFill>
+                <a:latin typeface="Consolas" panose="020B0609020204030204" pitchFamily="49" charset="0"/>
+                <a:cs typeface="Consolas" panose="020B0609020204030204" pitchFamily="49" charset="0"/>
+              </a:rPr>
+              <a:t>tester.startPage</a:t>
+            </a:r>
+            <a:r>
+              <a:rPr lang="de-DE" altLang="de-DE" sz="1600" dirty="0">
+                <a:solidFill>
+                  <a:srgbClr val="000000"/>
+                </a:solidFill>
+                <a:latin typeface="Consolas" panose="020B0609020204030204" pitchFamily="49" charset="0"/>
+                <a:cs typeface="Consolas" panose="020B0609020204030204" pitchFamily="49" charset="0"/>
+              </a:rPr>
+              <a:t>(</a:t>
+            </a:r>
+            <a:r>
+              <a:rPr lang="de-DE" altLang="de-DE" sz="1600" dirty="0" err="1">
+                <a:solidFill>
+                  <a:srgbClr val="000000"/>
+                </a:solidFill>
+                <a:latin typeface="Consolas" panose="020B0609020204030204" pitchFamily="49" charset="0"/>
+                <a:cs typeface="Consolas" panose="020B0609020204030204" pitchFamily="49" charset="0"/>
+              </a:rPr>
+              <a:t>HomePage.</a:t>
+            </a:r>
+            <a:r>
+              <a:rPr lang="de-DE" altLang="de-DE" sz="1600" b="1" dirty="0" err="1">
+                <a:solidFill>
+                  <a:srgbClr val="000080"/>
+                </a:solidFill>
+                <a:latin typeface="Consolas" panose="020B0609020204030204" pitchFamily="49" charset="0"/>
+                <a:cs typeface="Consolas" panose="020B0609020204030204" pitchFamily="49" charset="0"/>
+              </a:rPr>
+              <a:t>class</a:t>
+            </a:r>
+            <a:r>
+              <a:rPr lang="de-DE" altLang="de-DE" sz="1600" dirty="0">
+                <a:solidFill>
+                  <a:srgbClr val="000000"/>
+                </a:solidFill>
+                <a:latin typeface="Consolas" panose="020B0609020204030204" pitchFamily="49" charset="0"/>
+                <a:cs typeface="Consolas" panose="020B0609020204030204" pitchFamily="49" charset="0"/>
+              </a:rPr>
+              <a:t>);</a:t>
+            </a:r>
           </a:p>
           <a:p>
             <a:pPr marL="0" lvl="0" indent="0">
-              <a:spcBef>
-                <a:spcPct val="0"/>
-              </a:spcBef>
-              <a:buClrTx/>
               <a:buNone/>
             </a:pPr>
             <a:r>
+              <a:rPr lang="de-DE" altLang="de-DE" sz="1600" i="1" dirty="0">
+                <a:solidFill>
+                  <a:srgbClr val="808080"/>
+                </a:solidFill>
+                <a:latin typeface="Consolas" panose="020B0609020204030204" pitchFamily="49" charset="0"/>
+                <a:cs typeface="Consolas" panose="020B0609020204030204" pitchFamily="49" charset="0"/>
+              </a:rPr>
+              <a:t>    // </a:t>
+            </a:r>
+            <a:r>
+              <a:rPr lang="de-DE" altLang="de-DE" sz="1600" i="1" dirty="0" err="1">
+                <a:solidFill>
+                  <a:srgbClr val="808080"/>
+                </a:solidFill>
+                <a:latin typeface="Consolas" panose="020B0609020204030204" pitchFamily="49" charset="0"/>
+                <a:cs typeface="Consolas" panose="020B0609020204030204" pitchFamily="49" charset="0"/>
+              </a:rPr>
+              <a:t>FormTester</a:t>
+            </a:r>
+            <a:r>
+              <a:rPr lang="de-DE" altLang="de-DE" sz="1600" i="1" dirty="0">
+                <a:solidFill>
+                  <a:srgbClr val="808080"/>
+                </a:solidFill>
+                <a:latin typeface="Consolas" panose="020B0609020204030204" pitchFamily="49" charset="0"/>
+                <a:cs typeface="Consolas" panose="020B0609020204030204" pitchFamily="49" charset="0"/>
+              </a:rPr>
+              <a:t> für einzelnes Formular erstellen</a:t>
+            </a:r>
+            <a:r>
               <a:rPr lang="de-DE" altLang="de-DE" sz="1600" dirty="0">
                 <a:solidFill>
                   <a:srgbClr val="000000"/>
@@ -11130,7 +12071,7 @@
                 <a:latin typeface="Consolas" panose="020B0609020204030204" pitchFamily="49" charset="0"/>
                 <a:cs typeface="Consolas" panose="020B0609020204030204" pitchFamily="49" charset="0"/>
               </a:rPr>
-              <a:t>@Test</a:t>
+              <a:t/>
             </a:r>
             <a:br>
               <a:rPr lang="de-DE" altLang="de-DE" sz="1600" dirty="0">
@@ -11142,54 +12083,84 @@
               </a:rPr>
             </a:br>
             <a:r>
-              <a:rPr lang="de-DE" altLang="de-DE" sz="1600" b="1" dirty="0" err="1">
-                <a:solidFill>
-                  <a:srgbClr val="000080"/>
-                </a:solidFill>
-                <a:latin typeface="Consolas" panose="020B0609020204030204" pitchFamily="49" charset="0"/>
-                <a:cs typeface="Consolas" panose="020B0609020204030204" pitchFamily="49" charset="0"/>
-              </a:rPr>
-              <a:t>public</a:t>
+              <a:rPr lang="de-DE" altLang="de-DE" sz="1600" dirty="0">
+                <a:solidFill>
+                  <a:srgbClr val="000000"/>
+                </a:solidFill>
+                <a:latin typeface="Consolas" panose="020B0609020204030204" pitchFamily="49" charset="0"/>
+                <a:cs typeface="Consolas" panose="020B0609020204030204" pitchFamily="49" charset="0"/>
+              </a:rPr>
+              <a:t>    </a:t>
+            </a:r>
+            <a:r>
+              <a:rPr lang="de-DE" altLang="de-DE" sz="1600" dirty="0" err="1">
+                <a:solidFill>
+                  <a:srgbClr val="000000"/>
+                </a:solidFill>
+                <a:latin typeface="Consolas" panose="020B0609020204030204" pitchFamily="49" charset="0"/>
+                <a:cs typeface="Consolas" panose="020B0609020204030204" pitchFamily="49" charset="0"/>
+              </a:rPr>
+              <a:t>FormTester</a:t>
+            </a:r>
+            <a:r>
+              <a:rPr lang="de-DE" altLang="de-DE" sz="1600" dirty="0">
+                <a:solidFill>
+                  <a:srgbClr val="000000"/>
+                </a:solidFill>
+                <a:latin typeface="Consolas" panose="020B0609020204030204" pitchFamily="49" charset="0"/>
+                <a:cs typeface="Consolas" panose="020B0609020204030204" pitchFamily="49" charset="0"/>
+              </a:rPr>
+              <a:t> </a:t>
+            </a:r>
+            <a:r>
+              <a:rPr lang="de-DE" altLang="de-DE" sz="1600" dirty="0" err="1">
+                <a:solidFill>
+                  <a:srgbClr val="000000"/>
+                </a:solidFill>
+                <a:latin typeface="Consolas" panose="020B0609020204030204" pitchFamily="49" charset="0"/>
+                <a:cs typeface="Consolas" panose="020B0609020204030204" pitchFamily="49" charset="0"/>
+              </a:rPr>
+              <a:t>formTester</a:t>
+            </a:r>
+            <a:r>
+              <a:rPr lang="de-DE" altLang="de-DE" sz="1600" dirty="0">
+                <a:solidFill>
+                  <a:srgbClr val="000000"/>
+                </a:solidFill>
+                <a:latin typeface="Consolas" panose="020B0609020204030204" pitchFamily="49" charset="0"/>
+                <a:cs typeface="Consolas" panose="020B0609020204030204" pitchFamily="49" charset="0"/>
+              </a:rPr>
+              <a:t> = </a:t>
+            </a:r>
+            <a:r>
+              <a:rPr lang="de-DE" altLang="de-DE" sz="1600" dirty="0" err="1">
+                <a:solidFill>
+                  <a:srgbClr val="000000"/>
+                </a:solidFill>
+                <a:latin typeface="Consolas" panose="020B0609020204030204" pitchFamily="49" charset="0"/>
+                <a:cs typeface="Consolas" panose="020B0609020204030204" pitchFamily="49" charset="0"/>
+              </a:rPr>
+              <a:t>tester.newFormTester</a:t>
+            </a:r>
+            <a:r>
+              <a:rPr lang="de-DE" altLang="de-DE" sz="1600" dirty="0">
+                <a:solidFill>
+                  <a:srgbClr val="000000"/>
+                </a:solidFill>
+                <a:latin typeface="Consolas" panose="020B0609020204030204" pitchFamily="49" charset="0"/>
+                <a:cs typeface="Consolas" panose="020B0609020204030204" pitchFamily="49" charset="0"/>
+              </a:rPr>
+              <a:t>(</a:t>
             </a:r>
             <a:r>
               <a:rPr lang="de-DE" altLang="de-DE" sz="1600" b="1" dirty="0">
                 <a:solidFill>
-                  <a:srgbClr val="000080"/>
-                </a:solidFill>
-                <a:latin typeface="Consolas" panose="020B0609020204030204" pitchFamily="49" charset="0"/>
-                <a:cs typeface="Consolas" panose="020B0609020204030204" pitchFamily="49" charset="0"/>
-              </a:rPr>
-              <a:t> </a:t>
-            </a:r>
-            <a:r>
-              <a:rPr lang="de-DE" altLang="de-DE" sz="1600" b="1" dirty="0" err="1">
-                <a:solidFill>
-                  <a:srgbClr val="000080"/>
-                </a:solidFill>
-                <a:latin typeface="Consolas" panose="020B0609020204030204" pitchFamily="49" charset="0"/>
-                <a:cs typeface="Consolas" panose="020B0609020204030204" pitchFamily="49" charset="0"/>
-              </a:rPr>
-              <a:t>void</a:t>
-            </a:r>
-            <a:r>
-              <a:rPr lang="de-DE" altLang="de-DE" sz="1600" b="1" dirty="0">
-                <a:solidFill>
-                  <a:srgbClr val="000080"/>
-                </a:solidFill>
-                <a:latin typeface="Consolas" panose="020B0609020204030204" pitchFamily="49" charset="0"/>
-                <a:cs typeface="Consolas" panose="020B0609020204030204" pitchFamily="49" charset="0"/>
-              </a:rPr>
-              <a:t> </a:t>
-            </a:r>
-            <a:r>
-              <a:rPr lang="de-DE" altLang="de-DE" sz="1600" dirty="0" err="1">
-                <a:solidFill>
-                  <a:srgbClr val="000000"/>
-                </a:solidFill>
-                <a:latin typeface="Consolas" panose="020B0609020204030204" pitchFamily="49" charset="0"/>
-                <a:cs typeface="Consolas" panose="020B0609020204030204" pitchFamily="49" charset="0"/>
-              </a:rPr>
-              <a:t>testMessageForSuccessfulLogin</a:t>
+                  <a:srgbClr val="008000"/>
+                </a:solidFill>
+                <a:latin typeface="Consolas" panose="020B0609020204030204" pitchFamily="49" charset="0"/>
+                <a:cs typeface="Consolas" panose="020B0609020204030204" pitchFamily="49" charset="0"/>
+              </a:rPr>
+              <a:t>"form"</a:t>
             </a:r>
             <a:r>
               <a:rPr lang="de-DE" altLang="de-DE" sz="1600" dirty="0">
@@ -11199,7 +12170,7 @@
                 <a:latin typeface="Consolas" panose="020B0609020204030204" pitchFamily="49" charset="0"/>
                 <a:cs typeface="Consolas" panose="020B0609020204030204" pitchFamily="49" charset="0"/>
               </a:rPr>
-              <a:t>() {</a:t>
+              <a:t>);</a:t>
             </a:r>
             <a:br>
               <a:rPr lang="de-DE" altLang="de-DE" sz="1600" dirty="0">
@@ -11221,6 +12192,35 @@
               <a:t>    </a:t>
             </a:r>
             <a:r>
+              <a:rPr lang="de-DE" altLang="de-DE" sz="1600" i="1" dirty="0">
+                <a:solidFill>
+                  <a:srgbClr val="808080"/>
+                </a:solidFill>
+                <a:latin typeface="Consolas" panose="020B0609020204030204" pitchFamily="49" charset="0"/>
+                <a:cs typeface="Consolas" panose="020B0609020204030204" pitchFamily="49" charset="0"/>
+              </a:rPr>
+              <a:t>// Eingabewerte setzen</a:t>
+            </a:r>
+            <a:br>
+              <a:rPr lang="de-DE" altLang="de-DE" sz="1600" i="1" dirty="0">
+                <a:solidFill>
+                  <a:srgbClr val="808080"/>
+                </a:solidFill>
+                <a:latin typeface="Consolas" panose="020B0609020204030204" pitchFamily="49" charset="0"/>
+                <a:cs typeface="Consolas" panose="020B0609020204030204" pitchFamily="49" charset="0"/>
+              </a:rPr>
+            </a:br>
+            <a:r>
+              <a:rPr lang="de-DE" altLang="de-DE" sz="1600" i="1" dirty="0">
+                <a:solidFill>
+                  <a:srgbClr val="808080"/>
+                </a:solidFill>
+                <a:latin typeface="Consolas" panose="020B0609020204030204" pitchFamily="49" charset="0"/>
+                <a:cs typeface="Consolas" panose="020B0609020204030204" pitchFamily="49" charset="0"/>
+              </a:rPr>
+              <a:t>    </a:t>
+            </a:r>
+            <a:r>
               <a:rPr lang="de-DE" altLang="de-DE" sz="1600" dirty="0" err="1">
                 <a:solidFill>
                   <a:srgbClr val="000000"/>
@@ -11228,7 +12228,7 @@
                 <a:latin typeface="Consolas" panose="020B0609020204030204" pitchFamily="49" charset="0"/>
                 <a:cs typeface="Consolas" panose="020B0609020204030204" pitchFamily="49" charset="0"/>
               </a:rPr>
-              <a:t>insertUsernamePassword</a:t>
+              <a:t>formTester.setValue</a:t>
             </a:r>
             <a:r>
               <a:rPr lang="de-DE" altLang="de-DE" sz="1600" dirty="0">
@@ -11258,7 +12258,7 @@
                 <a:latin typeface="Consolas" panose="020B0609020204030204" pitchFamily="49" charset="0"/>
                 <a:cs typeface="Consolas" panose="020B0609020204030204" pitchFamily="49" charset="0"/>
               </a:rPr>
-              <a:t>Wicket</a:t>
+              <a:t>username</a:t>
             </a:r>
             <a:r>
               <a:rPr lang="de-DE" altLang="de-DE" sz="1600" b="1" dirty="0">
@@ -11281,34 +12281,14 @@
               <a:t>, </a:t>
             </a:r>
             <a:r>
-              <a:rPr lang="de-DE" altLang="de-DE" sz="1600" b="1" dirty="0">
-                <a:solidFill>
-                  <a:srgbClr val="008000"/>
-                </a:solidFill>
-                <a:latin typeface="Consolas" panose="020B0609020204030204" pitchFamily="49" charset="0"/>
-                <a:cs typeface="Consolas" panose="020B0609020204030204" pitchFamily="49" charset="0"/>
-              </a:rPr>
-              <a:t>"</a:t>
-            </a:r>
-            <a:r>
-              <a:rPr lang="de-DE" altLang="de-DE" sz="1600" b="1" dirty="0" err="1">
-                <a:solidFill>
-                  <a:srgbClr val="008000"/>
-                </a:solidFill>
-                <a:latin typeface="Consolas" panose="020B0609020204030204" pitchFamily="49" charset="0"/>
-                <a:cs typeface="Consolas" panose="020B0609020204030204" pitchFamily="49" charset="0"/>
-              </a:rPr>
-              <a:t>anderScore</a:t>
-            </a:r>
-            <a:r>
-              <a:rPr lang="de-DE" altLang="de-DE" sz="1600" b="1" dirty="0">
-                <a:solidFill>
-                  <a:srgbClr val="008000"/>
-                </a:solidFill>
-                <a:latin typeface="Consolas" panose="020B0609020204030204" pitchFamily="49" charset="0"/>
-                <a:cs typeface="Consolas" panose="020B0609020204030204" pitchFamily="49" charset="0"/>
-              </a:rPr>
-              <a:t>"</a:t>
+              <a:rPr lang="de-DE" altLang="de-DE" sz="1600" dirty="0" err="1">
+                <a:solidFill>
+                  <a:srgbClr val="000000"/>
+                </a:solidFill>
+                <a:latin typeface="Consolas" panose="020B0609020204030204" pitchFamily="49" charset="0"/>
+                <a:cs typeface="Consolas" panose="020B0609020204030204" pitchFamily="49" charset="0"/>
+              </a:rPr>
+              <a:t>username</a:t>
             </a:r>
             <a:r>
               <a:rPr lang="de-DE" altLang="de-DE" sz="1600" dirty="0">
@@ -11347,7 +12327,7 @@
                 <a:latin typeface="Consolas" panose="020B0609020204030204" pitchFamily="49" charset="0"/>
                 <a:cs typeface="Consolas" panose="020B0609020204030204" pitchFamily="49" charset="0"/>
               </a:rPr>
-              <a:t>tester.assertInfoMessages</a:t>
+              <a:t>formTester.setValue</a:t>
             </a:r>
             <a:r>
               <a:rPr lang="de-DE" altLang="de-DE" sz="1600" dirty="0">
@@ -11367,7 +12347,47 @@
                 <a:latin typeface="Consolas" panose="020B0609020204030204" pitchFamily="49" charset="0"/>
                 <a:cs typeface="Consolas" panose="020B0609020204030204" pitchFamily="49" charset="0"/>
               </a:rPr>
-              <a:t>"Benutzername und Passwort korrekt!"</a:t>
+              <a:t>"</a:t>
+            </a:r>
+            <a:r>
+              <a:rPr lang="de-DE" altLang="de-DE" sz="1600" b="1" dirty="0" err="1">
+                <a:solidFill>
+                  <a:srgbClr val="008000"/>
+                </a:solidFill>
+                <a:latin typeface="Consolas" panose="020B0609020204030204" pitchFamily="49" charset="0"/>
+                <a:cs typeface="Consolas" panose="020B0609020204030204" pitchFamily="49" charset="0"/>
+              </a:rPr>
+              <a:t>password</a:t>
+            </a:r>
+            <a:r>
+              <a:rPr lang="de-DE" altLang="de-DE" sz="1600" b="1" dirty="0">
+                <a:solidFill>
+                  <a:srgbClr val="008000"/>
+                </a:solidFill>
+                <a:latin typeface="Consolas" panose="020B0609020204030204" pitchFamily="49" charset="0"/>
+                <a:cs typeface="Consolas" panose="020B0609020204030204" pitchFamily="49" charset="0"/>
+              </a:rPr>
+              <a:t>"</a:t>
+            </a:r>
+            <a:r>
+              <a:rPr lang="de-DE" altLang="de-DE" sz="1600" dirty="0">
+                <a:solidFill>
+                  <a:srgbClr val="000000"/>
+                </a:solidFill>
+                <a:latin typeface="Consolas" panose="020B0609020204030204" pitchFamily="49" charset="0"/>
+                <a:cs typeface="Consolas" panose="020B0609020204030204" pitchFamily="49" charset="0"/>
+              </a:rPr>
+              <a:t>, </a:t>
+            </a:r>
+            <a:r>
+              <a:rPr lang="de-DE" altLang="de-DE" sz="1600" dirty="0" err="1">
+                <a:solidFill>
+                  <a:srgbClr val="000000"/>
+                </a:solidFill>
+                <a:latin typeface="Consolas" panose="020B0609020204030204" pitchFamily="49" charset="0"/>
+                <a:cs typeface="Consolas" panose="020B0609020204030204" pitchFamily="49" charset="0"/>
+              </a:rPr>
+              <a:t>password</a:t>
             </a:r>
             <a:r>
               <a:rPr lang="de-DE" altLang="de-DE" sz="1600" dirty="0">
@@ -11396,7 +12416,56 @@
                 <a:latin typeface="Consolas" panose="020B0609020204030204" pitchFamily="49" charset="0"/>
                 <a:cs typeface="Consolas" panose="020B0609020204030204" pitchFamily="49" charset="0"/>
               </a:rPr>
-              <a:t>}</a:t>
+              <a:t>    </a:t>
+            </a:r>
+            <a:r>
+              <a:rPr lang="de-DE" altLang="de-DE" sz="1600" i="1" dirty="0">
+                <a:solidFill>
+                  <a:srgbClr val="808080"/>
+                </a:solidFill>
+                <a:latin typeface="Consolas" panose="020B0609020204030204" pitchFamily="49" charset="0"/>
+                <a:cs typeface="Consolas" panose="020B0609020204030204" pitchFamily="49" charset="0"/>
+              </a:rPr>
+              <a:t>// Formular abschicken</a:t>
+            </a:r>
+            <a:br>
+              <a:rPr lang="de-DE" altLang="de-DE" sz="1600" i="1" dirty="0">
+                <a:solidFill>
+                  <a:srgbClr val="808080"/>
+                </a:solidFill>
+                <a:latin typeface="Consolas" panose="020B0609020204030204" pitchFamily="49" charset="0"/>
+                <a:cs typeface="Consolas" panose="020B0609020204030204" pitchFamily="49" charset="0"/>
+              </a:rPr>
+            </a:br>
+            <a:r>
+              <a:rPr lang="de-DE" altLang="de-DE" sz="1600" i="1" dirty="0">
+                <a:solidFill>
+                  <a:srgbClr val="808080"/>
+                </a:solidFill>
+                <a:latin typeface="Consolas" panose="020B0609020204030204" pitchFamily="49" charset="0"/>
+                <a:cs typeface="Consolas" panose="020B0609020204030204" pitchFamily="49" charset="0"/>
+              </a:rPr>
+              <a:t>    </a:t>
+            </a:r>
+            <a:r>
+              <a:rPr lang="de-DE" altLang="de-DE" sz="1600" dirty="0" err="1">
+                <a:solidFill>
+                  <a:srgbClr val="000000"/>
+                </a:solidFill>
+                <a:latin typeface="Consolas" panose="020B0609020204030204" pitchFamily="49" charset="0"/>
+                <a:cs typeface="Consolas" panose="020B0609020204030204" pitchFamily="49" charset="0"/>
+              </a:rPr>
+              <a:t>formTester.submit</a:t>
+            </a:r>
+            <a:r>
+              <a:rPr lang="de-DE" altLang="de-DE" sz="1600" dirty="0">
+                <a:solidFill>
+                  <a:srgbClr val="000000"/>
+                </a:solidFill>
+                <a:latin typeface="Consolas" panose="020B0609020204030204" pitchFamily="49" charset="0"/>
+                <a:cs typeface="Consolas" panose="020B0609020204030204" pitchFamily="49" charset="0"/>
+              </a:rPr>
+              <a:t>();</a:t>
             </a:r>
             <a:br>
               <a:rPr lang="de-DE" altLang="de-DE" sz="1600" dirty="0">
@@ -11415,274 +12484,9 @@
                 <a:latin typeface="Consolas" panose="020B0609020204030204" pitchFamily="49" charset="0"/>
                 <a:cs typeface="Consolas" panose="020B0609020204030204" pitchFamily="49" charset="0"/>
               </a:rPr>
-              <a:t/>
-            </a:r>
-            <a:br>
-              <a:rPr lang="de-DE" altLang="de-DE" sz="1600" dirty="0">
-                <a:solidFill>
-                  <a:srgbClr val="000000"/>
-                </a:solidFill>
-                <a:latin typeface="Consolas" panose="020B0609020204030204" pitchFamily="49" charset="0"/>
-                <a:cs typeface="Consolas" panose="020B0609020204030204" pitchFamily="49" charset="0"/>
-              </a:rPr>
-            </a:br>
-            <a:r>
-              <a:rPr lang="de-DE" altLang="de-DE" sz="1600" dirty="0">
-                <a:solidFill>
-                  <a:srgbClr val="000000"/>
-                </a:solidFill>
-                <a:latin typeface="Consolas" panose="020B0609020204030204" pitchFamily="49" charset="0"/>
-                <a:cs typeface="Consolas" panose="020B0609020204030204" pitchFamily="49" charset="0"/>
-              </a:rPr>
-              <a:t>@Test</a:t>
-            </a:r>
-            <a:br>
-              <a:rPr lang="de-DE" altLang="de-DE" sz="1600" dirty="0">
-                <a:solidFill>
-                  <a:srgbClr val="000000"/>
-                </a:solidFill>
-                <a:latin typeface="Consolas" panose="020B0609020204030204" pitchFamily="49" charset="0"/>
-                <a:cs typeface="Consolas" panose="020B0609020204030204" pitchFamily="49" charset="0"/>
-              </a:rPr>
-            </a:br>
-            <a:r>
-              <a:rPr lang="de-DE" altLang="de-DE" sz="1600" b="1" dirty="0" err="1">
-                <a:solidFill>
-                  <a:srgbClr val="000080"/>
-                </a:solidFill>
-                <a:latin typeface="Consolas" panose="020B0609020204030204" pitchFamily="49" charset="0"/>
-                <a:cs typeface="Consolas" panose="020B0609020204030204" pitchFamily="49" charset="0"/>
-              </a:rPr>
-              <a:t>public</a:t>
-            </a:r>
-            <a:r>
-              <a:rPr lang="de-DE" altLang="de-DE" sz="1600" b="1" dirty="0">
-                <a:solidFill>
-                  <a:srgbClr val="000080"/>
-                </a:solidFill>
-                <a:latin typeface="Consolas" panose="020B0609020204030204" pitchFamily="49" charset="0"/>
-                <a:cs typeface="Consolas" panose="020B0609020204030204" pitchFamily="49" charset="0"/>
-              </a:rPr>
-              <a:t> </a:t>
-            </a:r>
-            <a:r>
-              <a:rPr lang="de-DE" altLang="de-DE" sz="1600" b="1" dirty="0" err="1">
-                <a:solidFill>
-                  <a:srgbClr val="000080"/>
-                </a:solidFill>
-                <a:latin typeface="Consolas" panose="020B0609020204030204" pitchFamily="49" charset="0"/>
-                <a:cs typeface="Consolas" panose="020B0609020204030204" pitchFamily="49" charset="0"/>
-              </a:rPr>
-              <a:t>void</a:t>
-            </a:r>
-            <a:r>
-              <a:rPr lang="de-DE" altLang="de-DE" sz="1600" b="1" dirty="0">
-                <a:solidFill>
-                  <a:srgbClr val="000080"/>
-                </a:solidFill>
-                <a:latin typeface="Consolas" panose="020B0609020204030204" pitchFamily="49" charset="0"/>
-                <a:cs typeface="Consolas" panose="020B0609020204030204" pitchFamily="49" charset="0"/>
-              </a:rPr>
-              <a:t> </a:t>
-            </a:r>
-            <a:r>
-              <a:rPr lang="de-DE" altLang="de-DE" sz="1600" dirty="0" err="1">
-                <a:solidFill>
-                  <a:srgbClr val="000000"/>
-                </a:solidFill>
-                <a:latin typeface="Consolas" panose="020B0609020204030204" pitchFamily="49" charset="0"/>
-                <a:cs typeface="Consolas" panose="020B0609020204030204" pitchFamily="49" charset="0"/>
-              </a:rPr>
-              <a:t>testMessageForFailedLogin</a:t>
-            </a:r>
-            <a:r>
-              <a:rPr lang="de-DE" altLang="de-DE" sz="1600" dirty="0">
-                <a:solidFill>
-                  <a:srgbClr val="000000"/>
-                </a:solidFill>
-                <a:latin typeface="Consolas" panose="020B0609020204030204" pitchFamily="49" charset="0"/>
-                <a:cs typeface="Consolas" panose="020B0609020204030204" pitchFamily="49" charset="0"/>
-              </a:rPr>
-              <a:t> () {</a:t>
-            </a:r>
-            <a:br>
-              <a:rPr lang="de-DE" altLang="de-DE" sz="1600" dirty="0">
-                <a:solidFill>
-                  <a:srgbClr val="000000"/>
-                </a:solidFill>
-                <a:latin typeface="Consolas" panose="020B0609020204030204" pitchFamily="49" charset="0"/>
-                <a:cs typeface="Consolas" panose="020B0609020204030204" pitchFamily="49" charset="0"/>
-              </a:rPr>
-            </a:br>
-            <a:r>
-              <a:rPr lang="de-DE" altLang="de-DE" sz="1600" dirty="0">
-                <a:solidFill>
-                  <a:srgbClr val="000000"/>
-                </a:solidFill>
-                <a:latin typeface="Consolas" panose="020B0609020204030204" pitchFamily="49" charset="0"/>
-                <a:cs typeface="Consolas" panose="020B0609020204030204" pitchFamily="49" charset="0"/>
-              </a:rPr>
-              <a:t>    </a:t>
-            </a:r>
-            <a:r>
-              <a:rPr lang="de-DE" altLang="de-DE" sz="1600" dirty="0" err="1">
-                <a:solidFill>
-                  <a:srgbClr val="000000"/>
-                </a:solidFill>
-                <a:latin typeface="Consolas" panose="020B0609020204030204" pitchFamily="49" charset="0"/>
-                <a:cs typeface="Consolas" panose="020B0609020204030204" pitchFamily="49" charset="0"/>
-              </a:rPr>
-              <a:t>insertUsernamePassword</a:t>
-            </a:r>
-            <a:r>
-              <a:rPr lang="de-DE" altLang="de-DE" sz="1600" dirty="0">
-                <a:solidFill>
-                  <a:srgbClr val="000000"/>
-                </a:solidFill>
-                <a:latin typeface="Consolas" panose="020B0609020204030204" pitchFamily="49" charset="0"/>
-                <a:cs typeface="Consolas" panose="020B0609020204030204" pitchFamily="49" charset="0"/>
-              </a:rPr>
-              <a:t>(</a:t>
-            </a:r>
-            <a:r>
-              <a:rPr lang="de-DE" altLang="de-DE" sz="1600" b="1" dirty="0">
-                <a:solidFill>
-                  <a:srgbClr val="008000"/>
-                </a:solidFill>
-                <a:latin typeface="Consolas" panose="020B0609020204030204" pitchFamily="49" charset="0"/>
-                <a:cs typeface="Consolas" panose="020B0609020204030204" pitchFamily="49" charset="0"/>
-              </a:rPr>
-              <a:t>"</a:t>
-            </a:r>
-            <a:r>
-              <a:rPr lang="de-DE" altLang="de-DE" sz="1600" b="1" dirty="0" err="1">
-                <a:solidFill>
-                  <a:srgbClr val="008000"/>
-                </a:solidFill>
-                <a:latin typeface="Consolas" panose="020B0609020204030204" pitchFamily="49" charset="0"/>
-                <a:cs typeface="Consolas" panose="020B0609020204030204" pitchFamily="49" charset="0"/>
-              </a:rPr>
-              <a:t>Wicket</a:t>
-            </a:r>
-            <a:r>
-              <a:rPr lang="de-DE" altLang="de-DE" sz="1600" b="1" dirty="0">
-                <a:solidFill>
-                  <a:srgbClr val="008000"/>
-                </a:solidFill>
-                <a:latin typeface="Consolas" panose="020B0609020204030204" pitchFamily="49" charset="0"/>
-                <a:cs typeface="Consolas" panose="020B0609020204030204" pitchFamily="49" charset="0"/>
-              </a:rPr>
-              <a:t>"</a:t>
-            </a:r>
-            <a:r>
-              <a:rPr lang="de-DE" altLang="de-DE" sz="1600" dirty="0">
-                <a:solidFill>
-                  <a:srgbClr val="000000"/>
-                </a:solidFill>
-                <a:latin typeface="Consolas" panose="020B0609020204030204" pitchFamily="49" charset="0"/>
-                <a:cs typeface="Consolas" panose="020B0609020204030204" pitchFamily="49" charset="0"/>
-              </a:rPr>
-              <a:t>, </a:t>
-            </a:r>
-            <a:r>
-              <a:rPr lang="de-DE" altLang="de-DE" sz="1600" b="1" dirty="0">
-                <a:solidFill>
-                  <a:srgbClr val="008000"/>
-                </a:solidFill>
-                <a:latin typeface="Consolas" panose="020B0609020204030204" pitchFamily="49" charset="0"/>
-                <a:cs typeface="Consolas" panose="020B0609020204030204" pitchFamily="49" charset="0"/>
-              </a:rPr>
-              <a:t>"Apache"</a:t>
-            </a:r>
-            <a:r>
-              <a:rPr lang="de-DE" altLang="de-DE" sz="1600" dirty="0">
-                <a:solidFill>
-                  <a:srgbClr val="000000"/>
-                </a:solidFill>
-                <a:latin typeface="Consolas" panose="020B0609020204030204" pitchFamily="49" charset="0"/>
-                <a:cs typeface="Consolas" panose="020B0609020204030204" pitchFamily="49" charset="0"/>
-              </a:rPr>
-              <a:t>);</a:t>
-            </a:r>
-            <a:br>
-              <a:rPr lang="de-DE" altLang="de-DE" sz="1600" dirty="0">
-                <a:solidFill>
-                  <a:srgbClr val="000000"/>
-                </a:solidFill>
-                <a:latin typeface="Consolas" panose="020B0609020204030204" pitchFamily="49" charset="0"/>
-                <a:cs typeface="Consolas" panose="020B0609020204030204" pitchFamily="49" charset="0"/>
-              </a:rPr>
-            </a:br>
-            <a:r>
-              <a:rPr lang="de-DE" altLang="de-DE" sz="1600" dirty="0">
-                <a:solidFill>
-                  <a:srgbClr val="000000"/>
-                </a:solidFill>
-                <a:latin typeface="Consolas" panose="020B0609020204030204" pitchFamily="49" charset="0"/>
-                <a:cs typeface="Consolas" panose="020B0609020204030204" pitchFamily="49" charset="0"/>
-              </a:rPr>
-              <a:t>    </a:t>
-            </a:r>
-            <a:r>
-              <a:rPr lang="de-DE" altLang="de-DE" sz="1600" dirty="0" err="1">
-                <a:solidFill>
-                  <a:srgbClr val="000000"/>
-                </a:solidFill>
-                <a:latin typeface="Consolas" panose="020B0609020204030204" pitchFamily="49" charset="0"/>
-                <a:cs typeface="Consolas" panose="020B0609020204030204" pitchFamily="49" charset="0"/>
-              </a:rPr>
-              <a:t>tester.assertErrorMessages</a:t>
-            </a:r>
-            <a:r>
-              <a:rPr lang="de-DE" altLang="de-DE" sz="1600" dirty="0">
-                <a:solidFill>
-                  <a:srgbClr val="000000"/>
-                </a:solidFill>
-                <a:latin typeface="Consolas" panose="020B0609020204030204" pitchFamily="49" charset="0"/>
-                <a:cs typeface="Consolas" panose="020B0609020204030204" pitchFamily="49" charset="0"/>
-              </a:rPr>
-              <a:t>(</a:t>
-            </a:r>
-            <a:r>
-              <a:rPr lang="de-DE" altLang="de-DE" sz="1600" b="1" dirty="0">
-                <a:solidFill>
-                  <a:srgbClr val="008000"/>
-                </a:solidFill>
-                <a:latin typeface="Consolas" panose="020B0609020204030204" pitchFamily="49" charset="0"/>
-                <a:cs typeface="Consolas" panose="020B0609020204030204" pitchFamily="49" charset="0"/>
-              </a:rPr>
-              <a:t>"Benutzername oder Passwort falsch!"</a:t>
-            </a:r>
-            <a:r>
-              <a:rPr lang="de-DE" altLang="de-DE" sz="1600" dirty="0">
-                <a:solidFill>
-                  <a:srgbClr val="000000"/>
-                </a:solidFill>
-                <a:latin typeface="Consolas" panose="020B0609020204030204" pitchFamily="49" charset="0"/>
-                <a:cs typeface="Consolas" panose="020B0609020204030204" pitchFamily="49" charset="0"/>
-              </a:rPr>
-              <a:t>);</a:t>
-            </a:r>
-            <a:br>
-              <a:rPr lang="de-DE" altLang="de-DE" sz="1600" dirty="0">
-                <a:solidFill>
-                  <a:srgbClr val="000000"/>
-                </a:solidFill>
-                <a:latin typeface="Consolas" panose="020B0609020204030204" pitchFamily="49" charset="0"/>
-                <a:cs typeface="Consolas" panose="020B0609020204030204" pitchFamily="49" charset="0"/>
-              </a:rPr>
-            </a:br>
-            <a:r>
-              <a:rPr lang="de-DE" altLang="de-DE" sz="1600" dirty="0">
-                <a:solidFill>
-                  <a:srgbClr val="000000"/>
-                </a:solidFill>
-                <a:latin typeface="Consolas" panose="020B0609020204030204" pitchFamily="49" charset="0"/>
-                <a:cs typeface="Consolas" panose="020B0609020204030204" pitchFamily="49" charset="0"/>
-              </a:rPr>
               <a:t>}</a:t>
             </a:r>
-            <a:endParaRPr lang="de-DE" altLang="de-DE" sz="3600" dirty="0">
+            <a:endParaRPr lang="de-DE" altLang="de-DE" sz="1600" dirty="0">
               <a:latin typeface="Consolas" panose="020B0609020204030204" pitchFamily="49" charset="0"/>
               <a:cs typeface="Consolas" panose="020B0609020204030204" pitchFamily="49" charset="0"/>
             </a:endParaRPr>
@@ -11719,7 +12523,7 @@
     </p:spTree>
     <p:extLst>
       <p:ext uri="{BB962C8B-B14F-4D97-AF65-F5344CB8AC3E}">
-        <p14:creationId xmlns:p14="http://schemas.microsoft.com/office/powerpoint/2010/main" val="3331677386"/>
+        <p14:creationId xmlns:p14="http://schemas.microsoft.com/office/powerpoint/2010/main" val="2450163056"/>
       </p:ext>
     </p:extLst>
   </p:cSld>
@@ -11771,7 +12575,7 @@
             </a:pPr>
             <a:r>
               <a:rPr lang="de-DE" sz="2000" b="1" dirty="0" err="1"/>
-              <a:t>TagTester</a:t>
+              <a:t>FormTester</a:t>
             </a:r>
             <a:endParaRPr lang="de-DE" sz="2000" b="1" dirty="0"/>
           </a:p>
@@ -11782,7 +12586,7 @@
             </a:pPr>
             <a:r>
               <a:rPr lang="de-DE" sz="2000" dirty="0"/>
-              <a:t>Feingranulare Überprüfung des gerenderten Markups</a:t>
+              <a:t>Testen von Formularen im Speziellen</a:t>
             </a:r>
           </a:p>
           <a:p>
@@ -11792,43 +12596,602 @@
             </a:pPr>
             <a:r>
               <a:rPr lang="de-DE" sz="2000" dirty="0"/>
-              <a:t>Erstellung von </a:t>
-            </a:r>
-            <a:r>
-              <a:rPr lang="de-DE" sz="2000" dirty="0" err="1"/>
-              <a:t>TagTestern</a:t>
-            </a:r>
-            <a:endParaRPr lang="de-DE" sz="2000" dirty="0"/>
-          </a:p>
-          <a:p>
-            <a:pPr lvl="1">
+              <a:t>Überprüfung von Feedback Messages</a:t>
+            </a:r>
+          </a:p>
+          <a:p>
+            <a:pPr>
               <a:buFont typeface="Arial" panose="020B0604020202020204" pitchFamily="34" charset="0"/>
               <a:buChar char="•"/>
             </a:pPr>
             <a:r>
-              <a:rPr lang="de-DE" sz="1600" dirty="0"/>
-              <a:t>Repräsentieren DOM-Elemente</a:t>
-            </a:r>
-          </a:p>
-          <a:p>
-            <a:pPr lvl="1">
-              <a:buFont typeface="Arial" panose="020B0604020202020204" pitchFamily="34" charset="0"/>
-              <a:buChar char="•"/>
+              <a:rPr lang="de-DE" sz="2000" dirty="0"/>
+              <a:t>Erzeugung durch </a:t>
+            </a:r>
+            <a:r>
+              <a:rPr lang="de-DE" sz="2000" dirty="0" err="1"/>
+              <a:t>WicketTester</a:t>
+            </a:r>
+            <a:endParaRPr lang="de-DE" sz="2000" dirty="0"/>
+          </a:p>
+          <a:p>
+            <a:pPr marL="0" indent="0">
+              <a:buNone/>
             </a:pPr>
-            <a:r>
-              <a:rPr lang="de-DE" sz="1600" dirty="0"/>
-              <a:t>Statische Factory-Methoden</a:t>
-            </a:r>
-          </a:p>
-          <a:p>
-            <a:pPr lvl="1">
-              <a:buFont typeface="Arial" panose="020B0604020202020204" pitchFamily="34" charset="0"/>
-              <a:buChar char="•"/>
+            <a:endParaRPr lang="de-DE" sz="2000" dirty="0"/>
+          </a:p>
+          <a:p>
+            <a:pPr marL="0" lvl="0" indent="0">
+              <a:spcBef>
+                <a:spcPct val="0"/>
+              </a:spcBef>
+              <a:buClrTx/>
+              <a:buNone/>
             </a:pPr>
             <a:r>
-              <a:rPr lang="de-DE" sz="1600" dirty="0"/>
-              <a:t>Angabe von Selektionskriterien</a:t>
-            </a:r>
+              <a:rPr lang="de-DE" altLang="de-DE" sz="1600" dirty="0">
+                <a:solidFill>
+                  <a:srgbClr val="000000"/>
+                </a:solidFill>
+                <a:latin typeface="Consolas" panose="020B0609020204030204" pitchFamily="49" charset="0"/>
+                <a:cs typeface="Consolas" panose="020B0609020204030204" pitchFamily="49" charset="0"/>
+              </a:rPr>
+              <a:t>@Test</a:t>
+            </a:r>
+            <a:br>
+              <a:rPr lang="de-DE" altLang="de-DE" sz="1600" dirty="0">
+                <a:solidFill>
+                  <a:srgbClr val="000000"/>
+                </a:solidFill>
+                <a:latin typeface="Consolas" panose="020B0609020204030204" pitchFamily="49" charset="0"/>
+                <a:cs typeface="Consolas" panose="020B0609020204030204" pitchFamily="49" charset="0"/>
+              </a:rPr>
+            </a:br>
+            <a:r>
+              <a:rPr lang="de-DE" altLang="de-DE" sz="1600" b="1" dirty="0" err="1">
+                <a:solidFill>
+                  <a:srgbClr val="000080"/>
+                </a:solidFill>
+                <a:latin typeface="Consolas" panose="020B0609020204030204" pitchFamily="49" charset="0"/>
+                <a:cs typeface="Consolas" panose="020B0609020204030204" pitchFamily="49" charset="0"/>
+              </a:rPr>
+              <a:t>public</a:t>
+            </a:r>
+            <a:r>
+              <a:rPr lang="de-DE" altLang="de-DE" sz="1600" b="1" dirty="0">
+                <a:solidFill>
+                  <a:srgbClr val="000080"/>
+                </a:solidFill>
+                <a:latin typeface="Consolas" panose="020B0609020204030204" pitchFamily="49" charset="0"/>
+                <a:cs typeface="Consolas" panose="020B0609020204030204" pitchFamily="49" charset="0"/>
+              </a:rPr>
+              <a:t> </a:t>
+            </a:r>
+            <a:r>
+              <a:rPr lang="de-DE" altLang="de-DE" sz="1600" b="1" dirty="0" err="1">
+                <a:solidFill>
+                  <a:srgbClr val="000080"/>
+                </a:solidFill>
+                <a:latin typeface="Consolas" panose="020B0609020204030204" pitchFamily="49" charset="0"/>
+                <a:cs typeface="Consolas" panose="020B0609020204030204" pitchFamily="49" charset="0"/>
+              </a:rPr>
+              <a:t>void</a:t>
+            </a:r>
+            <a:r>
+              <a:rPr lang="de-DE" altLang="de-DE" sz="1600" b="1" dirty="0">
+                <a:solidFill>
+                  <a:srgbClr val="000080"/>
+                </a:solidFill>
+                <a:latin typeface="Consolas" panose="020B0609020204030204" pitchFamily="49" charset="0"/>
+                <a:cs typeface="Consolas" panose="020B0609020204030204" pitchFamily="49" charset="0"/>
+              </a:rPr>
+              <a:t> </a:t>
+            </a:r>
+            <a:r>
+              <a:rPr lang="de-DE" altLang="de-DE" sz="1600" dirty="0" err="1">
+                <a:solidFill>
+                  <a:srgbClr val="000000"/>
+                </a:solidFill>
+                <a:latin typeface="Consolas" panose="020B0609020204030204" pitchFamily="49" charset="0"/>
+                <a:cs typeface="Consolas" panose="020B0609020204030204" pitchFamily="49" charset="0"/>
+              </a:rPr>
+              <a:t>testMessageForSuccessfulLogin</a:t>
+            </a:r>
+            <a:r>
+              <a:rPr lang="de-DE" altLang="de-DE" sz="1600" dirty="0">
+                <a:solidFill>
+                  <a:srgbClr val="000000"/>
+                </a:solidFill>
+                <a:latin typeface="Consolas" panose="020B0609020204030204" pitchFamily="49" charset="0"/>
+                <a:cs typeface="Consolas" panose="020B0609020204030204" pitchFamily="49" charset="0"/>
+              </a:rPr>
+              <a:t>() {</a:t>
+            </a:r>
+            <a:br>
+              <a:rPr lang="de-DE" altLang="de-DE" sz="1600" dirty="0">
+                <a:solidFill>
+                  <a:srgbClr val="000000"/>
+                </a:solidFill>
+                <a:latin typeface="Consolas" panose="020B0609020204030204" pitchFamily="49" charset="0"/>
+                <a:cs typeface="Consolas" panose="020B0609020204030204" pitchFamily="49" charset="0"/>
+              </a:rPr>
+            </a:br>
+            <a:r>
+              <a:rPr lang="de-DE" altLang="de-DE" sz="1600" dirty="0">
+                <a:solidFill>
+                  <a:srgbClr val="000000"/>
+                </a:solidFill>
+                <a:latin typeface="Consolas" panose="020B0609020204030204" pitchFamily="49" charset="0"/>
+                <a:cs typeface="Consolas" panose="020B0609020204030204" pitchFamily="49" charset="0"/>
+              </a:rPr>
+              <a:t>    </a:t>
+            </a:r>
+            <a:r>
+              <a:rPr lang="de-DE" altLang="de-DE" sz="1600" dirty="0" err="1">
+                <a:solidFill>
+                  <a:srgbClr val="000000"/>
+                </a:solidFill>
+                <a:latin typeface="Consolas" panose="020B0609020204030204" pitchFamily="49" charset="0"/>
+                <a:cs typeface="Consolas" panose="020B0609020204030204" pitchFamily="49" charset="0"/>
+              </a:rPr>
+              <a:t>insertUsernamePassword</a:t>
+            </a:r>
+            <a:r>
+              <a:rPr lang="de-DE" altLang="de-DE" sz="1600" dirty="0">
+                <a:solidFill>
+                  <a:srgbClr val="000000"/>
+                </a:solidFill>
+                <a:latin typeface="Consolas" panose="020B0609020204030204" pitchFamily="49" charset="0"/>
+                <a:cs typeface="Consolas" panose="020B0609020204030204" pitchFamily="49" charset="0"/>
+              </a:rPr>
+              <a:t>(</a:t>
+            </a:r>
+            <a:r>
+              <a:rPr lang="de-DE" altLang="de-DE" sz="1600" b="1" dirty="0">
+                <a:solidFill>
+                  <a:srgbClr val="008000"/>
+                </a:solidFill>
+                <a:latin typeface="Consolas" panose="020B0609020204030204" pitchFamily="49" charset="0"/>
+                <a:cs typeface="Consolas" panose="020B0609020204030204" pitchFamily="49" charset="0"/>
+              </a:rPr>
+              <a:t>"</a:t>
+            </a:r>
+            <a:r>
+              <a:rPr lang="de-DE" altLang="de-DE" sz="1600" b="1" dirty="0" err="1">
+                <a:solidFill>
+                  <a:srgbClr val="008000"/>
+                </a:solidFill>
+                <a:latin typeface="Consolas" panose="020B0609020204030204" pitchFamily="49" charset="0"/>
+                <a:cs typeface="Consolas" panose="020B0609020204030204" pitchFamily="49" charset="0"/>
+              </a:rPr>
+              <a:t>Wicket</a:t>
+            </a:r>
+            <a:r>
+              <a:rPr lang="de-DE" altLang="de-DE" sz="1600" b="1" dirty="0">
+                <a:solidFill>
+                  <a:srgbClr val="008000"/>
+                </a:solidFill>
+                <a:latin typeface="Consolas" panose="020B0609020204030204" pitchFamily="49" charset="0"/>
+                <a:cs typeface="Consolas" panose="020B0609020204030204" pitchFamily="49" charset="0"/>
+              </a:rPr>
+              <a:t>"</a:t>
+            </a:r>
+            <a:r>
+              <a:rPr lang="de-DE" altLang="de-DE" sz="1600" dirty="0">
+                <a:solidFill>
+                  <a:srgbClr val="000000"/>
+                </a:solidFill>
+                <a:latin typeface="Consolas" panose="020B0609020204030204" pitchFamily="49" charset="0"/>
+                <a:cs typeface="Consolas" panose="020B0609020204030204" pitchFamily="49" charset="0"/>
+              </a:rPr>
+              <a:t>, </a:t>
+            </a:r>
+            <a:r>
+              <a:rPr lang="de-DE" altLang="de-DE" sz="1600" b="1" dirty="0">
+                <a:solidFill>
+                  <a:srgbClr val="008000"/>
+                </a:solidFill>
+                <a:latin typeface="Consolas" panose="020B0609020204030204" pitchFamily="49" charset="0"/>
+                <a:cs typeface="Consolas" panose="020B0609020204030204" pitchFamily="49" charset="0"/>
+              </a:rPr>
+              <a:t>"</a:t>
+            </a:r>
+            <a:r>
+              <a:rPr lang="de-DE" altLang="de-DE" sz="1600" b="1" dirty="0" err="1">
+                <a:solidFill>
+                  <a:srgbClr val="008000"/>
+                </a:solidFill>
+                <a:latin typeface="Consolas" panose="020B0609020204030204" pitchFamily="49" charset="0"/>
+                <a:cs typeface="Consolas" panose="020B0609020204030204" pitchFamily="49" charset="0"/>
+              </a:rPr>
+              <a:t>anderScore</a:t>
+            </a:r>
+            <a:r>
+              <a:rPr lang="de-DE" altLang="de-DE" sz="1600" b="1" dirty="0">
+                <a:solidFill>
+                  <a:srgbClr val="008000"/>
+                </a:solidFill>
+                <a:latin typeface="Consolas" panose="020B0609020204030204" pitchFamily="49" charset="0"/>
+                <a:cs typeface="Consolas" panose="020B0609020204030204" pitchFamily="49" charset="0"/>
+              </a:rPr>
+              <a:t>"</a:t>
+            </a:r>
+            <a:r>
+              <a:rPr lang="de-DE" altLang="de-DE" sz="1600" dirty="0">
+                <a:solidFill>
+                  <a:srgbClr val="000000"/>
+                </a:solidFill>
+                <a:latin typeface="Consolas" panose="020B0609020204030204" pitchFamily="49" charset="0"/>
+                <a:cs typeface="Consolas" panose="020B0609020204030204" pitchFamily="49" charset="0"/>
+              </a:rPr>
+              <a:t>);</a:t>
+            </a:r>
+            <a:br>
+              <a:rPr lang="de-DE" altLang="de-DE" sz="1600" dirty="0">
+                <a:solidFill>
+                  <a:srgbClr val="000000"/>
+                </a:solidFill>
+                <a:latin typeface="Consolas" panose="020B0609020204030204" pitchFamily="49" charset="0"/>
+                <a:cs typeface="Consolas" panose="020B0609020204030204" pitchFamily="49" charset="0"/>
+              </a:rPr>
+            </a:br>
+            <a:r>
+              <a:rPr lang="de-DE" altLang="de-DE" sz="1600" dirty="0">
+                <a:solidFill>
+                  <a:srgbClr val="000000"/>
+                </a:solidFill>
+                <a:latin typeface="Consolas" panose="020B0609020204030204" pitchFamily="49" charset="0"/>
+                <a:cs typeface="Consolas" panose="020B0609020204030204" pitchFamily="49" charset="0"/>
+              </a:rPr>
+              <a:t>    </a:t>
+            </a:r>
+            <a:r>
+              <a:rPr lang="de-DE" altLang="de-DE" sz="1600" dirty="0" err="1">
+                <a:solidFill>
+                  <a:srgbClr val="000000"/>
+                </a:solidFill>
+                <a:latin typeface="Consolas" panose="020B0609020204030204" pitchFamily="49" charset="0"/>
+                <a:cs typeface="Consolas" panose="020B0609020204030204" pitchFamily="49" charset="0"/>
+              </a:rPr>
+              <a:t>tester.assertInfoMessages</a:t>
+            </a:r>
+            <a:r>
+              <a:rPr lang="de-DE" altLang="de-DE" sz="1600" dirty="0">
+                <a:solidFill>
+                  <a:srgbClr val="000000"/>
+                </a:solidFill>
+                <a:latin typeface="Consolas" panose="020B0609020204030204" pitchFamily="49" charset="0"/>
+                <a:cs typeface="Consolas" panose="020B0609020204030204" pitchFamily="49" charset="0"/>
+              </a:rPr>
+              <a:t>(</a:t>
+            </a:r>
+            <a:r>
+              <a:rPr lang="de-DE" altLang="de-DE" sz="1600" b="1" dirty="0">
+                <a:solidFill>
+                  <a:srgbClr val="008000"/>
+                </a:solidFill>
+                <a:latin typeface="Consolas" panose="020B0609020204030204" pitchFamily="49" charset="0"/>
+                <a:cs typeface="Consolas" panose="020B0609020204030204" pitchFamily="49" charset="0"/>
+              </a:rPr>
+              <a:t>"Benutzername und Passwort korrekt!"</a:t>
+            </a:r>
+            <a:r>
+              <a:rPr lang="de-DE" altLang="de-DE" sz="1600" dirty="0">
+                <a:solidFill>
+                  <a:srgbClr val="000000"/>
+                </a:solidFill>
+                <a:latin typeface="Consolas" panose="020B0609020204030204" pitchFamily="49" charset="0"/>
+                <a:cs typeface="Consolas" panose="020B0609020204030204" pitchFamily="49" charset="0"/>
+              </a:rPr>
+              <a:t>);</a:t>
+            </a:r>
+            <a:br>
+              <a:rPr lang="de-DE" altLang="de-DE" sz="1600" dirty="0">
+                <a:solidFill>
+                  <a:srgbClr val="000000"/>
+                </a:solidFill>
+                <a:latin typeface="Consolas" panose="020B0609020204030204" pitchFamily="49" charset="0"/>
+                <a:cs typeface="Consolas" panose="020B0609020204030204" pitchFamily="49" charset="0"/>
+              </a:rPr>
+            </a:br>
+            <a:r>
+              <a:rPr lang="de-DE" altLang="de-DE" sz="1600" dirty="0">
+                <a:solidFill>
+                  <a:srgbClr val="000000"/>
+                </a:solidFill>
+                <a:latin typeface="Consolas" panose="020B0609020204030204" pitchFamily="49" charset="0"/>
+                <a:cs typeface="Consolas" panose="020B0609020204030204" pitchFamily="49" charset="0"/>
+              </a:rPr>
+              <a:t>}</a:t>
+            </a:r>
+            <a:br>
+              <a:rPr lang="de-DE" altLang="de-DE" sz="1600" dirty="0">
+                <a:solidFill>
+                  <a:srgbClr val="000000"/>
+                </a:solidFill>
+                <a:latin typeface="Consolas" panose="020B0609020204030204" pitchFamily="49" charset="0"/>
+                <a:cs typeface="Consolas" panose="020B0609020204030204" pitchFamily="49" charset="0"/>
+              </a:rPr>
+            </a:br>
+            <a:r>
+              <a:rPr lang="de-DE" altLang="de-DE" sz="1600" dirty="0">
+                <a:solidFill>
+                  <a:srgbClr val="000000"/>
+                </a:solidFill>
+                <a:latin typeface="Consolas" panose="020B0609020204030204" pitchFamily="49" charset="0"/>
+                <a:cs typeface="Consolas" panose="020B0609020204030204" pitchFamily="49" charset="0"/>
+              </a:rPr>
+              <a:t/>
+            </a:r>
+            <a:br>
+              <a:rPr lang="de-DE" altLang="de-DE" sz="1600" dirty="0">
+                <a:solidFill>
+                  <a:srgbClr val="000000"/>
+                </a:solidFill>
+                <a:latin typeface="Consolas" panose="020B0609020204030204" pitchFamily="49" charset="0"/>
+                <a:cs typeface="Consolas" panose="020B0609020204030204" pitchFamily="49" charset="0"/>
+              </a:rPr>
+            </a:br>
+            <a:r>
+              <a:rPr lang="de-DE" altLang="de-DE" sz="1600" dirty="0">
+                <a:solidFill>
+                  <a:srgbClr val="000000"/>
+                </a:solidFill>
+                <a:latin typeface="Consolas" panose="020B0609020204030204" pitchFamily="49" charset="0"/>
+                <a:cs typeface="Consolas" panose="020B0609020204030204" pitchFamily="49" charset="0"/>
+              </a:rPr>
+              <a:t>@Test</a:t>
+            </a:r>
+            <a:br>
+              <a:rPr lang="de-DE" altLang="de-DE" sz="1600" dirty="0">
+                <a:solidFill>
+                  <a:srgbClr val="000000"/>
+                </a:solidFill>
+                <a:latin typeface="Consolas" panose="020B0609020204030204" pitchFamily="49" charset="0"/>
+                <a:cs typeface="Consolas" panose="020B0609020204030204" pitchFamily="49" charset="0"/>
+              </a:rPr>
+            </a:br>
+            <a:r>
+              <a:rPr lang="de-DE" altLang="de-DE" sz="1600" b="1" dirty="0" err="1">
+                <a:solidFill>
+                  <a:srgbClr val="000080"/>
+                </a:solidFill>
+                <a:latin typeface="Consolas" panose="020B0609020204030204" pitchFamily="49" charset="0"/>
+                <a:cs typeface="Consolas" panose="020B0609020204030204" pitchFamily="49" charset="0"/>
+              </a:rPr>
+              <a:t>public</a:t>
+            </a:r>
+            <a:r>
+              <a:rPr lang="de-DE" altLang="de-DE" sz="1600" b="1" dirty="0">
+                <a:solidFill>
+                  <a:srgbClr val="000080"/>
+                </a:solidFill>
+                <a:latin typeface="Consolas" panose="020B0609020204030204" pitchFamily="49" charset="0"/>
+                <a:cs typeface="Consolas" panose="020B0609020204030204" pitchFamily="49" charset="0"/>
+              </a:rPr>
+              <a:t> </a:t>
+            </a:r>
+            <a:r>
+              <a:rPr lang="de-DE" altLang="de-DE" sz="1600" b="1" dirty="0" err="1">
+                <a:solidFill>
+                  <a:srgbClr val="000080"/>
+                </a:solidFill>
+                <a:latin typeface="Consolas" panose="020B0609020204030204" pitchFamily="49" charset="0"/>
+                <a:cs typeface="Consolas" panose="020B0609020204030204" pitchFamily="49" charset="0"/>
+              </a:rPr>
+              <a:t>void</a:t>
+            </a:r>
+            <a:r>
+              <a:rPr lang="de-DE" altLang="de-DE" sz="1600" b="1" dirty="0">
+                <a:solidFill>
+                  <a:srgbClr val="000080"/>
+                </a:solidFill>
+                <a:latin typeface="Consolas" panose="020B0609020204030204" pitchFamily="49" charset="0"/>
+                <a:cs typeface="Consolas" panose="020B0609020204030204" pitchFamily="49" charset="0"/>
+              </a:rPr>
+              <a:t> </a:t>
+            </a:r>
+            <a:r>
+              <a:rPr lang="de-DE" altLang="de-DE" sz="1600" dirty="0" err="1">
+                <a:solidFill>
+                  <a:srgbClr val="000000"/>
+                </a:solidFill>
+                <a:latin typeface="Consolas" panose="020B0609020204030204" pitchFamily="49" charset="0"/>
+                <a:cs typeface="Consolas" panose="020B0609020204030204" pitchFamily="49" charset="0"/>
+              </a:rPr>
+              <a:t>testMessageForFailedLogin</a:t>
+            </a:r>
+            <a:r>
+              <a:rPr lang="de-DE" altLang="de-DE" sz="1600" dirty="0">
+                <a:solidFill>
+                  <a:srgbClr val="000000"/>
+                </a:solidFill>
+                <a:latin typeface="Consolas" panose="020B0609020204030204" pitchFamily="49" charset="0"/>
+                <a:cs typeface="Consolas" panose="020B0609020204030204" pitchFamily="49" charset="0"/>
+              </a:rPr>
+              <a:t> () {</a:t>
+            </a:r>
+            <a:br>
+              <a:rPr lang="de-DE" altLang="de-DE" sz="1600" dirty="0">
+                <a:solidFill>
+                  <a:srgbClr val="000000"/>
+                </a:solidFill>
+                <a:latin typeface="Consolas" panose="020B0609020204030204" pitchFamily="49" charset="0"/>
+                <a:cs typeface="Consolas" panose="020B0609020204030204" pitchFamily="49" charset="0"/>
+              </a:rPr>
+            </a:br>
+            <a:r>
+              <a:rPr lang="de-DE" altLang="de-DE" sz="1600" dirty="0">
+                <a:solidFill>
+                  <a:srgbClr val="000000"/>
+                </a:solidFill>
+                <a:latin typeface="Consolas" panose="020B0609020204030204" pitchFamily="49" charset="0"/>
+                <a:cs typeface="Consolas" panose="020B0609020204030204" pitchFamily="49" charset="0"/>
+              </a:rPr>
+              <a:t>    </a:t>
+            </a:r>
+            <a:r>
+              <a:rPr lang="de-DE" altLang="de-DE" sz="1600" dirty="0" err="1">
+                <a:solidFill>
+                  <a:srgbClr val="000000"/>
+                </a:solidFill>
+                <a:latin typeface="Consolas" panose="020B0609020204030204" pitchFamily="49" charset="0"/>
+                <a:cs typeface="Consolas" panose="020B0609020204030204" pitchFamily="49" charset="0"/>
+              </a:rPr>
+              <a:t>insertUsernamePassword</a:t>
+            </a:r>
+            <a:r>
+              <a:rPr lang="de-DE" altLang="de-DE" sz="1600" dirty="0">
+                <a:solidFill>
+                  <a:srgbClr val="000000"/>
+                </a:solidFill>
+                <a:latin typeface="Consolas" panose="020B0609020204030204" pitchFamily="49" charset="0"/>
+                <a:cs typeface="Consolas" panose="020B0609020204030204" pitchFamily="49" charset="0"/>
+              </a:rPr>
+              <a:t>(</a:t>
+            </a:r>
+            <a:r>
+              <a:rPr lang="de-DE" altLang="de-DE" sz="1600" b="1" dirty="0">
+                <a:solidFill>
+                  <a:srgbClr val="008000"/>
+                </a:solidFill>
+                <a:latin typeface="Consolas" panose="020B0609020204030204" pitchFamily="49" charset="0"/>
+                <a:cs typeface="Consolas" panose="020B0609020204030204" pitchFamily="49" charset="0"/>
+              </a:rPr>
+              <a:t>"</a:t>
+            </a:r>
+            <a:r>
+              <a:rPr lang="de-DE" altLang="de-DE" sz="1600" b="1" dirty="0" err="1">
+                <a:solidFill>
+                  <a:srgbClr val="008000"/>
+                </a:solidFill>
+                <a:latin typeface="Consolas" panose="020B0609020204030204" pitchFamily="49" charset="0"/>
+                <a:cs typeface="Consolas" panose="020B0609020204030204" pitchFamily="49" charset="0"/>
+              </a:rPr>
+              <a:t>Wicket</a:t>
+            </a:r>
+            <a:r>
+              <a:rPr lang="de-DE" altLang="de-DE" sz="1600" b="1" dirty="0">
+                <a:solidFill>
+                  <a:srgbClr val="008000"/>
+                </a:solidFill>
+                <a:latin typeface="Consolas" panose="020B0609020204030204" pitchFamily="49" charset="0"/>
+                <a:cs typeface="Consolas" panose="020B0609020204030204" pitchFamily="49" charset="0"/>
+              </a:rPr>
+              <a:t>"</a:t>
+            </a:r>
+            <a:r>
+              <a:rPr lang="de-DE" altLang="de-DE" sz="1600" dirty="0">
+                <a:solidFill>
+                  <a:srgbClr val="000000"/>
+                </a:solidFill>
+                <a:latin typeface="Consolas" panose="020B0609020204030204" pitchFamily="49" charset="0"/>
+                <a:cs typeface="Consolas" panose="020B0609020204030204" pitchFamily="49" charset="0"/>
+              </a:rPr>
+              <a:t>, </a:t>
+            </a:r>
+            <a:r>
+              <a:rPr lang="de-DE" altLang="de-DE" sz="1600" b="1" dirty="0">
+                <a:solidFill>
+                  <a:srgbClr val="008000"/>
+                </a:solidFill>
+                <a:latin typeface="Consolas" panose="020B0609020204030204" pitchFamily="49" charset="0"/>
+                <a:cs typeface="Consolas" panose="020B0609020204030204" pitchFamily="49" charset="0"/>
+              </a:rPr>
+              <a:t>"Apache"</a:t>
+            </a:r>
+            <a:r>
+              <a:rPr lang="de-DE" altLang="de-DE" sz="1600" dirty="0">
+                <a:solidFill>
+                  <a:srgbClr val="000000"/>
+                </a:solidFill>
+                <a:latin typeface="Consolas" panose="020B0609020204030204" pitchFamily="49" charset="0"/>
+                <a:cs typeface="Consolas" panose="020B0609020204030204" pitchFamily="49" charset="0"/>
+              </a:rPr>
+              <a:t>);</a:t>
+            </a:r>
+            <a:br>
+              <a:rPr lang="de-DE" altLang="de-DE" sz="1600" dirty="0">
+                <a:solidFill>
+                  <a:srgbClr val="000000"/>
+                </a:solidFill>
+                <a:latin typeface="Consolas" panose="020B0609020204030204" pitchFamily="49" charset="0"/>
+                <a:cs typeface="Consolas" panose="020B0609020204030204" pitchFamily="49" charset="0"/>
+              </a:rPr>
+            </a:br>
+            <a:r>
+              <a:rPr lang="de-DE" altLang="de-DE" sz="1600" dirty="0">
+                <a:solidFill>
+                  <a:srgbClr val="000000"/>
+                </a:solidFill>
+                <a:latin typeface="Consolas" panose="020B0609020204030204" pitchFamily="49" charset="0"/>
+                <a:cs typeface="Consolas" panose="020B0609020204030204" pitchFamily="49" charset="0"/>
+              </a:rPr>
+              <a:t>    </a:t>
+            </a:r>
+            <a:r>
+              <a:rPr lang="de-DE" altLang="de-DE" sz="1600" dirty="0" err="1">
+                <a:solidFill>
+                  <a:srgbClr val="000000"/>
+                </a:solidFill>
+                <a:latin typeface="Consolas" panose="020B0609020204030204" pitchFamily="49" charset="0"/>
+                <a:cs typeface="Consolas" panose="020B0609020204030204" pitchFamily="49" charset="0"/>
+              </a:rPr>
+              <a:t>tester.assertErrorMessages</a:t>
+            </a:r>
+            <a:r>
+              <a:rPr lang="de-DE" altLang="de-DE" sz="1600" dirty="0">
+                <a:solidFill>
+                  <a:srgbClr val="000000"/>
+                </a:solidFill>
+                <a:latin typeface="Consolas" panose="020B0609020204030204" pitchFamily="49" charset="0"/>
+                <a:cs typeface="Consolas" panose="020B0609020204030204" pitchFamily="49" charset="0"/>
+              </a:rPr>
+              <a:t>(</a:t>
+            </a:r>
+            <a:r>
+              <a:rPr lang="de-DE" altLang="de-DE" sz="1600" b="1" dirty="0">
+                <a:solidFill>
+                  <a:srgbClr val="008000"/>
+                </a:solidFill>
+                <a:latin typeface="Consolas" panose="020B0609020204030204" pitchFamily="49" charset="0"/>
+                <a:cs typeface="Consolas" panose="020B0609020204030204" pitchFamily="49" charset="0"/>
+              </a:rPr>
+              <a:t>"Benutzername oder Passwort falsch!"</a:t>
+            </a:r>
+            <a:r>
+              <a:rPr lang="de-DE" altLang="de-DE" sz="1600" dirty="0">
+                <a:solidFill>
+                  <a:srgbClr val="000000"/>
+                </a:solidFill>
+                <a:latin typeface="Consolas" panose="020B0609020204030204" pitchFamily="49" charset="0"/>
+                <a:cs typeface="Consolas" panose="020B0609020204030204" pitchFamily="49" charset="0"/>
+              </a:rPr>
+              <a:t>);</a:t>
+            </a:r>
+            <a:br>
+              <a:rPr lang="de-DE" altLang="de-DE" sz="1600" dirty="0">
+                <a:solidFill>
+                  <a:srgbClr val="000000"/>
+                </a:solidFill>
+                <a:latin typeface="Consolas" panose="020B0609020204030204" pitchFamily="49" charset="0"/>
+                <a:cs typeface="Consolas" panose="020B0609020204030204" pitchFamily="49" charset="0"/>
+              </a:rPr>
+            </a:br>
+            <a:r>
+              <a:rPr lang="de-DE" altLang="de-DE" sz="1600" dirty="0">
+                <a:solidFill>
+                  <a:srgbClr val="000000"/>
+                </a:solidFill>
+                <a:latin typeface="Consolas" panose="020B0609020204030204" pitchFamily="49" charset="0"/>
+                <a:cs typeface="Consolas" panose="020B0609020204030204" pitchFamily="49" charset="0"/>
+              </a:rPr>
+              <a:t>}</a:t>
+            </a:r>
+            <a:endParaRPr lang="de-DE" altLang="de-DE" sz="3600" dirty="0">
+              <a:latin typeface="Consolas" panose="020B0609020204030204" pitchFamily="49" charset="0"/>
+              <a:cs typeface="Consolas" panose="020B0609020204030204" pitchFamily="49" charset="0"/>
+            </a:endParaRPr>
           </a:p>
         </p:txBody>
       </p:sp>
@@ -11862,7 +13225,7 @@
     </p:spTree>
     <p:extLst>
       <p:ext uri="{BB962C8B-B14F-4D97-AF65-F5344CB8AC3E}">
-        <p14:creationId xmlns:p14="http://schemas.microsoft.com/office/powerpoint/2010/main" val="984621975"/>
+        <p14:creationId xmlns:p14="http://schemas.microsoft.com/office/powerpoint/2010/main" val="3331677386"/>
       </p:ext>
     </p:extLst>
   </p:cSld>
@@ -11925,673 +13288,53 @@
             </a:pPr>
             <a:r>
               <a:rPr lang="de-DE" sz="2000" dirty="0"/>
-              <a:t>Erwartetes Markup</a:t>
-            </a:r>
-          </a:p>
-          <a:p>
-            <a:pPr marL="0" indent="0">
-              <a:buNone/>
+              <a:t>Feingranulare Überprüfung des gerenderten Markups</a:t>
+            </a:r>
+          </a:p>
+          <a:p>
+            <a:pPr>
+              <a:buFont typeface="Arial" panose="020B0604020202020204" pitchFamily="34" charset="0"/>
+              <a:buChar char="•"/>
             </a:pPr>
-            <a:endParaRPr lang="de-DE" sz="800" dirty="0"/>
-          </a:p>
-          <a:p>
-            <a:pPr marL="0" lvl="0" indent="0">
-              <a:buNone/>
+            <a:r>
+              <a:rPr lang="de-DE" sz="2000" dirty="0"/>
+              <a:t>Erstellung von </a:t>
+            </a:r>
+            <a:r>
+              <a:rPr lang="de-DE" sz="2000" dirty="0" err="1"/>
+              <a:t>TagTestern</a:t>
+            </a:r>
+            <a:endParaRPr lang="de-DE" sz="2000" dirty="0"/>
+          </a:p>
+          <a:p>
+            <a:pPr lvl="1">
+              <a:buFont typeface="Arial" panose="020B0604020202020204" pitchFamily="34" charset="0"/>
+              <a:buChar char="•"/>
             </a:pPr>
             <a:r>
-              <a:rPr lang="de-DE" altLang="de-DE" sz="1600" dirty="0">
-                <a:solidFill>
-                  <a:srgbClr val="000000"/>
-                </a:solidFill>
-                <a:latin typeface="Consolas" panose="020B0609020204030204" pitchFamily="49" charset="0"/>
-                <a:cs typeface="Consolas" panose="020B0609020204030204" pitchFamily="49" charset="0"/>
-              </a:rPr>
-              <a:t>&lt;</a:t>
-            </a:r>
-            <a:r>
-              <a:rPr lang="de-DE" altLang="de-DE" sz="1600" b="1" dirty="0" err="1">
-                <a:solidFill>
-                  <a:srgbClr val="000080"/>
-                </a:solidFill>
-                <a:latin typeface="Consolas" panose="020B0609020204030204" pitchFamily="49" charset="0"/>
-                <a:cs typeface="Consolas" panose="020B0609020204030204" pitchFamily="49" charset="0"/>
-              </a:rPr>
-              <a:t>html</a:t>
-            </a:r>
-            <a:r>
-              <a:rPr lang="de-DE" altLang="de-DE" sz="1600" b="1" dirty="0">
-                <a:solidFill>
-                  <a:srgbClr val="000080"/>
-                </a:solidFill>
-                <a:latin typeface="Consolas" panose="020B0609020204030204" pitchFamily="49" charset="0"/>
-                <a:cs typeface="Consolas" panose="020B0609020204030204" pitchFamily="49" charset="0"/>
-              </a:rPr>
-              <a:t> </a:t>
-            </a:r>
-            <a:r>
-              <a:rPr lang="de-DE" altLang="de-DE" sz="1600" b="1" dirty="0" err="1">
-                <a:solidFill>
-                  <a:srgbClr val="0000FF"/>
-                </a:solidFill>
-                <a:latin typeface="Consolas" panose="020B0609020204030204" pitchFamily="49" charset="0"/>
-                <a:cs typeface="Consolas" panose="020B0609020204030204" pitchFamily="49" charset="0"/>
-              </a:rPr>
-              <a:t>xmlns:</a:t>
-            </a:r>
-            <a:r>
-              <a:rPr lang="de-DE" altLang="de-DE" sz="1600" b="1" dirty="0" err="1">
-                <a:solidFill>
-                  <a:srgbClr val="660E7A"/>
-                </a:solidFill>
-                <a:latin typeface="Consolas" panose="020B0609020204030204" pitchFamily="49" charset="0"/>
-                <a:cs typeface="Consolas" panose="020B0609020204030204" pitchFamily="49" charset="0"/>
-              </a:rPr>
-              <a:t>wicket</a:t>
-            </a:r>
-            <a:r>
-              <a:rPr lang="de-DE" altLang="de-DE" sz="1600" b="1" dirty="0">
-                <a:solidFill>
-                  <a:srgbClr val="0000FF"/>
-                </a:solidFill>
-                <a:latin typeface="Consolas" panose="020B0609020204030204" pitchFamily="49" charset="0"/>
-                <a:cs typeface="Consolas" panose="020B0609020204030204" pitchFamily="49" charset="0"/>
-              </a:rPr>
-              <a:t>=</a:t>
-            </a:r>
-            <a:r>
-              <a:rPr lang="de-DE" altLang="de-DE" sz="1600" b="1" dirty="0">
-                <a:solidFill>
-                  <a:srgbClr val="008000"/>
-                </a:solidFill>
-                <a:latin typeface="Consolas" panose="020B0609020204030204" pitchFamily="49" charset="0"/>
-                <a:cs typeface="Consolas" panose="020B0609020204030204" pitchFamily="49" charset="0"/>
-              </a:rPr>
-              <a:t>"http://wicket.apache.org"</a:t>
-            </a:r>
-            <a:r>
-              <a:rPr lang="de-DE" altLang="de-DE" sz="1600" dirty="0">
-                <a:solidFill>
-                  <a:srgbClr val="000000"/>
-                </a:solidFill>
-                <a:latin typeface="Consolas" panose="020B0609020204030204" pitchFamily="49" charset="0"/>
-                <a:cs typeface="Consolas" panose="020B0609020204030204" pitchFamily="49" charset="0"/>
-              </a:rPr>
-              <a:t>&gt;</a:t>
-            </a:r>
-            <a:br>
-              <a:rPr lang="de-DE" altLang="de-DE" sz="1600" dirty="0">
-                <a:solidFill>
-                  <a:srgbClr val="000000"/>
-                </a:solidFill>
-                <a:latin typeface="Consolas" panose="020B0609020204030204" pitchFamily="49" charset="0"/>
-                <a:cs typeface="Consolas" panose="020B0609020204030204" pitchFamily="49" charset="0"/>
-              </a:rPr>
-            </a:br>
-            <a:r>
-              <a:rPr lang="de-DE" altLang="de-DE" sz="1600" dirty="0">
-                <a:solidFill>
-                  <a:srgbClr val="000000"/>
-                </a:solidFill>
-                <a:latin typeface="Consolas" panose="020B0609020204030204" pitchFamily="49" charset="0"/>
-                <a:cs typeface="Consolas" panose="020B0609020204030204" pitchFamily="49" charset="0"/>
-              </a:rPr>
-              <a:t/>
-            </a:r>
-            <a:br>
-              <a:rPr lang="de-DE" altLang="de-DE" sz="1600" dirty="0">
-                <a:solidFill>
-                  <a:srgbClr val="000000"/>
-                </a:solidFill>
-                <a:latin typeface="Consolas" panose="020B0609020204030204" pitchFamily="49" charset="0"/>
-                <a:cs typeface="Consolas" panose="020B0609020204030204" pitchFamily="49" charset="0"/>
-              </a:rPr>
-            </a:br>
-            <a:r>
-              <a:rPr lang="de-DE" altLang="de-DE" sz="1600" dirty="0">
-                <a:solidFill>
-                  <a:srgbClr val="000000"/>
-                </a:solidFill>
-                <a:latin typeface="Consolas" panose="020B0609020204030204" pitchFamily="49" charset="0"/>
-                <a:cs typeface="Consolas" panose="020B0609020204030204" pitchFamily="49" charset="0"/>
-              </a:rPr>
-              <a:t>&lt;</a:t>
-            </a:r>
-            <a:r>
-              <a:rPr lang="de-DE" altLang="de-DE" sz="1600" b="1" dirty="0" err="1">
-                <a:solidFill>
-                  <a:srgbClr val="000080"/>
-                </a:solidFill>
-                <a:latin typeface="Consolas" panose="020B0609020204030204" pitchFamily="49" charset="0"/>
-                <a:cs typeface="Consolas" panose="020B0609020204030204" pitchFamily="49" charset="0"/>
-              </a:rPr>
-              <a:t>head</a:t>
-            </a:r>
-            <a:r>
-              <a:rPr lang="de-DE" altLang="de-DE" sz="1600" dirty="0">
-                <a:solidFill>
-                  <a:srgbClr val="000000"/>
-                </a:solidFill>
-                <a:latin typeface="Consolas" panose="020B0609020204030204" pitchFamily="49" charset="0"/>
-                <a:cs typeface="Consolas" panose="020B0609020204030204" pitchFamily="49" charset="0"/>
-              </a:rPr>
-              <a:t>&gt;</a:t>
-            </a:r>
-            <a:br>
-              <a:rPr lang="de-DE" altLang="de-DE" sz="1600" dirty="0">
-                <a:solidFill>
-                  <a:srgbClr val="000000"/>
-                </a:solidFill>
-                <a:latin typeface="Consolas" panose="020B0609020204030204" pitchFamily="49" charset="0"/>
-                <a:cs typeface="Consolas" panose="020B0609020204030204" pitchFamily="49" charset="0"/>
-              </a:rPr>
-            </a:br>
-            <a:r>
-              <a:rPr lang="de-DE" altLang="de-DE" sz="1600" dirty="0">
-                <a:solidFill>
-                  <a:srgbClr val="000000"/>
-                </a:solidFill>
-                <a:latin typeface="Consolas" panose="020B0609020204030204" pitchFamily="49" charset="0"/>
-                <a:cs typeface="Consolas" panose="020B0609020204030204" pitchFamily="49" charset="0"/>
-              </a:rPr>
-              <a:t>    &lt;</a:t>
-            </a:r>
-            <a:r>
-              <a:rPr lang="de-DE" altLang="de-DE" sz="1600" b="1" dirty="0">
-                <a:solidFill>
-                  <a:srgbClr val="000080"/>
-                </a:solidFill>
-                <a:latin typeface="Consolas" panose="020B0609020204030204" pitchFamily="49" charset="0"/>
-                <a:cs typeface="Consolas" panose="020B0609020204030204" pitchFamily="49" charset="0"/>
-              </a:rPr>
-              <a:t>title</a:t>
-            </a:r>
-            <a:r>
-              <a:rPr lang="de-DE" altLang="de-DE" sz="1600" dirty="0">
-                <a:solidFill>
-                  <a:srgbClr val="000000"/>
-                </a:solidFill>
-                <a:latin typeface="Consolas" panose="020B0609020204030204" pitchFamily="49" charset="0"/>
-                <a:cs typeface="Consolas" panose="020B0609020204030204" pitchFamily="49" charset="0"/>
-              </a:rPr>
-              <a:t>&gt;&lt;/</a:t>
-            </a:r>
-            <a:r>
-              <a:rPr lang="de-DE" altLang="de-DE" sz="1600" b="1" dirty="0">
-                <a:solidFill>
-                  <a:srgbClr val="000080"/>
-                </a:solidFill>
-                <a:latin typeface="Consolas" panose="020B0609020204030204" pitchFamily="49" charset="0"/>
-                <a:cs typeface="Consolas" panose="020B0609020204030204" pitchFamily="49" charset="0"/>
-              </a:rPr>
-              <a:t>title</a:t>
-            </a:r>
-            <a:r>
-              <a:rPr lang="de-DE" altLang="de-DE" sz="1600" dirty="0">
-                <a:solidFill>
-                  <a:srgbClr val="000000"/>
-                </a:solidFill>
-                <a:latin typeface="Consolas" panose="020B0609020204030204" pitchFamily="49" charset="0"/>
-                <a:cs typeface="Consolas" panose="020B0609020204030204" pitchFamily="49" charset="0"/>
-              </a:rPr>
-              <a:t>&gt;</a:t>
-            </a:r>
-            <a:br>
-              <a:rPr lang="de-DE" altLang="de-DE" sz="1600" dirty="0">
-                <a:solidFill>
-                  <a:srgbClr val="000000"/>
-                </a:solidFill>
-                <a:latin typeface="Consolas" panose="020B0609020204030204" pitchFamily="49" charset="0"/>
-                <a:cs typeface="Consolas" panose="020B0609020204030204" pitchFamily="49" charset="0"/>
-              </a:rPr>
-            </a:br>
-            <a:r>
-              <a:rPr lang="de-DE" altLang="de-DE" sz="1600" dirty="0">
-                <a:solidFill>
-                  <a:srgbClr val="000000"/>
-                </a:solidFill>
-                <a:latin typeface="Consolas" panose="020B0609020204030204" pitchFamily="49" charset="0"/>
-                <a:cs typeface="Consolas" panose="020B0609020204030204" pitchFamily="49" charset="0"/>
-              </a:rPr>
-              <a:t>&lt;/</a:t>
-            </a:r>
-            <a:r>
-              <a:rPr lang="de-DE" altLang="de-DE" sz="1600" b="1" dirty="0" err="1">
-                <a:solidFill>
-                  <a:srgbClr val="000080"/>
-                </a:solidFill>
-                <a:latin typeface="Consolas" panose="020B0609020204030204" pitchFamily="49" charset="0"/>
-                <a:cs typeface="Consolas" panose="020B0609020204030204" pitchFamily="49" charset="0"/>
-              </a:rPr>
-              <a:t>head</a:t>
-            </a:r>
-            <a:r>
-              <a:rPr lang="de-DE" altLang="de-DE" sz="1600" dirty="0">
-                <a:solidFill>
-                  <a:srgbClr val="000000"/>
-                </a:solidFill>
-                <a:latin typeface="Consolas" panose="020B0609020204030204" pitchFamily="49" charset="0"/>
-                <a:cs typeface="Consolas" panose="020B0609020204030204" pitchFamily="49" charset="0"/>
-              </a:rPr>
-              <a:t>&gt;</a:t>
-            </a:r>
-            <a:br>
-              <a:rPr lang="de-DE" altLang="de-DE" sz="1600" dirty="0">
-                <a:solidFill>
-                  <a:srgbClr val="000000"/>
-                </a:solidFill>
-                <a:latin typeface="Consolas" panose="020B0609020204030204" pitchFamily="49" charset="0"/>
-                <a:cs typeface="Consolas" panose="020B0609020204030204" pitchFamily="49" charset="0"/>
-              </a:rPr>
-            </a:br>
-            <a:r>
-              <a:rPr lang="de-DE" altLang="de-DE" sz="1600" dirty="0">
-                <a:solidFill>
-                  <a:srgbClr val="000000"/>
-                </a:solidFill>
-                <a:latin typeface="Consolas" panose="020B0609020204030204" pitchFamily="49" charset="0"/>
-                <a:cs typeface="Consolas" panose="020B0609020204030204" pitchFamily="49" charset="0"/>
-              </a:rPr>
-              <a:t/>
-            </a:r>
-            <a:br>
-              <a:rPr lang="de-DE" altLang="de-DE" sz="1600" dirty="0">
-                <a:solidFill>
-                  <a:srgbClr val="000000"/>
-                </a:solidFill>
-                <a:latin typeface="Consolas" panose="020B0609020204030204" pitchFamily="49" charset="0"/>
-                <a:cs typeface="Consolas" panose="020B0609020204030204" pitchFamily="49" charset="0"/>
-              </a:rPr>
-            </a:br>
-            <a:r>
-              <a:rPr lang="de-DE" altLang="de-DE" sz="1600" dirty="0">
-                <a:solidFill>
-                  <a:srgbClr val="000000"/>
-                </a:solidFill>
-                <a:latin typeface="Consolas" panose="020B0609020204030204" pitchFamily="49" charset="0"/>
-                <a:cs typeface="Consolas" panose="020B0609020204030204" pitchFamily="49" charset="0"/>
-              </a:rPr>
-              <a:t>&lt;</a:t>
-            </a:r>
-            <a:r>
-              <a:rPr lang="de-DE" altLang="de-DE" sz="1600" b="1" dirty="0" err="1">
-                <a:solidFill>
-                  <a:srgbClr val="000080"/>
-                </a:solidFill>
-                <a:latin typeface="Consolas" panose="020B0609020204030204" pitchFamily="49" charset="0"/>
-                <a:cs typeface="Consolas" panose="020B0609020204030204" pitchFamily="49" charset="0"/>
-              </a:rPr>
-              <a:t>body</a:t>
-            </a:r>
-            <a:r>
-              <a:rPr lang="de-DE" altLang="de-DE" sz="1600" dirty="0">
-                <a:solidFill>
-                  <a:srgbClr val="000000"/>
-                </a:solidFill>
-                <a:latin typeface="Consolas" panose="020B0609020204030204" pitchFamily="49" charset="0"/>
-                <a:cs typeface="Consolas" panose="020B0609020204030204" pitchFamily="49" charset="0"/>
-              </a:rPr>
-              <a:t>&gt;</a:t>
-            </a:r>
-            <a:br>
-              <a:rPr lang="de-DE" altLang="de-DE" sz="1600" dirty="0">
-                <a:solidFill>
-                  <a:srgbClr val="000000"/>
-                </a:solidFill>
-                <a:latin typeface="Consolas" panose="020B0609020204030204" pitchFamily="49" charset="0"/>
-                <a:cs typeface="Consolas" panose="020B0609020204030204" pitchFamily="49" charset="0"/>
-              </a:rPr>
-            </a:br>
-            <a:r>
-              <a:rPr lang="de-DE" altLang="de-DE" sz="1600" dirty="0">
-                <a:solidFill>
-                  <a:srgbClr val="000000"/>
-                </a:solidFill>
-                <a:latin typeface="Consolas" panose="020B0609020204030204" pitchFamily="49" charset="0"/>
-                <a:cs typeface="Consolas" panose="020B0609020204030204" pitchFamily="49" charset="0"/>
-              </a:rPr>
-              <a:t/>
-            </a:r>
-            <a:br>
-              <a:rPr lang="de-DE" altLang="de-DE" sz="1600" dirty="0">
-                <a:solidFill>
-                  <a:srgbClr val="000000"/>
-                </a:solidFill>
-                <a:latin typeface="Consolas" panose="020B0609020204030204" pitchFamily="49" charset="0"/>
-                <a:cs typeface="Consolas" panose="020B0609020204030204" pitchFamily="49" charset="0"/>
-              </a:rPr>
-            </a:br>
-            <a:r>
-              <a:rPr lang="de-DE" altLang="de-DE" sz="1600" dirty="0">
-                <a:solidFill>
-                  <a:srgbClr val="000000"/>
-                </a:solidFill>
-                <a:latin typeface="Consolas" panose="020B0609020204030204" pitchFamily="49" charset="0"/>
-                <a:cs typeface="Consolas" panose="020B0609020204030204" pitchFamily="49" charset="0"/>
-              </a:rPr>
-              <a:t>&lt;</a:t>
-            </a:r>
-            <a:r>
-              <a:rPr lang="de-DE" altLang="de-DE" sz="1600" b="1" dirty="0">
-                <a:solidFill>
-                  <a:srgbClr val="000080"/>
-                </a:solidFill>
-                <a:latin typeface="Consolas" panose="020B0609020204030204" pitchFamily="49" charset="0"/>
-                <a:cs typeface="Consolas" panose="020B0609020204030204" pitchFamily="49" charset="0"/>
-              </a:rPr>
-              <a:t>span </a:t>
-            </a:r>
-            <a:r>
-              <a:rPr lang="de-DE" altLang="de-DE" sz="1600" b="1" dirty="0" err="1">
-                <a:solidFill>
-                  <a:srgbClr val="0000FF"/>
-                </a:solidFill>
-                <a:latin typeface="Consolas" panose="020B0609020204030204" pitchFamily="49" charset="0"/>
-                <a:cs typeface="Consolas" panose="020B0609020204030204" pitchFamily="49" charset="0"/>
-              </a:rPr>
-              <a:t>class</a:t>
-            </a:r>
-            <a:r>
-              <a:rPr lang="de-DE" altLang="de-DE" sz="1600" b="1" dirty="0">
-                <a:solidFill>
-                  <a:srgbClr val="0000FF"/>
-                </a:solidFill>
-                <a:latin typeface="Consolas" panose="020B0609020204030204" pitchFamily="49" charset="0"/>
-                <a:cs typeface="Consolas" panose="020B0609020204030204" pitchFamily="49" charset="0"/>
-              </a:rPr>
-              <a:t>=</a:t>
-            </a:r>
-            <a:r>
-              <a:rPr lang="de-DE" altLang="de-DE" sz="1600" b="1" dirty="0">
-                <a:solidFill>
-                  <a:srgbClr val="008000"/>
-                </a:solidFill>
-                <a:latin typeface="Consolas" panose="020B0609020204030204" pitchFamily="49" charset="0"/>
-                <a:cs typeface="Consolas" panose="020B0609020204030204" pitchFamily="49" charset="0"/>
-              </a:rPr>
-              <a:t>"</a:t>
-            </a:r>
-            <a:r>
-              <a:rPr lang="de-DE" altLang="de-DE" sz="1600" b="1" dirty="0" err="1">
-                <a:solidFill>
-                  <a:srgbClr val="008000"/>
-                </a:solidFill>
-                <a:latin typeface="Consolas" panose="020B0609020204030204" pitchFamily="49" charset="0"/>
-                <a:cs typeface="Consolas" panose="020B0609020204030204" pitchFamily="49" charset="0"/>
-              </a:rPr>
-              <a:t>myClass</a:t>
-            </a:r>
-            <a:r>
-              <a:rPr lang="de-DE" altLang="de-DE" sz="1600" b="1" dirty="0">
-                <a:solidFill>
-                  <a:srgbClr val="008000"/>
-                </a:solidFill>
-                <a:latin typeface="Consolas" panose="020B0609020204030204" pitchFamily="49" charset="0"/>
-                <a:cs typeface="Consolas" panose="020B0609020204030204" pitchFamily="49" charset="0"/>
-              </a:rPr>
-              <a:t>"</a:t>
-            </a:r>
-            <a:r>
-              <a:rPr lang="de-DE" altLang="de-DE" sz="1600" dirty="0">
-                <a:solidFill>
-                  <a:srgbClr val="000000"/>
-                </a:solidFill>
-                <a:latin typeface="Consolas" panose="020B0609020204030204" pitchFamily="49" charset="0"/>
-                <a:cs typeface="Consolas" panose="020B0609020204030204" pitchFamily="49" charset="0"/>
-              </a:rPr>
-              <a:t>&gt;&lt;/</a:t>
-            </a:r>
-            <a:r>
-              <a:rPr lang="de-DE" altLang="de-DE" sz="1600" b="1" dirty="0">
-                <a:solidFill>
-                  <a:srgbClr val="000080"/>
-                </a:solidFill>
-                <a:latin typeface="Consolas" panose="020B0609020204030204" pitchFamily="49" charset="0"/>
-                <a:cs typeface="Consolas" panose="020B0609020204030204" pitchFamily="49" charset="0"/>
-              </a:rPr>
-              <a:t>span</a:t>
-            </a:r>
-            <a:r>
-              <a:rPr lang="de-DE" altLang="de-DE" sz="1600" dirty="0">
-                <a:solidFill>
-                  <a:srgbClr val="000000"/>
-                </a:solidFill>
-                <a:latin typeface="Consolas" panose="020B0609020204030204" pitchFamily="49" charset="0"/>
-                <a:cs typeface="Consolas" panose="020B0609020204030204" pitchFamily="49" charset="0"/>
-              </a:rPr>
-              <a:t>&gt;</a:t>
-            </a:r>
-            <a:br>
-              <a:rPr lang="de-DE" altLang="de-DE" sz="1600" dirty="0">
-                <a:solidFill>
-                  <a:srgbClr val="000000"/>
-                </a:solidFill>
-                <a:latin typeface="Consolas" panose="020B0609020204030204" pitchFamily="49" charset="0"/>
-                <a:cs typeface="Consolas" panose="020B0609020204030204" pitchFamily="49" charset="0"/>
-              </a:rPr>
-            </a:br>
-            <a:r>
-              <a:rPr lang="de-DE" altLang="de-DE" sz="1600" dirty="0">
-                <a:solidFill>
-                  <a:srgbClr val="000000"/>
-                </a:solidFill>
-                <a:latin typeface="Consolas" panose="020B0609020204030204" pitchFamily="49" charset="0"/>
-                <a:cs typeface="Consolas" panose="020B0609020204030204" pitchFamily="49" charset="0"/>
-              </a:rPr>
-              <a:t>&lt;</a:t>
-            </a:r>
-            <a:r>
-              <a:rPr lang="de-DE" altLang="de-DE" sz="1600" b="1" dirty="0">
-                <a:solidFill>
-                  <a:srgbClr val="000080"/>
-                </a:solidFill>
-                <a:latin typeface="Consolas" panose="020B0609020204030204" pitchFamily="49" charset="0"/>
-                <a:cs typeface="Consolas" panose="020B0609020204030204" pitchFamily="49" charset="0"/>
-              </a:rPr>
-              <a:t>div </a:t>
-            </a:r>
-            <a:r>
-              <a:rPr lang="de-DE" altLang="de-DE" sz="1600" b="1" dirty="0" err="1">
-                <a:solidFill>
-                  <a:srgbClr val="0000FF"/>
-                </a:solidFill>
-                <a:latin typeface="Consolas" panose="020B0609020204030204" pitchFamily="49" charset="0"/>
-                <a:cs typeface="Consolas" panose="020B0609020204030204" pitchFamily="49" charset="0"/>
-              </a:rPr>
-              <a:t>class</a:t>
-            </a:r>
-            <a:r>
-              <a:rPr lang="de-DE" altLang="de-DE" sz="1600" b="1" dirty="0">
-                <a:solidFill>
-                  <a:srgbClr val="0000FF"/>
-                </a:solidFill>
-                <a:latin typeface="Consolas" panose="020B0609020204030204" pitchFamily="49" charset="0"/>
-                <a:cs typeface="Consolas" panose="020B0609020204030204" pitchFamily="49" charset="0"/>
-              </a:rPr>
-              <a:t>=</a:t>
-            </a:r>
-            <a:r>
-              <a:rPr lang="de-DE" altLang="de-DE" sz="1600" b="1" dirty="0">
-                <a:solidFill>
-                  <a:srgbClr val="008000"/>
-                </a:solidFill>
-                <a:latin typeface="Consolas" panose="020B0609020204030204" pitchFamily="49" charset="0"/>
-                <a:cs typeface="Consolas" panose="020B0609020204030204" pitchFamily="49" charset="0"/>
-              </a:rPr>
-              <a:t>"</a:t>
-            </a:r>
-            <a:r>
-              <a:rPr lang="de-DE" altLang="de-DE" sz="1600" b="1" dirty="0" err="1">
-                <a:solidFill>
-                  <a:srgbClr val="008000"/>
-                </a:solidFill>
-                <a:latin typeface="Consolas" panose="020B0609020204030204" pitchFamily="49" charset="0"/>
-                <a:cs typeface="Consolas" panose="020B0609020204030204" pitchFamily="49" charset="0"/>
-              </a:rPr>
-              <a:t>myClass</a:t>
-            </a:r>
-            <a:r>
-              <a:rPr lang="de-DE" altLang="de-DE" sz="1600" b="1" dirty="0">
-                <a:solidFill>
-                  <a:srgbClr val="008000"/>
-                </a:solidFill>
-                <a:latin typeface="Consolas" panose="020B0609020204030204" pitchFamily="49" charset="0"/>
-                <a:cs typeface="Consolas" panose="020B0609020204030204" pitchFamily="49" charset="0"/>
-              </a:rPr>
-              <a:t>"</a:t>
-            </a:r>
-            <a:r>
-              <a:rPr lang="de-DE" altLang="de-DE" sz="1600" dirty="0">
-                <a:solidFill>
-                  <a:srgbClr val="000000"/>
-                </a:solidFill>
-                <a:latin typeface="Consolas" panose="020B0609020204030204" pitchFamily="49" charset="0"/>
-                <a:cs typeface="Consolas" panose="020B0609020204030204" pitchFamily="49" charset="0"/>
-              </a:rPr>
-              <a:t>&gt;&lt;/</a:t>
-            </a:r>
-            <a:r>
-              <a:rPr lang="de-DE" altLang="de-DE" sz="1600" b="1" dirty="0">
-                <a:solidFill>
-                  <a:srgbClr val="000080"/>
-                </a:solidFill>
-                <a:latin typeface="Consolas" panose="020B0609020204030204" pitchFamily="49" charset="0"/>
-                <a:cs typeface="Consolas" panose="020B0609020204030204" pitchFamily="49" charset="0"/>
-              </a:rPr>
-              <a:t>div</a:t>
-            </a:r>
-            <a:r>
-              <a:rPr lang="de-DE" altLang="de-DE" sz="1600" dirty="0">
-                <a:solidFill>
-                  <a:srgbClr val="000000"/>
-                </a:solidFill>
-                <a:latin typeface="Consolas" panose="020B0609020204030204" pitchFamily="49" charset="0"/>
-                <a:cs typeface="Consolas" panose="020B0609020204030204" pitchFamily="49" charset="0"/>
-              </a:rPr>
-              <a:t>&gt;</a:t>
-            </a:r>
-            <a:br>
-              <a:rPr lang="de-DE" altLang="de-DE" sz="1600" dirty="0">
-                <a:solidFill>
-                  <a:srgbClr val="000000"/>
-                </a:solidFill>
-                <a:latin typeface="Consolas" panose="020B0609020204030204" pitchFamily="49" charset="0"/>
-                <a:cs typeface="Consolas" panose="020B0609020204030204" pitchFamily="49" charset="0"/>
-              </a:rPr>
-            </a:br>
-            <a:r>
-              <a:rPr lang="de-DE" altLang="de-DE" sz="1600" dirty="0">
-                <a:solidFill>
-                  <a:srgbClr val="000000"/>
-                </a:solidFill>
-                <a:latin typeface="Consolas" panose="020B0609020204030204" pitchFamily="49" charset="0"/>
-                <a:cs typeface="Consolas" panose="020B0609020204030204" pitchFamily="49" charset="0"/>
-              </a:rPr>
-              <a:t/>
-            </a:r>
-            <a:br>
-              <a:rPr lang="de-DE" altLang="de-DE" sz="1600" dirty="0">
-                <a:solidFill>
-                  <a:srgbClr val="000000"/>
-                </a:solidFill>
-                <a:latin typeface="Consolas" panose="020B0609020204030204" pitchFamily="49" charset="0"/>
-                <a:cs typeface="Consolas" panose="020B0609020204030204" pitchFamily="49" charset="0"/>
-              </a:rPr>
-            </a:br>
-            <a:r>
-              <a:rPr lang="de-DE" altLang="de-DE" sz="1600" dirty="0">
-                <a:solidFill>
-                  <a:srgbClr val="000000"/>
-                </a:solidFill>
-                <a:latin typeface="Consolas" panose="020B0609020204030204" pitchFamily="49" charset="0"/>
-                <a:cs typeface="Consolas" panose="020B0609020204030204" pitchFamily="49" charset="0"/>
-              </a:rPr>
-              <a:t>&lt;/</a:t>
-            </a:r>
-            <a:r>
-              <a:rPr lang="de-DE" altLang="de-DE" sz="1600" b="1" dirty="0" err="1">
-                <a:solidFill>
-                  <a:srgbClr val="000080"/>
-                </a:solidFill>
-                <a:latin typeface="Consolas" panose="020B0609020204030204" pitchFamily="49" charset="0"/>
-                <a:cs typeface="Consolas" panose="020B0609020204030204" pitchFamily="49" charset="0"/>
-              </a:rPr>
-              <a:t>body</a:t>
-            </a:r>
-            <a:r>
-              <a:rPr lang="de-DE" altLang="de-DE" sz="1600" dirty="0">
-                <a:solidFill>
-                  <a:srgbClr val="000000"/>
-                </a:solidFill>
-                <a:latin typeface="Consolas" panose="020B0609020204030204" pitchFamily="49" charset="0"/>
-                <a:cs typeface="Consolas" panose="020B0609020204030204" pitchFamily="49" charset="0"/>
-              </a:rPr>
-              <a:t>&gt;</a:t>
-            </a:r>
-            <a:br>
-              <a:rPr lang="de-DE" altLang="de-DE" sz="1600" dirty="0">
-                <a:solidFill>
-                  <a:srgbClr val="000000"/>
-                </a:solidFill>
-                <a:latin typeface="Consolas" panose="020B0609020204030204" pitchFamily="49" charset="0"/>
-                <a:cs typeface="Consolas" panose="020B0609020204030204" pitchFamily="49" charset="0"/>
-              </a:rPr>
-            </a:br>
-            <a:r>
-              <a:rPr lang="de-DE" altLang="de-DE" sz="1600" dirty="0">
-                <a:solidFill>
-                  <a:srgbClr val="000000"/>
-                </a:solidFill>
-                <a:latin typeface="Consolas" panose="020B0609020204030204" pitchFamily="49" charset="0"/>
-                <a:cs typeface="Consolas" panose="020B0609020204030204" pitchFamily="49" charset="0"/>
-              </a:rPr>
-              <a:t/>
-            </a:r>
-            <a:br>
-              <a:rPr lang="de-DE" altLang="de-DE" sz="1600" dirty="0">
-                <a:solidFill>
-                  <a:srgbClr val="000000"/>
-                </a:solidFill>
-                <a:latin typeface="Consolas" panose="020B0609020204030204" pitchFamily="49" charset="0"/>
-                <a:cs typeface="Consolas" panose="020B0609020204030204" pitchFamily="49" charset="0"/>
-              </a:rPr>
-            </a:br>
-            <a:r>
-              <a:rPr lang="de-DE" altLang="de-DE" sz="1600" dirty="0">
-                <a:solidFill>
-                  <a:srgbClr val="000000"/>
-                </a:solidFill>
-                <a:latin typeface="Consolas" panose="020B0609020204030204" pitchFamily="49" charset="0"/>
-                <a:cs typeface="Consolas" panose="020B0609020204030204" pitchFamily="49" charset="0"/>
-              </a:rPr>
-              <a:t>&lt;/</a:t>
-            </a:r>
-            <a:r>
-              <a:rPr lang="de-DE" altLang="de-DE" sz="1600" b="1" dirty="0" err="1">
-                <a:solidFill>
-                  <a:srgbClr val="000080"/>
-                </a:solidFill>
-                <a:latin typeface="Consolas" panose="020B0609020204030204" pitchFamily="49" charset="0"/>
-                <a:cs typeface="Consolas" panose="020B0609020204030204" pitchFamily="49" charset="0"/>
-              </a:rPr>
-              <a:t>html</a:t>
-            </a:r>
-            <a:r>
-              <a:rPr lang="de-DE" altLang="de-DE" sz="1600" dirty="0">
-                <a:solidFill>
-                  <a:srgbClr val="000000"/>
-                </a:solidFill>
-                <a:latin typeface="Consolas" panose="020B0609020204030204" pitchFamily="49" charset="0"/>
-                <a:cs typeface="Consolas" panose="020B0609020204030204" pitchFamily="49" charset="0"/>
-              </a:rPr>
-              <a:t>&gt;</a:t>
-            </a:r>
-            <a:endParaRPr lang="de-DE" altLang="de-DE" sz="1600" dirty="0">
-              <a:latin typeface="Consolas" panose="020B0609020204030204" pitchFamily="49" charset="0"/>
-              <a:cs typeface="Consolas" panose="020B0609020204030204" pitchFamily="49" charset="0"/>
-            </a:endParaRPr>
-          </a:p>
-          <a:p>
-            <a:endParaRPr lang="de-DE" sz="2000" dirty="0"/>
+              <a:rPr lang="de-DE" sz="1600" dirty="0"/>
+              <a:t>Repräsentieren DOM-Elemente</a:t>
+            </a:r>
+          </a:p>
+          <a:p>
+            <a:pPr lvl="1">
+              <a:buFont typeface="Arial" panose="020B0604020202020204" pitchFamily="34" charset="0"/>
+              <a:buChar char="•"/>
+            </a:pPr>
+            <a:r>
+              <a:rPr lang="de-DE" sz="1600" dirty="0"/>
+              <a:t>Statische Factory-Methoden</a:t>
+            </a:r>
+          </a:p>
+          <a:p>
+            <a:pPr lvl="1">
+              <a:buFont typeface="Arial" panose="020B0604020202020204" pitchFamily="34" charset="0"/>
+              <a:buChar char="•"/>
+            </a:pPr>
+            <a:r>
+              <a:rPr lang="de-DE" sz="1600" dirty="0"/>
+              <a:t>Angabe von Selektionskriterien</a:t>
+            </a:r>
           </a:p>
         </p:txBody>
       </p:sp>
@@ -12625,7 +13368,7 @@
     </p:spTree>
     <p:extLst>
       <p:ext uri="{BB962C8B-B14F-4D97-AF65-F5344CB8AC3E}">
-        <p14:creationId xmlns:p14="http://schemas.microsoft.com/office/powerpoint/2010/main" val="4076411222"/>
+        <p14:creationId xmlns:p14="http://schemas.microsoft.com/office/powerpoint/2010/main" val="984621975"/>
       </p:ext>
     </p:extLst>
   </p:cSld>
@@ -12688,7 +13431,7 @@
             </a:pPr>
             <a:r>
               <a:rPr lang="de-DE" sz="2000" dirty="0"/>
-              <a:t>Test</a:t>
+              <a:t>Erwartetes Markup</a:t>
             </a:r>
           </a:p>
           <a:p>
@@ -12699,24 +13442,90 @@
           </a:p>
           <a:p>
             <a:pPr marL="0" lvl="0" indent="0">
-              <a:spcBef>
-                <a:spcPct val="0"/>
-              </a:spcBef>
-              <a:buClrTx/>
               <a:buNone/>
             </a:pPr>
             <a:r>
-              <a:rPr lang="de-DE" altLang="de-DE" sz="1200" dirty="0">
-                <a:solidFill>
-                  <a:srgbClr val="000000"/>
-                </a:solidFill>
-                <a:latin typeface="Consolas" panose="020B0609020204030204" pitchFamily="49" charset="0"/>
-                <a:cs typeface="Consolas" panose="020B0609020204030204" pitchFamily="49" charset="0"/>
-              </a:rPr>
-              <a:t>@Test</a:t>
+              <a:rPr lang="de-DE" altLang="de-DE" sz="1600" dirty="0">
+                <a:solidFill>
+                  <a:srgbClr val="000000"/>
+                </a:solidFill>
+                <a:latin typeface="Consolas" panose="020B0609020204030204" pitchFamily="49" charset="0"/>
+                <a:cs typeface="Consolas" panose="020B0609020204030204" pitchFamily="49" charset="0"/>
+              </a:rPr>
+              <a:t>&lt;</a:t>
+            </a:r>
+            <a:r>
+              <a:rPr lang="de-DE" altLang="de-DE" sz="1600" b="1" dirty="0" err="1">
+                <a:solidFill>
+                  <a:srgbClr val="000080"/>
+                </a:solidFill>
+                <a:latin typeface="Consolas" panose="020B0609020204030204" pitchFamily="49" charset="0"/>
+                <a:cs typeface="Consolas" panose="020B0609020204030204" pitchFamily="49" charset="0"/>
+              </a:rPr>
+              <a:t>html</a:t>
+            </a:r>
+            <a:r>
+              <a:rPr lang="de-DE" altLang="de-DE" sz="1600" b="1" dirty="0">
+                <a:solidFill>
+                  <a:srgbClr val="000080"/>
+                </a:solidFill>
+                <a:latin typeface="Consolas" panose="020B0609020204030204" pitchFamily="49" charset="0"/>
+                <a:cs typeface="Consolas" panose="020B0609020204030204" pitchFamily="49" charset="0"/>
+              </a:rPr>
+              <a:t> </a:t>
+            </a:r>
+            <a:r>
+              <a:rPr lang="de-DE" altLang="de-DE" sz="1600" b="1" dirty="0" err="1">
+                <a:solidFill>
+                  <a:srgbClr val="0000FF"/>
+                </a:solidFill>
+                <a:latin typeface="Consolas" panose="020B0609020204030204" pitchFamily="49" charset="0"/>
+                <a:cs typeface="Consolas" panose="020B0609020204030204" pitchFamily="49" charset="0"/>
+              </a:rPr>
+              <a:t>xmlns:</a:t>
+            </a:r>
+            <a:r>
+              <a:rPr lang="de-DE" altLang="de-DE" sz="1600" b="1" dirty="0" err="1">
+                <a:solidFill>
+                  <a:srgbClr val="660E7A"/>
+                </a:solidFill>
+                <a:latin typeface="Consolas" panose="020B0609020204030204" pitchFamily="49" charset="0"/>
+                <a:cs typeface="Consolas" panose="020B0609020204030204" pitchFamily="49" charset="0"/>
+              </a:rPr>
+              <a:t>wicket</a:t>
+            </a:r>
+            <a:r>
+              <a:rPr lang="de-DE" altLang="de-DE" sz="1600" b="1" dirty="0">
+                <a:solidFill>
+                  <a:srgbClr val="0000FF"/>
+                </a:solidFill>
+                <a:latin typeface="Consolas" panose="020B0609020204030204" pitchFamily="49" charset="0"/>
+                <a:cs typeface="Consolas" panose="020B0609020204030204" pitchFamily="49" charset="0"/>
+              </a:rPr>
+              <a:t>=</a:t>
+            </a:r>
+            <a:r>
+              <a:rPr lang="de-DE" altLang="de-DE" sz="1600" b="1" dirty="0">
+                <a:solidFill>
+                  <a:srgbClr val="008000"/>
+                </a:solidFill>
+                <a:latin typeface="Consolas" panose="020B0609020204030204" pitchFamily="49" charset="0"/>
+                <a:cs typeface="Consolas" panose="020B0609020204030204" pitchFamily="49" charset="0"/>
+              </a:rPr>
+              <a:t>"http://wicket.apache.org"</a:t>
+            </a:r>
+            <a:r>
+              <a:rPr lang="de-DE" altLang="de-DE" sz="1600" dirty="0">
+                <a:solidFill>
+                  <a:srgbClr val="000000"/>
+                </a:solidFill>
+                <a:latin typeface="Consolas" panose="020B0609020204030204" pitchFamily="49" charset="0"/>
+                <a:cs typeface="Consolas" panose="020B0609020204030204" pitchFamily="49" charset="0"/>
+              </a:rPr>
+              <a:t>&gt;</a:t>
             </a:r>
             <a:br>
-              <a:rPr lang="de-DE" altLang="de-DE" sz="1200" dirty="0">
+              <a:rPr lang="de-DE" altLang="de-DE" sz="1600" dirty="0">
                 <a:solidFill>
                   <a:srgbClr val="000000"/>
                 </a:solidFill>
@@ -12725,67 +13534,154 @@
               </a:rPr>
             </a:br>
             <a:r>
-              <a:rPr lang="de-DE" altLang="de-DE" sz="1200" b="1" dirty="0" err="1">
+              <a:rPr lang="de-DE" altLang="de-DE" sz="1600" dirty="0">
+                <a:solidFill>
+                  <a:srgbClr val="000000"/>
+                </a:solidFill>
+                <a:latin typeface="Consolas" panose="020B0609020204030204" pitchFamily="49" charset="0"/>
+                <a:cs typeface="Consolas" panose="020B0609020204030204" pitchFamily="49" charset="0"/>
+              </a:rPr>
+              <a:t/>
+            </a:r>
+            <a:br>
+              <a:rPr lang="de-DE" altLang="de-DE" sz="1600" dirty="0">
+                <a:solidFill>
+                  <a:srgbClr val="000000"/>
+                </a:solidFill>
+                <a:latin typeface="Consolas" panose="020B0609020204030204" pitchFamily="49" charset="0"/>
+                <a:cs typeface="Consolas" panose="020B0609020204030204" pitchFamily="49" charset="0"/>
+              </a:rPr>
+            </a:br>
+            <a:r>
+              <a:rPr lang="de-DE" altLang="de-DE" sz="1600" dirty="0">
+                <a:solidFill>
+                  <a:srgbClr val="000000"/>
+                </a:solidFill>
+                <a:latin typeface="Consolas" panose="020B0609020204030204" pitchFamily="49" charset="0"/>
+                <a:cs typeface="Consolas" panose="020B0609020204030204" pitchFamily="49" charset="0"/>
+              </a:rPr>
+              <a:t>&lt;</a:t>
+            </a:r>
+            <a:r>
+              <a:rPr lang="de-DE" altLang="de-DE" sz="1600" b="1" dirty="0" err="1">
                 <a:solidFill>
                   <a:srgbClr val="000080"/>
                 </a:solidFill>
                 <a:latin typeface="Consolas" panose="020B0609020204030204" pitchFamily="49" charset="0"/>
                 <a:cs typeface="Consolas" panose="020B0609020204030204" pitchFamily="49" charset="0"/>
               </a:rPr>
-              <a:t>public</a:t>
-            </a:r>
-            <a:r>
-              <a:rPr lang="de-DE" altLang="de-DE" sz="1200" b="1" dirty="0">
+              <a:t>head</a:t>
+            </a:r>
+            <a:r>
+              <a:rPr lang="de-DE" altLang="de-DE" sz="1600" dirty="0">
+                <a:solidFill>
+                  <a:srgbClr val="000000"/>
+                </a:solidFill>
+                <a:latin typeface="Consolas" panose="020B0609020204030204" pitchFamily="49" charset="0"/>
+                <a:cs typeface="Consolas" panose="020B0609020204030204" pitchFamily="49" charset="0"/>
+              </a:rPr>
+              <a:t>&gt;</a:t>
+            </a:r>
+            <a:br>
+              <a:rPr lang="de-DE" altLang="de-DE" sz="1600" dirty="0">
+                <a:solidFill>
+                  <a:srgbClr val="000000"/>
+                </a:solidFill>
+                <a:latin typeface="Consolas" panose="020B0609020204030204" pitchFamily="49" charset="0"/>
+                <a:cs typeface="Consolas" panose="020B0609020204030204" pitchFamily="49" charset="0"/>
+              </a:rPr>
+            </a:br>
+            <a:r>
+              <a:rPr lang="de-DE" altLang="de-DE" sz="1600" dirty="0">
+                <a:solidFill>
+                  <a:srgbClr val="000000"/>
+                </a:solidFill>
+                <a:latin typeface="Consolas" panose="020B0609020204030204" pitchFamily="49" charset="0"/>
+                <a:cs typeface="Consolas" panose="020B0609020204030204" pitchFamily="49" charset="0"/>
+              </a:rPr>
+              <a:t>    &lt;</a:t>
+            </a:r>
+            <a:r>
+              <a:rPr lang="de-DE" altLang="de-DE" sz="1600" b="1" dirty="0">
                 <a:solidFill>
                   <a:srgbClr val="000080"/>
                 </a:solidFill>
                 <a:latin typeface="Consolas" panose="020B0609020204030204" pitchFamily="49" charset="0"/>
                 <a:cs typeface="Consolas" panose="020B0609020204030204" pitchFamily="49" charset="0"/>
               </a:rPr>
-              <a:t> </a:t>
-            </a:r>
-            <a:r>
-              <a:rPr lang="de-DE" altLang="de-DE" sz="1200" b="1" dirty="0" err="1">
+              <a:t>title</a:t>
+            </a:r>
+            <a:r>
+              <a:rPr lang="de-DE" altLang="de-DE" sz="1600" dirty="0">
+                <a:solidFill>
+                  <a:srgbClr val="000000"/>
+                </a:solidFill>
+                <a:latin typeface="Consolas" panose="020B0609020204030204" pitchFamily="49" charset="0"/>
+                <a:cs typeface="Consolas" panose="020B0609020204030204" pitchFamily="49" charset="0"/>
+              </a:rPr>
+              <a:t>&gt;&lt;/</a:t>
+            </a:r>
+            <a:r>
+              <a:rPr lang="de-DE" altLang="de-DE" sz="1600" b="1" dirty="0">
                 <a:solidFill>
                   <a:srgbClr val="000080"/>
                 </a:solidFill>
                 <a:latin typeface="Consolas" panose="020B0609020204030204" pitchFamily="49" charset="0"/>
                 <a:cs typeface="Consolas" panose="020B0609020204030204" pitchFamily="49" charset="0"/>
               </a:rPr>
-              <a:t>void</a:t>
-            </a:r>
-            <a:r>
-              <a:rPr lang="de-DE" altLang="de-DE" sz="1200" b="1" dirty="0">
+              <a:t>title</a:t>
+            </a:r>
+            <a:r>
+              <a:rPr lang="de-DE" altLang="de-DE" sz="1600" dirty="0">
+                <a:solidFill>
+                  <a:srgbClr val="000000"/>
+                </a:solidFill>
+                <a:latin typeface="Consolas" panose="020B0609020204030204" pitchFamily="49" charset="0"/>
+                <a:cs typeface="Consolas" panose="020B0609020204030204" pitchFamily="49" charset="0"/>
+              </a:rPr>
+              <a:t>&gt;</a:t>
+            </a:r>
+            <a:br>
+              <a:rPr lang="de-DE" altLang="de-DE" sz="1600" dirty="0">
+                <a:solidFill>
+                  <a:srgbClr val="000000"/>
+                </a:solidFill>
+                <a:latin typeface="Consolas" panose="020B0609020204030204" pitchFamily="49" charset="0"/>
+                <a:cs typeface="Consolas" panose="020B0609020204030204" pitchFamily="49" charset="0"/>
+              </a:rPr>
+            </a:br>
+            <a:r>
+              <a:rPr lang="de-DE" altLang="de-DE" sz="1600" dirty="0">
+                <a:solidFill>
+                  <a:srgbClr val="000000"/>
+                </a:solidFill>
+                <a:latin typeface="Consolas" panose="020B0609020204030204" pitchFamily="49" charset="0"/>
+                <a:cs typeface="Consolas" panose="020B0609020204030204" pitchFamily="49" charset="0"/>
+              </a:rPr>
+              <a:t>&lt;/</a:t>
+            </a:r>
+            <a:r>
+              <a:rPr lang="de-DE" altLang="de-DE" sz="1600" b="1" dirty="0" err="1">
                 <a:solidFill>
                   <a:srgbClr val="000080"/>
                 </a:solidFill>
                 <a:latin typeface="Consolas" panose="020B0609020204030204" pitchFamily="49" charset="0"/>
                 <a:cs typeface="Consolas" panose="020B0609020204030204" pitchFamily="49" charset="0"/>
               </a:rPr>
-              <a:t> </a:t>
-            </a:r>
-            <a:r>
-              <a:rPr lang="de-DE" altLang="de-DE" sz="1200" dirty="0" err="1">
-                <a:solidFill>
-                  <a:srgbClr val="000000"/>
-                </a:solidFill>
-                <a:latin typeface="Consolas" panose="020B0609020204030204" pitchFamily="49" charset="0"/>
-                <a:cs typeface="Consolas" panose="020B0609020204030204" pitchFamily="49" charset="0"/>
-              </a:rPr>
-              <a:t>homePageMarkupTest</a:t>
-            </a:r>
-            <a:r>
-              <a:rPr lang="de-DE" altLang="de-DE" sz="1200" dirty="0">
-                <a:solidFill>
-                  <a:srgbClr val="000000"/>
-                </a:solidFill>
-                <a:latin typeface="Consolas" panose="020B0609020204030204" pitchFamily="49" charset="0"/>
-                <a:cs typeface="Consolas" panose="020B0609020204030204" pitchFamily="49" charset="0"/>
-              </a:rPr>
-              <a:t>() {</a:t>
+              <a:t>head</a:t>
+            </a:r>
+            <a:r>
+              <a:rPr lang="de-DE" altLang="de-DE" sz="1600" dirty="0">
+                <a:solidFill>
+                  <a:srgbClr val="000000"/>
+                </a:solidFill>
+                <a:latin typeface="Consolas" panose="020B0609020204030204" pitchFamily="49" charset="0"/>
+                <a:cs typeface="Consolas" panose="020B0609020204030204" pitchFamily="49" charset="0"/>
+              </a:rPr>
+              <a:t>&gt;</a:t>
             </a:r>
             <a:br>
-              <a:rPr lang="de-DE" altLang="de-DE" sz="1200" dirty="0">
+              <a:rPr lang="de-DE" altLang="de-DE" sz="1600" dirty="0">
                 <a:solidFill>
                   <a:srgbClr val="000000"/>
                 </a:solidFill>
@@ -12794,96 +13690,184 @@
               </a:rPr>
             </a:br>
             <a:r>
-              <a:rPr lang="de-DE" altLang="de-DE" sz="1200" dirty="0">
-                <a:solidFill>
-                  <a:srgbClr val="000000"/>
-                </a:solidFill>
-                <a:latin typeface="Consolas" panose="020B0609020204030204" pitchFamily="49" charset="0"/>
-                <a:cs typeface="Consolas" panose="020B0609020204030204" pitchFamily="49" charset="0"/>
-              </a:rPr>
-              <a:t>    </a:t>
-            </a:r>
-            <a:r>
-              <a:rPr lang="de-DE" altLang="de-DE" sz="1200" i="1" dirty="0">
-                <a:solidFill>
-                  <a:srgbClr val="808080"/>
-                </a:solidFill>
-                <a:latin typeface="Consolas" panose="020B0609020204030204" pitchFamily="49" charset="0"/>
-                <a:cs typeface="Consolas" panose="020B0609020204030204" pitchFamily="49" charset="0"/>
-              </a:rPr>
-              <a:t>// Rendern der Page</a:t>
+              <a:rPr lang="de-DE" altLang="de-DE" sz="1600" dirty="0">
+                <a:solidFill>
+                  <a:srgbClr val="000000"/>
+                </a:solidFill>
+                <a:latin typeface="Consolas" panose="020B0609020204030204" pitchFamily="49" charset="0"/>
+                <a:cs typeface="Consolas" panose="020B0609020204030204" pitchFamily="49" charset="0"/>
+              </a:rPr>
+              <a:t/>
             </a:r>
             <a:br>
-              <a:rPr lang="de-DE" altLang="de-DE" sz="1200" i="1" dirty="0">
-                <a:solidFill>
-                  <a:srgbClr val="808080"/>
+              <a:rPr lang="de-DE" altLang="de-DE" sz="1600" dirty="0">
+                <a:solidFill>
+                  <a:srgbClr val="000000"/>
                 </a:solidFill>
                 <a:latin typeface="Consolas" panose="020B0609020204030204" pitchFamily="49" charset="0"/>
                 <a:cs typeface="Consolas" panose="020B0609020204030204" pitchFamily="49" charset="0"/>
               </a:rPr>
             </a:br>
             <a:r>
-              <a:rPr lang="de-DE" altLang="de-DE" sz="1200" i="1" dirty="0">
-                <a:solidFill>
-                  <a:srgbClr val="808080"/>
-                </a:solidFill>
-                <a:latin typeface="Consolas" panose="020B0609020204030204" pitchFamily="49" charset="0"/>
-                <a:cs typeface="Consolas" panose="020B0609020204030204" pitchFamily="49" charset="0"/>
-              </a:rPr>
-              <a:t>    </a:t>
-            </a:r>
-            <a:r>
-              <a:rPr lang="de-DE" altLang="de-DE" sz="1200" dirty="0" err="1">
-                <a:solidFill>
-                  <a:srgbClr val="000000"/>
-                </a:solidFill>
-                <a:latin typeface="Consolas" panose="020B0609020204030204" pitchFamily="49" charset="0"/>
-                <a:cs typeface="Consolas" panose="020B0609020204030204" pitchFamily="49" charset="0"/>
-              </a:rPr>
-              <a:t>tester.startPage</a:t>
-            </a:r>
-            <a:r>
-              <a:rPr lang="de-DE" altLang="de-DE" sz="1200" dirty="0">
-                <a:solidFill>
-                  <a:srgbClr val="000000"/>
-                </a:solidFill>
-                <a:latin typeface="Consolas" panose="020B0609020204030204" pitchFamily="49" charset="0"/>
-                <a:cs typeface="Consolas" panose="020B0609020204030204" pitchFamily="49" charset="0"/>
-              </a:rPr>
-              <a:t>(</a:t>
-            </a:r>
-            <a:r>
-              <a:rPr lang="de-DE" altLang="de-DE" sz="1200" dirty="0" err="1">
-                <a:solidFill>
-                  <a:srgbClr val="000000"/>
-                </a:solidFill>
-                <a:latin typeface="Consolas" panose="020B0609020204030204" pitchFamily="49" charset="0"/>
-                <a:cs typeface="Consolas" panose="020B0609020204030204" pitchFamily="49" charset="0"/>
-              </a:rPr>
-              <a:t>HomePage.</a:t>
-            </a:r>
-            <a:r>
-              <a:rPr lang="de-DE" altLang="de-DE" sz="1200" b="1" dirty="0" err="1">
+              <a:rPr lang="de-DE" altLang="de-DE" sz="1600" dirty="0">
+                <a:solidFill>
+                  <a:srgbClr val="000000"/>
+                </a:solidFill>
+                <a:latin typeface="Consolas" panose="020B0609020204030204" pitchFamily="49" charset="0"/>
+                <a:cs typeface="Consolas" panose="020B0609020204030204" pitchFamily="49" charset="0"/>
+              </a:rPr>
+              <a:t>&lt;</a:t>
+            </a:r>
+            <a:r>
+              <a:rPr lang="de-DE" altLang="de-DE" sz="1600" b="1" dirty="0" err="1">
                 <a:solidFill>
                   <a:srgbClr val="000080"/>
                 </a:solidFill>
                 <a:latin typeface="Consolas" panose="020B0609020204030204" pitchFamily="49" charset="0"/>
                 <a:cs typeface="Consolas" panose="020B0609020204030204" pitchFamily="49" charset="0"/>
               </a:rPr>
+              <a:t>body</a:t>
+            </a:r>
+            <a:r>
+              <a:rPr lang="de-DE" altLang="de-DE" sz="1600" dirty="0">
+                <a:solidFill>
+                  <a:srgbClr val="000000"/>
+                </a:solidFill>
+                <a:latin typeface="Consolas" panose="020B0609020204030204" pitchFamily="49" charset="0"/>
+                <a:cs typeface="Consolas" panose="020B0609020204030204" pitchFamily="49" charset="0"/>
+              </a:rPr>
+              <a:t>&gt;</a:t>
+            </a:r>
+            <a:br>
+              <a:rPr lang="de-DE" altLang="de-DE" sz="1600" dirty="0">
+                <a:solidFill>
+                  <a:srgbClr val="000000"/>
+                </a:solidFill>
+                <a:latin typeface="Consolas" panose="020B0609020204030204" pitchFamily="49" charset="0"/>
+                <a:cs typeface="Consolas" panose="020B0609020204030204" pitchFamily="49" charset="0"/>
+              </a:rPr>
+            </a:br>
+            <a:r>
+              <a:rPr lang="de-DE" altLang="de-DE" sz="1600" dirty="0">
+                <a:solidFill>
+                  <a:srgbClr val="000000"/>
+                </a:solidFill>
+                <a:latin typeface="Consolas" panose="020B0609020204030204" pitchFamily="49" charset="0"/>
+                <a:cs typeface="Consolas" panose="020B0609020204030204" pitchFamily="49" charset="0"/>
+              </a:rPr>
+              <a:t/>
+            </a:r>
+            <a:br>
+              <a:rPr lang="de-DE" altLang="de-DE" sz="1600" dirty="0">
+                <a:solidFill>
+                  <a:srgbClr val="000000"/>
+                </a:solidFill>
+                <a:latin typeface="Consolas" panose="020B0609020204030204" pitchFamily="49" charset="0"/>
+                <a:cs typeface="Consolas" panose="020B0609020204030204" pitchFamily="49" charset="0"/>
+              </a:rPr>
+            </a:br>
+            <a:r>
+              <a:rPr lang="de-DE" altLang="de-DE" sz="1600" dirty="0">
+                <a:solidFill>
+                  <a:srgbClr val="000000"/>
+                </a:solidFill>
+                <a:latin typeface="Consolas" panose="020B0609020204030204" pitchFamily="49" charset="0"/>
+                <a:cs typeface="Consolas" panose="020B0609020204030204" pitchFamily="49" charset="0"/>
+              </a:rPr>
+              <a:t>&lt;</a:t>
+            </a:r>
+            <a:r>
+              <a:rPr lang="de-DE" altLang="de-DE" sz="1600" b="1" dirty="0">
+                <a:solidFill>
+                  <a:srgbClr val="000080"/>
+                </a:solidFill>
+                <a:latin typeface="Consolas" panose="020B0609020204030204" pitchFamily="49" charset="0"/>
+                <a:cs typeface="Consolas" panose="020B0609020204030204" pitchFamily="49" charset="0"/>
+              </a:rPr>
+              <a:t>span </a:t>
+            </a:r>
+            <a:r>
+              <a:rPr lang="de-DE" altLang="de-DE" sz="1600" b="1" dirty="0" err="1">
+                <a:solidFill>
+                  <a:srgbClr val="0000FF"/>
+                </a:solidFill>
+                <a:latin typeface="Consolas" panose="020B0609020204030204" pitchFamily="49" charset="0"/>
+                <a:cs typeface="Consolas" panose="020B0609020204030204" pitchFamily="49" charset="0"/>
+              </a:rPr>
               <a:t>class</a:t>
             </a:r>
             <a:r>
-              <a:rPr lang="de-DE" altLang="de-DE" sz="1200" dirty="0">
-                <a:solidFill>
-                  <a:srgbClr val="000000"/>
-                </a:solidFill>
-                <a:latin typeface="Consolas" panose="020B0609020204030204" pitchFamily="49" charset="0"/>
-                <a:cs typeface="Consolas" panose="020B0609020204030204" pitchFamily="49" charset="0"/>
-              </a:rPr>
-              <a:t>);</a:t>
+              <a:rPr lang="de-DE" altLang="de-DE" sz="1600" b="1" dirty="0">
+                <a:solidFill>
+                  <a:srgbClr val="0000FF"/>
+                </a:solidFill>
+                <a:latin typeface="Consolas" panose="020B0609020204030204" pitchFamily="49" charset="0"/>
+                <a:cs typeface="Consolas" panose="020B0609020204030204" pitchFamily="49" charset="0"/>
+              </a:rPr>
+              <a:t>=</a:t>
+            </a:r>
+            <a:r>
+              <a:rPr lang="de-DE" altLang="de-DE" sz="1600" b="1" dirty="0">
+                <a:solidFill>
+                  <a:srgbClr val="008000"/>
+                </a:solidFill>
+                <a:latin typeface="Consolas" panose="020B0609020204030204" pitchFamily="49" charset="0"/>
+                <a:cs typeface="Consolas" panose="020B0609020204030204" pitchFamily="49" charset="0"/>
+              </a:rPr>
+              <a:t>"</a:t>
+            </a:r>
+            <a:r>
+              <a:rPr lang="de-DE" altLang="de-DE" sz="1600" b="1" dirty="0" err="1">
+                <a:solidFill>
+                  <a:srgbClr val="008000"/>
+                </a:solidFill>
+                <a:latin typeface="Consolas" panose="020B0609020204030204" pitchFamily="49" charset="0"/>
+                <a:cs typeface="Consolas" panose="020B0609020204030204" pitchFamily="49" charset="0"/>
+              </a:rPr>
+              <a:t>myClass</a:t>
+            </a:r>
+            <a:r>
+              <a:rPr lang="de-DE" altLang="de-DE" sz="1600" b="1" dirty="0">
+                <a:solidFill>
+                  <a:srgbClr val="008000"/>
+                </a:solidFill>
+                <a:latin typeface="Consolas" panose="020B0609020204030204" pitchFamily="49" charset="0"/>
+                <a:cs typeface="Consolas" panose="020B0609020204030204" pitchFamily="49" charset="0"/>
+              </a:rPr>
+              <a:t>"</a:t>
+            </a:r>
+            <a:r>
+              <a:rPr lang="de-DE" altLang="de-DE" sz="1600" dirty="0">
+                <a:solidFill>
+                  <a:srgbClr val="000000"/>
+                </a:solidFill>
+                <a:latin typeface="Consolas" panose="020B0609020204030204" pitchFamily="49" charset="0"/>
+                <a:cs typeface="Consolas" panose="020B0609020204030204" pitchFamily="49" charset="0"/>
+              </a:rPr>
+              <a:t>&gt;&lt;/</a:t>
+            </a:r>
+            <a:r>
+              <a:rPr lang="de-DE" altLang="de-DE" sz="1600" b="1" dirty="0">
+                <a:solidFill>
+                  <a:srgbClr val="000080"/>
+                </a:solidFill>
+                <a:latin typeface="Consolas" panose="020B0609020204030204" pitchFamily="49" charset="0"/>
+                <a:cs typeface="Consolas" panose="020B0609020204030204" pitchFamily="49" charset="0"/>
+              </a:rPr>
+              <a:t>span</a:t>
+            </a:r>
+            <a:r>
+              <a:rPr lang="de-DE" altLang="de-DE" sz="1600" dirty="0">
+                <a:solidFill>
+                  <a:srgbClr val="000000"/>
+                </a:solidFill>
+                <a:latin typeface="Consolas" panose="020B0609020204030204" pitchFamily="49" charset="0"/>
+                <a:cs typeface="Consolas" panose="020B0609020204030204" pitchFamily="49" charset="0"/>
+              </a:rPr>
+              <a:t>&gt;</a:t>
             </a:r>
             <a:br>
-              <a:rPr lang="de-DE" altLang="de-DE" sz="1200" dirty="0">
+              <a:rPr lang="de-DE" altLang="de-DE" sz="1600" dirty="0">
                 <a:solidFill>
                   <a:srgbClr val="000000"/>
                 </a:solidFill>
@@ -12892,116 +13876,126 @@
               </a:rPr>
             </a:br>
             <a:r>
-              <a:rPr lang="de-DE" altLang="de-DE" sz="1200" dirty="0">
-                <a:solidFill>
-                  <a:srgbClr val="000000"/>
-                </a:solidFill>
-                <a:latin typeface="Consolas" panose="020B0609020204030204" pitchFamily="49" charset="0"/>
-                <a:cs typeface="Consolas" panose="020B0609020204030204" pitchFamily="49" charset="0"/>
-              </a:rPr>
-              <a:t>    </a:t>
-            </a:r>
-            <a:r>
-              <a:rPr lang="de-DE" altLang="de-DE" sz="1200" i="1" dirty="0">
-                <a:solidFill>
-                  <a:srgbClr val="808080"/>
-                </a:solidFill>
-                <a:latin typeface="Consolas" panose="020B0609020204030204" pitchFamily="49" charset="0"/>
-                <a:cs typeface="Consolas" panose="020B0609020204030204" pitchFamily="49" charset="0"/>
-              </a:rPr>
-              <a:t>// Extraktion des Markups</a:t>
+              <a:rPr lang="de-DE" altLang="de-DE" sz="1600" dirty="0">
+                <a:solidFill>
+                  <a:srgbClr val="000000"/>
+                </a:solidFill>
+                <a:latin typeface="Consolas" panose="020B0609020204030204" pitchFamily="49" charset="0"/>
+                <a:cs typeface="Consolas" panose="020B0609020204030204" pitchFamily="49" charset="0"/>
+              </a:rPr>
+              <a:t>&lt;</a:t>
+            </a:r>
+            <a:r>
+              <a:rPr lang="de-DE" altLang="de-DE" sz="1600" b="1" dirty="0">
+                <a:solidFill>
+                  <a:srgbClr val="000080"/>
+                </a:solidFill>
+                <a:latin typeface="Consolas" panose="020B0609020204030204" pitchFamily="49" charset="0"/>
+                <a:cs typeface="Consolas" panose="020B0609020204030204" pitchFamily="49" charset="0"/>
+              </a:rPr>
+              <a:t>div </a:t>
+            </a:r>
+            <a:r>
+              <a:rPr lang="de-DE" altLang="de-DE" sz="1600" b="1" dirty="0" err="1">
+                <a:solidFill>
+                  <a:srgbClr val="0000FF"/>
+                </a:solidFill>
+                <a:latin typeface="Consolas" panose="020B0609020204030204" pitchFamily="49" charset="0"/>
+                <a:cs typeface="Consolas" panose="020B0609020204030204" pitchFamily="49" charset="0"/>
+              </a:rPr>
+              <a:t>class</a:t>
+            </a:r>
+            <a:r>
+              <a:rPr lang="de-DE" altLang="de-DE" sz="1600" b="1" dirty="0">
+                <a:solidFill>
+                  <a:srgbClr val="0000FF"/>
+                </a:solidFill>
+                <a:latin typeface="Consolas" panose="020B0609020204030204" pitchFamily="49" charset="0"/>
+                <a:cs typeface="Consolas" panose="020B0609020204030204" pitchFamily="49" charset="0"/>
+              </a:rPr>
+              <a:t>=</a:t>
+            </a:r>
+            <a:r>
+              <a:rPr lang="de-DE" altLang="de-DE" sz="1600" b="1" dirty="0">
+                <a:solidFill>
+                  <a:srgbClr val="008000"/>
+                </a:solidFill>
+                <a:latin typeface="Consolas" panose="020B0609020204030204" pitchFamily="49" charset="0"/>
+                <a:cs typeface="Consolas" panose="020B0609020204030204" pitchFamily="49" charset="0"/>
+              </a:rPr>
+              <a:t>"</a:t>
+            </a:r>
+            <a:r>
+              <a:rPr lang="de-DE" altLang="de-DE" sz="1600" b="1" dirty="0" err="1">
+                <a:solidFill>
+                  <a:srgbClr val="008000"/>
+                </a:solidFill>
+                <a:latin typeface="Consolas" panose="020B0609020204030204" pitchFamily="49" charset="0"/>
+                <a:cs typeface="Consolas" panose="020B0609020204030204" pitchFamily="49" charset="0"/>
+              </a:rPr>
+              <a:t>myClass</a:t>
+            </a:r>
+            <a:r>
+              <a:rPr lang="de-DE" altLang="de-DE" sz="1600" b="1" dirty="0">
+                <a:solidFill>
+                  <a:srgbClr val="008000"/>
+                </a:solidFill>
+                <a:latin typeface="Consolas" panose="020B0609020204030204" pitchFamily="49" charset="0"/>
+                <a:cs typeface="Consolas" panose="020B0609020204030204" pitchFamily="49" charset="0"/>
+              </a:rPr>
+              <a:t>"</a:t>
+            </a:r>
+            <a:r>
+              <a:rPr lang="de-DE" altLang="de-DE" sz="1600" dirty="0">
+                <a:solidFill>
+                  <a:srgbClr val="000000"/>
+                </a:solidFill>
+                <a:latin typeface="Consolas" panose="020B0609020204030204" pitchFamily="49" charset="0"/>
+                <a:cs typeface="Consolas" panose="020B0609020204030204" pitchFamily="49" charset="0"/>
+              </a:rPr>
+              <a:t>&gt;&lt;/</a:t>
+            </a:r>
+            <a:r>
+              <a:rPr lang="de-DE" altLang="de-DE" sz="1600" b="1" dirty="0">
+                <a:solidFill>
+                  <a:srgbClr val="000080"/>
+                </a:solidFill>
+                <a:latin typeface="Consolas" panose="020B0609020204030204" pitchFamily="49" charset="0"/>
+                <a:cs typeface="Consolas" panose="020B0609020204030204" pitchFamily="49" charset="0"/>
+              </a:rPr>
+              <a:t>div</a:t>
+            </a:r>
+            <a:r>
+              <a:rPr lang="de-DE" altLang="de-DE" sz="1600" dirty="0">
+                <a:solidFill>
+                  <a:srgbClr val="000000"/>
+                </a:solidFill>
+                <a:latin typeface="Consolas" panose="020B0609020204030204" pitchFamily="49" charset="0"/>
+                <a:cs typeface="Consolas" panose="020B0609020204030204" pitchFamily="49" charset="0"/>
+              </a:rPr>
+              <a:t>&gt;</a:t>
             </a:r>
             <a:br>
-              <a:rPr lang="de-DE" altLang="de-DE" sz="1200" i="1" dirty="0">
-                <a:solidFill>
-                  <a:srgbClr val="808080"/>
+              <a:rPr lang="de-DE" altLang="de-DE" sz="1600" dirty="0">
+                <a:solidFill>
+                  <a:srgbClr val="000000"/>
                 </a:solidFill>
                 <a:latin typeface="Consolas" panose="020B0609020204030204" pitchFamily="49" charset="0"/>
                 <a:cs typeface="Consolas" panose="020B0609020204030204" pitchFamily="49" charset="0"/>
               </a:rPr>
             </a:br>
             <a:r>
-              <a:rPr lang="de-DE" altLang="de-DE" sz="1200" i="1" dirty="0">
-                <a:solidFill>
-                  <a:srgbClr val="808080"/>
-                </a:solidFill>
-                <a:latin typeface="Consolas" panose="020B0609020204030204" pitchFamily="49" charset="0"/>
-                <a:cs typeface="Consolas" panose="020B0609020204030204" pitchFamily="49" charset="0"/>
-              </a:rPr>
-              <a:t>    </a:t>
-            </a:r>
-            <a:r>
-              <a:rPr lang="de-DE" altLang="de-DE" sz="1200" dirty="0">
-                <a:solidFill>
-                  <a:srgbClr val="000000"/>
-                </a:solidFill>
-                <a:latin typeface="Consolas" panose="020B0609020204030204" pitchFamily="49" charset="0"/>
-                <a:cs typeface="Consolas" panose="020B0609020204030204" pitchFamily="49" charset="0"/>
-              </a:rPr>
-              <a:t>String </a:t>
-            </a:r>
-            <a:r>
-              <a:rPr lang="de-DE" altLang="de-DE" sz="1200" dirty="0" err="1">
-                <a:solidFill>
-                  <a:srgbClr val="000000"/>
-                </a:solidFill>
-                <a:latin typeface="Consolas" panose="020B0609020204030204" pitchFamily="49" charset="0"/>
-                <a:cs typeface="Consolas" panose="020B0609020204030204" pitchFamily="49" charset="0"/>
-              </a:rPr>
-              <a:t>responseTxt</a:t>
-            </a:r>
-            <a:r>
-              <a:rPr lang="de-DE" altLang="de-DE" sz="1200" dirty="0">
-                <a:solidFill>
-                  <a:srgbClr val="000000"/>
-                </a:solidFill>
-                <a:latin typeface="Consolas" panose="020B0609020204030204" pitchFamily="49" charset="0"/>
-                <a:cs typeface="Consolas" panose="020B0609020204030204" pitchFamily="49" charset="0"/>
-              </a:rPr>
-              <a:t> = </a:t>
-            </a:r>
-            <a:r>
-              <a:rPr lang="de-DE" altLang="de-DE" sz="1200" dirty="0" err="1">
-                <a:solidFill>
-                  <a:srgbClr val="000000"/>
-                </a:solidFill>
-                <a:latin typeface="Consolas" panose="020B0609020204030204" pitchFamily="49" charset="0"/>
-                <a:cs typeface="Consolas" panose="020B0609020204030204" pitchFamily="49" charset="0"/>
-              </a:rPr>
-              <a:t>tester.getLastResponse</a:t>
-            </a:r>
-            <a:r>
-              <a:rPr lang="de-DE" altLang="de-DE" sz="1200" dirty="0">
-                <a:solidFill>
-                  <a:srgbClr val="000000"/>
-                </a:solidFill>
-                <a:latin typeface="Consolas" panose="020B0609020204030204" pitchFamily="49" charset="0"/>
-                <a:cs typeface="Consolas" panose="020B0609020204030204" pitchFamily="49" charset="0"/>
-              </a:rPr>
-              <a:t>().</a:t>
-            </a:r>
-            <a:r>
-              <a:rPr lang="de-DE" altLang="de-DE" sz="1200" dirty="0" err="1">
-                <a:solidFill>
-                  <a:srgbClr val="000000"/>
-                </a:solidFill>
-                <a:latin typeface="Consolas" panose="020B0609020204030204" pitchFamily="49" charset="0"/>
-                <a:cs typeface="Consolas" panose="020B0609020204030204" pitchFamily="49" charset="0"/>
-              </a:rPr>
-              <a:t>getDocument</a:t>
-            </a:r>
-            <a:r>
-              <a:rPr lang="de-DE" altLang="de-DE" sz="1200" dirty="0">
-                <a:solidFill>
-                  <a:srgbClr val="000000"/>
-                </a:solidFill>
-                <a:latin typeface="Consolas" panose="020B0609020204030204" pitchFamily="49" charset="0"/>
-                <a:cs typeface="Consolas" panose="020B0609020204030204" pitchFamily="49" charset="0"/>
-              </a:rPr>
-              <a:t>();</a:t>
+              <a:rPr lang="de-DE" altLang="de-DE" sz="1600" dirty="0">
+                <a:solidFill>
+                  <a:srgbClr val="000000"/>
+                </a:solidFill>
+                <a:latin typeface="Consolas" panose="020B0609020204030204" pitchFamily="49" charset="0"/>
+                <a:cs typeface="Consolas" panose="020B0609020204030204" pitchFamily="49" charset="0"/>
+              </a:rPr>
+              <a:t/>
             </a:r>
             <a:br>
-              <a:rPr lang="de-DE" altLang="de-DE" sz="1200" dirty="0">
+              <a:rPr lang="de-DE" altLang="de-DE" sz="1600" dirty="0">
                 <a:solidFill>
                   <a:srgbClr val="000000"/>
                 </a:solidFill>
@@ -13010,47 +14004,46 @@
               </a:rPr>
             </a:br>
             <a:r>
-              <a:rPr lang="de-DE" altLang="de-DE" sz="1200" dirty="0">
-                <a:solidFill>
-                  <a:srgbClr val="000000"/>
-                </a:solidFill>
-                <a:latin typeface="Consolas" panose="020B0609020204030204" pitchFamily="49" charset="0"/>
-                <a:cs typeface="Consolas" panose="020B0609020204030204" pitchFamily="49" charset="0"/>
-              </a:rPr>
-              <a:t>    </a:t>
-            </a:r>
-            <a:r>
-              <a:rPr lang="de-DE" altLang="de-DE" sz="1200" i="1" dirty="0">
-                <a:solidFill>
-                  <a:srgbClr val="808080"/>
-                </a:solidFill>
-                <a:latin typeface="Consolas" panose="020B0609020204030204" pitchFamily="49" charset="0"/>
-                <a:cs typeface="Consolas" panose="020B0609020204030204" pitchFamily="49" charset="0"/>
-              </a:rPr>
-              <a:t>// </a:t>
-            </a:r>
-            <a:r>
-              <a:rPr lang="de-DE" altLang="de-DE" sz="1200" i="1" dirty="0" err="1">
-                <a:solidFill>
-                  <a:srgbClr val="808080"/>
-                </a:solidFill>
-                <a:latin typeface="Consolas" panose="020B0609020204030204" pitchFamily="49" charset="0"/>
-                <a:cs typeface="Consolas" panose="020B0609020204030204" pitchFamily="49" charset="0"/>
-              </a:rPr>
-              <a:t>TagTester</a:t>
-            </a:r>
-            <a:r>
-              <a:rPr lang="de-DE" altLang="de-DE" sz="1200" i="1" dirty="0">
-                <a:solidFill>
-                  <a:srgbClr val="808080"/>
-                </a:solidFill>
-                <a:latin typeface="Consolas" panose="020B0609020204030204" pitchFamily="49" charset="0"/>
-                <a:cs typeface="Consolas" panose="020B0609020204030204" pitchFamily="49" charset="0"/>
-              </a:rPr>
-              <a:t> mit Attributselektor erstellen</a:t>
-            </a:r>
-            <a:r>
-              <a:rPr lang="de-DE" altLang="de-DE" sz="1200" dirty="0">
+              <a:rPr lang="de-DE" altLang="de-DE" sz="1600" dirty="0">
+                <a:solidFill>
+                  <a:srgbClr val="000000"/>
+                </a:solidFill>
+                <a:latin typeface="Consolas" panose="020B0609020204030204" pitchFamily="49" charset="0"/>
+                <a:cs typeface="Consolas" panose="020B0609020204030204" pitchFamily="49" charset="0"/>
+              </a:rPr>
+              <a:t>&lt;/</a:t>
+            </a:r>
+            <a:r>
+              <a:rPr lang="de-DE" altLang="de-DE" sz="1600" b="1" dirty="0" err="1">
+                <a:solidFill>
+                  <a:srgbClr val="000080"/>
+                </a:solidFill>
+                <a:latin typeface="Consolas" panose="020B0609020204030204" pitchFamily="49" charset="0"/>
+                <a:cs typeface="Consolas" panose="020B0609020204030204" pitchFamily="49" charset="0"/>
+              </a:rPr>
+              <a:t>body</a:t>
+            </a:r>
+            <a:r>
+              <a:rPr lang="de-DE" altLang="de-DE" sz="1600" dirty="0">
+                <a:solidFill>
+                  <a:srgbClr val="000000"/>
+                </a:solidFill>
+                <a:latin typeface="Consolas" panose="020B0609020204030204" pitchFamily="49" charset="0"/>
+                <a:cs typeface="Consolas" panose="020B0609020204030204" pitchFamily="49" charset="0"/>
+              </a:rPr>
+              <a:t>&gt;</a:t>
+            </a:r>
+            <a:br>
+              <a:rPr lang="de-DE" altLang="de-DE" sz="1600" dirty="0">
+                <a:solidFill>
+                  <a:srgbClr val="000000"/>
+                </a:solidFill>
+                <a:latin typeface="Consolas" panose="020B0609020204030204" pitchFamily="49" charset="0"/>
+                <a:cs typeface="Consolas" panose="020B0609020204030204" pitchFamily="49" charset="0"/>
+              </a:rPr>
+            </a:br>
+            <a:r>
+              <a:rPr lang="de-DE" altLang="de-DE" sz="1600" dirty="0">
                 <a:solidFill>
                   <a:srgbClr val="000000"/>
                 </a:solidFill>
@@ -13060,7 +14053,7 @@
               <a:t/>
             </a:r>
             <a:br>
-              <a:rPr lang="de-DE" altLang="de-DE" sz="1200" dirty="0">
+              <a:rPr lang="de-DE" altLang="de-DE" sz="1600" dirty="0">
                 <a:solidFill>
                   <a:srgbClr val="000000"/>
                 </a:solidFill>
@@ -13069,752 +14062,42 @@
               </a:rPr>
             </a:br>
             <a:r>
-              <a:rPr lang="de-DE" altLang="de-DE" sz="1200" dirty="0">
-                <a:solidFill>
-                  <a:srgbClr val="000000"/>
-                </a:solidFill>
-                <a:latin typeface="Consolas" panose="020B0609020204030204" pitchFamily="49" charset="0"/>
-                <a:cs typeface="Consolas" panose="020B0609020204030204" pitchFamily="49" charset="0"/>
-              </a:rPr>
-              <a:t>    </a:t>
-            </a:r>
-            <a:r>
-              <a:rPr lang="de-DE" altLang="de-DE" sz="1200" dirty="0" err="1">
-                <a:solidFill>
-                  <a:srgbClr val="000000"/>
-                </a:solidFill>
-                <a:latin typeface="Consolas" panose="020B0609020204030204" pitchFamily="49" charset="0"/>
-                <a:cs typeface="Consolas" panose="020B0609020204030204" pitchFamily="49" charset="0"/>
-              </a:rPr>
-              <a:t>TagTester</a:t>
-            </a:r>
-            <a:r>
-              <a:rPr lang="de-DE" altLang="de-DE" sz="1200" dirty="0">
-                <a:solidFill>
-                  <a:srgbClr val="000000"/>
-                </a:solidFill>
-                <a:latin typeface="Consolas" panose="020B0609020204030204" pitchFamily="49" charset="0"/>
-                <a:cs typeface="Consolas" panose="020B0609020204030204" pitchFamily="49" charset="0"/>
-              </a:rPr>
-              <a:t> </a:t>
-            </a:r>
-            <a:r>
-              <a:rPr lang="de-DE" altLang="de-DE" sz="1200" dirty="0" err="1">
-                <a:solidFill>
-                  <a:srgbClr val="000000"/>
-                </a:solidFill>
-                <a:latin typeface="Consolas" panose="020B0609020204030204" pitchFamily="49" charset="0"/>
-                <a:cs typeface="Consolas" panose="020B0609020204030204" pitchFamily="49" charset="0"/>
-              </a:rPr>
-              <a:t>tagTester</a:t>
-            </a:r>
-            <a:r>
-              <a:rPr lang="de-DE" altLang="de-DE" sz="1200" dirty="0">
-                <a:solidFill>
-                  <a:srgbClr val="000000"/>
-                </a:solidFill>
-                <a:latin typeface="Consolas" panose="020B0609020204030204" pitchFamily="49" charset="0"/>
-                <a:cs typeface="Consolas" panose="020B0609020204030204" pitchFamily="49" charset="0"/>
-              </a:rPr>
-              <a:t> = </a:t>
-            </a:r>
-            <a:r>
-              <a:rPr lang="de-DE" altLang="de-DE" sz="1200" dirty="0" err="1">
-                <a:solidFill>
-                  <a:srgbClr val="000000"/>
-                </a:solidFill>
-                <a:latin typeface="Consolas" panose="020B0609020204030204" pitchFamily="49" charset="0"/>
-                <a:cs typeface="Consolas" panose="020B0609020204030204" pitchFamily="49" charset="0"/>
-              </a:rPr>
-              <a:t>TagTester.createTagByAttribute</a:t>
-            </a:r>
-            <a:r>
-              <a:rPr lang="de-DE" altLang="de-DE" sz="1200" dirty="0">
-                <a:solidFill>
-                  <a:srgbClr val="000000"/>
-                </a:solidFill>
-                <a:latin typeface="Consolas" panose="020B0609020204030204" pitchFamily="49" charset="0"/>
-                <a:cs typeface="Consolas" panose="020B0609020204030204" pitchFamily="49" charset="0"/>
-              </a:rPr>
-              <a:t>(</a:t>
-            </a:r>
-            <a:r>
-              <a:rPr lang="de-DE" altLang="de-DE" sz="1200" dirty="0" err="1">
-                <a:solidFill>
-                  <a:srgbClr val="000000"/>
-                </a:solidFill>
-                <a:latin typeface="Consolas" panose="020B0609020204030204" pitchFamily="49" charset="0"/>
-                <a:cs typeface="Consolas" panose="020B0609020204030204" pitchFamily="49" charset="0"/>
-              </a:rPr>
-              <a:t>responseTxt</a:t>
-            </a:r>
-            <a:r>
-              <a:rPr lang="de-DE" altLang="de-DE" sz="1200" dirty="0">
-                <a:solidFill>
-                  <a:srgbClr val="000000"/>
-                </a:solidFill>
-                <a:latin typeface="Consolas" panose="020B0609020204030204" pitchFamily="49" charset="0"/>
-                <a:cs typeface="Consolas" panose="020B0609020204030204" pitchFamily="49" charset="0"/>
-              </a:rPr>
-              <a:t>, </a:t>
-            </a:r>
-            <a:r>
-              <a:rPr lang="de-DE" altLang="de-DE" sz="1200" b="1" dirty="0">
-                <a:solidFill>
-                  <a:srgbClr val="008000"/>
-                </a:solidFill>
-                <a:latin typeface="Consolas" panose="020B0609020204030204" pitchFamily="49" charset="0"/>
-                <a:cs typeface="Consolas" panose="020B0609020204030204" pitchFamily="49" charset="0"/>
-              </a:rPr>
-              <a:t>"</a:t>
-            </a:r>
-            <a:r>
-              <a:rPr lang="de-DE" altLang="de-DE" sz="1200" b="1" dirty="0" err="1">
-                <a:solidFill>
-                  <a:srgbClr val="008000"/>
-                </a:solidFill>
-                <a:latin typeface="Consolas" panose="020B0609020204030204" pitchFamily="49" charset="0"/>
-                <a:cs typeface="Consolas" panose="020B0609020204030204" pitchFamily="49" charset="0"/>
-              </a:rPr>
-              <a:t>class</a:t>
-            </a:r>
-            <a:r>
-              <a:rPr lang="de-DE" altLang="de-DE" sz="1200" b="1" dirty="0">
-                <a:solidFill>
-                  <a:srgbClr val="008000"/>
-                </a:solidFill>
-                <a:latin typeface="Consolas" panose="020B0609020204030204" pitchFamily="49" charset="0"/>
-                <a:cs typeface="Consolas" panose="020B0609020204030204" pitchFamily="49" charset="0"/>
-              </a:rPr>
-              <a:t>"</a:t>
-            </a:r>
-            <a:r>
-              <a:rPr lang="de-DE" altLang="de-DE" sz="1200" dirty="0">
-                <a:solidFill>
-                  <a:srgbClr val="000000"/>
-                </a:solidFill>
-                <a:latin typeface="Consolas" panose="020B0609020204030204" pitchFamily="49" charset="0"/>
-                <a:cs typeface="Consolas" panose="020B0609020204030204" pitchFamily="49" charset="0"/>
-              </a:rPr>
-              <a:t>, </a:t>
-            </a:r>
-            <a:r>
-              <a:rPr lang="de-DE" altLang="de-DE" sz="1200" b="1" dirty="0">
-                <a:solidFill>
-                  <a:srgbClr val="008000"/>
-                </a:solidFill>
-                <a:latin typeface="Consolas" panose="020B0609020204030204" pitchFamily="49" charset="0"/>
-                <a:cs typeface="Consolas" panose="020B0609020204030204" pitchFamily="49" charset="0"/>
-              </a:rPr>
-              <a:t>"</a:t>
-            </a:r>
-            <a:r>
-              <a:rPr lang="de-DE" altLang="de-DE" sz="1200" b="1" dirty="0" err="1">
-                <a:solidFill>
-                  <a:srgbClr val="008000"/>
-                </a:solidFill>
-                <a:latin typeface="Consolas" panose="020B0609020204030204" pitchFamily="49" charset="0"/>
-                <a:cs typeface="Consolas" panose="020B0609020204030204" pitchFamily="49" charset="0"/>
-              </a:rPr>
-              <a:t>myClass</a:t>
-            </a:r>
-            <a:r>
-              <a:rPr lang="de-DE" altLang="de-DE" sz="1200" b="1" dirty="0">
-                <a:solidFill>
-                  <a:srgbClr val="008000"/>
-                </a:solidFill>
-                <a:latin typeface="Consolas" panose="020B0609020204030204" pitchFamily="49" charset="0"/>
-                <a:cs typeface="Consolas" panose="020B0609020204030204" pitchFamily="49" charset="0"/>
-              </a:rPr>
-              <a:t>"</a:t>
-            </a:r>
-            <a:r>
-              <a:rPr lang="de-DE" altLang="de-DE" sz="1200" dirty="0">
-                <a:solidFill>
-                  <a:srgbClr val="000000"/>
-                </a:solidFill>
-                <a:latin typeface="Consolas" panose="020B0609020204030204" pitchFamily="49" charset="0"/>
-                <a:cs typeface="Consolas" panose="020B0609020204030204" pitchFamily="49" charset="0"/>
-              </a:rPr>
-              <a:t>);</a:t>
-            </a:r>
-            <a:br>
-              <a:rPr lang="de-DE" altLang="de-DE" sz="1200" dirty="0">
-                <a:solidFill>
-                  <a:srgbClr val="000000"/>
-                </a:solidFill>
-                <a:latin typeface="Consolas" panose="020B0609020204030204" pitchFamily="49" charset="0"/>
-                <a:cs typeface="Consolas" panose="020B0609020204030204" pitchFamily="49" charset="0"/>
-              </a:rPr>
-            </a:br>
-            <a:endParaRPr lang="de-DE" altLang="de-DE" sz="1200" dirty="0">
-              <a:solidFill>
-                <a:srgbClr val="000000"/>
-              </a:solidFill>
+              <a:rPr lang="de-DE" altLang="de-DE" sz="1600" dirty="0">
+                <a:solidFill>
+                  <a:srgbClr val="000000"/>
+                </a:solidFill>
+                <a:latin typeface="Consolas" panose="020B0609020204030204" pitchFamily="49" charset="0"/>
+                <a:cs typeface="Consolas" panose="020B0609020204030204" pitchFamily="49" charset="0"/>
+              </a:rPr>
+              <a:t>&lt;/</a:t>
+            </a:r>
+            <a:r>
+              <a:rPr lang="de-DE" altLang="de-DE" sz="1600" b="1" dirty="0" err="1">
+                <a:solidFill>
+                  <a:srgbClr val="000080"/>
+                </a:solidFill>
+                <a:latin typeface="Consolas" panose="020B0609020204030204" pitchFamily="49" charset="0"/>
+                <a:cs typeface="Consolas" panose="020B0609020204030204" pitchFamily="49" charset="0"/>
+              </a:rPr>
+              <a:t>html</a:t>
+            </a:r>
+            <a:r>
+              <a:rPr lang="de-DE" altLang="de-DE" sz="1600" dirty="0">
+                <a:solidFill>
+                  <a:srgbClr val="000000"/>
+                </a:solidFill>
+                <a:latin typeface="Consolas" panose="020B0609020204030204" pitchFamily="49" charset="0"/>
+                <a:cs typeface="Consolas" panose="020B0609020204030204" pitchFamily="49" charset="0"/>
+              </a:rPr>
+              <a:t>&gt;</a:t>
+            </a:r>
+            <a:endParaRPr lang="de-DE" altLang="de-DE" sz="1600" dirty="0">
               <a:latin typeface="Consolas" panose="020B0609020204030204" pitchFamily="49" charset="0"/>
               <a:cs typeface="Consolas" panose="020B0609020204030204" pitchFamily="49" charset="0"/>
             </a:endParaRPr>
           </a:p>
           <a:p>
-            <a:pPr marL="0" lvl="0" indent="0">
-              <a:spcBef>
-                <a:spcPct val="0"/>
-              </a:spcBef>
-              <a:buClrTx/>
-              <a:buNone/>
-            </a:pPr>
-            <a:r>
-              <a:rPr lang="de-DE" altLang="de-DE" sz="1200" dirty="0">
-                <a:solidFill>
-                  <a:srgbClr val="000000"/>
-                </a:solidFill>
-                <a:latin typeface="Consolas" panose="020B0609020204030204" pitchFamily="49" charset="0"/>
-                <a:cs typeface="Consolas" panose="020B0609020204030204" pitchFamily="49" charset="0"/>
-              </a:rPr>
-              <a:t>    </a:t>
-            </a:r>
-            <a:r>
-              <a:rPr lang="de-DE" altLang="de-DE" sz="1200" i="1" dirty="0">
-                <a:solidFill>
-                  <a:srgbClr val="808080"/>
-                </a:solidFill>
-                <a:latin typeface="Consolas" panose="020B0609020204030204" pitchFamily="49" charset="0"/>
-                <a:cs typeface="Consolas" panose="020B0609020204030204" pitchFamily="49" charset="0"/>
-              </a:rPr>
-              <a:t>// Überprüfung des ersten Elementes</a:t>
-            </a:r>
-            <a:r>
-              <a:rPr lang="de-DE" altLang="de-DE" sz="1200" dirty="0">
-                <a:solidFill>
-                  <a:srgbClr val="000000"/>
-                </a:solidFill>
-                <a:latin typeface="Consolas" panose="020B0609020204030204" pitchFamily="49" charset="0"/>
-                <a:cs typeface="Consolas" panose="020B0609020204030204" pitchFamily="49" charset="0"/>
-              </a:rPr>
-              <a:t/>
-            </a:r>
-            <a:br>
-              <a:rPr lang="de-DE" altLang="de-DE" sz="1200" dirty="0">
-                <a:solidFill>
-                  <a:srgbClr val="000000"/>
-                </a:solidFill>
-                <a:latin typeface="Consolas" panose="020B0609020204030204" pitchFamily="49" charset="0"/>
-                <a:cs typeface="Consolas" panose="020B0609020204030204" pitchFamily="49" charset="0"/>
-              </a:rPr>
-            </a:br>
-            <a:r>
-              <a:rPr lang="de-DE" altLang="de-DE" sz="1200" dirty="0">
-                <a:solidFill>
-                  <a:srgbClr val="000000"/>
-                </a:solidFill>
-                <a:latin typeface="Consolas" panose="020B0609020204030204" pitchFamily="49" charset="0"/>
-                <a:cs typeface="Consolas" panose="020B0609020204030204" pitchFamily="49" charset="0"/>
-              </a:rPr>
-              <a:t>    </a:t>
-            </a:r>
-            <a:r>
-              <a:rPr lang="de-DE" altLang="de-DE" sz="1200" dirty="0" err="1">
-                <a:solidFill>
-                  <a:srgbClr val="000000"/>
-                </a:solidFill>
-                <a:latin typeface="Consolas" panose="020B0609020204030204" pitchFamily="49" charset="0"/>
-                <a:cs typeface="Consolas" panose="020B0609020204030204" pitchFamily="49" charset="0"/>
-              </a:rPr>
-              <a:t>assertNotNull</a:t>
-            </a:r>
-            <a:r>
-              <a:rPr lang="de-DE" altLang="de-DE" sz="1200" dirty="0">
-                <a:solidFill>
-                  <a:srgbClr val="000000"/>
-                </a:solidFill>
-                <a:latin typeface="Consolas" panose="020B0609020204030204" pitchFamily="49" charset="0"/>
-                <a:cs typeface="Consolas" panose="020B0609020204030204" pitchFamily="49" charset="0"/>
-              </a:rPr>
-              <a:t>(</a:t>
-            </a:r>
-            <a:r>
-              <a:rPr lang="de-DE" altLang="de-DE" sz="1200" dirty="0" err="1">
-                <a:solidFill>
-                  <a:srgbClr val="000000"/>
-                </a:solidFill>
-                <a:latin typeface="Consolas" panose="020B0609020204030204" pitchFamily="49" charset="0"/>
-                <a:cs typeface="Consolas" panose="020B0609020204030204" pitchFamily="49" charset="0"/>
-              </a:rPr>
-              <a:t>tagTester</a:t>
-            </a:r>
-            <a:r>
-              <a:rPr lang="de-DE" altLang="de-DE" sz="1200" dirty="0">
-                <a:solidFill>
-                  <a:srgbClr val="000000"/>
-                </a:solidFill>
-                <a:latin typeface="Consolas" panose="020B0609020204030204" pitchFamily="49" charset="0"/>
-                <a:cs typeface="Consolas" panose="020B0609020204030204" pitchFamily="49" charset="0"/>
-              </a:rPr>
-              <a:t>);</a:t>
-            </a:r>
-            <a:br>
-              <a:rPr lang="de-DE" altLang="de-DE" sz="1200" dirty="0">
-                <a:solidFill>
-                  <a:srgbClr val="000000"/>
-                </a:solidFill>
-                <a:latin typeface="Consolas" panose="020B0609020204030204" pitchFamily="49" charset="0"/>
-                <a:cs typeface="Consolas" panose="020B0609020204030204" pitchFamily="49" charset="0"/>
-              </a:rPr>
-            </a:br>
-            <a:r>
-              <a:rPr lang="de-DE" altLang="de-DE" sz="1200" dirty="0">
-                <a:solidFill>
-                  <a:srgbClr val="000000"/>
-                </a:solidFill>
-                <a:latin typeface="Consolas" panose="020B0609020204030204" pitchFamily="49" charset="0"/>
-                <a:cs typeface="Consolas" panose="020B0609020204030204" pitchFamily="49" charset="0"/>
-              </a:rPr>
-              <a:t>    </a:t>
-            </a:r>
-            <a:r>
-              <a:rPr lang="de-DE" altLang="de-DE" sz="1200" dirty="0" err="1">
-                <a:solidFill>
-                  <a:srgbClr val="000000"/>
-                </a:solidFill>
-                <a:latin typeface="Consolas" panose="020B0609020204030204" pitchFamily="49" charset="0"/>
-                <a:cs typeface="Consolas" panose="020B0609020204030204" pitchFamily="49" charset="0"/>
-              </a:rPr>
-              <a:t>assertEquals</a:t>
-            </a:r>
-            <a:r>
-              <a:rPr lang="de-DE" altLang="de-DE" sz="1200" dirty="0">
-                <a:solidFill>
-                  <a:srgbClr val="000000"/>
-                </a:solidFill>
-                <a:latin typeface="Consolas" panose="020B0609020204030204" pitchFamily="49" charset="0"/>
-                <a:cs typeface="Consolas" panose="020B0609020204030204" pitchFamily="49" charset="0"/>
-              </a:rPr>
-              <a:t>(</a:t>
-            </a:r>
-            <a:r>
-              <a:rPr lang="de-DE" altLang="de-DE" sz="1200" b="1" dirty="0">
-                <a:solidFill>
-                  <a:srgbClr val="008000"/>
-                </a:solidFill>
-                <a:latin typeface="Consolas" panose="020B0609020204030204" pitchFamily="49" charset="0"/>
-                <a:cs typeface="Consolas" panose="020B0609020204030204" pitchFamily="49" charset="0"/>
-              </a:rPr>
-              <a:t>"span"</a:t>
-            </a:r>
-            <a:r>
-              <a:rPr lang="de-DE" altLang="de-DE" sz="1200" dirty="0">
-                <a:solidFill>
-                  <a:srgbClr val="000000"/>
-                </a:solidFill>
-                <a:latin typeface="Consolas" panose="020B0609020204030204" pitchFamily="49" charset="0"/>
-                <a:cs typeface="Consolas" panose="020B0609020204030204" pitchFamily="49" charset="0"/>
-              </a:rPr>
-              <a:t>, </a:t>
-            </a:r>
-            <a:r>
-              <a:rPr lang="de-DE" altLang="de-DE" sz="1200" dirty="0" err="1">
-                <a:solidFill>
-                  <a:srgbClr val="000000"/>
-                </a:solidFill>
-                <a:latin typeface="Consolas" panose="020B0609020204030204" pitchFamily="49" charset="0"/>
-                <a:cs typeface="Consolas" panose="020B0609020204030204" pitchFamily="49" charset="0"/>
-              </a:rPr>
-              <a:t>tagTester.getName</a:t>
-            </a:r>
-            <a:r>
-              <a:rPr lang="de-DE" altLang="de-DE" sz="1200" dirty="0">
-                <a:solidFill>
-                  <a:srgbClr val="000000"/>
-                </a:solidFill>
-                <a:latin typeface="Consolas" panose="020B0609020204030204" pitchFamily="49" charset="0"/>
-                <a:cs typeface="Consolas" panose="020B0609020204030204" pitchFamily="49" charset="0"/>
-              </a:rPr>
-              <a:t>());</a:t>
-            </a:r>
-            <a:br>
-              <a:rPr lang="de-DE" altLang="de-DE" sz="1200" dirty="0">
-                <a:solidFill>
-                  <a:srgbClr val="000000"/>
-                </a:solidFill>
-                <a:latin typeface="Consolas" panose="020B0609020204030204" pitchFamily="49" charset="0"/>
-                <a:cs typeface="Consolas" panose="020B0609020204030204" pitchFamily="49" charset="0"/>
-              </a:rPr>
-            </a:br>
-            <a:endParaRPr lang="de-DE" altLang="de-DE" sz="1200" dirty="0">
-              <a:solidFill>
-                <a:srgbClr val="000000"/>
-              </a:solidFill>
-              <a:latin typeface="Consolas" panose="020B0609020204030204" pitchFamily="49" charset="0"/>
-              <a:cs typeface="Consolas" panose="020B0609020204030204" pitchFamily="49" charset="0"/>
-            </a:endParaRPr>
-          </a:p>
-          <a:p>
-            <a:pPr marL="0" lvl="0" indent="0">
-              <a:spcBef>
-                <a:spcPct val="0"/>
-              </a:spcBef>
-              <a:buClrTx/>
-              <a:buNone/>
-            </a:pPr>
-            <a:r>
-              <a:rPr lang="de-DE" altLang="de-DE" sz="1200" i="1" dirty="0">
-                <a:solidFill>
-                  <a:srgbClr val="808080"/>
-                </a:solidFill>
-                <a:latin typeface="Consolas" panose="020B0609020204030204" pitchFamily="49" charset="0"/>
-                <a:cs typeface="Consolas" panose="020B0609020204030204" pitchFamily="49" charset="0"/>
-              </a:rPr>
-              <a:t>    // Überprüfung beider Elemente</a:t>
-            </a:r>
-            <a:r>
-              <a:rPr lang="de-DE" altLang="de-DE" sz="1200" dirty="0">
-                <a:solidFill>
-                  <a:srgbClr val="000000"/>
-                </a:solidFill>
-                <a:latin typeface="Consolas" panose="020B0609020204030204" pitchFamily="49" charset="0"/>
-                <a:cs typeface="Consolas" panose="020B0609020204030204" pitchFamily="49" charset="0"/>
-              </a:rPr>
-              <a:t/>
-            </a:r>
-            <a:br>
-              <a:rPr lang="de-DE" altLang="de-DE" sz="1200" dirty="0">
-                <a:solidFill>
-                  <a:srgbClr val="000000"/>
-                </a:solidFill>
-                <a:latin typeface="Consolas" panose="020B0609020204030204" pitchFamily="49" charset="0"/>
-                <a:cs typeface="Consolas" panose="020B0609020204030204" pitchFamily="49" charset="0"/>
-              </a:rPr>
-            </a:br>
-            <a:r>
-              <a:rPr lang="de-DE" altLang="de-DE" sz="1200" dirty="0">
-                <a:solidFill>
-                  <a:srgbClr val="000000"/>
-                </a:solidFill>
-                <a:latin typeface="Consolas" panose="020B0609020204030204" pitchFamily="49" charset="0"/>
-                <a:cs typeface="Consolas" panose="020B0609020204030204" pitchFamily="49" charset="0"/>
-              </a:rPr>
-              <a:t>    List&lt;</a:t>
-            </a:r>
-            <a:r>
-              <a:rPr lang="de-DE" altLang="de-DE" sz="1200" dirty="0" err="1">
-                <a:solidFill>
-                  <a:srgbClr val="000000"/>
-                </a:solidFill>
-                <a:latin typeface="Consolas" panose="020B0609020204030204" pitchFamily="49" charset="0"/>
-                <a:cs typeface="Consolas" panose="020B0609020204030204" pitchFamily="49" charset="0"/>
-              </a:rPr>
-              <a:t>TagTester</a:t>
-            </a:r>
-            <a:r>
-              <a:rPr lang="de-DE" altLang="de-DE" sz="1200" dirty="0">
-                <a:solidFill>
-                  <a:srgbClr val="000000"/>
-                </a:solidFill>
-                <a:latin typeface="Consolas" panose="020B0609020204030204" pitchFamily="49" charset="0"/>
-                <a:cs typeface="Consolas" panose="020B0609020204030204" pitchFamily="49" charset="0"/>
-              </a:rPr>
-              <a:t>&gt; </a:t>
-            </a:r>
-            <a:r>
-              <a:rPr lang="de-DE" altLang="de-DE" sz="1200" dirty="0" err="1">
-                <a:solidFill>
-                  <a:srgbClr val="000000"/>
-                </a:solidFill>
-                <a:latin typeface="Consolas" panose="020B0609020204030204" pitchFamily="49" charset="0"/>
-                <a:cs typeface="Consolas" panose="020B0609020204030204" pitchFamily="49" charset="0"/>
-              </a:rPr>
-              <a:t>tagTesterList</a:t>
-            </a:r>
-            <a:r>
-              <a:rPr lang="de-DE" altLang="de-DE" sz="1200" dirty="0">
-                <a:solidFill>
-                  <a:srgbClr val="000000"/>
-                </a:solidFill>
-                <a:latin typeface="Consolas" panose="020B0609020204030204" pitchFamily="49" charset="0"/>
-                <a:cs typeface="Consolas" panose="020B0609020204030204" pitchFamily="49" charset="0"/>
-              </a:rPr>
-              <a:t> = </a:t>
-            </a:r>
-            <a:r>
-              <a:rPr lang="de-DE" altLang="de-DE" sz="1200" dirty="0" err="1">
-                <a:solidFill>
-                  <a:srgbClr val="000000"/>
-                </a:solidFill>
-                <a:latin typeface="Consolas" panose="020B0609020204030204" pitchFamily="49" charset="0"/>
-                <a:cs typeface="Consolas" panose="020B0609020204030204" pitchFamily="49" charset="0"/>
-              </a:rPr>
-              <a:t>TagTester.createTagsByAttribute</a:t>
-            </a:r>
-            <a:r>
-              <a:rPr lang="de-DE" altLang="de-DE" sz="1200" dirty="0">
-                <a:solidFill>
-                  <a:srgbClr val="000000"/>
-                </a:solidFill>
-                <a:latin typeface="Consolas" panose="020B0609020204030204" pitchFamily="49" charset="0"/>
-                <a:cs typeface="Consolas" panose="020B0609020204030204" pitchFamily="49" charset="0"/>
-              </a:rPr>
-              <a:t>(</a:t>
-            </a:r>
-            <a:r>
-              <a:rPr lang="de-DE" altLang="de-DE" sz="1200" dirty="0" err="1">
-                <a:solidFill>
-                  <a:srgbClr val="000000"/>
-                </a:solidFill>
-                <a:latin typeface="Consolas" panose="020B0609020204030204" pitchFamily="49" charset="0"/>
-                <a:cs typeface="Consolas" panose="020B0609020204030204" pitchFamily="49" charset="0"/>
-              </a:rPr>
-              <a:t>responseTxt</a:t>
-            </a:r>
-            <a:r>
-              <a:rPr lang="de-DE" altLang="de-DE" sz="1200" dirty="0">
-                <a:solidFill>
-                  <a:srgbClr val="000000"/>
-                </a:solidFill>
-                <a:latin typeface="Consolas" panose="020B0609020204030204" pitchFamily="49" charset="0"/>
-                <a:cs typeface="Consolas" panose="020B0609020204030204" pitchFamily="49" charset="0"/>
-              </a:rPr>
-              <a:t>,</a:t>
-            </a:r>
-            <a:br>
-              <a:rPr lang="de-DE" altLang="de-DE" sz="1200" dirty="0">
-                <a:solidFill>
-                  <a:srgbClr val="000000"/>
-                </a:solidFill>
-                <a:latin typeface="Consolas" panose="020B0609020204030204" pitchFamily="49" charset="0"/>
-                <a:cs typeface="Consolas" panose="020B0609020204030204" pitchFamily="49" charset="0"/>
-              </a:rPr>
-            </a:br>
-            <a:r>
-              <a:rPr lang="de-DE" altLang="de-DE" sz="1200" dirty="0">
-                <a:solidFill>
-                  <a:srgbClr val="000000"/>
-                </a:solidFill>
-                <a:latin typeface="Consolas" panose="020B0609020204030204" pitchFamily="49" charset="0"/>
-                <a:cs typeface="Consolas" panose="020B0609020204030204" pitchFamily="49" charset="0"/>
-              </a:rPr>
-              <a:t>            </a:t>
-            </a:r>
-            <a:r>
-              <a:rPr lang="de-DE" altLang="de-DE" sz="1200" b="1" dirty="0">
-                <a:solidFill>
-                  <a:srgbClr val="008000"/>
-                </a:solidFill>
-                <a:latin typeface="Consolas" panose="020B0609020204030204" pitchFamily="49" charset="0"/>
-                <a:cs typeface="Consolas" panose="020B0609020204030204" pitchFamily="49" charset="0"/>
-              </a:rPr>
-              <a:t>"</a:t>
-            </a:r>
-            <a:r>
-              <a:rPr lang="de-DE" altLang="de-DE" sz="1200" b="1" dirty="0" err="1">
-                <a:solidFill>
-                  <a:srgbClr val="008000"/>
-                </a:solidFill>
-                <a:latin typeface="Consolas" panose="020B0609020204030204" pitchFamily="49" charset="0"/>
-                <a:cs typeface="Consolas" panose="020B0609020204030204" pitchFamily="49" charset="0"/>
-              </a:rPr>
-              <a:t>class</a:t>
-            </a:r>
-            <a:r>
-              <a:rPr lang="de-DE" altLang="de-DE" sz="1200" b="1" dirty="0">
-                <a:solidFill>
-                  <a:srgbClr val="008000"/>
-                </a:solidFill>
-                <a:latin typeface="Consolas" panose="020B0609020204030204" pitchFamily="49" charset="0"/>
-                <a:cs typeface="Consolas" panose="020B0609020204030204" pitchFamily="49" charset="0"/>
-              </a:rPr>
-              <a:t>"</a:t>
-            </a:r>
-            <a:r>
-              <a:rPr lang="de-DE" altLang="de-DE" sz="1200" dirty="0">
-                <a:solidFill>
-                  <a:srgbClr val="000000"/>
-                </a:solidFill>
-                <a:latin typeface="Consolas" panose="020B0609020204030204" pitchFamily="49" charset="0"/>
-                <a:cs typeface="Consolas" panose="020B0609020204030204" pitchFamily="49" charset="0"/>
-              </a:rPr>
-              <a:t>, </a:t>
-            </a:r>
-            <a:r>
-              <a:rPr lang="de-DE" altLang="de-DE" sz="1200" b="1" dirty="0">
-                <a:solidFill>
-                  <a:srgbClr val="008000"/>
-                </a:solidFill>
-                <a:latin typeface="Consolas" panose="020B0609020204030204" pitchFamily="49" charset="0"/>
-                <a:cs typeface="Consolas" panose="020B0609020204030204" pitchFamily="49" charset="0"/>
-              </a:rPr>
-              <a:t>"</a:t>
-            </a:r>
-            <a:r>
-              <a:rPr lang="de-DE" altLang="de-DE" sz="1200" b="1" dirty="0" err="1">
-                <a:solidFill>
-                  <a:srgbClr val="008000"/>
-                </a:solidFill>
-                <a:latin typeface="Consolas" panose="020B0609020204030204" pitchFamily="49" charset="0"/>
-                <a:cs typeface="Consolas" panose="020B0609020204030204" pitchFamily="49" charset="0"/>
-              </a:rPr>
-              <a:t>myClass</a:t>
-            </a:r>
-            <a:r>
-              <a:rPr lang="de-DE" altLang="de-DE" sz="1200" b="1" dirty="0">
-                <a:solidFill>
-                  <a:srgbClr val="008000"/>
-                </a:solidFill>
-                <a:latin typeface="Consolas" panose="020B0609020204030204" pitchFamily="49" charset="0"/>
-                <a:cs typeface="Consolas" panose="020B0609020204030204" pitchFamily="49" charset="0"/>
-              </a:rPr>
-              <a:t>"</a:t>
-            </a:r>
-            <a:r>
-              <a:rPr lang="de-DE" altLang="de-DE" sz="1200" dirty="0">
-                <a:solidFill>
-                  <a:srgbClr val="000000"/>
-                </a:solidFill>
-                <a:latin typeface="Consolas" panose="020B0609020204030204" pitchFamily="49" charset="0"/>
-                <a:cs typeface="Consolas" panose="020B0609020204030204" pitchFamily="49" charset="0"/>
-              </a:rPr>
-              <a:t>, </a:t>
-            </a:r>
-            <a:r>
-              <a:rPr lang="de-DE" altLang="de-DE" sz="1200" b="1" dirty="0" err="1">
-                <a:solidFill>
-                  <a:srgbClr val="000080"/>
-                </a:solidFill>
-                <a:latin typeface="Consolas" panose="020B0609020204030204" pitchFamily="49" charset="0"/>
-                <a:cs typeface="Consolas" panose="020B0609020204030204" pitchFamily="49" charset="0"/>
-              </a:rPr>
-              <a:t>false</a:t>
-            </a:r>
-            <a:r>
-              <a:rPr lang="de-DE" altLang="de-DE" sz="1200" dirty="0">
-                <a:solidFill>
-                  <a:srgbClr val="000000"/>
-                </a:solidFill>
-                <a:latin typeface="Consolas" panose="020B0609020204030204" pitchFamily="49" charset="0"/>
-                <a:cs typeface="Consolas" panose="020B0609020204030204" pitchFamily="49" charset="0"/>
-              </a:rPr>
-              <a:t>);</a:t>
-            </a:r>
-            <a:br>
-              <a:rPr lang="de-DE" altLang="de-DE" sz="1200" dirty="0">
-                <a:solidFill>
-                  <a:srgbClr val="000000"/>
-                </a:solidFill>
-                <a:latin typeface="Consolas" panose="020B0609020204030204" pitchFamily="49" charset="0"/>
-                <a:cs typeface="Consolas" panose="020B0609020204030204" pitchFamily="49" charset="0"/>
-              </a:rPr>
-            </a:br>
-            <a:r>
-              <a:rPr lang="de-DE" altLang="de-DE" sz="1200" dirty="0">
-                <a:solidFill>
-                  <a:srgbClr val="000000"/>
-                </a:solidFill>
-                <a:latin typeface="Consolas" panose="020B0609020204030204" pitchFamily="49" charset="0"/>
-                <a:cs typeface="Consolas" panose="020B0609020204030204" pitchFamily="49" charset="0"/>
-              </a:rPr>
-              <a:t/>
-            </a:r>
-            <a:br>
-              <a:rPr lang="de-DE" altLang="de-DE" sz="1200" dirty="0">
-                <a:solidFill>
-                  <a:srgbClr val="000000"/>
-                </a:solidFill>
-                <a:latin typeface="Consolas" panose="020B0609020204030204" pitchFamily="49" charset="0"/>
-                <a:cs typeface="Consolas" panose="020B0609020204030204" pitchFamily="49" charset="0"/>
-              </a:rPr>
-            </a:br>
-            <a:r>
-              <a:rPr lang="de-DE" altLang="de-DE" sz="1200" dirty="0">
-                <a:solidFill>
-                  <a:srgbClr val="000000"/>
-                </a:solidFill>
-                <a:latin typeface="Consolas" panose="020B0609020204030204" pitchFamily="49" charset="0"/>
-                <a:cs typeface="Consolas" panose="020B0609020204030204" pitchFamily="49" charset="0"/>
-              </a:rPr>
-              <a:t>    </a:t>
-            </a:r>
-            <a:r>
-              <a:rPr lang="de-DE" altLang="de-DE" sz="1200" dirty="0" err="1">
-                <a:solidFill>
-                  <a:srgbClr val="000000"/>
-                </a:solidFill>
-                <a:latin typeface="Consolas" panose="020B0609020204030204" pitchFamily="49" charset="0"/>
-                <a:cs typeface="Consolas" panose="020B0609020204030204" pitchFamily="49" charset="0"/>
-              </a:rPr>
-              <a:t>assertEquals</a:t>
-            </a:r>
-            <a:r>
-              <a:rPr lang="de-DE" altLang="de-DE" sz="1200" dirty="0">
-                <a:solidFill>
-                  <a:srgbClr val="000000"/>
-                </a:solidFill>
-                <a:latin typeface="Consolas" panose="020B0609020204030204" pitchFamily="49" charset="0"/>
-                <a:cs typeface="Consolas" panose="020B0609020204030204" pitchFamily="49" charset="0"/>
-              </a:rPr>
-              <a:t>(</a:t>
-            </a:r>
-            <a:r>
-              <a:rPr lang="de-DE" altLang="de-DE" sz="1200" dirty="0">
-                <a:solidFill>
-                  <a:srgbClr val="0000FF"/>
-                </a:solidFill>
-                <a:latin typeface="Consolas" panose="020B0609020204030204" pitchFamily="49" charset="0"/>
-                <a:cs typeface="Consolas" panose="020B0609020204030204" pitchFamily="49" charset="0"/>
-              </a:rPr>
-              <a:t>2</a:t>
-            </a:r>
-            <a:r>
-              <a:rPr lang="de-DE" altLang="de-DE" sz="1200" dirty="0">
-                <a:solidFill>
-                  <a:srgbClr val="000000"/>
-                </a:solidFill>
-                <a:latin typeface="Consolas" panose="020B0609020204030204" pitchFamily="49" charset="0"/>
-                <a:cs typeface="Consolas" panose="020B0609020204030204" pitchFamily="49" charset="0"/>
-              </a:rPr>
-              <a:t>, </a:t>
-            </a:r>
-            <a:r>
-              <a:rPr lang="de-DE" altLang="de-DE" sz="1200" dirty="0" err="1">
-                <a:solidFill>
-                  <a:srgbClr val="000000"/>
-                </a:solidFill>
-                <a:latin typeface="Consolas" panose="020B0609020204030204" pitchFamily="49" charset="0"/>
-                <a:cs typeface="Consolas" panose="020B0609020204030204" pitchFamily="49" charset="0"/>
-              </a:rPr>
-              <a:t>tagTesterList.size</a:t>
-            </a:r>
-            <a:r>
-              <a:rPr lang="de-DE" altLang="de-DE" sz="1200" dirty="0">
-                <a:solidFill>
-                  <a:srgbClr val="000000"/>
-                </a:solidFill>
-                <a:latin typeface="Consolas" panose="020B0609020204030204" pitchFamily="49" charset="0"/>
-                <a:cs typeface="Consolas" panose="020B0609020204030204" pitchFamily="49" charset="0"/>
-              </a:rPr>
-              <a:t>());</a:t>
-            </a:r>
-            <a:br>
-              <a:rPr lang="de-DE" altLang="de-DE" sz="1200" dirty="0">
-                <a:solidFill>
-                  <a:srgbClr val="000000"/>
-                </a:solidFill>
-                <a:latin typeface="Consolas" panose="020B0609020204030204" pitchFamily="49" charset="0"/>
-                <a:cs typeface="Consolas" panose="020B0609020204030204" pitchFamily="49" charset="0"/>
-              </a:rPr>
-            </a:br>
-            <a:r>
-              <a:rPr lang="de-DE" altLang="de-DE" sz="1200" dirty="0">
-                <a:solidFill>
-                  <a:srgbClr val="000000"/>
-                </a:solidFill>
-                <a:latin typeface="Consolas" panose="020B0609020204030204" pitchFamily="49" charset="0"/>
-                <a:cs typeface="Consolas" panose="020B0609020204030204" pitchFamily="49" charset="0"/>
-              </a:rPr>
-              <a:t>}</a:t>
-            </a:r>
-            <a:endParaRPr lang="de-DE" altLang="de-DE" sz="1200" dirty="0">
-              <a:latin typeface="Consolas" panose="020B0609020204030204" pitchFamily="49" charset="0"/>
-              <a:cs typeface="Consolas" panose="020B0609020204030204" pitchFamily="49" charset="0"/>
-            </a:endParaRPr>
+            <a:endParaRPr lang="de-DE" sz="2000" dirty="0"/>
           </a:p>
         </p:txBody>
       </p:sp>
@@ -13848,7 +14131,7 @@
     </p:spTree>
     <p:extLst>
       <p:ext uri="{BB962C8B-B14F-4D97-AF65-F5344CB8AC3E}">
-        <p14:creationId xmlns:p14="http://schemas.microsoft.com/office/powerpoint/2010/main" val="2401336250"/>
+        <p14:creationId xmlns:p14="http://schemas.microsoft.com/office/powerpoint/2010/main" val="4076411222"/>
       </p:ext>
     </p:extLst>
   </p:cSld>

--- a/slides/Tag-3_1-Testing.pptx
+++ b/slides/Tag-3_1-Testing.pptx
@@ -3547,13 +3547,22 @@
               <a:defRPr/>
             </a:pPr>
             <a:r>
-              <a:rPr lang="de-DE" sz="1000" dirty="0" smtClean="0">
+              <a:rPr lang="de-DE" sz="1000" dirty="0">
                 <a:solidFill>
                   <a:schemeClr val="bg1"/>
                 </a:solidFill>
                 <a:latin typeface="Arial" charset="0"/>
               </a:rPr>
-              <a:t>Patrick Möbius</a:t>
+              <a:t>Patrick </a:t>
+            </a:r>
+            <a:r>
+              <a:rPr lang="de-DE" sz="1000" dirty="0" err="1">
+                <a:solidFill>
+                  <a:schemeClr val="bg1"/>
+                </a:solidFill>
+                <a:latin typeface="Arial" charset="0"/>
+              </a:rPr>
+              <a:t>Ungewiß</a:t>
             </a:r>
             <a:endParaRPr lang="de-DE" sz="1000" dirty="0">
               <a:solidFill>
@@ -6755,7 +6764,7 @@
               <a:pPr algn="ctr">
                 <a:defRPr/>
               </a:pPr>
-              <a:t>25.05.2021</a:t>
+              <a:t>08.02.2023</a:t>
             </a:fld>
             <a:endParaRPr lang="de-DE" sz="1000" dirty="0">
               <a:solidFill>
@@ -7213,30 +7222,6 @@
           </a:p>
         </p:txBody>
       </p:sp>
-      <p:pic>
-        <p:nvPicPr>
-          <p:cNvPr id="14" name="Grafik 13" descr="logoGFU.jpg"/>
-          <p:cNvPicPr>
-            <a:picLocks noChangeAspect="1"/>
-          </p:cNvPicPr>
-          <p:nvPr/>
-        </p:nvPicPr>
-        <p:blipFill>
-          <a:blip r:embed="rId16" cstate="print"/>
-          <a:stretch>
-            <a:fillRect/>
-          </a:stretch>
-        </p:blipFill>
-        <p:spPr>
-          <a:xfrm>
-            <a:off x="6805628" y="572040"/>
-            <a:ext cx="1785950" cy="385205"/>
-          </a:xfrm>
-          <a:prstGeom prst="rect">
-            <a:avLst/>
-          </a:prstGeom>
-        </p:spPr>
-      </p:pic>
     </p:spTree>
   </p:cSld>
   <p:clrMap bg1="lt1" tx1="dk1" bg2="lt2" tx2="dk2" accent1="accent1" accent2="accent2" accent3="accent3" accent4="accent4" accent5="accent5" accent6="accent6" hlink="hlink" folHlink="folHlink"/>
@@ -8645,13 +8630,6 @@
   <p:clrMapOvr>
     <a:masterClrMapping/>
   </p:clrMapOvr>
-  <p:timing>
-    <p:tnLst>
-      <p:par>
-        <p:cTn id="1" dur="indefinite" restart="never" nodeType="tmRoot"/>
-      </p:par>
-    </p:tnLst>
-  </p:timing>
 </p:sld>
 </file>
 
@@ -9069,16 +9047,6 @@
               </a:rPr>
               <a:t> mit Attributselektor erstellen</a:t>
             </a:r>
-            <a:r>
-              <a:rPr lang="de-DE" altLang="de-DE" sz="1200" dirty="0">
-                <a:solidFill>
-                  <a:srgbClr val="000000"/>
-                </a:solidFill>
-                <a:latin typeface="Consolas" panose="020B0609020204030204" pitchFamily="49" charset="0"/>
-                <a:cs typeface="Consolas" panose="020B0609020204030204" pitchFamily="49" charset="0"/>
-              </a:rPr>
-              <a:t/>
-            </a:r>
             <a:br>
               <a:rPr lang="de-DE" altLang="de-DE" sz="1200" dirty="0">
                 <a:solidFill>
@@ -9303,16 +9271,6 @@
               </a:rPr>
               <a:t>// Überprüfung des ersten Elementes</a:t>
             </a:r>
-            <a:r>
-              <a:rPr lang="de-DE" altLang="de-DE" sz="1200" dirty="0">
-                <a:solidFill>
-                  <a:srgbClr val="000000"/>
-                </a:solidFill>
-                <a:latin typeface="Consolas" panose="020B0609020204030204" pitchFamily="49" charset="0"/>
-                <a:cs typeface="Consolas" panose="020B0609020204030204" pitchFamily="49" charset="0"/>
-              </a:rPr>
-              <a:t/>
-            </a:r>
             <a:br>
               <a:rPr lang="de-DE" altLang="de-DE" sz="1200" dirty="0">
                 <a:solidFill>
@@ -9486,16 +9444,6 @@
               </a:rPr>
               <a:t>    // Überprüfung beider Elemente</a:t>
             </a:r>
-            <a:r>
-              <a:rPr lang="de-DE" altLang="de-DE" sz="1200" dirty="0">
-                <a:solidFill>
-                  <a:srgbClr val="000000"/>
-                </a:solidFill>
-                <a:latin typeface="Consolas" panose="020B0609020204030204" pitchFamily="49" charset="0"/>
-                <a:cs typeface="Consolas" panose="020B0609020204030204" pitchFamily="49" charset="0"/>
-              </a:rPr>
-              <a:t/>
-            </a:r>
             <a:br>
               <a:rPr lang="de-DE" altLang="de-DE" sz="1200" dirty="0">
                 <a:solidFill>
@@ -9723,16 +9671,6 @@
                 <a:cs typeface="Consolas" panose="020B0609020204030204" pitchFamily="49" charset="0"/>
               </a:rPr>
             </a:br>
-            <a:r>
-              <a:rPr lang="de-DE" altLang="de-DE" sz="1200" dirty="0">
-                <a:solidFill>
-                  <a:srgbClr val="000000"/>
-                </a:solidFill>
-                <a:latin typeface="Consolas" panose="020B0609020204030204" pitchFamily="49" charset="0"/>
-                <a:cs typeface="Consolas" panose="020B0609020204030204" pitchFamily="49" charset="0"/>
-              </a:rPr>
-              <a:t/>
-            </a:r>
             <a:br>
               <a:rPr lang="de-DE" altLang="de-DE" sz="1200" dirty="0">
                 <a:solidFill>
@@ -10458,16 +10396,6 @@
               <a:buClrTx/>
               <a:buNone/>
             </a:pPr>
-            <a:r>
-              <a:rPr lang="de-DE" altLang="de-DE" sz="1200" dirty="0">
-                <a:solidFill>
-                  <a:srgbClr val="000000"/>
-                </a:solidFill>
-                <a:latin typeface="Consolas" panose="020B0609020204030204" pitchFamily="49" charset="0"/>
-                <a:cs typeface="Consolas" panose="020B0609020204030204" pitchFamily="49" charset="0"/>
-              </a:rPr>
-              <a:t/>
-            </a:r>
             <a:br>
               <a:rPr lang="de-DE" altLang="de-DE" sz="1200" dirty="0">
                 <a:solidFill>
@@ -10546,16 +10474,6 @@
                 <a:cs typeface="Consolas" panose="020B0609020204030204" pitchFamily="49" charset="0"/>
               </a:rPr>
             </a:br>
-            <a:r>
-              <a:rPr lang="de-DE" altLang="de-DE" sz="1200" dirty="0">
-                <a:solidFill>
-                  <a:srgbClr val="000000"/>
-                </a:solidFill>
-                <a:latin typeface="Consolas" panose="020B0609020204030204" pitchFamily="49" charset="0"/>
-                <a:cs typeface="Consolas" panose="020B0609020204030204" pitchFamily="49" charset="0"/>
-              </a:rPr>
-              <a:t/>
-            </a:r>
             <a:br>
               <a:rPr lang="de-DE" altLang="de-DE" sz="1200" dirty="0">
                 <a:solidFill>
@@ -10584,16 +10502,6 @@
                 <a:cs typeface="Consolas" panose="020B0609020204030204" pitchFamily="49" charset="0"/>
               </a:rPr>
               <a:t>BeforeEach</a:t>
-            </a:r>
-            <a:r>
-              <a:rPr lang="de-DE" altLang="de-DE" sz="1200" dirty="0">
-                <a:solidFill>
-                  <a:srgbClr val="000000"/>
-                </a:solidFill>
-                <a:latin typeface="Consolas" panose="020B0609020204030204" pitchFamily="49" charset="0"/>
-                <a:cs typeface="Consolas" panose="020B0609020204030204" pitchFamily="49" charset="0"/>
-              </a:rPr>
-              <a:t/>
             </a:r>
             <a:br>
               <a:rPr lang="de-DE" altLang="de-DE" sz="1200" dirty="0">
@@ -10821,16 +10729,6 @@
               <a:buClrTx/>
               <a:buNone/>
             </a:pPr>
-            <a:r>
-              <a:rPr lang="de-DE" altLang="de-DE" sz="1200" dirty="0">
-                <a:solidFill>
-                  <a:srgbClr val="000000"/>
-                </a:solidFill>
-                <a:latin typeface="Consolas" panose="020B0609020204030204" pitchFamily="49" charset="0"/>
-                <a:cs typeface="Consolas" panose="020B0609020204030204" pitchFamily="49" charset="0"/>
-              </a:rPr>
-              <a:t/>
-            </a:r>
             <a:br>
               <a:rPr lang="de-DE" altLang="de-DE" sz="1200" dirty="0">
                 <a:solidFill>
@@ -11567,16 +11465,6 @@
                 <a:cs typeface="Consolas" panose="020B0609020204030204" pitchFamily="49" charset="0"/>
               </a:rPr>
               <a:t>DatePickers</a:t>
-            </a:r>
-            <a:r>
-              <a:rPr lang="de-DE" altLang="de-DE" sz="1200" i="1" dirty="0">
-                <a:solidFill>
-                  <a:srgbClr val="808080"/>
-                </a:solidFill>
-                <a:latin typeface="Consolas" panose="020B0609020204030204" pitchFamily="49" charset="0"/>
-                <a:cs typeface="Consolas" panose="020B0609020204030204" pitchFamily="49" charset="0"/>
-              </a:rPr>
-              <a:t/>
             </a:r>
             <a:br>
               <a:rPr lang="de-DE" altLang="de-DE" sz="1200" i="1" dirty="0">
@@ -12063,16 +11951,6 @@
               </a:rPr>
               <a:t> für einzelnes Formular erstellen</a:t>
             </a:r>
-            <a:r>
-              <a:rPr lang="de-DE" altLang="de-DE" sz="1600" dirty="0">
-                <a:solidFill>
-                  <a:srgbClr val="000000"/>
-                </a:solidFill>
-                <a:latin typeface="Consolas" panose="020B0609020204030204" pitchFamily="49" charset="0"/>
-                <a:cs typeface="Consolas" panose="020B0609020204030204" pitchFamily="49" charset="0"/>
-              </a:rPr>
-              <a:t/>
-            </a:r>
             <a:br>
               <a:rPr lang="de-DE" altLang="de-DE" sz="1600" dirty="0">
                 <a:solidFill>
@@ -12913,16 +12791,6 @@
                 <a:cs typeface="Consolas" panose="020B0609020204030204" pitchFamily="49" charset="0"/>
               </a:rPr>
             </a:br>
-            <a:r>
-              <a:rPr lang="de-DE" altLang="de-DE" sz="1600" dirty="0">
-                <a:solidFill>
-                  <a:srgbClr val="000000"/>
-                </a:solidFill>
-                <a:latin typeface="Consolas" panose="020B0609020204030204" pitchFamily="49" charset="0"/>
-                <a:cs typeface="Consolas" panose="020B0609020204030204" pitchFamily="49" charset="0"/>
-              </a:rPr>
-              <a:t/>
-            </a:r>
             <a:br>
               <a:rPr lang="de-DE" altLang="de-DE" sz="1600" dirty="0">
                 <a:solidFill>
@@ -13533,16 +13401,6 @@
                 <a:cs typeface="Consolas" panose="020B0609020204030204" pitchFamily="49" charset="0"/>
               </a:rPr>
             </a:br>
-            <a:r>
-              <a:rPr lang="de-DE" altLang="de-DE" sz="1600" dirty="0">
-                <a:solidFill>
-                  <a:srgbClr val="000000"/>
-                </a:solidFill>
-                <a:latin typeface="Consolas" panose="020B0609020204030204" pitchFamily="49" charset="0"/>
-                <a:cs typeface="Consolas" panose="020B0609020204030204" pitchFamily="49" charset="0"/>
-              </a:rPr>
-              <a:t/>
-            </a:r>
             <a:br>
               <a:rPr lang="de-DE" altLang="de-DE" sz="1600" dirty="0">
                 <a:solidFill>
@@ -13689,16 +13547,6 @@
                 <a:cs typeface="Consolas" panose="020B0609020204030204" pitchFamily="49" charset="0"/>
               </a:rPr>
             </a:br>
-            <a:r>
-              <a:rPr lang="de-DE" altLang="de-DE" sz="1600" dirty="0">
-                <a:solidFill>
-                  <a:srgbClr val="000000"/>
-                </a:solidFill>
-                <a:latin typeface="Consolas" panose="020B0609020204030204" pitchFamily="49" charset="0"/>
-                <a:cs typeface="Consolas" panose="020B0609020204030204" pitchFamily="49" charset="0"/>
-              </a:rPr>
-              <a:t/>
-            </a:r>
             <a:br>
               <a:rPr lang="de-DE" altLang="de-DE" sz="1600" dirty="0">
                 <a:solidFill>
@@ -13747,16 +13595,6 @@
                 <a:cs typeface="Consolas" panose="020B0609020204030204" pitchFamily="49" charset="0"/>
               </a:rPr>
             </a:br>
-            <a:r>
-              <a:rPr lang="de-DE" altLang="de-DE" sz="1600" dirty="0">
-                <a:solidFill>
-                  <a:srgbClr val="000000"/>
-                </a:solidFill>
-                <a:latin typeface="Consolas" panose="020B0609020204030204" pitchFamily="49" charset="0"/>
-                <a:cs typeface="Consolas" panose="020B0609020204030204" pitchFamily="49" charset="0"/>
-              </a:rPr>
-              <a:t/>
-            </a:r>
             <a:br>
               <a:rPr lang="de-DE" altLang="de-DE" sz="1600" dirty="0">
                 <a:solidFill>
@@ -13984,16 +13822,6 @@
                 <a:cs typeface="Consolas" panose="020B0609020204030204" pitchFamily="49" charset="0"/>
               </a:rPr>
             </a:br>
-            <a:r>
-              <a:rPr lang="de-DE" altLang="de-DE" sz="1600" dirty="0">
-                <a:solidFill>
-                  <a:srgbClr val="000000"/>
-                </a:solidFill>
-                <a:latin typeface="Consolas" panose="020B0609020204030204" pitchFamily="49" charset="0"/>
-                <a:cs typeface="Consolas" panose="020B0609020204030204" pitchFamily="49" charset="0"/>
-              </a:rPr>
-              <a:t/>
-            </a:r>
             <a:br>
               <a:rPr lang="de-DE" altLang="de-DE" sz="1600" dirty="0">
                 <a:solidFill>
@@ -14042,16 +13870,6 @@
                 <a:cs typeface="Consolas" panose="020B0609020204030204" pitchFamily="49" charset="0"/>
               </a:rPr>
             </a:br>
-            <a:r>
-              <a:rPr lang="de-DE" altLang="de-DE" sz="1600" dirty="0">
-                <a:solidFill>
-                  <a:srgbClr val="000000"/>
-                </a:solidFill>
-                <a:latin typeface="Consolas" panose="020B0609020204030204" pitchFamily="49" charset="0"/>
-                <a:cs typeface="Consolas" panose="020B0609020204030204" pitchFamily="49" charset="0"/>
-              </a:rPr>
-              <a:t/>
-            </a:r>
             <a:br>
               <a:rPr lang="de-DE" altLang="de-DE" sz="1600" dirty="0">
                 <a:solidFill>

--- a/slides/Tag-3_1-Testing.pptx
+++ b/slides/Tag-3_1-Testing.pptx
@@ -6764,7 +6764,7 @@
               <a:pPr algn="ctr">
                 <a:defRPr/>
               </a:pPr>
-              <a:t>08.02.2023</a:t>
+              <a:t>10.02.2023</a:t>
             </a:fld>
             <a:endParaRPr lang="de-DE" sz="1000" dirty="0">
               <a:solidFill>
